--- a/PPTs/695.pptx
+++ b/PPTs/695.pptx
@@ -3263,296 +3263,6 @@
     </pc:docChg>
   </pc:docChgLst>
   <pc:docChgLst>
-    <pc:chgData name="Samson Christopher" userId="6a13b5f1e64a53ae" providerId="LiveId" clId="{EC55C7B0-3DD2-4AC0-8B3B-9C5653500241}"/>
-    <pc:docChg chg="custSel addSld delSld modSld">
-      <pc:chgData name="Samson Christopher" userId="6a13b5f1e64a53ae" providerId="LiveId" clId="{EC55C7B0-3DD2-4AC0-8B3B-9C5653500241}" dt="2020-03-15T06:33:19.714" v="939" actId="1035"/>
-      <pc:docMkLst>
-        <pc:docMk/>
-      </pc:docMkLst>
-      <pc:sldChg chg="del">
-        <pc:chgData name="Samson Christopher" userId="6a13b5f1e64a53ae" providerId="LiveId" clId="{EC55C7B0-3DD2-4AC0-8B3B-9C5653500241}" dt="2020-03-15T05:47:23.278" v="37" actId="47"/>
-        <pc:sldMkLst>
-          <pc:docMk/>
-          <pc:sldMk cId="1581562933" sldId="377"/>
-        </pc:sldMkLst>
-      </pc:sldChg>
-      <pc:sldChg chg="addSp delSp modSp mod">
-        <pc:chgData name="Samson Christopher" userId="6a13b5f1e64a53ae" providerId="LiveId" clId="{EC55C7B0-3DD2-4AC0-8B3B-9C5653500241}" dt="2020-03-15T05:48:39.530" v="114" actId="1036"/>
-        <pc:sldMkLst>
-          <pc:docMk/>
-          <pc:sldMk cId="1891107864" sldId="378"/>
-        </pc:sldMkLst>
-        <pc:spChg chg="del">
-          <ac:chgData name="Samson Christopher" userId="6a13b5f1e64a53ae" providerId="LiveId" clId="{EC55C7B0-3DD2-4AC0-8B3B-9C5653500241}" dt="2020-03-15T05:43:16.133" v="8" actId="478"/>
-          <ac:spMkLst>
-            <pc:docMk/>
-            <pc:sldMk cId="1891107864" sldId="378"/>
-            <ac:spMk id="2" creationId="{01C0F75D-F9CA-4A90-BC2F-B8C08B54C31D}"/>
-          </ac:spMkLst>
-        </pc:spChg>
-        <pc:spChg chg="add mod">
-          <ac:chgData name="Samson Christopher" userId="6a13b5f1e64a53ae" providerId="LiveId" clId="{EC55C7B0-3DD2-4AC0-8B3B-9C5653500241}" dt="2020-03-15T05:48:39.530" v="114" actId="1036"/>
-          <ac:spMkLst>
-            <pc:docMk/>
-            <pc:sldMk cId="1891107864" sldId="378"/>
-            <ac:spMk id="3" creationId="{53A09441-7743-4E60-ABD3-7B1D7C8E2002}"/>
-          </ac:spMkLst>
-        </pc:spChg>
-      </pc:sldChg>
-      <pc:sldChg chg="addSp modSp add mod">
-        <pc:chgData name="Samson Christopher" userId="6a13b5f1e64a53ae" providerId="LiveId" clId="{EC55C7B0-3DD2-4AC0-8B3B-9C5653500241}" dt="2020-03-15T05:49:11.616" v="194" actId="1036"/>
-        <pc:sldMkLst>
-          <pc:docMk/>
-          <pc:sldMk cId="181024487" sldId="379"/>
-        </pc:sldMkLst>
-        <pc:spChg chg="add mod">
-          <ac:chgData name="Samson Christopher" userId="6a13b5f1e64a53ae" providerId="LiveId" clId="{EC55C7B0-3DD2-4AC0-8B3B-9C5653500241}" dt="2020-03-15T05:49:11.616" v="194" actId="1036"/>
-          <ac:spMkLst>
-            <pc:docMk/>
-            <pc:sldMk cId="181024487" sldId="379"/>
-            <ac:spMk id="2" creationId="{7AB7C429-66AC-49C2-B261-7EE1C2289B92}"/>
-          </ac:spMkLst>
-        </pc:spChg>
-      </pc:sldChg>
-      <pc:sldChg chg="del">
-        <pc:chgData name="Samson Christopher" userId="6a13b5f1e64a53ae" providerId="LiveId" clId="{EC55C7B0-3DD2-4AC0-8B3B-9C5653500241}" dt="2020-03-15T05:43:12.048" v="0" actId="47"/>
-        <pc:sldMkLst>
-          <pc:docMk/>
-          <pc:sldMk cId="4064060327" sldId="379"/>
-        </pc:sldMkLst>
-      </pc:sldChg>
-      <pc:sldChg chg="addSp modSp add mod">
-        <pc:chgData name="Samson Christopher" userId="6a13b5f1e64a53ae" providerId="LiveId" clId="{EC55C7B0-3DD2-4AC0-8B3B-9C5653500241}" dt="2020-03-15T05:49:36.445" v="275" actId="1036"/>
-        <pc:sldMkLst>
-          <pc:docMk/>
-          <pc:sldMk cId="180698031" sldId="380"/>
-        </pc:sldMkLst>
-        <pc:spChg chg="add mod">
-          <ac:chgData name="Samson Christopher" userId="6a13b5f1e64a53ae" providerId="LiveId" clId="{EC55C7B0-3DD2-4AC0-8B3B-9C5653500241}" dt="2020-03-15T05:49:36.445" v="275" actId="1036"/>
-          <ac:spMkLst>
-            <pc:docMk/>
-            <pc:sldMk cId="180698031" sldId="380"/>
-            <ac:spMk id="2" creationId="{25CFA298-83F3-4D7B-A441-23C5AC10FBB8}"/>
-          </ac:spMkLst>
-        </pc:spChg>
-      </pc:sldChg>
-      <pc:sldChg chg="del">
-        <pc:chgData name="Samson Christopher" userId="6a13b5f1e64a53ae" providerId="LiveId" clId="{EC55C7B0-3DD2-4AC0-8B3B-9C5653500241}" dt="2020-03-15T05:43:12.278" v="1" actId="47"/>
-        <pc:sldMkLst>
-          <pc:docMk/>
-          <pc:sldMk cId="2780041210" sldId="380"/>
-        </pc:sldMkLst>
-      </pc:sldChg>
-      <pc:sldChg chg="del">
-        <pc:chgData name="Samson Christopher" userId="6a13b5f1e64a53ae" providerId="LiveId" clId="{EC55C7B0-3DD2-4AC0-8B3B-9C5653500241}" dt="2020-03-15T05:43:12.464" v="2" actId="47"/>
-        <pc:sldMkLst>
-          <pc:docMk/>
-          <pc:sldMk cId="2165926743" sldId="381"/>
-        </pc:sldMkLst>
-      </pc:sldChg>
-      <pc:sldChg chg="addSp modSp add mod">
-        <pc:chgData name="Samson Christopher" userId="6a13b5f1e64a53ae" providerId="LiveId" clId="{EC55C7B0-3DD2-4AC0-8B3B-9C5653500241}" dt="2020-03-15T05:49:49.260" v="328" actId="1036"/>
-        <pc:sldMkLst>
-          <pc:docMk/>
-          <pc:sldMk cId="3294065561" sldId="381"/>
-        </pc:sldMkLst>
-        <pc:spChg chg="add mod">
-          <ac:chgData name="Samson Christopher" userId="6a13b5f1e64a53ae" providerId="LiveId" clId="{EC55C7B0-3DD2-4AC0-8B3B-9C5653500241}" dt="2020-03-15T05:49:49.260" v="328" actId="1036"/>
-          <ac:spMkLst>
-            <pc:docMk/>
-            <pc:sldMk cId="3294065561" sldId="381"/>
-            <ac:spMk id="2" creationId="{4277FD85-4633-4CFF-8733-1BAA1AF1583A}"/>
-          </ac:spMkLst>
-        </pc:spChg>
-      </pc:sldChg>
-      <pc:sldChg chg="del">
-        <pc:chgData name="Samson Christopher" userId="6a13b5f1e64a53ae" providerId="LiveId" clId="{EC55C7B0-3DD2-4AC0-8B3B-9C5653500241}" dt="2020-03-15T05:43:12.639" v="3" actId="47"/>
-        <pc:sldMkLst>
-          <pc:docMk/>
-          <pc:sldMk cId="206864072" sldId="382"/>
-        </pc:sldMkLst>
-      </pc:sldChg>
-      <pc:sldChg chg="addSp modSp add mod">
-        <pc:chgData name="Samson Christopher" userId="6a13b5f1e64a53ae" providerId="LiveId" clId="{EC55C7B0-3DD2-4AC0-8B3B-9C5653500241}" dt="2020-03-15T05:50:11.771" v="411" actId="1036"/>
-        <pc:sldMkLst>
-          <pc:docMk/>
-          <pc:sldMk cId="3801556633" sldId="382"/>
-        </pc:sldMkLst>
-        <pc:spChg chg="add mod">
-          <ac:chgData name="Samson Christopher" userId="6a13b5f1e64a53ae" providerId="LiveId" clId="{EC55C7B0-3DD2-4AC0-8B3B-9C5653500241}" dt="2020-03-15T05:50:11.771" v="411" actId="1036"/>
-          <ac:spMkLst>
-            <pc:docMk/>
-            <pc:sldMk cId="3801556633" sldId="382"/>
-            <ac:spMk id="2" creationId="{887E74AA-E584-4ED3-A7BD-7F147431D1B8}"/>
-          </ac:spMkLst>
-        </pc:spChg>
-      </pc:sldChg>
-      <pc:sldChg chg="addSp modSp add mod">
-        <pc:chgData name="Samson Christopher" userId="6a13b5f1e64a53ae" providerId="LiveId" clId="{EC55C7B0-3DD2-4AC0-8B3B-9C5653500241}" dt="2020-03-15T05:50:32.998" v="465" actId="1036"/>
-        <pc:sldMkLst>
-          <pc:docMk/>
-          <pc:sldMk cId="184152185" sldId="383"/>
-        </pc:sldMkLst>
-        <pc:spChg chg="add mod">
-          <ac:chgData name="Samson Christopher" userId="6a13b5f1e64a53ae" providerId="LiveId" clId="{EC55C7B0-3DD2-4AC0-8B3B-9C5653500241}" dt="2020-03-15T05:50:32.998" v="465" actId="1036"/>
-          <ac:spMkLst>
-            <pc:docMk/>
-            <pc:sldMk cId="184152185" sldId="383"/>
-            <ac:spMk id="2" creationId="{50CCAD8F-DF05-4EB6-B455-4FD4F57CB09A}"/>
-          </ac:spMkLst>
-        </pc:spChg>
-      </pc:sldChg>
-      <pc:sldChg chg="del">
-        <pc:chgData name="Samson Christopher" userId="6a13b5f1e64a53ae" providerId="LiveId" clId="{EC55C7B0-3DD2-4AC0-8B3B-9C5653500241}" dt="2020-03-15T05:43:12.842" v="4" actId="47"/>
-        <pc:sldMkLst>
-          <pc:docMk/>
-          <pc:sldMk cId="3241906049" sldId="383"/>
-        </pc:sldMkLst>
-      </pc:sldChg>
-      <pc:sldChg chg="addSp modSp add mod">
-        <pc:chgData name="Samson Christopher" userId="6a13b5f1e64a53ae" providerId="LiveId" clId="{EC55C7B0-3DD2-4AC0-8B3B-9C5653500241}" dt="2020-03-15T05:50:51.597" v="532" actId="1036"/>
-        <pc:sldMkLst>
-          <pc:docMk/>
-          <pc:sldMk cId="2160455218" sldId="384"/>
-        </pc:sldMkLst>
-        <pc:spChg chg="add mod">
-          <ac:chgData name="Samson Christopher" userId="6a13b5f1e64a53ae" providerId="LiveId" clId="{EC55C7B0-3DD2-4AC0-8B3B-9C5653500241}" dt="2020-03-15T05:50:51.597" v="532" actId="1036"/>
-          <ac:spMkLst>
-            <pc:docMk/>
-            <pc:sldMk cId="2160455218" sldId="384"/>
-            <ac:spMk id="2" creationId="{6FB56F61-181C-474F-B8D0-0D9CC5B68730}"/>
-          </ac:spMkLst>
-        </pc:spChg>
-      </pc:sldChg>
-      <pc:sldChg chg="del">
-        <pc:chgData name="Samson Christopher" userId="6a13b5f1e64a53ae" providerId="LiveId" clId="{EC55C7B0-3DD2-4AC0-8B3B-9C5653500241}" dt="2020-03-15T05:43:13.200" v="5" actId="47"/>
-        <pc:sldMkLst>
-          <pc:docMk/>
-          <pc:sldMk cId="3831279338" sldId="384"/>
-        </pc:sldMkLst>
-      </pc:sldChg>
-      <pc:sldChg chg="addSp modSp add mod">
-        <pc:chgData name="Samson Christopher" userId="6a13b5f1e64a53ae" providerId="LiveId" clId="{EC55C7B0-3DD2-4AC0-8B3B-9C5653500241}" dt="2020-03-15T05:51:12.475" v="594" actId="1035"/>
-        <pc:sldMkLst>
-          <pc:docMk/>
-          <pc:sldMk cId="1101370219" sldId="385"/>
-        </pc:sldMkLst>
-        <pc:spChg chg="add mod">
-          <ac:chgData name="Samson Christopher" userId="6a13b5f1e64a53ae" providerId="LiveId" clId="{EC55C7B0-3DD2-4AC0-8B3B-9C5653500241}" dt="2020-03-15T05:51:12.475" v="594" actId="1035"/>
-          <ac:spMkLst>
-            <pc:docMk/>
-            <pc:sldMk cId="1101370219" sldId="385"/>
-            <ac:spMk id="2" creationId="{AC5E134B-1BAF-466E-96CD-BB99BDB9668B}"/>
-          </ac:spMkLst>
-        </pc:spChg>
-      </pc:sldChg>
-      <pc:sldChg chg="del">
-        <pc:chgData name="Samson Christopher" userId="6a13b5f1e64a53ae" providerId="LiveId" clId="{EC55C7B0-3DD2-4AC0-8B3B-9C5653500241}" dt="2020-03-15T05:43:13.403" v="6" actId="47"/>
-        <pc:sldMkLst>
-          <pc:docMk/>
-          <pc:sldMk cId="3009269757" sldId="385"/>
-        </pc:sldMkLst>
-      </pc:sldChg>
-      <pc:sldChg chg="del">
-        <pc:chgData name="Samson Christopher" userId="6a13b5f1e64a53ae" providerId="LiveId" clId="{EC55C7B0-3DD2-4AC0-8B3B-9C5653500241}" dt="2020-03-15T05:43:13.715" v="7" actId="47"/>
-        <pc:sldMkLst>
-          <pc:docMk/>
-          <pc:sldMk cId="1038964116" sldId="386"/>
-        </pc:sldMkLst>
-      </pc:sldChg>
-      <pc:sldChg chg="addSp modSp add mod">
-        <pc:chgData name="Samson Christopher" userId="6a13b5f1e64a53ae" providerId="LiveId" clId="{EC55C7B0-3DD2-4AC0-8B3B-9C5653500241}" dt="2020-03-15T05:51:27.621" v="640" actId="1036"/>
-        <pc:sldMkLst>
-          <pc:docMk/>
-          <pc:sldMk cId="4161900514" sldId="386"/>
-        </pc:sldMkLst>
-        <pc:spChg chg="add mod">
-          <ac:chgData name="Samson Christopher" userId="6a13b5f1e64a53ae" providerId="LiveId" clId="{EC55C7B0-3DD2-4AC0-8B3B-9C5653500241}" dt="2020-03-15T05:51:27.621" v="640" actId="1036"/>
-          <ac:spMkLst>
-            <pc:docMk/>
-            <pc:sldMk cId="4161900514" sldId="386"/>
-            <ac:spMk id="2" creationId="{20DB9DD8-F33A-4E63-9CC9-52820B933A2E}"/>
-          </ac:spMkLst>
-        </pc:spChg>
-      </pc:sldChg>
-      <pc:sldChg chg="addSp modSp add mod">
-        <pc:chgData name="Samson Christopher" userId="6a13b5f1e64a53ae" providerId="LiveId" clId="{EC55C7B0-3DD2-4AC0-8B3B-9C5653500241}" dt="2020-03-15T05:51:44.700" v="697" actId="1036"/>
-        <pc:sldMkLst>
-          <pc:docMk/>
-          <pc:sldMk cId="801528543" sldId="387"/>
-        </pc:sldMkLst>
-        <pc:spChg chg="add mod">
-          <ac:chgData name="Samson Christopher" userId="6a13b5f1e64a53ae" providerId="LiveId" clId="{EC55C7B0-3DD2-4AC0-8B3B-9C5653500241}" dt="2020-03-15T05:51:44.700" v="697" actId="1036"/>
-          <ac:spMkLst>
-            <pc:docMk/>
-            <pc:sldMk cId="801528543" sldId="387"/>
-            <ac:spMk id="2" creationId="{6D9F4990-5395-4067-B01B-E7831EE8025A}"/>
-          </ac:spMkLst>
-        </pc:spChg>
-      </pc:sldChg>
-      <pc:sldChg chg="addSp modSp add mod">
-        <pc:chgData name="Samson Christopher" userId="6a13b5f1e64a53ae" providerId="LiveId" clId="{EC55C7B0-3DD2-4AC0-8B3B-9C5653500241}" dt="2020-03-15T06:32:30.631" v="772" actId="1036"/>
-        <pc:sldMkLst>
-          <pc:docMk/>
-          <pc:sldMk cId="4148630474" sldId="388"/>
-        </pc:sldMkLst>
-        <pc:spChg chg="add mod">
-          <ac:chgData name="Samson Christopher" userId="6a13b5f1e64a53ae" providerId="LiveId" clId="{EC55C7B0-3DD2-4AC0-8B3B-9C5653500241}" dt="2020-03-15T06:32:30.631" v="772" actId="1036"/>
-          <ac:spMkLst>
-            <pc:docMk/>
-            <pc:sldMk cId="4148630474" sldId="388"/>
-            <ac:spMk id="2" creationId="{EA8CD3AA-3933-4C93-A733-21CB2DB2E394}"/>
-          </ac:spMkLst>
-        </pc:spChg>
-      </pc:sldChg>
-      <pc:sldChg chg="addSp modSp add mod">
-        <pc:chgData name="Samson Christopher" userId="6a13b5f1e64a53ae" providerId="LiveId" clId="{EC55C7B0-3DD2-4AC0-8B3B-9C5653500241}" dt="2020-03-15T06:32:46.298" v="839" actId="1036"/>
-        <pc:sldMkLst>
-          <pc:docMk/>
-          <pc:sldMk cId="1346827225" sldId="389"/>
-        </pc:sldMkLst>
-        <pc:spChg chg="add mod">
-          <ac:chgData name="Samson Christopher" userId="6a13b5f1e64a53ae" providerId="LiveId" clId="{EC55C7B0-3DD2-4AC0-8B3B-9C5653500241}" dt="2020-03-15T06:32:46.298" v="839" actId="1036"/>
-          <ac:spMkLst>
-            <pc:docMk/>
-            <pc:sldMk cId="1346827225" sldId="389"/>
-            <ac:spMk id="2" creationId="{BA6AFFF4-0D08-4506-ACD8-B31E2528BBBF}"/>
-          </ac:spMkLst>
-        </pc:spChg>
-      </pc:sldChg>
-      <pc:sldChg chg="addSp modSp add mod">
-        <pc:chgData name="Samson Christopher" userId="6a13b5f1e64a53ae" providerId="LiveId" clId="{EC55C7B0-3DD2-4AC0-8B3B-9C5653500241}" dt="2020-03-15T06:33:02.898" v="886" actId="1036"/>
-        <pc:sldMkLst>
-          <pc:docMk/>
-          <pc:sldMk cId="578670811" sldId="390"/>
-        </pc:sldMkLst>
-        <pc:spChg chg="add mod">
-          <ac:chgData name="Samson Christopher" userId="6a13b5f1e64a53ae" providerId="LiveId" clId="{EC55C7B0-3DD2-4AC0-8B3B-9C5653500241}" dt="2020-03-15T06:33:02.898" v="886" actId="1036"/>
-          <ac:spMkLst>
-            <pc:docMk/>
-            <pc:sldMk cId="578670811" sldId="390"/>
-            <ac:spMk id="2" creationId="{25DC9590-42BE-45BB-9568-163FB510DDBC}"/>
-          </ac:spMkLst>
-        </pc:spChg>
-      </pc:sldChg>
-      <pc:sldChg chg="addSp modSp add mod">
-        <pc:chgData name="Samson Christopher" userId="6a13b5f1e64a53ae" providerId="LiveId" clId="{EC55C7B0-3DD2-4AC0-8B3B-9C5653500241}" dt="2020-03-15T06:33:19.714" v="939" actId="1035"/>
-        <pc:sldMkLst>
-          <pc:docMk/>
-          <pc:sldMk cId="3541382118" sldId="391"/>
-        </pc:sldMkLst>
-        <pc:spChg chg="add mod">
-          <ac:chgData name="Samson Christopher" userId="6a13b5f1e64a53ae" providerId="LiveId" clId="{EC55C7B0-3DD2-4AC0-8B3B-9C5653500241}" dt="2020-03-15T06:33:19.714" v="939" actId="1035"/>
-          <ac:spMkLst>
-            <pc:docMk/>
-            <pc:sldMk cId="3541382118" sldId="391"/>
-            <ac:spMk id="2" creationId="{F42164F0-00D0-4A0E-AE75-F74017B807D7}"/>
-          </ac:spMkLst>
-        </pc:spChg>
-      </pc:sldChg>
-    </pc:docChg>
-  </pc:docChgLst>
-  <pc:docChgLst>
     <pc:chgData name="Samson Christopher" userId="6a13b5f1e64a53ae" providerId="LiveId" clId="{A4B6DB8A-F574-4915-9E40-F6F0D9D43C61}"/>
     <pc:docChg chg="undo custSel addSld delSld modSld">
       <pc:chgData name="Samson Christopher" userId="6a13b5f1e64a53ae" providerId="LiveId" clId="{A4B6DB8A-F574-4915-9E40-F6F0D9D43C61}" dt="2020-03-08T03:58:53.603" v="2326" actId="1036"/>
@@ -4972,6 +4682,296 @@
     </pc:docChg>
   </pc:docChgLst>
   <pc:docChgLst>
+    <pc:chgData name="Samson Christopher" userId="6a13b5f1e64a53ae" providerId="LiveId" clId="{EC55C7B0-3DD2-4AC0-8B3B-9C5653500241}"/>
+    <pc:docChg chg="custSel addSld delSld modSld">
+      <pc:chgData name="Samson Christopher" userId="6a13b5f1e64a53ae" providerId="LiveId" clId="{EC55C7B0-3DD2-4AC0-8B3B-9C5653500241}" dt="2020-03-15T06:33:19.714" v="939" actId="1035"/>
+      <pc:docMkLst>
+        <pc:docMk/>
+      </pc:docMkLst>
+      <pc:sldChg chg="del">
+        <pc:chgData name="Samson Christopher" userId="6a13b5f1e64a53ae" providerId="LiveId" clId="{EC55C7B0-3DD2-4AC0-8B3B-9C5653500241}" dt="2020-03-15T05:47:23.278" v="37" actId="47"/>
+        <pc:sldMkLst>
+          <pc:docMk/>
+          <pc:sldMk cId="1581562933" sldId="377"/>
+        </pc:sldMkLst>
+      </pc:sldChg>
+      <pc:sldChg chg="addSp delSp modSp mod">
+        <pc:chgData name="Samson Christopher" userId="6a13b5f1e64a53ae" providerId="LiveId" clId="{EC55C7B0-3DD2-4AC0-8B3B-9C5653500241}" dt="2020-03-15T05:48:39.530" v="114" actId="1036"/>
+        <pc:sldMkLst>
+          <pc:docMk/>
+          <pc:sldMk cId="1891107864" sldId="378"/>
+        </pc:sldMkLst>
+        <pc:spChg chg="del">
+          <ac:chgData name="Samson Christopher" userId="6a13b5f1e64a53ae" providerId="LiveId" clId="{EC55C7B0-3DD2-4AC0-8B3B-9C5653500241}" dt="2020-03-15T05:43:16.133" v="8" actId="478"/>
+          <ac:spMkLst>
+            <pc:docMk/>
+            <pc:sldMk cId="1891107864" sldId="378"/>
+            <ac:spMk id="2" creationId="{01C0F75D-F9CA-4A90-BC2F-B8C08B54C31D}"/>
+          </ac:spMkLst>
+        </pc:spChg>
+        <pc:spChg chg="add mod">
+          <ac:chgData name="Samson Christopher" userId="6a13b5f1e64a53ae" providerId="LiveId" clId="{EC55C7B0-3DD2-4AC0-8B3B-9C5653500241}" dt="2020-03-15T05:48:39.530" v="114" actId="1036"/>
+          <ac:spMkLst>
+            <pc:docMk/>
+            <pc:sldMk cId="1891107864" sldId="378"/>
+            <ac:spMk id="3" creationId="{53A09441-7743-4E60-ABD3-7B1D7C8E2002}"/>
+          </ac:spMkLst>
+        </pc:spChg>
+      </pc:sldChg>
+      <pc:sldChg chg="addSp modSp add mod">
+        <pc:chgData name="Samson Christopher" userId="6a13b5f1e64a53ae" providerId="LiveId" clId="{EC55C7B0-3DD2-4AC0-8B3B-9C5653500241}" dt="2020-03-15T05:49:11.616" v="194" actId="1036"/>
+        <pc:sldMkLst>
+          <pc:docMk/>
+          <pc:sldMk cId="181024487" sldId="379"/>
+        </pc:sldMkLst>
+        <pc:spChg chg="add mod">
+          <ac:chgData name="Samson Christopher" userId="6a13b5f1e64a53ae" providerId="LiveId" clId="{EC55C7B0-3DD2-4AC0-8B3B-9C5653500241}" dt="2020-03-15T05:49:11.616" v="194" actId="1036"/>
+          <ac:spMkLst>
+            <pc:docMk/>
+            <pc:sldMk cId="181024487" sldId="379"/>
+            <ac:spMk id="2" creationId="{7AB7C429-66AC-49C2-B261-7EE1C2289B92}"/>
+          </ac:spMkLst>
+        </pc:spChg>
+      </pc:sldChg>
+      <pc:sldChg chg="del">
+        <pc:chgData name="Samson Christopher" userId="6a13b5f1e64a53ae" providerId="LiveId" clId="{EC55C7B0-3DD2-4AC0-8B3B-9C5653500241}" dt="2020-03-15T05:43:12.048" v="0" actId="47"/>
+        <pc:sldMkLst>
+          <pc:docMk/>
+          <pc:sldMk cId="4064060327" sldId="379"/>
+        </pc:sldMkLst>
+      </pc:sldChg>
+      <pc:sldChg chg="addSp modSp add mod">
+        <pc:chgData name="Samson Christopher" userId="6a13b5f1e64a53ae" providerId="LiveId" clId="{EC55C7B0-3DD2-4AC0-8B3B-9C5653500241}" dt="2020-03-15T05:49:36.445" v="275" actId="1036"/>
+        <pc:sldMkLst>
+          <pc:docMk/>
+          <pc:sldMk cId="180698031" sldId="380"/>
+        </pc:sldMkLst>
+        <pc:spChg chg="add mod">
+          <ac:chgData name="Samson Christopher" userId="6a13b5f1e64a53ae" providerId="LiveId" clId="{EC55C7B0-3DD2-4AC0-8B3B-9C5653500241}" dt="2020-03-15T05:49:36.445" v="275" actId="1036"/>
+          <ac:spMkLst>
+            <pc:docMk/>
+            <pc:sldMk cId="180698031" sldId="380"/>
+            <ac:spMk id="2" creationId="{25CFA298-83F3-4D7B-A441-23C5AC10FBB8}"/>
+          </ac:spMkLst>
+        </pc:spChg>
+      </pc:sldChg>
+      <pc:sldChg chg="del">
+        <pc:chgData name="Samson Christopher" userId="6a13b5f1e64a53ae" providerId="LiveId" clId="{EC55C7B0-3DD2-4AC0-8B3B-9C5653500241}" dt="2020-03-15T05:43:12.278" v="1" actId="47"/>
+        <pc:sldMkLst>
+          <pc:docMk/>
+          <pc:sldMk cId="2780041210" sldId="380"/>
+        </pc:sldMkLst>
+      </pc:sldChg>
+      <pc:sldChg chg="del">
+        <pc:chgData name="Samson Christopher" userId="6a13b5f1e64a53ae" providerId="LiveId" clId="{EC55C7B0-3DD2-4AC0-8B3B-9C5653500241}" dt="2020-03-15T05:43:12.464" v="2" actId="47"/>
+        <pc:sldMkLst>
+          <pc:docMk/>
+          <pc:sldMk cId="2165926743" sldId="381"/>
+        </pc:sldMkLst>
+      </pc:sldChg>
+      <pc:sldChg chg="addSp modSp add mod">
+        <pc:chgData name="Samson Christopher" userId="6a13b5f1e64a53ae" providerId="LiveId" clId="{EC55C7B0-3DD2-4AC0-8B3B-9C5653500241}" dt="2020-03-15T05:49:49.260" v="328" actId="1036"/>
+        <pc:sldMkLst>
+          <pc:docMk/>
+          <pc:sldMk cId="3294065561" sldId="381"/>
+        </pc:sldMkLst>
+        <pc:spChg chg="add mod">
+          <ac:chgData name="Samson Christopher" userId="6a13b5f1e64a53ae" providerId="LiveId" clId="{EC55C7B0-3DD2-4AC0-8B3B-9C5653500241}" dt="2020-03-15T05:49:49.260" v="328" actId="1036"/>
+          <ac:spMkLst>
+            <pc:docMk/>
+            <pc:sldMk cId="3294065561" sldId="381"/>
+            <ac:spMk id="2" creationId="{4277FD85-4633-4CFF-8733-1BAA1AF1583A}"/>
+          </ac:spMkLst>
+        </pc:spChg>
+      </pc:sldChg>
+      <pc:sldChg chg="del">
+        <pc:chgData name="Samson Christopher" userId="6a13b5f1e64a53ae" providerId="LiveId" clId="{EC55C7B0-3DD2-4AC0-8B3B-9C5653500241}" dt="2020-03-15T05:43:12.639" v="3" actId="47"/>
+        <pc:sldMkLst>
+          <pc:docMk/>
+          <pc:sldMk cId="206864072" sldId="382"/>
+        </pc:sldMkLst>
+      </pc:sldChg>
+      <pc:sldChg chg="addSp modSp add mod">
+        <pc:chgData name="Samson Christopher" userId="6a13b5f1e64a53ae" providerId="LiveId" clId="{EC55C7B0-3DD2-4AC0-8B3B-9C5653500241}" dt="2020-03-15T05:50:11.771" v="411" actId="1036"/>
+        <pc:sldMkLst>
+          <pc:docMk/>
+          <pc:sldMk cId="3801556633" sldId="382"/>
+        </pc:sldMkLst>
+        <pc:spChg chg="add mod">
+          <ac:chgData name="Samson Christopher" userId="6a13b5f1e64a53ae" providerId="LiveId" clId="{EC55C7B0-3DD2-4AC0-8B3B-9C5653500241}" dt="2020-03-15T05:50:11.771" v="411" actId="1036"/>
+          <ac:spMkLst>
+            <pc:docMk/>
+            <pc:sldMk cId="3801556633" sldId="382"/>
+            <ac:spMk id="2" creationId="{887E74AA-E584-4ED3-A7BD-7F147431D1B8}"/>
+          </ac:spMkLst>
+        </pc:spChg>
+      </pc:sldChg>
+      <pc:sldChg chg="addSp modSp add mod">
+        <pc:chgData name="Samson Christopher" userId="6a13b5f1e64a53ae" providerId="LiveId" clId="{EC55C7B0-3DD2-4AC0-8B3B-9C5653500241}" dt="2020-03-15T05:50:32.998" v="465" actId="1036"/>
+        <pc:sldMkLst>
+          <pc:docMk/>
+          <pc:sldMk cId="184152185" sldId="383"/>
+        </pc:sldMkLst>
+        <pc:spChg chg="add mod">
+          <ac:chgData name="Samson Christopher" userId="6a13b5f1e64a53ae" providerId="LiveId" clId="{EC55C7B0-3DD2-4AC0-8B3B-9C5653500241}" dt="2020-03-15T05:50:32.998" v="465" actId="1036"/>
+          <ac:spMkLst>
+            <pc:docMk/>
+            <pc:sldMk cId="184152185" sldId="383"/>
+            <ac:spMk id="2" creationId="{50CCAD8F-DF05-4EB6-B455-4FD4F57CB09A}"/>
+          </ac:spMkLst>
+        </pc:spChg>
+      </pc:sldChg>
+      <pc:sldChg chg="del">
+        <pc:chgData name="Samson Christopher" userId="6a13b5f1e64a53ae" providerId="LiveId" clId="{EC55C7B0-3DD2-4AC0-8B3B-9C5653500241}" dt="2020-03-15T05:43:12.842" v="4" actId="47"/>
+        <pc:sldMkLst>
+          <pc:docMk/>
+          <pc:sldMk cId="3241906049" sldId="383"/>
+        </pc:sldMkLst>
+      </pc:sldChg>
+      <pc:sldChg chg="addSp modSp add mod">
+        <pc:chgData name="Samson Christopher" userId="6a13b5f1e64a53ae" providerId="LiveId" clId="{EC55C7B0-3DD2-4AC0-8B3B-9C5653500241}" dt="2020-03-15T05:50:51.597" v="532" actId="1036"/>
+        <pc:sldMkLst>
+          <pc:docMk/>
+          <pc:sldMk cId="2160455218" sldId="384"/>
+        </pc:sldMkLst>
+        <pc:spChg chg="add mod">
+          <ac:chgData name="Samson Christopher" userId="6a13b5f1e64a53ae" providerId="LiveId" clId="{EC55C7B0-3DD2-4AC0-8B3B-9C5653500241}" dt="2020-03-15T05:50:51.597" v="532" actId="1036"/>
+          <ac:spMkLst>
+            <pc:docMk/>
+            <pc:sldMk cId="2160455218" sldId="384"/>
+            <ac:spMk id="2" creationId="{6FB56F61-181C-474F-B8D0-0D9CC5B68730}"/>
+          </ac:spMkLst>
+        </pc:spChg>
+      </pc:sldChg>
+      <pc:sldChg chg="del">
+        <pc:chgData name="Samson Christopher" userId="6a13b5f1e64a53ae" providerId="LiveId" clId="{EC55C7B0-3DD2-4AC0-8B3B-9C5653500241}" dt="2020-03-15T05:43:13.200" v="5" actId="47"/>
+        <pc:sldMkLst>
+          <pc:docMk/>
+          <pc:sldMk cId="3831279338" sldId="384"/>
+        </pc:sldMkLst>
+      </pc:sldChg>
+      <pc:sldChg chg="addSp modSp add mod">
+        <pc:chgData name="Samson Christopher" userId="6a13b5f1e64a53ae" providerId="LiveId" clId="{EC55C7B0-3DD2-4AC0-8B3B-9C5653500241}" dt="2020-03-15T05:51:12.475" v="594" actId="1035"/>
+        <pc:sldMkLst>
+          <pc:docMk/>
+          <pc:sldMk cId="1101370219" sldId="385"/>
+        </pc:sldMkLst>
+        <pc:spChg chg="add mod">
+          <ac:chgData name="Samson Christopher" userId="6a13b5f1e64a53ae" providerId="LiveId" clId="{EC55C7B0-3DD2-4AC0-8B3B-9C5653500241}" dt="2020-03-15T05:51:12.475" v="594" actId="1035"/>
+          <ac:spMkLst>
+            <pc:docMk/>
+            <pc:sldMk cId="1101370219" sldId="385"/>
+            <ac:spMk id="2" creationId="{AC5E134B-1BAF-466E-96CD-BB99BDB9668B}"/>
+          </ac:spMkLst>
+        </pc:spChg>
+      </pc:sldChg>
+      <pc:sldChg chg="del">
+        <pc:chgData name="Samson Christopher" userId="6a13b5f1e64a53ae" providerId="LiveId" clId="{EC55C7B0-3DD2-4AC0-8B3B-9C5653500241}" dt="2020-03-15T05:43:13.403" v="6" actId="47"/>
+        <pc:sldMkLst>
+          <pc:docMk/>
+          <pc:sldMk cId="3009269757" sldId="385"/>
+        </pc:sldMkLst>
+      </pc:sldChg>
+      <pc:sldChg chg="del">
+        <pc:chgData name="Samson Christopher" userId="6a13b5f1e64a53ae" providerId="LiveId" clId="{EC55C7B0-3DD2-4AC0-8B3B-9C5653500241}" dt="2020-03-15T05:43:13.715" v="7" actId="47"/>
+        <pc:sldMkLst>
+          <pc:docMk/>
+          <pc:sldMk cId="1038964116" sldId="386"/>
+        </pc:sldMkLst>
+      </pc:sldChg>
+      <pc:sldChg chg="addSp modSp add mod">
+        <pc:chgData name="Samson Christopher" userId="6a13b5f1e64a53ae" providerId="LiveId" clId="{EC55C7B0-3DD2-4AC0-8B3B-9C5653500241}" dt="2020-03-15T05:51:27.621" v="640" actId="1036"/>
+        <pc:sldMkLst>
+          <pc:docMk/>
+          <pc:sldMk cId="4161900514" sldId="386"/>
+        </pc:sldMkLst>
+        <pc:spChg chg="add mod">
+          <ac:chgData name="Samson Christopher" userId="6a13b5f1e64a53ae" providerId="LiveId" clId="{EC55C7B0-3DD2-4AC0-8B3B-9C5653500241}" dt="2020-03-15T05:51:27.621" v="640" actId="1036"/>
+          <ac:spMkLst>
+            <pc:docMk/>
+            <pc:sldMk cId="4161900514" sldId="386"/>
+            <ac:spMk id="2" creationId="{20DB9DD8-F33A-4E63-9CC9-52820B933A2E}"/>
+          </ac:spMkLst>
+        </pc:spChg>
+      </pc:sldChg>
+      <pc:sldChg chg="addSp modSp add mod">
+        <pc:chgData name="Samson Christopher" userId="6a13b5f1e64a53ae" providerId="LiveId" clId="{EC55C7B0-3DD2-4AC0-8B3B-9C5653500241}" dt="2020-03-15T05:51:44.700" v="697" actId="1036"/>
+        <pc:sldMkLst>
+          <pc:docMk/>
+          <pc:sldMk cId="801528543" sldId="387"/>
+        </pc:sldMkLst>
+        <pc:spChg chg="add mod">
+          <ac:chgData name="Samson Christopher" userId="6a13b5f1e64a53ae" providerId="LiveId" clId="{EC55C7B0-3DD2-4AC0-8B3B-9C5653500241}" dt="2020-03-15T05:51:44.700" v="697" actId="1036"/>
+          <ac:spMkLst>
+            <pc:docMk/>
+            <pc:sldMk cId="801528543" sldId="387"/>
+            <ac:spMk id="2" creationId="{6D9F4990-5395-4067-B01B-E7831EE8025A}"/>
+          </ac:spMkLst>
+        </pc:spChg>
+      </pc:sldChg>
+      <pc:sldChg chg="addSp modSp add mod">
+        <pc:chgData name="Samson Christopher" userId="6a13b5f1e64a53ae" providerId="LiveId" clId="{EC55C7B0-3DD2-4AC0-8B3B-9C5653500241}" dt="2020-03-15T06:32:30.631" v="772" actId="1036"/>
+        <pc:sldMkLst>
+          <pc:docMk/>
+          <pc:sldMk cId="4148630474" sldId="388"/>
+        </pc:sldMkLst>
+        <pc:spChg chg="add mod">
+          <ac:chgData name="Samson Christopher" userId="6a13b5f1e64a53ae" providerId="LiveId" clId="{EC55C7B0-3DD2-4AC0-8B3B-9C5653500241}" dt="2020-03-15T06:32:30.631" v="772" actId="1036"/>
+          <ac:spMkLst>
+            <pc:docMk/>
+            <pc:sldMk cId="4148630474" sldId="388"/>
+            <ac:spMk id="2" creationId="{EA8CD3AA-3933-4C93-A733-21CB2DB2E394}"/>
+          </ac:spMkLst>
+        </pc:spChg>
+      </pc:sldChg>
+      <pc:sldChg chg="addSp modSp add mod">
+        <pc:chgData name="Samson Christopher" userId="6a13b5f1e64a53ae" providerId="LiveId" clId="{EC55C7B0-3DD2-4AC0-8B3B-9C5653500241}" dt="2020-03-15T06:32:46.298" v="839" actId="1036"/>
+        <pc:sldMkLst>
+          <pc:docMk/>
+          <pc:sldMk cId="1346827225" sldId="389"/>
+        </pc:sldMkLst>
+        <pc:spChg chg="add mod">
+          <ac:chgData name="Samson Christopher" userId="6a13b5f1e64a53ae" providerId="LiveId" clId="{EC55C7B0-3DD2-4AC0-8B3B-9C5653500241}" dt="2020-03-15T06:32:46.298" v="839" actId="1036"/>
+          <ac:spMkLst>
+            <pc:docMk/>
+            <pc:sldMk cId="1346827225" sldId="389"/>
+            <ac:spMk id="2" creationId="{BA6AFFF4-0D08-4506-ACD8-B31E2528BBBF}"/>
+          </ac:spMkLst>
+        </pc:spChg>
+      </pc:sldChg>
+      <pc:sldChg chg="addSp modSp add mod">
+        <pc:chgData name="Samson Christopher" userId="6a13b5f1e64a53ae" providerId="LiveId" clId="{EC55C7B0-3DD2-4AC0-8B3B-9C5653500241}" dt="2020-03-15T06:33:02.898" v="886" actId="1036"/>
+        <pc:sldMkLst>
+          <pc:docMk/>
+          <pc:sldMk cId="578670811" sldId="390"/>
+        </pc:sldMkLst>
+        <pc:spChg chg="add mod">
+          <ac:chgData name="Samson Christopher" userId="6a13b5f1e64a53ae" providerId="LiveId" clId="{EC55C7B0-3DD2-4AC0-8B3B-9C5653500241}" dt="2020-03-15T06:33:02.898" v="886" actId="1036"/>
+          <ac:spMkLst>
+            <pc:docMk/>
+            <pc:sldMk cId="578670811" sldId="390"/>
+            <ac:spMk id="2" creationId="{25DC9590-42BE-45BB-9568-163FB510DDBC}"/>
+          </ac:spMkLst>
+        </pc:spChg>
+      </pc:sldChg>
+      <pc:sldChg chg="addSp modSp add mod">
+        <pc:chgData name="Samson Christopher" userId="6a13b5f1e64a53ae" providerId="LiveId" clId="{EC55C7B0-3DD2-4AC0-8B3B-9C5653500241}" dt="2020-03-15T06:33:19.714" v="939" actId="1035"/>
+        <pc:sldMkLst>
+          <pc:docMk/>
+          <pc:sldMk cId="3541382118" sldId="391"/>
+        </pc:sldMkLst>
+        <pc:spChg chg="add mod">
+          <ac:chgData name="Samson Christopher" userId="6a13b5f1e64a53ae" providerId="LiveId" clId="{EC55C7B0-3DD2-4AC0-8B3B-9C5653500241}" dt="2020-03-15T06:33:19.714" v="939" actId="1035"/>
+          <ac:spMkLst>
+            <pc:docMk/>
+            <pc:sldMk cId="3541382118" sldId="391"/>
+            <ac:spMk id="2" creationId="{F42164F0-00D0-4A0E-AE75-F74017B807D7}"/>
+          </ac:spMkLst>
+        </pc:spChg>
+      </pc:sldChg>
+    </pc:docChg>
+  </pc:docChgLst>
+  <pc:docChgLst>
     <pc:chgData name="Samson Christopher" userId="6a13b5f1e64a53ae" providerId="LiveId" clId="{41E04003-240B-4013-9584-7771F3ADFBC1}"/>
     <pc:docChg chg="custSel addSld delSld modSld">
       <pc:chgData name="Samson Christopher" userId="6a13b5f1e64a53ae" providerId="LiveId" clId="{41E04003-240B-4013-9584-7771F3ADFBC1}" dt="2020-03-01T03:17:59.159" v="945" actId="1035"/>
@@ -6588,420 +6588,1821 @@
     </pc:docChg>
   </pc:docChgLst>
   <pc:docChgLst>
-    <pc:chgData name="Samson Christopher" userId="6a13b5f1e64a53ae" providerId="LiveId" clId="{C16499E8-3036-4BF7-9970-91F1855AC027}"/>
-    <pc:docChg chg="custSel addSld delSld modSld">
-      <pc:chgData name="Samson Christopher" userId="6a13b5f1e64a53ae" providerId="LiveId" clId="{C16499E8-3036-4BF7-9970-91F1855AC027}" dt="2020-03-15T14:53:00.456" v="1072" actId="1035"/>
+    <pc:chgData name="Samson Christopher" userId="6a13b5f1e64a53ae" providerId="LiveId" clId="{FE3E3312-A592-47B5-8AF9-6A6BF1622581}"/>
+    <pc:docChg chg="undo custSel addSld delSld modSld">
+      <pc:chgData name="Samson Christopher" userId="6a13b5f1e64a53ae" providerId="LiveId" clId="{FE3E3312-A592-47B5-8AF9-6A6BF1622581}" dt="2020-02-08T19:36:32" v="5791" actId="1036"/>
       <pc:docMkLst>
         <pc:docMk/>
       </pc:docMkLst>
       <pc:sldChg chg="del">
-        <pc:chgData name="Samson Christopher" userId="6a13b5f1e64a53ae" providerId="LiveId" clId="{C16499E8-3036-4BF7-9970-91F1855AC027}" dt="2020-03-15T14:41:57.359" v="57" actId="47"/>
-        <pc:sldMkLst>
-          <pc:docMk/>
-          <pc:sldMk cId="1281534475" sldId="387"/>
-        </pc:sldMkLst>
-      </pc:sldChg>
-      <pc:sldChg chg="addSp delSp modSp mod">
-        <pc:chgData name="Samson Christopher" userId="6a13b5f1e64a53ae" providerId="LiveId" clId="{C16499E8-3036-4BF7-9970-91F1855AC027}" dt="2020-03-15T14:43:21.270" v="119" actId="1035"/>
-        <pc:sldMkLst>
-          <pc:docMk/>
-          <pc:sldMk cId="3837972156" sldId="388"/>
+        <pc:chgData name="Samson Christopher" userId="6a13b5f1e64a53ae" providerId="LiveId" clId="{FE3E3312-A592-47B5-8AF9-6A6BF1622581}" dt="2020-01-26T14:22:17.450" v="36" actId="47"/>
+        <pc:sldMkLst>
+          <pc:docMk/>
+          <pc:sldMk cId="2558601213" sldId="279"/>
+        </pc:sldMkLst>
+      </pc:sldChg>
+      <pc:sldChg chg="addSp delSp modSp add del">
+        <pc:chgData name="Samson Christopher" userId="6a13b5f1e64a53ae" providerId="LiveId" clId="{FE3E3312-A592-47B5-8AF9-6A6BF1622581}" dt="2020-02-01T17:29:58.808" v="253" actId="47"/>
+        <pc:sldMkLst>
+          <pc:docMk/>
+          <pc:sldMk cId="2038276810" sldId="280"/>
         </pc:sldMkLst>
         <pc:spChg chg="del">
-          <ac:chgData name="Samson Christopher" userId="6a13b5f1e64a53ae" providerId="LiveId" clId="{C16499E8-3036-4BF7-9970-91F1855AC027}" dt="2020-03-15T14:37:29.569" v="20" actId="478"/>
-          <ac:spMkLst>
-            <pc:docMk/>
-            <pc:sldMk cId="3837972156" sldId="388"/>
-            <ac:spMk id="2" creationId="{114ACF03-D0EE-4DC6-A746-A3DADC90A068}"/>
-          </ac:spMkLst>
-        </pc:spChg>
-        <pc:spChg chg="add mod">
-          <ac:chgData name="Samson Christopher" userId="6a13b5f1e64a53ae" providerId="LiveId" clId="{C16499E8-3036-4BF7-9970-91F1855AC027}" dt="2020-03-15T14:43:21.270" v="119" actId="1035"/>
-          <ac:spMkLst>
-            <pc:docMk/>
-            <pc:sldMk cId="3837972156" sldId="388"/>
-            <ac:spMk id="3" creationId="{A49D7F30-8F28-4471-B209-610C3E4BEB58}"/>
-          </ac:spMkLst>
-        </pc:spChg>
-      </pc:sldChg>
-      <pc:sldChg chg="addSp modSp add mod">
-        <pc:chgData name="Samson Christopher" userId="6a13b5f1e64a53ae" providerId="LiveId" clId="{C16499E8-3036-4BF7-9970-91F1855AC027}" dt="2020-03-15T14:44:31.813" v="184" actId="1036"/>
-        <pc:sldMkLst>
-          <pc:docMk/>
-          <pc:sldMk cId="1777894342" sldId="389"/>
-        </pc:sldMkLst>
-        <pc:spChg chg="add mod">
-          <ac:chgData name="Samson Christopher" userId="6a13b5f1e64a53ae" providerId="LiveId" clId="{C16499E8-3036-4BF7-9970-91F1855AC027}" dt="2020-03-15T14:44:31.813" v="184" actId="1036"/>
-          <ac:spMkLst>
-            <pc:docMk/>
-            <pc:sldMk cId="1777894342" sldId="389"/>
-            <ac:spMk id="2" creationId="{284DEECD-9B22-467C-BE0F-BF7DD7D7238D}"/>
-          </ac:spMkLst>
-        </pc:spChg>
-      </pc:sldChg>
-      <pc:sldChg chg="del">
-        <pc:chgData name="Samson Christopher" userId="6a13b5f1e64a53ae" providerId="LiveId" clId="{C16499E8-3036-4BF7-9970-91F1855AC027}" dt="2020-03-15T14:37:22.273" v="0" actId="47"/>
-        <pc:sldMkLst>
-          <pc:docMk/>
-          <pc:sldMk cId="2741417480" sldId="389"/>
-        </pc:sldMkLst>
-      </pc:sldChg>
-      <pc:sldChg chg="del">
-        <pc:chgData name="Samson Christopher" userId="6a13b5f1e64a53ae" providerId="LiveId" clId="{C16499E8-3036-4BF7-9970-91F1855AC027}" dt="2020-03-15T14:37:23.014" v="2" actId="47"/>
-        <pc:sldMkLst>
-          <pc:docMk/>
-          <pc:sldMk cId="1935473464" sldId="390"/>
-        </pc:sldMkLst>
-      </pc:sldChg>
-      <pc:sldChg chg="addSp modSp add mod">
-        <pc:chgData name="Samson Christopher" userId="6a13b5f1e64a53ae" providerId="LiveId" clId="{C16499E8-3036-4BF7-9970-91F1855AC027}" dt="2020-03-15T14:44:43.582" v="242" actId="1036"/>
-        <pc:sldMkLst>
-          <pc:docMk/>
-          <pc:sldMk cId="2328195649" sldId="390"/>
-        </pc:sldMkLst>
-        <pc:spChg chg="add mod">
-          <ac:chgData name="Samson Christopher" userId="6a13b5f1e64a53ae" providerId="LiveId" clId="{C16499E8-3036-4BF7-9970-91F1855AC027}" dt="2020-03-15T14:44:43.582" v="242" actId="1036"/>
-          <ac:spMkLst>
-            <pc:docMk/>
-            <pc:sldMk cId="2328195649" sldId="390"/>
-            <ac:spMk id="2" creationId="{22D3E512-44DD-4145-8FD1-BD991E908CC6}"/>
-          </ac:spMkLst>
-        </pc:spChg>
-      </pc:sldChg>
-      <pc:sldChg chg="del">
-        <pc:chgData name="Samson Christopher" userId="6a13b5f1e64a53ae" providerId="LiveId" clId="{C16499E8-3036-4BF7-9970-91F1855AC027}" dt="2020-03-15T14:37:23.102" v="4" actId="47"/>
-        <pc:sldMkLst>
-          <pc:docMk/>
-          <pc:sldMk cId="1219025143" sldId="391"/>
-        </pc:sldMkLst>
-      </pc:sldChg>
-      <pc:sldChg chg="addSp modSp add mod">
-        <pc:chgData name="Samson Christopher" userId="6a13b5f1e64a53ae" providerId="LiveId" clId="{C16499E8-3036-4BF7-9970-91F1855AC027}" dt="2020-03-15T14:45:42.569" v="301" actId="1036"/>
-        <pc:sldMkLst>
-          <pc:docMk/>
-          <pc:sldMk cId="1777521160" sldId="391"/>
-        </pc:sldMkLst>
-        <pc:spChg chg="add mod">
-          <ac:chgData name="Samson Christopher" userId="6a13b5f1e64a53ae" providerId="LiveId" clId="{C16499E8-3036-4BF7-9970-91F1855AC027}" dt="2020-03-15T14:45:42.569" v="301" actId="1036"/>
-          <ac:spMkLst>
-            <pc:docMk/>
-            <pc:sldMk cId="1777521160" sldId="391"/>
-            <ac:spMk id="2" creationId="{8DC069D7-5F7F-4940-9111-E1C9CD6E7682}"/>
-          </ac:spMkLst>
-        </pc:spChg>
-      </pc:sldChg>
-      <pc:sldChg chg="addSp modSp add mod">
-        <pc:chgData name="Samson Christopher" userId="6a13b5f1e64a53ae" providerId="LiveId" clId="{C16499E8-3036-4BF7-9970-91F1855AC027}" dt="2020-03-15T14:45:54.910" v="362" actId="1036"/>
-        <pc:sldMkLst>
-          <pc:docMk/>
-          <pc:sldMk cId="2819729231" sldId="392"/>
-        </pc:sldMkLst>
-        <pc:spChg chg="add mod">
-          <ac:chgData name="Samson Christopher" userId="6a13b5f1e64a53ae" providerId="LiveId" clId="{C16499E8-3036-4BF7-9970-91F1855AC027}" dt="2020-03-15T14:45:54.910" v="362" actId="1036"/>
-          <ac:spMkLst>
-            <pc:docMk/>
-            <pc:sldMk cId="2819729231" sldId="392"/>
-            <ac:spMk id="2" creationId="{B899D2B2-D57C-40E4-B0CF-3BDB7107646F}"/>
-          </ac:spMkLst>
-        </pc:spChg>
-      </pc:sldChg>
-      <pc:sldChg chg="del">
-        <pc:chgData name="Samson Christopher" userId="6a13b5f1e64a53ae" providerId="LiveId" clId="{C16499E8-3036-4BF7-9970-91F1855AC027}" dt="2020-03-15T14:37:23.461" v="6" actId="47"/>
-        <pc:sldMkLst>
-          <pc:docMk/>
-          <pc:sldMk cId="3494791149" sldId="392"/>
-        </pc:sldMkLst>
-      </pc:sldChg>
-      <pc:sldChg chg="del">
-        <pc:chgData name="Samson Christopher" userId="6a13b5f1e64a53ae" providerId="LiveId" clId="{C16499E8-3036-4BF7-9970-91F1855AC027}" dt="2020-03-15T14:37:23.825" v="8" actId="47"/>
-        <pc:sldMkLst>
-          <pc:docMk/>
-          <pc:sldMk cId="1924314574" sldId="393"/>
-        </pc:sldMkLst>
-      </pc:sldChg>
-      <pc:sldChg chg="addSp modSp add mod">
-        <pc:chgData name="Samson Christopher" userId="6a13b5f1e64a53ae" providerId="LiveId" clId="{C16499E8-3036-4BF7-9970-91F1855AC027}" dt="2020-03-15T14:47:06.741" v="412" actId="1036"/>
-        <pc:sldMkLst>
-          <pc:docMk/>
-          <pc:sldMk cId="3541016762" sldId="393"/>
-        </pc:sldMkLst>
-        <pc:spChg chg="add mod">
-          <ac:chgData name="Samson Christopher" userId="6a13b5f1e64a53ae" providerId="LiveId" clId="{C16499E8-3036-4BF7-9970-91F1855AC027}" dt="2020-03-15T14:47:06.741" v="412" actId="1036"/>
-          <ac:spMkLst>
-            <pc:docMk/>
-            <pc:sldMk cId="3541016762" sldId="393"/>
-            <ac:spMk id="2" creationId="{30B6D737-8FB5-4A04-AFFC-1BF617553C41}"/>
-          </ac:spMkLst>
-        </pc:spChg>
-      </pc:sldChg>
-      <pc:sldChg chg="del">
-        <pc:chgData name="Samson Christopher" userId="6a13b5f1e64a53ae" providerId="LiveId" clId="{C16499E8-3036-4BF7-9970-91F1855AC027}" dt="2020-03-15T14:37:24.168" v="10" actId="47"/>
-        <pc:sldMkLst>
-          <pc:docMk/>
-          <pc:sldMk cId="1080727351" sldId="394"/>
-        </pc:sldMkLst>
-      </pc:sldChg>
-      <pc:sldChg chg="addSp modSp add mod">
-        <pc:chgData name="Samson Christopher" userId="6a13b5f1e64a53ae" providerId="LiveId" clId="{C16499E8-3036-4BF7-9970-91F1855AC027}" dt="2020-03-15T14:48:34.829" v="470" actId="1035"/>
-        <pc:sldMkLst>
-          <pc:docMk/>
-          <pc:sldMk cId="1741862837" sldId="394"/>
-        </pc:sldMkLst>
-        <pc:spChg chg="add mod">
-          <ac:chgData name="Samson Christopher" userId="6a13b5f1e64a53ae" providerId="LiveId" clId="{C16499E8-3036-4BF7-9970-91F1855AC027}" dt="2020-03-15T14:48:34.829" v="470" actId="1035"/>
-          <ac:spMkLst>
-            <pc:docMk/>
-            <pc:sldMk cId="1741862837" sldId="394"/>
-            <ac:spMk id="2" creationId="{82D72FA5-D46A-43BD-B029-1B761F6B03E5}"/>
-          </ac:spMkLst>
-        </pc:spChg>
-      </pc:sldChg>
-      <pc:sldChg chg="del">
-        <pc:chgData name="Samson Christopher" userId="6a13b5f1e64a53ae" providerId="LiveId" clId="{C16499E8-3036-4BF7-9970-91F1855AC027}" dt="2020-03-15T14:37:24.504" v="12" actId="47"/>
-        <pc:sldMkLst>
-          <pc:docMk/>
-          <pc:sldMk cId="1669884167" sldId="395"/>
-        </pc:sldMkLst>
-      </pc:sldChg>
-      <pc:sldChg chg="addSp modSp add mod">
-        <pc:chgData name="Samson Christopher" userId="6a13b5f1e64a53ae" providerId="LiveId" clId="{C16499E8-3036-4BF7-9970-91F1855AC027}" dt="2020-03-15T14:48:56.610" v="546" actId="1036"/>
-        <pc:sldMkLst>
-          <pc:docMk/>
-          <pc:sldMk cId="4183617494" sldId="395"/>
-        </pc:sldMkLst>
-        <pc:spChg chg="add mod">
-          <ac:chgData name="Samson Christopher" userId="6a13b5f1e64a53ae" providerId="LiveId" clId="{C16499E8-3036-4BF7-9970-91F1855AC027}" dt="2020-03-15T14:48:56.610" v="546" actId="1036"/>
-          <ac:spMkLst>
-            <pc:docMk/>
-            <pc:sldMk cId="4183617494" sldId="395"/>
-            <ac:spMk id="2" creationId="{30A314A9-77D0-48E8-88FB-117F28EF9F71}"/>
-          </ac:spMkLst>
-        </pc:spChg>
-      </pc:sldChg>
-      <pc:sldChg chg="addSp modSp add mod">
-        <pc:chgData name="Samson Christopher" userId="6a13b5f1e64a53ae" providerId="LiveId" clId="{C16499E8-3036-4BF7-9970-91F1855AC027}" dt="2020-03-15T14:49:11.175" v="599" actId="1036"/>
-        <pc:sldMkLst>
-          <pc:docMk/>
-          <pc:sldMk cId="516924162" sldId="396"/>
-        </pc:sldMkLst>
-        <pc:spChg chg="add mod">
-          <ac:chgData name="Samson Christopher" userId="6a13b5f1e64a53ae" providerId="LiveId" clId="{C16499E8-3036-4BF7-9970-91F1855AC027}" dt="2020-03-15T14:49:11.175" v="599" actId="1036"/>
-          <ac:spMkLst>
-            <pc:docMk/>
-            <pc:sldMk cId="516924162" sldId="396"/>
-            <ac:spMk id="2" creationId="{20DB7D6C-A054-463C-BF1B-0B03CF199F08}"/>
-          </ac:spMkLst>
-        </pc:spChg>
-      </pc:sldChg>
-      <pc:sldChg chg="del">
-        <pc:chgData name="Samson Christopher" userId="6a13b5f1e64a53ae" providerId="LiveId" clId="{C16499E8-3036-4BF7-9970-91F1855AC027}" dt="2020-03-15T14:37:24.837" v="14" actId="47"/>
-        <pc:sldMkLst>
-          <pc:docMk/>
-          <pc:sldMk cId="1983726687" sldId="396"/>
-        </pc:sldMkLst>
-      </pc:sldChg>
-      <pc:sldChg chg="addSp modSp add mod">
-        <pc:chgData name="Samson Christopher" userId="6a13b5f1e64a53ae" providerId="LiveId" clId="{C16499E8-3036-4BF7-9970-91F1855AC027}" dt="2020-03-15T14:50:01.696" v="657" actId="1036"/>
-        <pc:sldMkLst>
-          <pc:docMk/>
-          <pc:sldMk cId="2363791542" sldId="397"/>
-        </pc:sldMkLst>
-        <pc:spChg chg="add mod">
-          <ac:chgData name="Samson Christopher" userId="6a13b5f1e64a53ae" providerId="LiveId" clId="{C16499E8-3036-4BF7-9970-91F1855AC027}" dt="2020-03-15T14:50:01.696" v="657" actId="1036"/>
-          <ac:spMkLst>
-            <pc:docMk/>
-            <pc:sldMk cId="2363791542" sldId="397"/>
-            <ac:spMk id="2" creationId="{EE65ED5D-67DB-46A8-989D-5905630FA73B}"/>
-          </ac:spMkLst>
-        </pc:spChg>
-      </pc:sldChg>
-      <pc:sldChg chg="del">
-        <pc:chgData name="Samson Christopher" userId="6a13b5f1e64a53ae" providerId="LiveId" clId="{C16499E8-3036-4BF7-9970-91F1855AC027}" dt="2020-03-15T14:37:25.145" v="16" actId="47"/>
-        <pc:sldMkLst>
-          <pc:docMk/>
-          <pc:sldMk cId="3505701720" sldId="397"/>
-        </pc:sldMkLst>
-      </pc:sldChg>
-      <pc:sldChg chg="del">
-        <pc:chgData name="Samson Christopher" userId="6a13b5f1e64a53ae" providerId="LiveId" clId="{C16499E8-3036-4BF7-9970-91F1855AC027}" dt="2020-03-15T14:37:25.473" v="18" actId="47"/>
-        <pc:sldMkLst>
-          <pc:docMk/>
-          <pc:sldMk cId="377666539" sldId="398"/>
-        </pc:sldMkLst>
-      </pc:sldChg>
-      <pc:sldChg chg="addSp modSp add mod">
-        <pc:chgData name="Samson Christopher" userId="6a13b5f1e64a53ae" providerId="LiveId" clId="{C16499E8-3036-4BF7-9970-91F1855AC027}" dt="2020-03-15T14:50:19.702" v="744" actId="1036"/>
-        <pc:sldMkLst>
-          <pc:docMk/>
-          <pc:sldMk cId="3220640497" sldId="398"/>
-        </pc:sldMkLst>
-        <pc:spChg chg="add mod">
-          <ac:chgData name="Samson Christopher" userId="6a13b5f1e64a53ae" providerId="LiveId" clId="{C16499E8-3036-4BF7-9970-91F1855AC027}" dt="2020-03-15T14:50:19.702" v="744" actId="1036"/>
-          <ac:spMkLst>
-            <pc:docMk/>
-            <pc:sldMk cId="3220640497" sldId="398"/>
-            <ac:spMk id="2" creationId="{6A129E45-33F8-4883-90E1-36364A95998F}"/>
-          </ac:spMkLst>
-        </pc:spChg>
-      </pc:sldChg>
-      <pc:sldChg chg="addSp modSp add mod">
-        <pc:chgData name="Samson Christopher" userId="6a13b5f1e64a53ae" providerId="LiveId" clId="{C16499E8-3036-4BF7-9970-91F1855AC027}" dt="2020-03-15T14:50:36.142" v="794" actId="1036"/>
-        <pc:sldMkLst>
-          <pc:docMk/>
-          <pc:sldMk cId="1510234935" sldId="399"/>
-        </pc:sldMkLst>
-        <pc:spChg chg="add mod">
-          <ac:chgData name="Samson Christopher" userId="6a13b5f1e64a53ae" providerId="LiveId" clId="{C16499E8-3036-4BF7-9970-91F1855AC027}" dt="2020-03-15T14:50:36.142" v="794" actId="1036"/>
-          <ac:spMkLst>
-            <pc:docMk/>
-            <pc:sldMk cId="1510234935" sldId="399"/>
-            <ac:spMk id="2" creationId="{62E1A76D-CE15-49F0-836D-2845F106A45F}"/>
-          </ac:spMkLst>
-        </pc:spChg>
-      </pc:sldChg>
-      <pc:sldChg chg="del">
-        <pc:chgData name="Samson Christopher" userId="6a13b5f1e64a53ae" providerId="LiveId" clId="{C16499E8-3036-4BF7-9970-91F1855AC027}" dt="2020-03-15T14:37:22.993" v="1" actId="47"/>
-        <pc:sldMkLst>
-          <pc:docMk/>
-          <pc:sldMk cId="1619942402" sldId="399"/>
-        </pc:sldMkLst>
-      </pc:sldChg>
-      <pc:sldChg chg="del">
-        <pc:chgData name="Samson Christopher" userId="6a13b5f1e64a53ae" providerId="LiveId" clId="{C16499E8-3036-4BF7-9970-91F1855AC027}" dt="2020-03-15T14:37:23.033" v="3" actId="47"/>
-        <pc:sldMkLst>
-          <pc:docMk/>
-          <pc:sldMk cId="4029498049" sldId="400"/>
-        </pc:sldMkLst>
-      </pc:sldChg>
-      <pc:sldChg chg="addSp modSp add mod">
-        <pc:chgData name="Samson Christopher" userId="6a13b5f1e64a53ae" providerId="LiveId" clId="{C16499E8-3036-4BF7-9970-91F1855AC027}" dt="2020-03-15T14:50:57.654" v="858" actId="1036"/>
-        <pc:sldMkLst>
-          <pc:docMk/>
-          <pc:sldMk cId="4074745041" sldId="400"/>
-        </pc:sldMkLst>
-        <pc:spChg chg="add mod">
-          <ac:chgData name="Samson Christopher" userId="6a13b5f1e64a53ae" providerId="LiveId" clId="{C16499E8-3036-4BF7-9970-91F1855AC027}" dt="2020-03-15T14:50:57.654" v="858" actId="1036"/>
-          <ac:spMkLst>
-            <pc:docMk/>
-            <pc:sldMk cId="4074745041" sldId="400"/>
-            <ac:spMk id="2" creationId="{E5170A87-BA6D-4F23-B334-060E8FB70946}"/>
-          </ac:spMkLst>
-        </pc:spChg>
-      </pc:sldChg>
-      <pc:sldChg chg="addSp modSp add mod">
-        <pc:chgData name="Samson Christopher" userId="6a13b5f1e64a53ae" providerId="LiveId" clId="{C16499E8-3036-4BF7-9970-91F1855AC027}" dt="2020-03-15T14:52:25.890" v="921" actId="1035"/>
-        <pc:sldMkLst>
-          <pc:docMk/>
-          <pc:sldMk cId="3235766185" sldId="401"/>
-        </pc:sldMkLst>
-        <pc:spChg chg="add mod">
-          <ac:chgData name="Samson Christopher" userId="6a13b5f1e64a53ae" providerId="LiveId" clId="{C16499E8-3036-4BF7-9970-91F1855AC027}" dt="2020-03-15T14:52:25.890" v="921" actId="1035"/>
-          <ac:spMkLst>
-            <pc:docMk/>
-            <pc:sldMk cId="3235766185" sldId="401"/>
-            <ac:spMk id="2" creationId="{BF37062E-1CF1-43FE-8DAE-AF3D9DDE512E}"/>
-          </ac:spMkLst>
-        </pc:spChg>
-      </pc:sldChg>
-      <pc:sldChg chg="del">
-        <pc:chgData name="Samson Christopher" userId="6a13b5f1e64a53ae" providerId="LiveId" clId="{C16499E8-3036-4BF7-9970-91F1855AC027}" dt="2020-03-15T14:37:23.308" v="5" actId="47"/>
-        <pc:sldMkLst>
-          <pc:docMk/>
-          <pc:sldMk cId="3673231158" sldId="401"/>
-        </pc:sldMkLst>
-      </pc:sldChg>
-      <pc:sldChg chg="addSp modSp add mod">
-        <pc:chgData name="Samson Christopher" userId="6a13b5f1e64a53ae" providerId="LiveId" clId="{C16499E8-3036-4BF7-9970-91F1855AC027}" dt="2020-03-15T14:52:36.837" v="976" actId="1036"/>
-        <pc:sldMkLst>
-          <pc:docMk/>
-          <pc:sldMk cId="3665806147" sldId="402"/>
-        </pc:sldMkLst>
-        <pc:spChg chg="add mod">
-          <ac:chgData name="Samson Christopher" userId="6a13b5f1e64a53ae" providerId="LiveId" clId="{C16499E8-3036-4BF7-9970-91F1855AC027}" dt="2020-03-15T14:52:36.837" v="976" actId="1036"/>
-          <ac:spMkLst>
-            <pc:docMk/>
-            <pc:sldMk cId="3665806147" sldId="402"/>
-            <ac:spMk id="2" creationId="{F112446D-13AA-40C6-8C10-B217F4FD656C}"/>
-          </ac:spMkLst>
-        </pc:spChg>
-      </pc:sldChg>
-      <pc:sldChg chg="del">
-        <pc:chgData name="Samson Christopher" userId="6a13b5f1e64a53ae" providerId="LiveId" clId="{C16499E8-3036-4BF7-9970-91F1855AC027}" dt="2020-03-15T14:37:23.641" v="7" actId="47"/>
-        <pc:sldMkLst>
-          <pc:docMk/>
-          <pc:sldMk cId="3828469073" sldId="402"/>
-        </pc:sldMkLst>
-      </pc:sldChg>
-      <pc:sldChg chg="addSp modSp add mod">
-        <pc:chgData name="Samson Christopher" userId="6a13b5f1e64a53ae" providerId="LiveId" clId="{C16499E8-3036-4BF7-9970-91F1855AC027}" dt="2020-03-15T14:52:50.808" v="1022" actId="1035"/>
-        <pc:sldMkLst>
-          <pc:docMk/>
-          <pc:sldMk cId="2640454774" sldId="403"/>
-        </pc:sldMkLst>
-        <pc:spChg chg="add mod">
-          <ac:chgData name="Samson Christopher" userId="6a13b5f1e64a53ae" providerId="LiveId" clId="{C16499E8-3036-4BF7-9970-91F1855AC027}" dt="2020-03-15T14:52:50.808" v="1022" actId="1035"/>
-          <ac:spMkLst>
-            <pc:docMk/>
-            <pc:sldMk cId="2640454774" sldId="403"/>
-            <ac:spMk id="2" creationId="{AF503B71-5ABB-429C-919E-7110FD965FAC}"/>
-          </ac:spMkLst>
-        </pc:spChg>
-      </pc:sldChg>
-      <pc:sldChg chg="del">
-        <pc:chgData name="Samson Christopher" userId="6a13b5f1e64a53ae" providerId="LiveId" clId="{C16499E8-3036-4BF7-9970-91F1855AC027}" dt="2020-03-15T14:37:24.011" v="9" actId="47"/>
-        <pc:sldMkLst>
-          <pc:docMk/>
-          <pc:sldMk cId="3069019563" sldId="403"/>
-        </pc:sldMkLst>
-      </pc:sldChg>
-      <pc:sldChg chg="del">
-        <pc:chgData name="Samson Christopher" userId="6a13b5f1e64a53ae" providerId="LiveId" clId="{C16499E8-3036-4BF7-9970-91F1855AC027}" dt="2020-03-15T14:37:24.343" v="11" actId="47"/>
-        <pc:sldMkLst>
-          <pc:docMk/>
-          <pc:sldMk cId="660721704" sldId="404"/>
-        </pc:sldMkLst>
-      </pc:sldChg>
-      <pc:sldChg chg="addSp modSp add mod">
-        <pc:chgData name="Samson Christopher" userId="6a13b5f1e64a53ae" providerId="LiveId" clId="{C16499E8-3036-4BF7-9970-91F1855AC027}" dt="2020-03-15T14:53:00.456" v="1072" actId="1035"/>
-        <pc:sldMkLst>
-          <pc:docMk/>
-          <pc:sldMk cId="3747042205" sldId="404"/>
-        </pc:sldMkLst>
-        <pc:spChg chg="add mod">
-          <ac:chgData name="Samson Christopher" userId="6a13b5f1e64a53ae" providerId="LiveId" clId="{C16499E8-3036-4BF7-9970-91F1855AC027}" dt="2020-03-15T14:53:00.456" v="1072" actId="1035"/>
-          <ac:spMkLst>
-            <pc:docMk/>
-            <pc:sldMk cId="3747042205" sldId="404"/>
-            <ac:spMk id="2" creationId="{3863C2CB-AF23-46DF-9026-20290BB721A8}"/>
-          </ac:spMkLst>
-        </pc:spChg>
-      </pc:sldChg>
-      <pc:sldChg chg="del">
-        <pc:chgData name="Samson Christopher" userId="6a13b5f1e64a53ae" providerId="LiveId" clId="{C16499E8-3036-4BF7-9970-91F1855AC027}" dt="2020-03-15T14:37:24.669" v="13" actId="47"/>
-        <pc:sldMkLst>
-          <pc:docMk/>
-          <pc:sldMk cId="2052091160" sldId="405"/>
-        </pc:sldMkLst>
-      </pc:sldChg>
-      <pc:sldChg chg="del">
-        <pc:chgData name="Samson Christopher" userId="6a13b5f1e64a53ae" providerId="LiveId" clId="{C16499E8-3036-4BF7-9970-91F1855AC027}" dt="2020-03-15T14:37:24.974" v="15" actId="47"/>
-        <pc:sldMkLst>
-          <pc:docMk/>
-          <pc:sldMk cId="1867783601" sldId="406"/>
-        </pc:sldMkLst>
-      </pc:sldChg>
-      <pc:sldChg chg="del">
-        <pc:chgData name="Samson Christopher" userId="6a13b5f1e64a53ae" providerId="LiveId" clId="{C16499E8-3036-4BF7-9970-91F1855AC027}" dt="2020-03-15T14:37:25.318" v="17" actId="47"/>
-        <pc:sldMkLst>
-          <pc:docMk/>
-          <pc:sldMk cId="3727013593" sldId="407"/>
-        </pc:sldMkLst>
-      </pc:sldChg>
-      <pc:sldChg chg="del">
-        <pc:chgData name="Samson Christopher" userId="6a13b5f1e64a53ae" providerId="LiveId" clId="{C16499E8-3036-4BF7-9970-91F1855AC027}" dt="2020-03-15T14:37:25.637" v="19" actId="47"/>
-        <pc:sldMkLst>
-          <pc:docMk/>
-          <pc:sldMk cId="623803182" sldId="408"/>
+          <ac:chgData name="Samson Christopher" userId="6a13b5f1e64a53ae" providerId="LiveId" clId="{FE3E3312-A592-47B5-8AF9-6A6BF1622581}" dt="2020-01-26T14:19:57.502" v="9" actId="478"/>
+          <ac:spMkLst>
+            <pc:docMk/>
+            <pc:sldMk cId="2038276810" sldId="280"/>
+            <ac:spMk id="2" creationId="{DCD06CBF-6B8C-41D1-A832-D6F316299663}"/>
+          </ac:spMkLst>
+        </pc:spChg>
+        <pc:spChg chg="add mod">
+          <ac:chgData name="Samson Christopher" userId="6a13b5f1e64a53ae" providerId="LiveId" clId="{FE3E3312-A592-47B5-8AF9-6A6BF1622581}" dt="2020-01-26T14:22:53.914" v="52" actId="1035"/>
+          <ac:spMkLst>
+            <pc:docMk/>
+            <pc:sldMk cId="2038276810" sldId="280"/>
+            <ac:spMk id="3" creationId="{527F3E78-46CF-4BDC-B836-C555A334F7B9}"/>
+          </ac:spMkLst>
+        </pc:spChg>
+      </pc:sldChg>
+      <pc:sldChg chg="del">
+        <pc:chgData name="Samson Christopher" userId="6a13b5f1e64a53ae" providerId="LiveId" clId="{FE3E3312-A592-47B5-8AF9-6A6BF1622581}" dt="2020-01-26T14:19:50.346" v="0" actId="47"/>
+        <pc:sldMkLst>
+          <pc:docMk/>
+          <pc:sldMk cId="2160117113" sldId="280"/>
+        </pc:sldMkLst>
+      </pc:sldChg>
+      <pc:sldChg chg="del">
+        <pc:chgData name="Samson Christopher" userId="6a13b5f1e64a53ae" providerId="LiveId" clId="{FE3E3312-A592-47B5-8AF9-6A6BF1622581}" dt="2020-01-26T14:19:50.564" v="1" actId="47"/>
+        <pc:sldMkLst>
+          <pc:docMk/>
+          <pc:sldMk cId="374644486" sldId="281"/>
+        </pc:sldMkLst>
+      </pc:sldChg>
+      <pc:sldChg chg="addSp modSp add del">
+        <pc:chgData name="Samson Christopher" userId="6a13b5f1e64a53ae" providerId="LiveId" clId="{FE3E3312-A592-47B5-8AF9-6A6BF1622581}" dt="2020-02-01T17:24:25.929" v="202" actId="47"/>
+        <pc:sldMkLst>
+          <pc:docMk/>
+          <pc:sldMk cId="1226178893" sldId="281"/>
+        </pc:sldMkLst>
+        <pc:spChg chg="add mod">
+          <ac:chgData name="Samson Christopher" userId="6a13b5f1e64a53ae" providerId="LiveId" clId="{FE3E3312-A592-47B5-8AF9-6A6BF1622581}" dt="2020-01-26T14:23:12.725" v="73" actId="1035"/>
+          <ac:spMkLst>
+            <pc:docMk/>
+            <pc:sldMk cId="1226178893" sldId="281"/>
+            <ac:spMk id="2" creationId="{99694CCD-87B4-4471-80C2-54F35A263EF3}"/>
+          </ac:spMkLst>
+        </pc:spChg>
+      </pc:sldChg>
+      <pc:sldChg chg="addSp delSp modSp add del">
+        <pc:chgData name="Samson Christopher" userId="6a13b5f1e64a53ae" providerId="LiveId" clId="{FE3E3312-A592-47B5-8AF9-6A6BF1622581}" dt="2020-02-01T17:45:26.217" v="1059" actId="47"/>
+        <pc:sldMkLst>
+          <pc:docMk/>
+          <pc:sldMk cId="3168765571" sldId="281"/>
+        </pc:sldMkLst>
+        <pc:spChg chg="add mod">
+          <ac:chgData name="Samson Christopher" userId="6a13b5f1e64a53ae" providerId="LiveId" clId="{FE3E3312-A592-47B5-8AF9-6A6BF1622581}" dt="2020-02-01T17:37:01.262" v="998" actId="1036"/>
+          <ac:spMkLst>
+            <pc:docMk/>
+            <pc:sldMk cId="3168765571" sldId="281"/>
+            <ac:spMk id="2" creationId="{10AA1DE6-D93A-4A3A-9B80-853A042F01A2}"/>
+          </ac:spMkLst>
+        </pc:spChg>
+        <pc:spChg chg="del">
+          <ac:chgData name="Samson Christopher" userId="6a13b5f1e64a53ae" providerId="LiveId" clId="{FE3E3312-A592-47B5-8AF9-6A6BF1622581}" dt="2020-02-01T17:24:32.790" v="207" actId="478"/>
+          <ac:spMkLst>
+            <pc:docMk/>
+            <pc:sldMk cId="3168765571" sldId="281"/>
+            <ac:spMk id="3" creationId="{527F3E78-46CF-4BDC-B836-C555A334F7B9}"/>
+          </ac:spMkLst>
+        </pc:spChg>
+      </pc:sldChg>
+      <pc:sldChg chg="del">
+        <pc:chgData name="Samson Christopher" userId="6a13b5f1e64a53ae" providerId="LiveId" clId="{FE3E3312-A592-47B5-8AF9-6A6BF1622581}" dt="2020-01-26T14:19:50.720" v="2" actId="47"/>
+        <pc:sldMkLst>
+          <pc:docMk/>
+          <pc:sldMk cId="339084386" sldId="282"/>
+        </pc:sldMkLst>
+      </pc:sldChg>
+      <pc:sldChg chg="addSp modSp add del">
+        <pc:chgData name="Samson Christopher" userId="6a13b5f1e64a53ae" providerId="LiveId" clId="{FE3E3312-A592-47B5-8AF9-6A6BF1622581}" dt="2020-02-01T17:24:26.239" v="203" actId="47"/>
+        <pc:sldMkLst>
+          <pc:docMk/>
+          <pc:sldMk cId="2350228747" sldId="282"/>
+        </pc:sldMkLst>
+        <pc:spChg chg="add mod">
+          <ac:chgData name="Samson Christopher" userId="6a13b5f1e64a53ae" providerId="LiveId" clId="{FE3E3312-A592-47B5-8AF9-6A6BF1622581}" dt="2020-01-26T14:23:45.202" v="97" actId="1035"/>
+          <ac:spMkLst>
+            <pc:docMk/>
+            <pc:sldMk cId="2350228747" sldId="282"/>
+            <ac:spMk id="2" creationId="{9FFAFD3F-9A15-4CF6-9D06-DCBB7E4241C4}"/>
+          </ac:spMkLst>
+        </pc:spChg>
+      </pc:sldChg>
+      <pc:sldChg chg="addSp modSp add del">
+        <pc:chgData name="Samson Christopher" userId="6a13b5f1e64a53ae" providerId="LiveId" clId="{FE3E3312-A592-47B5-8AF9-6A6BF1622581}" dt="2020-02-01T17:42:11.695" v="999" actId="47"/>
+        <pc:sldMkLst>
+          <pc:docMk/>
+          <pc:sldMk cId="2805109804" sldId="282"/>
+        </pc:sldMkLst>
+        <pc:spChg chg="add mod">
+          <ac:chgData name="Samson Christopher" userId="6a13b5f1e64a53ae" providerId="LiveId" clId="{FE3E3312-A592-47B5-8AF9-6A6BF1622581}" dt="2020-02-01T17:36:44.584" v="971" actId="1035"/>
+          <ac:spMkLst>
+            <pc:docMk/>
+            <pc:sldMk cId="2805109804" sldId="282"/>
+            <ac:spMk id="2" creationId="{F7A8C8B9-DDD8-41EA-9ACC-5F846D76B0ED}"/>
+          </ac:spMkLst>
+        </pc:spChg>
+      </pc:sldChg>
+      <pc:sldChg chg="addSp delSp modSp add del">
+        <pc:chgData name="Samson Christopher" userId="6a13b5f1e64a53ae" providerId="LiveId" clId="{FE3E3312-A592-47B5-8AF9-6A6BF1622581}" dt="2020-02-01T17:58:49.319" v="1704" actId="47"/>
+        <pc:sldMkLst>
+          <pc:docMk/>
+          <pc:sldMk cId="3095029386" sldId="282"/>
+        </pc:sldMkLst>
+        <pc:spChg chg="del">
+          <ac:chgData name="Samson Christopher" userId="6a13b5f1e64a53ae" providerId="LiveId" clId="{FE3E3312-A592-47B5-8AF9-6A6BF1622581}" dt="2020-02-01T17:42:22.958" v="1011" actId="478"/>
+          <ac:spMkLst>
+            <pc:docMk/>
+            <pc:sldMk cId="3095029386" sldId="282"/>
+            <ac:spMk id="2" creationId="{10AA1DE6-D93A-4A3A-9B80-853A042F01A2}"/>
+          </ac:spMkLst>
+        </pc:spChg>
+        <pc:spChg chg="add mod">
+          <ac:chgData name="Samson Christopher" userId="6a13b5f1e64a53ae" providerId="LiveId" clId="{FE3E3312-A592-47B5-8AF9-6A6BF1622581}" dt="2020-02-01T17:46:56.883" v="1133" actId="1036"/>
+          <ac:spMkLst>
+            <pc:docMk/>
+            <pc:sldMk cId="3095029386" sldId="282"/>
+            <ac:spMk id="3" creationId="{682C3DE7-D4D9-41B2-98DA-F7B4B3AAC530}"/>
+          </ac:spMkLst>
+        </pc:spChg>
+      </pc:sldChg>
+      <pc:sldChg chg="addSp modSp add del">
+        <pc:chgData name="Samson Christopher" userId="6a13b5f1e64a53ae" providerId="LiveId" clId="{FE3E3312-A592-47B5-8AF9-6A6BF1622581}" dt="2020-02-01T17:57:45.939" v="1672" actId="47"/>
+        <pc:sldMkLst>
+          <pc:docMk/>
+          <pc:sldMk cId="372245481" sldId="283"/>
+        </pc:sldMkLst>
+        <pc:spChg chg="add mod">
+          <ac:chgData name="Samson Christopher" userId="6a13b5f1e64a53ae" providerId="LiveId" clId="{FE3E3312-A592-47B5-8AF9-6A6BF1622581}" dt="2020-02-01T17:47:11.201" v="1187" actId="1036"/>
+          <ac:spMkLst>
+            <pc:docMk/>
+            <pc:sldMk cId="372245481" sldId="283"/>
+            <ac:spMk id="2" creationId="{5F27BEC7-E921-4138-B125-41845192FA54}"/>
+          </ac:spMkLst>
+        </pc:spChg>
+      </pc:sldChg>
+      <pc:sldChg chg="del">
+        <pc:chgData name="Samson Christopher" userId="6a13b5f1e64a53ae" providerId="LiveId" clId="{FE3E3312-A592-47B5-8AF9-6A6BF1622581}" dt="2020-01-26T14:19:50.855" v="3" actId="47"/>
+        <pc:sldMkLst>
+          <pc:docMk/>
+          <pc:sldMk cId="1090656553" sldId="283"/>
+        </pc:sldMkLst>
+      </pc:sldChg>
+      <pc:sldChg chg="addSp modSp add del">
+        <pc:chgData name="Samson Christopher" userId="6a13b5f1e64a53ae" providerId="LiveId" clId="{FE3E3312-A592-47B5-8AF9-6A6BF1622581}" dt="2020-02-01T17:42:11.892" v="1000" actId="47"/>
+        <pc:sldMkLst>
+          <pc:docMk/>
+          <pc:sldMk cId="3423569301" sldId="283"/>
+        </pc:sldMkLst>
+        <pc:spChg chg="add mod">
+          <ac:chgData name="Samson Christopher" userId="6a13b5f1e64a53ae" providerId="LiveId" clId="{FE3E3312-A592-47B5-8AF9-6A6BF1622581}" dt="2020-02-01T17:36:25.456" v="906" actId="1036"/>
+          <ac:spMkLst>
+            <pc:docMk/>
+            <pc:sldMk cId="3423569301" sldId="283"/>
+            <ac:spMk id="2" creationId="{A21ADD09-889C-4C56-A0B5-924ACDA34383}"/>
+          </ac:spMkLst>
+        </pc:spChg>
+      </pc:sldChg>
+      <pc:sldChg chg="addSp modSp add del">
+        <pc:chgData name="Samson Christopher" userId="6a13b5f1e64a53ae" providerId="LiveId" clId="{FE3E3312-A592-47B5-8AF9-6A6BF1622581}" dt="2020-02-01T17:24:26.621" v="204" actId="47"/>
+        <pc:sldMkLst>
+          <pc:docMk/>
+          <pc:sldMk cId="3622187434" sldId="283"/>
+        </pc:sldMkLst>
+        <pc:spChg chg="add mod">
+          <ac:chgData name="Samson Christopher" userId="6a13b5f1e64a53ae" providerId="LiveId" clId="{FE3E3312-A592-47B5-8AF9-6A6BF1622581}" dt="2020-01-26T14:24:20.339" v="121" actId="1036"/>
+          <ac:spMkLst>
+            <pc:docMk/>
+            <pc:sldMk cId="3622187434" sldId="283"/>
+            <ac:spMk id="2" creationId="{7ED60D48-5DE8-4309-B152-028C4ACFD1FB}"/>
+          </ac:spMkLst>
+        </pc:spChg>
+      </pc:sldChg>
+      <pc:sldChg chg="addSp delSp modSp add del">
+        <pc:chgData name="Samson Christopher" userId="6a13b5f1e64a53ae" providerId="LiveId" clId="{FE3E3312-A592-47B5-8AF9-6A6BF1622581}" dt="2020-02-02T12:40:31.660" v="2151" actId="47"/>
+        <pc:sldMkLst>
+          <pc:docMk/>
+          <pc:sldMk cId="3932164463" sldId="283"/>
+        </pc:sldMkLst>
+        <pc:spChg chg="add mod">
+          <ac:chgData name="Samson Christopher" userId="6a13b5f1e64a53ae" providerId="LiveId" clId="{FE3E3312-A592-47B5-8AF9-6A6BF1622581}" dt="2020-02-01T17:59:26.671" v="1796" actId="1036"/>
+          <ac:spMkLst>
+            <pc:docMk/>
+            <pc:sldMk cId="3932164463" sldId="283"/>
+            <ac:spMk id="2" creationId="{EB313D37-DF03-4F4D-8057-73FB8C5BF133}"/>
+          </ac:spMkLst>
+        </pc:spChg>
+        <pc:spChg chg="del">
+          <ac:chgData name="Samson Christopher" userId="6a13b5f1e64a53ae" providerId="LiveId" clId="{FE3E3312-A592-47B5-8AF9-6A6BF1622581}" dt="2020-02-01T17:57:52.155" v="1681" actId="478"/>
+          <ac:spMkLst>
+            <pc:docMk/>
+            <pc:sldMk cId="3932164463" sldId="283"/>
+            <ac:spMk id="3" creationId="{682C3DE7-D4D9-41B2-98DA-F7B4B3AAC530}"/>
+          </ac:spMkLst>
+        </pc:spChg>
+      </pc:sldChg>
+      <pc:sldChg chg="del">
+        <pc:chgData name="Samson Christopher" userId="6a13b5f1e64a53ae" providerId="LiveId" clId="{FE3E3312-A592-47B5-8AF9-6A6BF1622581}" dt="2020-01-26T14:19:51.009" v="4" actId="47"/>
+        <pc:sldMkLst>
+          <pc:docMk/>
+          <pc:sldMk cId="430563663" sldId="284"/>
+        </pc:sldMkLst>
+      </pc:sldChg>
+      <pc:sldChg chg="addSp modSp add del">
+        <pc:chgData name="Samson Christopher" userId="6a13b5f1e64a53ae" providerId="LiveId" clId="{FE3E3312-A592-47B5-8AF9-6A6BF1622581}" dt="2020-02-01T17:42:12.042" v="1001" actId="47"/>
+        <pc:sldMkLst>
+          <pc:docMk/>
+          <pc:sldMk cId="521011923" sldId="284"/>
+        </pc:sldMkLst>
+        <pc:spChg chg="add mod">
+          <ac:chgData name="Samson Christopher" userId="6a13b5f1e64a53ae" providerId="LiveId" clId="{FE3E3312-A592-47B5-8AF9-6A6BF1622581}" dt="2020-02-01T17:35:57.990" v="837" actId="1036"/>
+          <ac:spMkLst>
+            <pc:docMk/>
+            <pc:sldMk cId="521011923" sldId="284"/>
+            <ac:spMk id="2" creationId="{888464F2-F4D3-43B9-B059-236605507AB4}"/>
+          </ac:spMkLst>
+        </pc:spChg>
+      </pc:sldChg>
+      <pc:sldChg chg="addSp modSp add del">
+        <pc:chgData name="Samson Christopher" userId="6a13b5f1e64a53ae" providerId="LiveId" clId="{FE3E3312-A592-47B5-8AF9-6A6BF1622581}" dt="2020-02-01T17:24:27.109" v="205" actId="47"/>
+        <pc:sldMkLst>
+          <pc:docMk/>
+          <pc:sldMk cId="534637868" sldId="284"/>
+        </pc:sldMkLst>
+        <pc:spChg chg="add mod">
+          <ac:chgData name="Samson Christopher" userId="6a13b5f1e64a53ae" providerId="LiveId" clId="{FE3E3312-A592-47B5-8AF9-6A6BF1622581}" dt="2020-01-26T14:25:01.058" v="201" actId="1036"/>
+          <ac:spMkLst>
+            <pc:docMk/>
+            <pc:sldMk cId="534637868" sldId="284"/>
+            <ac:spMk id="2" creationId="{BB12A8F9-A2E0-42E9-B2E3-1F80DDD188F4}"/>
+          </ac:spMkLst>
+        </pc:spChg>
+      </pc:sldChg>
+      <pc:sldChg chg="addSp modSp add del">
+        <pc:chgData name="Samson Christopher" userId="6a13b5f1e64a53ae" providerId="LiveId" clId="{FE3E3312-A592-47B5-8AF9-6A6BF1622581}" dt="2020-02-01T17:57:46.164" v="1673" actId="47"/>
+        <pc:sldMkLst>
+          <pc:docMk/>
+          <pc:sldMk cId="812953673" sldId="284"/>
+        </pc:sldMkLst>
+        <pc:spChg chg="add mod">
+          <ac:chgData name="Samson Christopher" userId="6a13b5f1e64a53ae" providerId="LiveId" clId="{FE3E3312-A592-47B5-8AF9-6A6BF1622581}" dt="2020-02-01T17:47:38.359" v="1246" actId="1036"/>
+          <ac:spMkLst>
+            <pc:docMk/>
+            <pc:sldMk cId="812953673" sldId="284"/>
+            <ac:spMk id="2" creationId="{4B01AC50-1085-4252-AF71-FC493E4B2709}"/>
+          </ac:spMkLst>
+        </pc:spChg>
+      </pc:sldChg>
+      <pc:sldChg chg="addSp modSp add del">
+        <pc:chgData name="Samson Christopher" userId="6a13b5f1e64a53ae" providerId="LiveId" clId="{FE3E3312-A592-47B5-8AF9-6A6BF1622581}" dt="2020-02-02T12:38:04.421" v="2112" actId="47"/>
+        <pc:sldMkLst>
+          <pc:docMk/>
+          <pc:sldMk cId="3435543152" sldId="284"/>
+        </pc:sldMkLst>
+        <pc:spChg chg="add mod">
+          <ac:chgData name="Samson Christopher" userId="6a13b5f1e64a53ae" providerId="LiveId" clId="{FE3E3312-A592-47B5-8AF9-6A6BF1622581}" dt="2020-02-01T17:59:38.318" v="1860" actId="1035"/>
+          <ac:spMkLst>
+            <pc:docMk/>
+            <pc:sldMk cId="3435543152" sldId="284"/>
+            <ac:spMk id="2" creationId="{0E1FDF43-05E7-4390-80F6-814DBFD42D36}"/>
+          </ac:spMkLst>
+        </pc:spChg>
+      </pc:sldChg>
+      <pc:sldChg chg="addSp delSp modSp add del">
+        <pc:chgData name="Samson Christopher" userId="6a13b5f1e64a53ae" providerId="LiveId" clId="{FE3E3312-A592-47B5-8AF9-6A6BF1622581}" dt="2020-02-02T12:52:17.012" v="2789" actId="47"/>
+        <pc:sldMkLst>
+          <pc:docMk/>
+          <pc:sldMk cId="4186276591" sldId="284"/>
+        </pc:sldMkLst>
+        <pc:spChg chg="del">
+          <ac:chgData name="Samson Christopher" userId="6a13b5f1e64a53ae" providerId="LiveId" clId="{FE3E3312-A592-47B5-8AF9-6A6BF1622581}" dt="2020-02-02T12:38:14.311" v="2118" actId="478"/>
+          <ac:spMkLst>
+            <pc:docMk/>
+            <pc:sldMk cId="4186276591" sldId="284"/>
+            <ac:spMk id="2" creationId="{EB313D37-DF03-4F4D-8057-73FB8C5BF133}"/>
+          </ac:spMkLst>
+        </pc:spChg>
+        <pc:spChg chg="add mod">
+          <ac:chgData name="Samson Christopher" userId="6a13b5f1e64a53ae" providerId="LiveId" clId="{FE3E3312-A592-47B5-8AF9-6A6BF1622581}" dt="2020-02-02T12:44:41.835" v="2746" actId="1036"/>
+          <ac:spMkLst>
+            <pc:docMk/>
+            <pc:sldMk cId="4186276591" sldId="284"/>
+            <ac:spMk id="3" creationId="{9865938A-2A43-4801-A57E-BE9CFC6B60DE}"/>
+          </ac:spMkLst>
+        </pc:spChg>
+      </pc:sldChg>
+      <pc:sldChg chg="add del">
+        <pc:chgData name="Samson Christopher" userId="6a13b5f1e64a53ae" providerId="LiveId" clId="{FE3E3312-A592-47B5-8AF9-6A6BF1622581}" dt="2020-01-26T14:20:08.672" v="15" actId="47"/>
+        <pc:sldMkLst>
+          <pc:docMk/>
+          <pc:sldMk cId="54065161" sldId="285"/>
+        </pc:sldMkLst>
+      </pc:sldChg>
+      <pc:sldChg chg="addSp delSp modSp add del">
+        <pc:chgData name="Samson Christopher" userId="6a13b5f1e64a53ae" providerId="LiveId" clId="{FE3E3312-A592-47B5-8AF9-6A6BF1622581}" dt="2020-02-01T17:57:46.361" v="1674" actId="47"/>
+        <pc:sldMkLst>
+          <pc:docMk/>
+          <pc:sldMk cId="272792024" sldId="285"/>
+        </pc:sldMkLst>
+        <pc:spChg chg="add del mod">
+          <ac:chgData name="Samson Christopher" userId="6a13b5f1e64a53ae" providerId="LiveId" clId="{FE3E3312-A592-47B5-8AF9-6A6BF1622581}" dt="2020-02-01T17:43:50.766" v="1038"/>
+          <ac:spMkLst>
+            <pc:docMk/>
+            <pc:sldMk cId="272792024" sldId="285"/>
+            <ac:spMk id="2" creationId="{CE736976-D14E-429F-A1DA-752C5E808E22}"/>
+          </ac:spMkLst>
+        </pc:spChg>
+        <pc:spChg chg="add mod">
+          <ac:chgData name="Samson Christopher" userId="6a13b5f1e64a53ae" providerId="LiveId" clId="{FE3E3312-A592-47B5-8AF9-6A6BF1622581}" dt="2020-02-01T17:48:13.007" v="1327" actId="1036"/>
+          <ac:spMkLst>
+            <pc:docMk/>
+            <pc:sldMk cId="272792024" sldId="285"/>
+            <ac:spMk id="3" creationId="{A7A1DB7E-C2A1-4102-B672-6182B6634E17}"/>
+          </ac:spMkLst>
+        </pc:spChg>
+      </pc:sldChg>
+      <pc:sldChg chg="addSp modSp add del">
+        <pc:chgData name="Samson Christopher" userId="6a13b5f1e64a53ae" providerId="LiveId" clId="{FE3E3312-A592-47B5-8AF9-6A6BF1622581}" dt="2020-02-02T12:38:04.536" v="2113" actId="47"/>
+        <pc:sldMkLst>
+          <pc:docMk/>
+          <pc:sldMk cId="318934220" sldId="285"/>
+        </pc:sldMkLst>
+        <pc:spChg chg="add mod">
+          <ac:chgData name="Samson Christopher" userId="6a13b5f1e64a53ae" providerId="LiveId" clId="{FE3E3312-A592-47B5-8AF9-6A6BF1622581}" dt="2020-02-01T17:59:56.520" v="1937" actId="1035"/>
+          <ac:spMkLst>
+            <pc:docMk/>
+            <pc:sldMk cId="318934220" sldId="285"/>
+            <ac:spMk id="2" creationId="{114BC234-5CB2-4239-9ABB-DB349FEA57A6}"/>
+          </ac:spMkLst>
+        </pc:spChg>
+      </pc:sldChg>
+      <pc:sldChg chg="addSp modSp add del">
+        <pc:chgData name="Samson Christopher" userId="6a13b5f1e64a53ae" providerId="LiveId" clId="{FE3E3312-A592-47B5-8AF9-6A6BF1622581}" dt="2020-02-01T17:42:12.201" v="1002" actId="47"/>
+        <pc:sldMkLst>
+          <pc:docMk/>
+          <pc:sldMk cId="658073544" sldId="285"/>
+        </pc:sldMkLst>
+        <pc:spChg chg="add mod">
+          <ac:chgData name="Samson Christopher" userId="6a13b5f1e64a53ae" providerId="LiveId" clId="{FE3E3312-A592-47B5-8AF9-6A6BF1622581}" dt="2020-02-01T17:35:24.935" v="765" actId="1035"/>
+          <ac:spMkLst>
+            <pc:docMk/>
+            <pc:sldMk cId="658073544" sldId="285"/>
+            <ac:spMk id="2" creationId="{EFBF8B59-8E1B-41AB-95A5-EC20F10CCB4C}"/>
+          </ac:spMkLst>
+        </pc:spChg>
+      </pc:sldChg>
+      <pc:sldChg chg="addSp modSp add del">
+        <pc:chgData name="Samson Christopher" userId="6a13b5f1e64a53ae" providerId="LiveId" clId="{FE3E3312-A592-47B5-8AF9-6A6BF1622581}" dt="2020-02-02T12:50:18.300" v="2747" actId="47"/>
+        <pc:sldMkLst>
+          <pc:docMk/>
+          <pc:sldMk cId="766876582" sldId="285"/>
+        </pc:sldMkLst>
+        <pc:spChg chg="add mod">
+          <ac:chgData name="Samson Christopher" userId="6a13b5f1e64a53ae" providerId="LiveId" clId="{FE3E3312-A592-47B5-8AF9-6A6BF1622581}" dt="2020-02-02T12:44:15.453" v="2691" actId="1036"/>
+          <ac:spMkLst>
+            <pc:docMk/>
+            <pc:sldMk cId="766876582" sldId="285"/>
+            <ac:spMk id="2" creationId="{F13CFF1A-C60A-49D3-B07F-87C972054D41}"/>
+          </ac:spMkLst>
+        </pc:spChg>
+      </pc:sldChg>
+      <pc:sldChg chg="addSp delSp modSp add del">
+        <pc:chgData name="Samson Christopher" userId="6a13b5f1e64a53ae" providerId="LiveId" clId="{FE3E3312-A592-47B5-8AF9-6A6BF1622581}" dt="2020-02-08T19:02:02.617" v="3491" actId="47"/>
+        <pc:sldMkLst>
+          <pc:docMk/>
+          <pc:sldMk cId="1926434746" sldId="285"/>
+        </pc:sldMkLst>
+        <pc:spChg chg="add mod">
+          <ac:chgData name="Samson Christopher" userId="6a13b5f1e64a53ae" providerId="LiveId" clId="{FE3E3312-A592-47B5-8AF9-6A6BF1622581}" dt="2020-02-02T12:53:18.842" v="2853" actId="1035"/>
+          <ac:spMkLst>
+            <pc:docMk/>
+            <pc:sldMk cId="1926434746" sldId="285"/>
+            <ac:spMk id="2" creationId="{F6BEFE7E-3057-4DCA-BBB2-8062BDD9DD64}"/>
+          </ac:spMkLst>
+        </pc:spChg>
+        <pc:spChg chg="del">
+          <ac:chgData name="Samson Christopher" userId="6a13b5f1e64a53ae" providerId="LiveId" clId="{FE3E3312-A592-47B5-8AF9-6A6BF1622581}" dt="2020-02-02T12:50:25.849" v="2757" actId="478"/>
+          <ac:spMkLst>
+            <pc:docMk/>
+            <pc:sldMk cId="1926434746" sldId="285"/>
+            <ac:spMk id="3" creationId="{9865938A-2A43-4801-A57E-BE9CFC6B60DE}"/>
+          </ac:spMkLst>
+        </pc:spChg>
+      </pc:sldChg>
+      <pc:sldChg chg="del">
+        <pc:chgData name="Samson Christopher" userId="6a13b5f1e64a53ae" providerId="LiveId" clId="{FE3E3312-A592-47B5-8AF9-6A6BF1622581}" dt="2020-01-26T14:19:51.192" v="5" actId="47"/>
+        <pc:sldMkLst>
+          <pc:docMk/>
+          <pc:sldMk cId="3444870395" sldId="285"/>
+        </pc:sldMkLst>
+      </pc:sldChg>
+      <pc:sldChg chg="addSp modSp add del">
+        <pc:chgData name="Samson Christopher" userId="6a13b5f1e64a53ae" providerId="LiveId" clId="{FE3E3312-A592-47B5-8AF9-6A6BF1622581}" dt="2020-02-02T12:38:04.753" v="2114" actId="47"/>
+        <pc:sldMkLst>
+          <pc:docMk/>
+          <pc:sldMk cId="1630975956" sldId="286"/>
+        </pc:sldMkLst>
+        <pc:spChg chg="add mod">
+          <ac:chgData name="Samson Christopher" userId="6a13b5f1e64a53ae" providerId="LiveId" clId="{FE3E3312-A592-47B5-8AF9-6A6BF1622581}" dt="2020-02-01T18:00:11.907" v="1998" actId="1036"/>
+          <ac:spMkLst>
+            <pc:docMk/>
+            <pc:sldMk cId="1630975956" sldId="286"/>
+            <ac:spMk id="2" creationId="{56A3F956-8FF4-4390-9755-35F8C891DB0D}"/>
+          </ac:spMkLst>
+        </pc:spChg>
+      </pc:sldChg>
+      <pc:sldChg chg="addSp delSp modSp add del mod">
+        <pc:chgData name="Samson Christopher" userId="6a13b5f1e64a53ae" providerId="LiveId" clId="{FE3E3312-A592-47B5-8AF9-6A6BF1622581}" dt="2020-02-08T19:16:47.635" v="4232" actId="47"/>
+        <pc:sldMkLst>
+          <pc:docMk/>
+          <pc:sldMk cId="1642856061" sldId="286"/>
+        </pc:sldMkLst>
+        <pc:spChg chg="del">
+          <ac:chgData name="Samson Christopher" userId="6a13b5f1e64a53ae" providerId="LiveId" clId="{FE3E3312-A592-47B5-8AF9-6A6BF1622581}" dt="2020-02-08T18:59:15.934" v="3454" actId="478"/>
+          <ac:spMkLst>
+            <pc:docMk/>
+            <pc:sldMk cId="1642856061" sldId="286"/>
+            <ac:spMk id="2" creationId="{F6BEFE7E-3057-4DCA-BBB2-8062BDD9DD64}"/>
+          </ac:spMkLst>
+        </pc:spChg>
+        <pc:spChg chg="add mod">
+          <ac:chgData name="Samson Christopher" userId="6a13b5f1e64a53ae" providerId="LiveId" clId="{FE3E3312-A592-47B5-8AF9-6A6BF1622581}" dt="2020-02-08T19:05:38.592" v="4158" actId="1036"/>
+          <ac:spMkLst>
+            <pc:docMk/>
+            <pc:sldMk cId="1642856061" sldId="286"/>
+            <ac:spMk id="3" creationId="{6D9B5F73-55C2-4ED5-97DA-0E9A4484CA6E}"/>
+          </ac:spMkLst>
+        </pc:spChg>
+      </pc:sldChg>
+      <pc:sldChg chg="addSp modSp add del">
+        <pc:chgData name="Samson Christopher" userId="6a13b5f1e64a53ae" providerId="LiveId" clId="{FE3E3312-A592-47B5-8AF9-6A6BF1622581}" dt="2020-02-01T17:42:12.352" v="1003" actId="47"/>
+        <pc:sldMkLst>
+          <pc:docMk/>
+          <pc:sldMk cId="2122201727" sldId="286"/>
+        </pc:sldMkLst>
+        <pc:spChg chg="add mod">
+          <ac:chgData name="Samson Christopher" userId="6a13b5f1e64a53ae" providerId="LiveId" clId="{FE3E3312-A592-47B5-8AF9-6A6BF1622581}" dt="2020-02-01T17:34:51.332" v="704" actId="1036"/>
+          <ac:spMkLst>
+            <pc:docMk/>
+            <pc:sldMk cId="2122201727" sldId="286"/>
+            <ac:spMk id="2" creationId="{55C90926-8D62-4E84-816E-3CD399B732F8}"/>
+          </ac:spMkLst>
+        </pc:spChg>
+      </pc:sldChg>
+      <pc:sldChg chg="addSp modSp add del">
+        <pc:chgData name="Samson Christopher" userId="6a13b5f1e64a53ae" providerId="LiveId" clId="{FE3E3312-A592-47B5-8AF9-6A6BF1622581}" dt="2020-02-02T12:50:18.560" v="2748" actId="47"/>
+        <pc:sldMkLst>
+          <pc:docMk/>
+          <pc:sldMk cId="2489913434" sldId="286"/>
+        </pc:sldMkLst>
+        <pc:spChg chg="add mod">
+          <ac:chgData name="Samson Christopher" userId="6a13b5f1e64a53ae" providerId="LiveId" clId="{FE3E3312-A592-47B5-8AF9-6A6BF1622581}" dt="2020-02-02T12:43:54.123" v="2639" actId="1036"/>
+          <ac:spMkLst>
+            <pc:docMk/>
+            <pc:sldMk cId="2489913434" sldId="286"/>
+            <ac:spMk id="2" creationId="{29C55C2B-E7A8-4076-A981-0988AB72E969}"/>
+          </ac:spMkLst>
+        </pc:spChg>
+      </pc:sldChg>
+      <pc:sldChg chg="del">
+        <pc:chgData name="Samson Christopher" userId="6a13b5f1e64a53ae" providerId="LiveId" clId="{FE3E3312-A592-47B5-8AF9-6A6BF1622581}" dt="2020-01-26T14:19:51.335" v="6" actId="47"/>
+        <pc:sldMkLst>
+          <pc:docMk/>
+          <pc:sldMk cId="3205676252" sldId="286"/>
+        </pc:sldMkLst>
+      </pc:sldChg>
+      <pc:sldChg chg="addSp modSp add del">
+        <pc:chgData name="Samson Christopher" userId="6a13b5f1e64a53ae" providerId="LiveId" clId="{FE3E3312-A592-47B5-8AF9-6A6BF1622581}" dt="2020-02-08T18:59:08.362" v="3443" actId="47"/>
+        <pc:sldMkLst>
+          <pc:docMk/>
+          <pc:sldMk cId="3244706587" sldId="286"/>
+        </pc:sldMkLst>
+        <pc:spChg chg="add mod">
+          <ac:chgData name="Samson Christopher" userId="6a13b5f1e64a53ae" providerId="LiveId" clId="{FE3E3312-A592-47B5-8AF9-6A6BF1622581}" dt="2020-02-02T12:53:36.127" v="2920" actId="1036"/>
+          <ac:spMkLst>
+            <pc:docMk/>
+            <pc:sldMk cId="3244706587" sldId="286"/>
+            <ac:spMk id="2" creationId="{8DDF4331-CB05-4796-ADD2-72A7E3BDD498}"/>
+          </ac:spMkLst>
+        </pc:spChg>
+      </pc:sldChg>
+      <pc:sldChg chg="addSp modSp add del">
+        <pc:chgData name="Samson Christopher" userId="6a13b5f1e64a53ae" providerId="LiveId" clId="{FE3E3312-A592-47B5-8AF9-6A6BF1622581}" dt="2020-02-01T17:57:46.588" v="1675" actId="47"/>
+        <pc:sldMkLst>
+          <pc:docMk/>
+          <pc:sldMk cId="4062240181" sldId="286"/>
+        </pc:sldMkLst>
+        <pc:spChg chg="add mod">
+          <ac:chgData name="Samson Christopher" userId="6a13b5f1e64a53ae" providerId="LiveId" clId="{FE3E3312-A592-47B5-8AF9-6A6BF1622581}" dt="2020-02-01T17:49:04.130" v="1408" actId="1036"/>
+          <ac:spMkLst>
+            <pc:docMk/>
+            <pc:sldMk cId="4062240181" sldId="286"/>
+            <ac:spMk id="2" creationId="{0A77A52D-BEF9-4702-A6E7-9F50CC744799}"/>
+          </ac:spMkLst>
+        </pc:spChg>
+      </pc:sldChg>
+      <pc:sldChg chg="del">
+        <pc:chgData name="Samson Christopher" userId="6a13b5f1e64a53ae" providerId="LiveId" clId="{FE3E3312-A592-47B5-8AF9-6A6BF1622581}" dt="2020-01-26T14:19:51.872" v="7" actId="47"/>
+        <pc:sldMkLst>
+          <pc:docMk/>
+          <pc:sldMk cId="506690633" sldId="287"/>
+        </pc:sldMkLst>
+      </pc:sldChg>
+      <pc:sldChg chg="addSp modSp add del">
+        <pc:chgData name="Samson Christopher" userId="6a13b5f1e64a53ae" providerId="LiveId" clId="{FE3E3312-A592-47B5-8AF9-6A6BF1622581}" dt="2020-02-01T17:57:46.790" v="1676" actId="47"/>
+        <pc:sldMkLst>
+          <pc:docMk/>
+          <pc:sldMk cId="1574531740" sldId="287"/>
+        </pc:sldMkLst>
+        <pc:spChg chg="add mod">
+          <ac:chgData name="Samson Christopher" userId="6a13b5f1e64a53ae" providerId="LiveId" clId="{FE3E3312-A592-47B5-8AF9-6A6BF1622581}" dt="2020-02-01T17:50:00.519" v="1484" actId="1035"/>
+          <ac:spMkLst>
+            <pc:docMk/>
+            <pc:sldMk cId="1574531740" sldId="287"/>
+            <ac:spMk id="2" creationId="{EA8FDFF9-419D-4121-81F3-252BF7747FBF}"/>
+          </ac:spMkLst>
+        </pc:spChg>
+      </pc:sldChg>
+      <pc:sldChg chg="addSp modSp add del">
+        <pc:chgData name="Samson Christopher" userId="6a13b5f1e64a53ae" providerId="LiveId" clId="{FE3E3312-A592-47B5-8AF9-6A6BF1622581}" dt="2020-02-01T17:42:12.515" v="1004" actId="47"/>
+        <pc:sldMkLst>
+          <pc:docMk/>
+          <pc:sldMk cId="2265643976" sldId="287"/>
+        </pc:sldMkLst>
+        <pc:spChg chg="add mod">
+          <ac:chgData name="Samson Christopher" userId="6a13b5f1e64a53ae" providerId="LiveId" clId="{FE3E3312-A592-47B5-8AF9-6A6BF1622581}" dt="2020-02-01T17:34:19.983" v="643" actId="1036"/>
+          <ac:spMkLst>
+            <pc:docMk/>
+            <pc:sldMk cId="2265643976" sldId="287"/>
+            <ac:spMk id="2" creationId="{D1B93A5D-2B17-408A-9A50-9F5CE3A253F0}"/>
+          </ac:spMkLst>
+        </pc:spChg>
+      </pc:sldChg>
+      <pc:sldChg chg="addSp modSp add del">
+        <pc:chgData name="Samson Christopher" userId="6a13b5f1e64a53ae" providerId="LiveId" clId="{FE3E3312-A592-47B5-8AF9-6A6BF1622581}" dt="2020-02-08T18:59:08.504" v="3444" actId="47"/>
+        <pc:sldMkLst>
+          <pc:docMk/>
+          <pc:sldMk cId="2516573022" sldId="287"/>
+        </pc:sldMkLst>
+        <pc:spChg chg="add mod">
+          <ac:chgData name="Samson Christopher" userId="6a13b5f1e64a53ae" providerId="LiveId" clId="{FE3E3312-A592-47B5-8AF9-6A6BF1622581}" dt="2020-02-02T12:53:49.268" v="2973" actId="1036"/>
+          <ac:spMkLst>
+            <pc:docMk/>
+            <pc:sldMk cId="2516573022" sldId="287"/>
+            <ac:spMk id="2" creationId="{44D5775F-9152-47CB-A84A-BE68EF496CAA}"/>
+          </ac:spMkLst>
+        </pc:spChg>
+      </pc:sldChg>
+      <pc:sldChg chg="addSp modSp add del">
+        <pc:chgData name="Samson Christopher" userId="6a13b5f1e64a53ae" providerId="LiveId" clId="{FE3E3312-A592-47B5-8AF9-6A6BF1622581}" dt="2020-02-02T12:50:18.805" v="2749" actId="47"/>
+        <pc:sldMkLst>
+          <pc:docMk/>
+          <pc:sldMk cId="2605696702" sldId="287"/>
+        </pc:sldMkLst>
+        <pc:spChg chg="add mod">
+          <ac:chgData name="Samson Christopher" userId="6a13b5f1e64a53ae" providerId="LiveId" clId="{FE3E3312-A592-47B5-8AF9-6A6BF1622581}" dt="2020-02-02T12:43:37.487" v="2578" actId="1036"/>
+          <ac:spMkLst>
+            <pc:docMk/>
+            <pc:sldMk cId="2605696702" sldId="287"/>
+            <ac:spMk id="2" creationId="{4F3CB8AD-F06A-413B-914E-C8E07B3ACDF3}"/>
+          </ac:spMkLst>
+        </pc:spChg>
+      </pc:sldChg>
+      <pc:sldChg chg="addSp modSp add del mod">
+        <pc:chgData name="Samson Christopher" userId="6a13b5f1e64a53ae" providerId="LiveId" clId="{FE3E3312-A592-47B5-8AF9-6A6BF1622581}" dt="2020-02-08T19:12:35.084" v="4159" actId="47"/>
+        <pc:sldMkLst>
+          <pc:docMk/>
+          <pc:sldMk cId="2644962893" sldId="287"/>
+        </pc:sldMkLst>
+        <pc:spChg chg="add mod">
+          <ac:chgData name="Samson Christopher" userId="6a13b5f1e64a53ae" providerId="LiveId" clId="{FE3E3312-A592-47B5-8AF9-6A6BF1622581}" dt="2020-02-08T19:05:23.801" v="4091" actId="1035"/>
+          <ac:spMkLst>
+            <pc:docMk/>
+            <pc:sldMk cId="2644962893" sldId="287"/>
+            <ac:spMk id="2" creationId="{DE676BCE-59FA-4EB4-8903-0342042B6940}"/>
+          </ac:spMkLst>
+        </pc:spChg>
+      </pc:sldChg>
+      <pc:sldChg chg="addSp delSp modSp add del mod">
+        <pc:chgData name="Samson Christopher" userId="6a13b5f1e64a53ae" providerId="LiveId" clId="{FE3E3312-A592-47B5-8AF9-6A6BF1622581}" dt="2020-02-08T19:31:49.966" v="5000" actId="47"/>
+        <pc:sldMkLst>
+          <pc:docMk/>
+          <pc:sldMk cId="3873219200" sldId="287"/>
+        </pc:sldMkLst>
+        <pc:spChg chg="add del mod">
+          <ac:chgData name="Samson Christopher" userId="6a13b5f1e64a53ae" providerId="LiveId" clId="{FE3E3312-A592-47B5-8AF9-6A6BF1622581}" dt="2020-02-08T19:13:42.926" v="4211"/>
+          <ac:spMkLst>
+            <pc:docMk/>
+            <pc:sldMk cId="3873219200" sldId="287"/>
+            <ac:spMk id="2" creationId="{7AC96AA6-7ECF-47C1-9CE6-7CC34763BB53}"/>
+          </ac:spMkLst>
+        </pc:spChg>
+        <pc:spChg chg="del">
+          <ac:chgData name="Samson Christopher" userId="6a13b5f1e64a53ae" providerId="LiveId" clId="{FE3E3312-A592-47B5-8AF9-6A6BF1622581}" dt="2020-02-08T19:12:42.021" v="4170" actId="478"/>
+          <ac:spMkLst>
+            <pc:docMk/>
+            <pc:sldMk cId="3873219200" sldId="287"/>
+            <ac:spMk id="3" creationId="{6D9B5F73-55C2-4ED5-97DA-0E9A4484CA6E}"/>
+          </ac:spMkLst>
+        </pc:spChg>
+        <pc:spChg chg="add mod">
+          <ac:chgData name="Samson Christopher" userId="6a13b5f1e64a53ae" providerId="LiveId" clId="{FE3E3312-A592-47B5-8AF9-6A6BF1622581}" dt="2020-02-08T19:21:50.940" v="4946" actId="1036"/>
+          <ac:spMkLst>
+            <pc:docMk/>
+            <pc:sldMk cId="3873219200" sldId="287"/>
+            <ac:spMk id="4" creationId="{7421D288-FFC5-40F0-A400-958D2A6573EB}"/>
+          </ac:spMkLst>
+        </pc:spChg>
+      </pc:sldChg>
+      <pc:sldChg chg="addSp modSp add del">
+        <pc:chgData name="Samson Christopher" userId="6a13b5f1e64a53ae" providerId="LiveId" clId="{FE3E3312-A592-47B5-8AF9-6A6BF1622581}" dt="2020-02-02T12:38:04.910" v="2115" actId="47"/>
+        <pc:sldMkLst>
+          <pc:docMk/>
+          <pc:sldMk cId="3992617313" sldId="287"/>
+        </pc:sldMkLst>
+        <pc:spChg chg="add mod">
+          <ac:chgData name="Samson Christopher" userId="6a13b5f1e64a53ae" providerId="LiveId" clId="{FE3E3312-A592-47B5-8AF9-6A6BF1622581}" dt="2020-02-01T18:00:26.685" v="2057" actId="1035"/>
+          <ac:spMkLst>
+            <pc:docMk/>
+            <pc:sldMk cId="3992617313" sldId="287"/>
+            <ac:spMk id="2" creationId="{36839E03-BCFC-4ABA-8F52-0CBE171D9F19}"/>
+          </ac:spMkLst>
+        </pc:spChg>
+      </pc:sldChg>
+      <pc:sldChg chg="add del">
+        <pc:chgData name="Samson Christopher" userId="6a13b5f1e64a53ae" providerId="LiveId" clId="{FE3E3312-A592-47B5-8AF9-6A6BF1622581}" dt="2020-02-08T19:12:50.870" v="4178"/>
+        <pc:sldMkLst>
+          <pc:docMk/>
+          <pc:sldMk cId="533861576" sldId="288"/>
+        </pc:sldMkLst>
+      </pc:sldChg>
+      <pc:sldChg chg="addSp delSp modSp add mod">
+        <pc:chgData name="Samson Christopher" userId="6a13b5f1e64a53ae" providerId="LiveId" clId="{FE3E3312-A592-47B5-8AF9-6A6BF1622581}" dt="2020-02-08T19:32:17.540" v="5017" actId="1036"/>
+        <pc:sldMkLst>
+          <pc:docMk/>
+          <pc:sldMk cId="890593528" sldId="288"/>
+        </pc:sldMkLst>
+        <pc:spChg chg="add mod">
+          <ac:chgData name="Samson Christopher" userId="6a13b5f1e64a53ae" providerId="LiveId" clId="{FE3E3312-A592-47B5-8AF9-6A6BF1622581}" dt="2020-02-08T19:32:17.540" v="5017" actId="1036"/>
+          <ac:spMkLst>
+            <pc:docMk/>
+            <pc:sldMk cId="890593528" sldId="288"/>
+            <ac:spMk id="2" creationId="{3D3CAC24-4BB9-4CF5-8315-A99F8E49A647}"/>
+          </ac:spMkLst>
+        </pc:spChg>
+        <pc:spChg chg="del">
+          <ac:chgData name="Samson Christopher" userId="6a13b5f1e64a53ae" providerId="LiveId" clId="{FE3E3312-A592-47B5-8AF9-6A6BF1622581}" dt="2020-02-08T19:25:54.574" v="4960" actId="478"/>
+          <ac:spMkLst>
+            <pc:docMk/>
+            <pc:sldMk cId="890593528" sldId="288"/>
+            <ac:spMk id="4" creationId="{7421D288-FFC5-40F0-A400-958D2A6573EB}"/>
+          </ac:spMkLst>
+        </pc:spChg>
+      </pc:sldChg>
+      <pc:sldChg chg="addSp modSp add del mod">
+        <pc:chgData name="Samson Christopher" userId="6a13b5f1e64a53ae" providerId="LiveId" clId="{FE3E3312-A592-47B5-8AF9-6A6BF1622581}" dt="2020-02-08T19:12:35.336" v="4160" actId="47"/>
+        <pc:sldMkLst>
+          <pc:docMk/>
+          <pc:sldMk cId="1243122871" sldId="288"/>
+        </pc:sldMkLst>
+        <pc:spChg chg="add mod">
+          <ac:chgData name="Samson Christopher" userId="6a13b5f1e64a53ae" providerId="LiveId" clId="{FE3E3312-A592-47B5-8AF9-6A6BF1622581}" dt="2020-02-08T19:05:09.431" v="4015" actId="1036"/>
+          <ac:spMkLst>
+            <pc:docMk/>
+            <pc:sldMk cId="1243122871" sldId="288"/>
+            <ac:spMk id="2" creationId="{C6C0204B-DCF7-4D51-BB79-7F54FAFCA282}"/>
+          </ac:spMkLst>
+        </pc:spChg>
+      </pc:sldChg>
+      <pc:sldChg chg="addSp modSp add del">
+        <pc:chgData name="Samson Christopher" userId="6a13b5f1e64a53ae" providerId="LiveId" clId="{FE3E3312-A592-47B5-8AF9-6A6BF1622581}" dt="2020-02-02T12:38:05.115" v="2116" actId="47"/>
+        <pc:sldMkLst>
+          <pc:docMk/>
+          <pc:sldMk cId="1433314351" sldId="288"/>
+        </pc:sldMkLst>
+        <pc:spChg chg="add mod">
+          <ac:chgData name="Samson Christopher" userId="6a13b5f1e64a53ae" providerId="LiveId" clId="{FE3E3312-A592-47B5-8AF9-6A6BF1622581}" dt="2020-02-01T18:00:43.291" v="2111" actId="1035"/>
+          <ac:spMkLst>
+            <pc:docMk/>
+            <pc:sldMk cId="1433314351" sldId="288"/>
+            <ac:spMk id="2" creationId="{EFDF1BA6-9E4F-4AEA-B8DC-F293D5EA39BF}"/>
+          </ac:spMkLst>
+        </pc:spChg>
+      </pc:sldChg>
+      <pc:sldChg chg="addSp modSp add del">
+        <pc:chgData name="Samson Christopher" userId="6a13b5f1e64a53ae" providerId="LiveId" clId="{FE3E3312-A592-47B5-8AF9-6A6BF1622581}" dt="2020-02-02T12:50:19.032" v="2750" actId="47"/>
+        <pc:sldMkLst>
+          <pc:docMk/>
+          <pc:sldMk cId="1736234017" sldId="288"/>
+        </pc:sldMkLst>
+        <pc:spChg chg="add mod">
+          <ac:chgData name="Samson Christopher" userId="6a13b5f1e64a53ae" providerId="LiveId" clId="{FE3E3312-A592-47B5-8AF9-6A6BF1622581}" dt="2020-02-02T12:43:12.724" v="2521" actId="1036"/>
+          <ac:spMkLst>
+            <pc:docMk/>
+            <pc:sldMk cId="1736234017" sldId="288"/>
+            <ac:spMk id="2" creationId="{73AEA177-F458-437A-8018-192602C662A6}"/>
+          </ac:spMkLst>
+        </pc:spChg>
+      </pc:sldChg>
+      <pc:sldChg chg="addSp modSp add del">
+        <pc:chgData name="Samson Christopher" userId="6a13b5f1e64a53ae" providerId="LiveId" clId="{FE3E3312-A592-47B5-8AF9-6A6BF1622581}" dt="2020-02-08T18:59:08.809" v="3445" actId="47"/>
+        <pc:sldMkLst>
+          <pc:docMk/>
+          <pc:sldMk cId="1798198783" sldId="288"/>
+        </pc:sldMkLst>
+        <pc:spChg chg="add mod">
+          <ac:chgData name="Samson Christopher" userId="6a13b5f1e64a53ae" providerId="LiveId" clId="{FE3E3312-A592-47B5-8AF9-6A6BF1622581}" dt="2020-02-02T12:54:00.731" v="3026" actId="1036"/>
+          <ac:spMkLst>
+            <pc:docMk/>
+            <pc:sldMk cId="1798198783" sldId="288"/>
+            <ac:spMk id="2" creationId="{9998515B-CBCF-478D-9224-C4730404863F}"/>
+          </ac:spMkLst>
+        </pc:spChg>
+      </pc:sldChg>
+      <pc:sldChg chg="addSp modSp add del">
+        <pc:chgData name="Samson Christopher" userId="6a13b5f1e64a53ae" providerId="LiveId" clId="{FE3E3312-A592-47B5-8AF9-6A6BF1622581}" dt="2020-02-01T17:57:47.029" v="1677" actId="47"/>
+        <pc:sldMkLst>
+          <pc:docMk/>
+          <pc:sldMk cId="2046218765" sldId="288"/>
+        </pc:sldMkLst>
+        <pc:spChg chg="add mod">
+          <ac:chgData name="Samson Christopher" userId="6a13b5f1e64a53ae" providerId="LiveId" clId="{FE3E3312-A592-47B5-8AF9-6A6BF1622581}" dt="2020-02-01T17:50:15.122" v="1548" actId="1035"/>
+          <ac:spMkLst>
+            <pc:docMk/>
+            <pc:sldMk cId="2046218765" sldId="288"/>
+            <ac:spMk id="2" creationId="{E0406AED-2B47-4D4B-9AE3-0B7466135E60}"/>
+          </ac:spMkLst>
+        </pc:spChg>
+      </pc:sldChg>
+      <pc:sldChg chg="addSp modSp add del">
+        <pc:chgData name="Samson Christopher" userId="6a13b5f1e64a53ae" providerId="LiveId" clId="{FE3E3312-A592-47B5-8AF9-6A6BF1622581}" dt="2020-02-01T17:42:12.671" v="1005" actId="47"/>
+        <pc:sldMkLst>
+          <pc:docMk/>
+          <pc:sldMk cId="2316535170" sldId="288"/>
+        </pc:sldMkLst>
+        <pc:spChg chg="add mod">
+          <ac:chgData name="Samson Christopher" userId="6a13b5f1e64a53ae" providerId="LiveId" clId="{FE3E3312-A592-47B5-8AF9-6A6BF1622581}" dt="2020-02-01T17:33:37.098" v="565" actId="1036"/>
+          <ac:spMkLst>
+            <pc:docMk/>
+            <pc:sldMk cId="2316535170" sldId="288"/>
+            <ac:spMk id="2" creationId="{FD3BFDD9-1107-4187-A23F-0AD085B748D1}"/>
+          </ac:spMkLst>
+        </pc:spChg>
+      </pc:sldChg>
+      <pc:sldChg chg="addSp modSp add del mod">
+        <pc:chgData name="Samson Christopher" userId="6a13b5f1e64a53ae" providerId="LiveId" clId="{FE3E3312-A592-47B5-8AF9-6A6BF1622581}" dt="2020-02-08T19:25:47.046" v="4947" actId="47"/>
+        <pc:sldMkLst>
+          <pc:docMk/>
+          <pc:sldMk cId="2538474359" sldId="288"/>
+        </pc:sldMkLst>
+        <pc:spChg chg="add mod">
+          <ac:chgData name="Samson Christopher" userId="6a13b5f1e64a53ae" providerId="LiveId" clId="{FE3E3312-A592-47B5-8AF9-6A6BF1622581}" dt="2020-02-08T19:21:40.950" v="4901" actId="1036"/>
+          <ac:spMkLst>
+            <pc:docMk/>
+            <pc:sldMk cId="2538474359" sldId="288"/>
+            <ac:spMk id="2" creationId="{647A3EEB-D701-425B-92D3-63D838E00792}"/>
+          </ac:spMkLst>
+        </pc:spChg>
+      </pc:sldChg>
+      <pc:sldChg chg="addSp modSp add del">
+        <pc:chgData name="Samson Christopher" userId="6a13b5f1e64a53ae" providerId="LiveId" clId="{FE3E3312-A592-47B5-8AF9-6A6BF1622581}" dt="2020-02-01T17:42:12.848" v="1006" actId="47"/>
+        <pc:sldMkLst>
+          <pc:docMk/>
+          <pc:sldMk cId="490923609" sldId="289"/>
+        </pc:sldMkLst>
+        <pc:spChg chg="add mod">
+          <ac:chgData name="Samson Christopher" userId="6a13b5f1e64a53ae" providerId="LiveId" clId="{FE3E3312-A592-47B5-8AF9-6A6BF1622581}" dt="2020-02-01T17:33:13.666" v="510" actId="1035"/>
+          <ac:spMkLst>
+            <pc:docMk/>
+            <pc:sldMk cId="490923609" sldId="289"/>
+            <ac:spMk id="2" creationId="{646E9C7D-33BF-41DD-9669-C05071545491}"/>
+          </ac:spMkLst>
+        </pc:spChg>
+      </pc:sldChg>
+      <pc:sldChg chg="add del">
+        <pc:chgData name="Samson Christopher" userId="6a13b5f1e64a53ae" providerId="LiveId" clId="{FE3E3312-A592-47B5-8AF9-6A6BF1622581}" dt="2020-02-08T19:12:50.655" v="4177"/>
+        <pc:sldMkLst>
+          <pc:docMk/>
+          <pc:sldMk cId="1228541407" sldId="289"/>
+        </pc:sldMkLst>
+      </pc:sldChg>
+      <pc:sldChg chg="addSp modSp add del">
+        <pc:chgData name="Samson Christopher" userId="6a13b5f1e64a53ae" providerId="LiveId" clId="{FE3E3312-A592-47B5-8AF9-6A6BF1622581}" dt="2020-02-01T17:57:47.565" v="1678" actId="47"/>
+        <pc:sldMkLst>
+          <pc:docMk/>
+          <pc:sldMk cId="2311559557" sldId="289"/>
+        </pc:sldMkLst>
+        <pc:spChg chg="add mod">
+          <ac:chgData name="Samson Christopher" userId="6a13b5f1e64a53ae" providerId="LiveId" clId="{FE3E3312-A592-47B5-8AF9-6A6BF1622581}" dt="2020-02-01T17:50:36.201" v="1605" actId="1035"/>
+          <ac:spMkLst>
+            <pc:docMk/>
+            <pc:sldMk cId="2311559557" sldId="289"/>
+            <ac:spMk id="2" creationId="{99B5C46C-B4FF-4965-B954-7289D8961C67}"/>
+          </ac:spMkLst>
+        </pc:spChg>
+      </pc:sldChg>
+      <pc:sldChg chg="addSp modSp add del">
+        <pc:chgData name="Samson Christopher" userId="6a13b5f1e64a53ae" providerId="LiveId" clId="{FE3E3312-A592-47B5-8AF9-6A6BF1622581}" dt="2020-02-08T18:59:09.042" v="3446" actId="47"/>
+        <pc:sldMkLst>
+          <pc:docMk/>
+          <pc:sldMk cId="2521482568" sldId="289"/>
+        </pc:sldMkLst>
+        <pc:spChg chg="add mod">
+          <ac:chgData name="Samson Christopher" userId="6a13b5f1e64a53ae" providerId="LiveId" clId="{FE3E3312-A592-47B5-8AF9-6A6BF1622581}" dt="2020-02-02T12:54:16.377" v="3078" actId="1036"/>
+          <ac:spMkLst>
+            <pc:docMk/>
+            <pc:sldMk cId="2521482568" sldId="289"/>
+            <ac:spMk id="2" creationId="{5623DFDD-5062-4561-97E6-C81A3F4A8208}"/>
+          </ac:spMkLst>
+        </pc:spChg>
+      </pc:sldChg>
+      <pc:sldChg chg="addSp modSp add del mod">
+        <pc:chgData name="Samson Christopher" userId="6a13b5f1e64a53ae" providerId="LiveId" clId="{FE3E3312-A592-47B5-8AF9-6A6BF1622581}" dt="2020-02-08T19:12:35.548" v="4161" actId="47"/>
+        <pc:sldMkLst>
+          <pc:docMk/>
+          <pc:sldMk cId="3283662261" sldId="289"/>
+        </pc:sldMkLst>
+        <pc:spChg chg="add mod">
+          <ac:chgData name="Samson Christopher" userId="6a13b5f1e64a53ae" providerId="LiveId" clId="{FE3E3312-A592-47B5-8AF9-6A6BF1622581}" dt="2020-02-08T19:04:52.756" v="3953" actId="1036"/>
+          <ac:spMkLst>
+            <pc:docMk/>
+            <pc:sldMk cId="3283662261" sldId="289"/>
+            <ac:spMk id="2" creationId="{A4B1BCE2-281A-46E2-93EB-681AA8444E05}"/>
+          </ac:spMkLst>
+        </pc:spChg>
+      </pc:sldChg>
+      <pc:sldChg chg="add del">
+        <pc:chgData name="Samson Christopher" userId="6a13b5f1e64a53ae" providerId="LiveId" clId="{FE3E3312-A592-47B5-8AF9-6A6BF1622581}" dt="2020-02-01T17:58:35.942" v="1698" actId="47"/>
+        <pc:sldMkLst>
+          <pc:docMk/>
+          <pc:sldMk cId="3328447822" sldId="289"/>
+        </pc:sldMkLst>
+      </pc:sldChg>
+      <pc:sldChg chg="addSp modSp add del mod">
+        <pc:chgData name="Samson Christopher" userId="6a13b5f1e64a53ae" providerId="LiveId" clId="{FE3E3312-A592-47B5-8AF9-6A6BF1622581}" dt="2020-02-08T19:25:47.240" v="4948" actId="47"/>
+        <pc:sldMkLst>
+          <pc:docMk/>
+          <pc:sldMk cId="3894763517" sldId="289"/>
+        </pc:sldMkLst>
+        <pc:spChg chg="add mod">
+          <ac:chgData name="Samson Christopher" userId="6a13b5f1e64a53ae" providerId="LiveId" clId="{FE3E3312-A592-47B5-8AF9-6A6BF1622581}" dt="2020-02-08T19:21:09.949" v="4855" actId="1036"/>
+          <ac:spMkLst>
+            <pc:docMk/>
+            <pc:sldMk cId="3894763517" sldId="289"/>
+            <ac:spMk id="2" creationId="{CC93E699-FFC2-4F85-8FCC-E0C95E02D906}"/>
+          </ac:spMkLst>
+        </pc:spChg>
+      </pc:sldChg>
+      <pc:sldChg chg="addSp modSp add mod">
+        <pc:chgData name="Samson Christopher" userId="6a13b5f1e64a53ae" providerId="LiveId" clId="{FE3E3312-A592-47B5-8AF9-6A6BF1622581}" dt="2020-02-08T19:32:30.823" v="5063" actId="1036"/>
+        <pc:sldMkLst>
+          <pc:docMk/>
+          <pc:sldMk cId="4153564699" sldId="289"/>
+        </pc:sldMkLst>
+        <pc:spChg chg="add mod">
+          <ac:chgData name="Samson Christopher" userId="6a13b5f1e64a53ae" providerId="LiveId" clId="{FE3E3312-A592-47B5-8AF9-6A6BF1622581}" dt="2020-02-08T19:32:30.823" v="5063" actId="1036"/>
+          <ac:spMkLst>
+            <pc:docMk/>
+            <pc:sldMk cId="4153564699" sldId="289"/>
+            <ac:spMk id="2" creationId="{BE921E9C-227D-4880-8039-CAAD70C56935}"/>
+          </ac:spMkLst>
+        </pc:spChg>
+      </pc:sldChg>
+      <pc:sldChg chg="addSp modSp add del">
+        <pc:chgData name="Samson Christopher" userId="6a13b5f1e64a53ae" providerId="LiveId" clId="{FE3E3312-A592-47B5-8AF9-6A6BF1622581}" dt="2020-02-02T12:50:19.270" v="2751" actId="47"/>
+        <pc:sldMkLst>
+          <pc:docMk/>
+          <pc:sldMk cId="4237877162" sldId="289"/>
+        </pc:sldMkLst>
+        <pc:spChg chg="add mod">
+          <ac:chgData name="Samson Christopher" userId="6a13b5f1e64a53ae" providerId="LiveId" clId="{FE3E3312-A592-47B5-8AF9-6A6BF1622581}" dt="2020-02-02T12:42:34.260" v="2458" actId="1036"/>
+          <ac:spMkLst>
+            <pc:docMk/>
+            <pc:sldMk cId="4237877162" sldId="289"/>
+            <ac:spMk id="2" creationId="{47A3E7F9-AB32-46B5-A908-4A59F513F39E}"/>
+          </ac:spMkLst>
+        </pc:spChg>
+      </pc:sldChg>
+      <pc:sldChg chg="addSp modSp add del">
+        <pc:chgData name="Samson Christopher" userId="6a13b5f1e64a53ae" providerId="LiveId" clId="{FE3E3312-A592-47B5-8AF9-6A6BF1622581}" dt="2020-02-01T17:57:47.819" v="1679" actId="47"/>
+        <pc:sldMkLst>
+          <pc:docMk/>
+          <pc:sldMk cId="109283061" sldId="290"/>
+        </pc:sldMkLst>
+        <pc:spChg chg="add mod">
+          <ac:chgData name="Samson Christopher" userId="6a13b5f1e64a53ae" providerId="LiveId" clId="{FE3E3312-A592-47B5-8AF9-6A6BF1622581}" dt="2020-02-01T17:51:08.146" v="1671" actId="1036"/>
+          <ac:spMkLst>
+            <pc:docMk/>
+            <pc:sldMk cId="109283061" sldId="290"/>
+            <ac:spMk id="2" creationId="{91DCAF88-4D66-4C1E-871A-F932E588F745}"/>
+          </ac:spMkLst>
+        </pc:spChg>
+      </pc:sldChg>
+      <pc:sldChg chg="add del">
+        <pc:chgData name="Samson Christopher" userId="6a13b5f1e64a53ae" providerId="LiveId" clId="{FE3E3312-A592-47B5-8AF9-6A6BF1622581}" dt="2020-02-01T17:58:36.235" v="1699" actId="47"/>
+        <pc:sldMkLst>
+          <pc:docMk/>
+          <pc:sldMk cId="508705609" sldId="290"/>
+        </pc:sldMkLst>
+      </pc:sldChg>
+      <pc:sldChg chg="addSp modSp add mod">
+        <pc:chgData name="Samson Christopher" userId="6a13b5f1e64a53ae" providerId="LiveId" clId="{FE3E3312-A592-47B5-8AF9-6A6BF1622581}" dt="2020-02-08T19:36:32" v="5791" actId="1036"/>
+        <pc:sldMkLst>
+          <pc:docMk/>
+          <pc:sldMk cId="1254632066" sldId="290"/>
+        </pc:sldMkLst>
+        <pc:spChg chg="add mod">
+          <ac:chgData name="Samson Christopher" userId="6a13b5f1e64a53ae" providerId="LiveId" clId="{FE3E3312-A592-47B5-8AF9-6A6BF1622581}" dt="2020-02-08T19:36:32" v="5791" actId="1036"/>
+          <ac:spMkLst>
+            <pc:docMk/>
+            <pc:sldMk cId="1254632066" sldId="290"/>
+            <ac:spMk id="2" creationId="{8B092F02-FEE7-4039-9773-49C3559C9C55}"/>
+          </ac:spMkLst>
+        </pc:spChg>
+      </pc:sldChg>
+      <pc:sldChg chg="addSp modSp add del">
+        <pc:chgData name="Samson Christopher" userId="6a13b5f1e64a53ae" providerId="LiveId" clId="{FE3E3312-A592-47B5-8AF9-6A6BF1622581}" dt="2020-02-08T18:59:09.248" v="3447" actId="47"/>
+        <pc:sldMkLst>
+          <pc:docMk/>
+          <pc:sldMk cId="1332577480" sldId="290"/>
+        </pc:sldMkLst>
+        <pc:spChg chg="add mod">
+          <ac:chgData name="Samson Christopher" userId="6a13b5f1e64a53ae" providerId="LiveId" clId="{FE3E3312-A592-47B5-8AF9-6A6BF1622581}" dt="2020-02-02T12:54:30.152" v="3131" actId="1036"/>
+          <ac:spMkLst>
+            <pc:docMk/>
+            <pc:sldMk cId="1332577480" sldId="290"/>
+            <ac:spMk id="2" creationId="{19BFD0A4-3925-4FD3-BC13-853B85D191D2}"/>
+          </ac:spMkLst>
+        </pc:spChg>
+      </pc:sldChg>
+      <pc:sldChg chg="add del">
+        <pc:chgData name="Samson Christopher" userId="6a13b5f1e64a53ae" providerId="LiveId" clId="{FE3E3312-A592-47B5-8AF9-6A6BF1622581}" dt="2020-02-08T19:12:50.472" v="4176"/>
+        <pc:sldMkLst>
+          <pc:docMk/>
+          <pc:sldMk cId="2092817182" sldId="290"/>
+        </pc:sldMkLst>
+      </pc:sldChg>
+      <pc:sldChg chg="addSp modSp add del mod">
+        <pc:chgData name="Samson Christopher" userId="6a13b5f1e64a53ae" providerId="LiveId" clId="{FE3E3312-A592-47B5-8AF9-6A6BF1622581}" dt="2020-02-08T19:12:35.803" v="4162" actId="47"/>
+        <pc:sldMkLst>
+          <pc:docMk/>
+          <pc:sldMk cId="3378916797" sldId="290"/>
+        </pc:sldMkLst>
+        <pc:spChg chg="add mod">
+          <ac:chgData name="Samson Christopher" userId="6a13b5f1e64a53ae" providerId="LiveId" clId="{FE3E3312-A592-47B5-8AF9-6A6BF1622581}" dt="2020-02-08T19:04:35.329" v="3911" actId="1035"/>
+          <ac:spMkLst>
+            <pc:docMk/>
+            <pc:sldMk cId="3378916797" sldId="290"/>
+            <ac:spMk id="2" creationId="{FCD96B23-EE90-439C-9AC5-F81850753182}"/>
+          </ac:spMkLst>
+        </pc:spChg>
+      </pc:sldChg>
+      <pc:sldChg chg="addSp modSp add del">
+        <pc:chgData name="Samson Christopher" userId="6a13b5f1e64a53ae" providerId="LiveId" clId="{FE3E3312-A592-47B5-8AF9-6A6BF1622581}" dt="2020-02-02T12:50:19.506" v="2752" actId="47"/>
+        <pc:sldMkLst>
+          <pc:docMk/>
+          <pc:sldMk cId="3537067705" sldId="290"/>
+        </pc:sldMkLst>
+        <pc:spChg chg="add mod">
+          <ac:chgData name="Samson Christopher" userId="6a13b5f1e64a53ae" providerId="LiveId" clId="{FE3E3312-A592-47B5-8AF9-6A6BF1622581}" dt="2020-02-02T12:42:18.078" v="2390" actId="1036"/>
+          <ac:spMkLst>
+            <pc:docMk/>
+            <pc:sldMk cId="3537067705" sldId="290"/>
+            <ac:spMk id="2" creationId="{95E5D97A-1C10-473F-8B24-F3B88C399663}"/>
+          </ac:spMkLst>
+        </pc:spChg>
+      </pc:sldChg>
+      <pc:sldChg chg="addSp modSp add del mod">
+        <pc:chgData name="Samson Christopher" userId="6a13b5f1e64a53ae" providerId="LiveId" clId="{FE3E3312-A592-47B5-8AF9-6A6BF1622581}" dt="2020-02-08T19:25:47.401" v="4949" actId="47"/>
+        <pc:sldMkLst>
+          <pc:docMk/>
+          <pc:sldMk cId="4096315926" sldId="290"/>
+        </pc:sldMkLst>
+        <pc:spChg chg="add mod">
+          <ac:chgData name="Samson Christopher" userId="6a13b5f1e64a53ae" providerId="LiveId" clId="{FE3E3312-A592-47B5-8AF9-6A6BF1622581}" dt="2020-02-08T19:20:54.881" v="4802" actId="1036"/>
+          <ac:spMkLst>
+            <pc:docMk/>
+            <pc:sldMk cId="4096315926" sldId="290"/>
+            <ac:spMk id="2" creationId="{8FF8E7B6-7CCB-430F-AEF7-627F0A6CD009}"/>
+          </ac:spMkLst>
+        </pc:spChg>
+      </pc:sldChg>
+      <pc:sldChg chg="addSp modSp add del">
+        <pc:chgData name="Samson Christopher" userId="6a13b5f1e64a53ae" providerId="LiveId" clId="{FE3E3312-A592-47B5-8AF9-6A6BF1622581}" dt="2020-02-01T17:42:13.049" v="1007" actId="47"/>
+        <pc:sldMkLst>
+          <pc:docMk/>
+          <pc:sldMk cId="4291545960" sldId="290"/>
+        </pc:sldMkLst>
+        <pc:spChg chg="add mod">
+          <ac:chgData name="Samson Christopher" userId="6a13b5f1e64a53ae" providerId="LiveId" clId="{FE3E3312-A592-47B5-8AF9-6A6BF1622581}" dt="2020-02-01T17:32:49.760" v="457" actId="1035"/>
+          <ac:spMkLst>
+            <pc:docMk/>
+            <pc:sldMk cId="4291545960" sldId="290"/>
+            <ac:spMk id="2" creationId="{9461DE47-E051-477F-A1BC-C2DE9A1164A5}"/>
+          </ac:spMkLst>
+        </pc:spChg>
+      </pc:sldChg>
+      <pc:sldChg chg="add del">
+        <pc:chgData name="Samson Christopher" userId="6a13b5f1e64a53ae" providerId="LiveId" clId="{FE3E3312-A592-47B5-8AF9-6A6BF1622581}" dt="2020-02-01T17:45:08.369" v="1048" actId="47"/>
+        <pc:sldMkLst>
+          <pc:docMk/>
+          <pc:sldMk cId="406218857" sldId="291"/>
+        </pc:sldMkLst>
+      </pc:sldChg>
+      <pc:sldChg chg="addSp modSp add del mod">
+        <pc:chgData name="Samson Christopher" userId="6a13b5f1e64a53ae" providerId="LiveId" clId="{FE3E3312-A592-47B5-8AF9-6A6BF1622581}" dt="2020-02-08T19:12:36.004" v="4163" actId="47"/>
+        <pc:sldMkLst>
+          <pc:docMk/>
+          <pc:sldMk cId="462798308" sldId="291"/>
+        </pc:sldMkLst>
+        <pc:spChg chg="add mod">
+          <ac:chgData name="Samson Christopher" userId="6a13b5f1e64a53ae" providerId="LiveId" clId="{FE3E3312-A592-47B5-8AF9-6A6BF1622581}" dt="2020-02-08T19:04:19.945" v="3840" actId="1036"/>
+          <ac:spMkLst>
+            <pc:docMk/>
+            <pc:sldMk cId="462798308" sldId="291"/>
+            <ac:spMk id="2" creationId="{455FC9C2-47A3-4126-A248-86EED9971873}"/>
+          </ac:spMkLst>
+        </pc:spChg>
+      </pc:sldChg>
+      <pc:sldChg chg="add del">
+        <pc:chgData name="Samson Christopher" userId="6a13b5f1e64a53ae" providerId="LiveId" clId="{FE3E3312-A592-47B5-8AF9-6A6BF1622581}" dt="2020-02-08T19:12:50.249" v="4175"/>
+        <pc:sldMkLst>
+          <pc:docMk/>
+          <pc:sldMk cId="1216094008" sldId="291"/>
+        </pc:sldMkLst>
+      </pc:sldChg>
+      <pc:sldChg chg="addSp modSp add del">
+        <pc:chgData name="Samson Christopher" userId="6a13b5f1e64a53ae" providerId="LiveId" clId="{FE3E3312-A592-47B5-8AF9-6A6BF1622581}" dt="2020-02-02T12:50:19.740" v="2753" actId="47"/>
+        <pc:sldMkLst>
+          <pc:docMk/>
+          <pc:sldMk cId="1388293046" sldId="291"/>
+        </pc:sldMkLst>
+        <pc:spChg chg="add mod">
+          <ac:chgData name="Samson Christopher" userId="6a13b5f1e64a53ae" providerId="LiveId" clId="{FE3E3312-A592-47B5-8AF9-6A6BF1622581}" dt="2020-02-02T12:42:02.308" v="2342" actId="1035"/>
+          <ac:spMkLst>
+            <pc:docMk/>
+            <pc:sldMk cId="1388293046" sldId="291"/>
+            <ac:spMk id="2" creationId="{83087946-CDB2-48F1-A42A-CDF10AB4E0E2}"/>
+          </ac:spMkLst>
+        </pc:spChg>
+      </pc:sldChg>
+      <pc:sldChg chg="addSp modSp add del mod">
+        <pc:chgData name="Samson Christopher" userId="6a13b5f1e64a53ae" providerId="LiveId" clId="{FE3E3312-A592-47B5-8AF9-6A6BF1622581}" dt="2020-02-08T19:25:47.558" v="4950" actId="47"/>
+        <pc:sldMkLst>
+          <pc:docMk/>
+          <pc:sldMk cId="1794854937" sldId="291"/>
+        </pc:sldMkLst>
+        <pc:spChg chg="add mod">
+          <ac:chgData name="Samson Christopher" userId="6a13b5f1e64a53ae" providerId="LiveId" clId="{FE3E3312-A592-47B5-8AF9-6A6BF1622581}" dt="2020-02-08T19:20:42.845" v="4751" actId="1035"/>
+          <ac:spMkLst>
+            <pc:docMk/>
+            <pc:sldMk cId="1794854937" sldId="291"/>
+            <ac:spMk id="2" creationId="{765A8ACD-75ED-400A-A113-8B43BFCF90F8}"/>
+          </ac:spMkLst>
+        </pc:spChg>
+      </pc:sldChg>
+      <pc:sldChg chg="addSp modSp add del">
+        <pc:chgData name="Samson Christopher" userId="6a13b5f1e64a53ae" providerId="LiveId" clId="{FE3E3312-A592-47B5-8AF9-6A6BF1622581}" dt="2020-02-01T17:42:13.233" v="1008" actId="47"/>
+        <pc:sldMkLst>
+          <pc:docMk/>
+          <pc:sldMk cId="1930913105" sldId="291"/>
+        </pc:sldMkLst>
+        <pc:spChg chg="add mod">
+          <ac:chgData name="Samson Christopher" userId="6a13b5f1e64a53ae" providerId="LiveId" clId="{FE3E3312-A592-47B5-8AF9-6A6BF1622581}" dt="2020-02-01T17:32:17.911" v="396" actId="1036"/>
+          <ac:spMkLst>
+            <pc:docMk/>
+            <pc:sldMk cId="1930913105" sldId="291"/>
+            <ac:spMk id="2" creationId="{729668B0-FC5F-4BC0-B877-F9B0C48179D7}"/>
+          </ac:spMkLst>
+        </pc:spChg>
+      </pc:sldChg>
+      <pc:sldChg chg="addSp modSp add mod">
+        <pc:chgData name="Samson Christopher" userId="6a13b5f1e64a53ae" providerId="LiveId" clId="{FE3E3312-A592-47B5-8AF9-6A6BF1622581}" dt="2020-02-08T19:36:10.923" v="5736" actId="1036"/>
+        <pc:sldMkLst>
+          <pc:docMk/>
+          <pc:sldMk cId="2335768321" sldId="291"/>
+        </pc:sldMkLst>
+        <pc:spChg chg="add mod">
+          <ac:chgData name="Samson Christopher" userId="6a13b5f1e64a53ae" providerId="LiveId" clId="{FE3E3312-A592-47B5-8AF9-6A6BF1622581}" dt="2020-02-08T19:36:10.923" v="5736" actId="1036"/>
+          <ac:spMkLst>
+            <pc:docMk/>
+            <pc:sldMk cId="2335768321" sldId="291"/>
+            <ac:spMk id="2" creationId="{5C24C349-7EEA-4803-9F0A-0D3E201903B9}"/>
+          </ac:spMkLst>
+        </pc:spChg>
+      </pc:sldChg>
+      <pc:sldChg chg="addSp modSp add del">
+        <pc:chgData name="Samson Christopher" userId="6a13b5f1e64a53ae" providerId="LiveId" clId="{FE3E3312-A592-47B5-8AF9-6A6BF1622581}" dt="2020-02-08T18:59:09.477" v="3448" actId="47"/>
+        <pc:sldMkLst>
+          <pc:docMk/>
+          <pc:sldMk cId="2955261137" sldId="291"/>
+        </pc:sldMkLst>
+        <pc:spChg chg="add mod">
+          <ac:chgData name="Samson Christopher" userId="6a13b5f1e64a53ae" providerId="LiveId" clId="{FE3E3312-A592-47B5-8AF9-6A6BF1622581}" dt="2020-02-02T12:54:46.871" v="3187" actId="1036"/>
+          <ac:spMkLst>
+            <pc:docMk/>
+            <pc:sldMk cId="2955261137" sldId="291"/>
+            <ac:spMk id="2" creationId="{2FB61900-E306-4B0D-BC30-8F5E25834A41}"/>
+          </ac:spMkLst>
+        </pc:spChg>
+      </pc:sldChg>
+      <pc:sldChg chg="add del">
+        <pc:chgData name="Samson Christopher" userId="6a13b5f1e64a53ae" providerId="LiveId" clId="{FE3E3312-A592-47B5-8AF9-6A6BF1622581}" dt="2020-02-01T17:58:36.499" v="1700" actId="47"/>
+        <pc:sldMkLst>
+          <pc:docMk/>
+          <pc:sldMk cId="3917205756" sldId="291"/>
+        </pc:sldMkLst>
+      </pc:sldChg>
+      <pc:sldChg chg="addSp modSp add del">
+        <pc:chgData name="Samson Christopher" userId="6a13b5f1e64a53ae" providerId="LiveId" clId="{FE3E3312-A592-47B5-8AF9-6A6BF1622581}" dt="2020-02-01T17:42:13.548" v="1009" actId="47"/>
+        <pc:sldMkLst>
+          <pc:docMk/>
+          <pc:sldMk cId="121698706" sldId="292"/>
+        </pc:sldMkLst>
+        <pc:spChg chg="add mod">
+          <ac:chgData name="Samson Christopher" userId="6a13b5f1e64a53ae" providerId="LiveId" clId="{FE3E3312-A592-47B5-8AF9-6A6BF1622581}" dt="2020-02-01T17:31:55.527" v="315" actId="1036"/>
+          <ac:spMkLst>
+            <pc:docMk/>
+            <pc:sldMk cId="121698706" sldId="292"/>
+            <ac:spMk id="2" creationId="{9F244375-6419-4A97-8493-FA25E6CCA585}"/>
+          </ac:spMkLst>
+        </pc:spChg>
+      </pc:sldChg>
+      <pc:sldChg chg="addSp modSp add del mod">
+        <pc:chgData name="Samson Christopher" userId="6a13b5f1e64a53ae" providerId="LiveId" clId="{FE3E3312-A592-47B5-8AF9-6A6BF1622581}" dt="2020-02-08T19:12:36.212" v="4164" actId="47"/>
+        <pc:sldMkLst>
+          <pc:docMk/>
+          <pc:sldMk cId="888938000" sldId="292"/>
+        </pc:sldMkLst>
+        <pc:spChg chg="add mod">
+          <ac:chgData name="Samson Christopher" userId="6a13b5f1e64a53ae" providerId="LiveId" clId="{FE3E3312-A592-47B5-8AF9-6A6BF1622581}" dt="2020-02-08T19:04:07.385" v="3785" actId="1035"/>
+          <ac:spMkLst>
+            <pc:docMk/>
+            <pc:sldMk cId="888938000" sldId="292"/>
+            <ac:spMk id="2" creationId="{A7A7F45A-35C5-4C5F-819D-8EEA5C34C18B}"/>
+          </ac:spMkLst>
+        </pc:spChg>
+      </pc:sldChg>
+      <pc:sldChg chg="addSp modSp add mod">
+        <pc:chgData name="Samson Christopher" userId="6a13b5f1e64a53ae" providerId="LiveId" clId="{FE3E3312-A592-47B5-8AF9-6A6BF1622581}" dt="2020-02-08T19:35:57.104" v="5673" actId="1036"/>
+        <pc:sldMkLst>
+          <pc:docMk/>
+          <pc:sldMk cId="1726341655" sldId="292"/>
+        </pc:sldMkLst>
+        <pc:spChg chg="add mod">
+          <ac:chgData name="Samson Christopher" userId="6a13b5f1e64a53ae" providerId="LiveId" clId="{FE3E3312-A592-47B5-8AF9-6A6BF1622581}" dt="2020-02-08T19:35:57.104" v="5673" actId="1036"/>
+          <ac:spMkLst>
+            <pc:docMk/>
+            <pc:sldMk cId="1726341655" sldId="292"/>
+            <ac:spMk id="2" creationId="{5F9CB444-C270-4535-BE02-97532D290E40}"/>
+          </ac:spMkLst>
+        </pc:spChg>
+      </pc:sldChg>
+      <pc:sldChg chg="addSp modSp add del">
+        <pc:chgData name="Samson Christopher" userId="6a13b5f1e64a53ae" providerId="LiveId" clId="{FE3E3312-A592-47B5-8AF9-6A6BF1622581}" dt="2020-02-02T12:50:19.998" v="2754" actId="47"/>
+        <pc:sldMkLst>
+          <pc:docMk/>
+          <pc:sldMk cId="2580443032" sldId="292"/>
+        </pc:sldMkLst>
+        <pc:spChg chg="add mod">
+          <ac:chgData name="Samson Christopher" userId="6a13b5f1e64a53ae" providerId="LiveId" clId="{FE3E3312-A592-47B5-8AF9-6A6BF1622581}" dt="2020-02-02T12:41:47.792" v="2277" actId="1036"/>
+          <ac:spMkLst>
+            <pc:docMk/>
+            <pc:sldMk cId="2580443032" sldId="292"/>
+            <ac:spMk id="2" creationId="{5F7D2210-70AD-49D6-9193-CE75736F1A79}"/>
+          </ac:spMkLst>
+        </pc:spChg>
+      </pc:sldChg>
+      <pc:sldChg chg="addSp modSp add del mod">
+        <pc:chgData name="Samson Christopher" userId="6a13b5f1e64a53ae" providerId="LiveId" clId="{FE3E3312-A592-47B5-8AF9-6A6BF1622581}" dt="2020-02-08T19:25:47.726" v="4951" actId="47"/>
+        <pc:sldMkLst>
+          <pc:docMk/>
+          <pc:sldMk cId="3024850207" sldId="292"/>
+        </pc:sldMkLst>
+        <pc:spChg chg="add mod">
+          <ac:chgData name="Samson Christopher" userId="6a13b5f1e64a53ae" providerId="LiveId" clId="{FE3E3312-A592-47B5-8AF9-6A6BF1622581}" dt="2020-02-08T19:20:30.588" v="4691" actId="1036"/>
+          <ac:spMkLst>
+            <pc:docMk/>
+            <pc:sldMk cId="3024850207" sldId="292"/>
+            <ac:spMk id="2" creationId="{834FAD76-2910-4D47-8CF6-A40F5397FA93}"/>
+          </ac:spMkLst>
+        </pc:spChg>
+      </pc:sldChg>
+      <pc:sldChg chg="addSp modSp add del">
+        <pc:chgData name="Samson Christopher" userId="6a13b5f1e64a53ae" providerId="LiveId" clId="{FE3E3312-A592-47B5-8AF9-6A6BF1622581}" dt="2020-02-08T18:59:09.749" v="3449" actId="47"/>
+        <pc:sldMkLst>
+          <pc:docMk/>
+          <pc:sldMk cId="3055023610" sldId="292"/>
+        </pc:sldMkLst>
+        <pc:spChg chg="add mod">
+          <ac:chgData name="Samson Christopher" userId="6a13b5f1e64a53ae" providerId="LiveId" clId="{FE3E3312-A592-47B5-8AF9-6A6BF1622581}" dt="2020-02-02T12:55:00.942" v="3245" actId="1036"/>
+          <ac:spMkLst>
+            <pc:docMk/>
+            <pc:sldMk cId="3055023610" sldId="292"/>
+            <ac:spMk id="2" creationId="{1B2C9E91-C23E-4B8E-848A-D3E0411203FC}"/>
+          </ac:spMkLst>
+        </pc:spChg>
+      </pc:sldChg>
+      <pc:sldChg chg="add del">
+        <pc:chgData name="Samson Christopher" userId="6a13b5f1e64a53ae" providerId="LiveId" clId="{FE3E3312-A592-47B5-8AF9-6A6BF1622581}" dt="2020-02-01T17:45:08.750" v="1049" actId="47"/>
+        <pc:sldMkLst>
+          <pc:docMk/>
+          <pc:sldMk cId="3552667574" sldId="292"/>
+        </pc:sldMkLst>
+      </pc:sldChg>
+      <pc:sldChg chg="add del">
+        <pc:chgData name="Samson Christopher" userId="6a13b5f1e64a53ae" providerId="LiveId" clId="{FE3E3312-A592-47B5-8AF9-6A6BF1622581}" dt="2020-02-01T17:58:36.764" v="1701" actId="47"/>
+        <pc:sldMkLst>
+          <pc:docMk/>
+          <pc:sldMk cId="4218026085" sldId="292"/>
+        </pc:sldMkLst>
+      </pc:sldChg>
+      <pc:sldChg chg="addSp modSp add del mod">
+        <pc:chgData name="Samson Christopher" userId="6a13b5f1e64a53ae" providerId="LiveId" clId="{FE3E3312-A592-47B5-8AF9-6A6BF1622581}" dt="2020-02-08T19:25:47.917" v="4952" actId="47"/>
+        <pc:sldMkLst>
+          <pc:docMk/>
+          <pc:sldMk cId="937648483" sldId="293"/>
+        </pc:sldMkLst>
+        <pc:spChg chg="add mod">
+          <ac:chgData name="Samson Christopher" userId="6a13b5f1e64a53ae" providerId="LiveId" clId="{FE3E3312-A592-47B5-8AF9-6A6BF1622581}" dt="2020-02-08T19:20:14.114" v="4635" actId="1036"/>
+          <ac:spMkLst>
+            <pc:docMk/>
+            <pc:sldMk cId="937648483" sldId="293"/>
+            <ac:spMk id="2" creationId="{B9245351-713B-49CA-806C-410623F64173}"/>
+          </ac:spMkLst>
+        </pc:spChg>
+      </pc:sldChg>
+      <pc:sldChg chg="addSp modSp add del">
+        <pc:chgData name="Samson Christopher" userId="6a13b5f1e64a53ae" providerId="LiveId" clId="{FE3E3312-A592-47B5-8AF9-6A6BF1622581}" dt="2020-02-08T18:59:09.984" v="3450" actId="47"/>
+        <pc:sldMkLst>
+          <pc:docMk/>
+          <pc:sldMk cId="1292753198" sldId="293"/>
+        </pc:sldMkLst>
+        <pc:spChg chg="add mod">
+          <ac:chgData name="Samson Christopher" userId="6a13b5f1e64a53ae" providerId="LiveId" clId="{FE3E3312-A592-47B5-8AF9-6A6BF1622581}" dt="2020-02-02T12:55:52.339" v="3319" actId="1035"/>
+          <ac:spMkLst>
+            <pc:docMk/>
+            <pc:sldMk cId="1292753198" sldId="293"/>
+            <ac:spMk id="2" creationId="{6937586F-DA30-4006-97B3-AF5E974A1B3B}"/>
+          </ac:spMkLst>
+        </pc:spChg>
+      </pc:sldChg>
+      <pc:sldChg chg="addSp modSp add del">
+        <pc:chgData name="Samson Christopher" userId="6a13b5f1e64a53ae" providerId="LiveId" clId="{FE3E3312-A592-47B5-8AF9-6A6BF1622581}" dt="2020-02-02T12:50:20.616" v="2755" actId="47"/>
+        <pc:sldMkLst>
+          <pc:docMk/>
+          <pc:sldMk cId="1984393087" sldId="293"/>
+        </pc:sldMkLst>
+        <pc:spChg chg="add mod">
+          <ac:chgData name="Samson Christopher" userId="6a13b5f1e64a53ae" providerId="LiveId" clId="{FE3E3312-A592-47B5-8AF9-6A6BF1622581}" dt="2020-02-02T12:41:29.898" v="2215" actId="1036"/>
+          <ac:spMkLst>
+            <pc:docMk/>
+            <pc:sldMk cId="1984393087" sldId="293"/>
+            <ac:spMk id="2" creationId="{284042F9-120E-4B9D-B5A8-9B94EFD161DF}"/>
+          </ac:spMkLst>
+        </pc:spChg>
+      </pc:sldChg>
+      <pc:sldChg chg="add del">
+        <pc:chgData name="Samson Christopher" userId="6a13b5f1e64a53ae" providerId="LiveId" clId="{FE3E3312-A592-47B5-8AF9-6A6BF1622581}" dt="2020-02-01T17:45:09.078" v="1050" actId="47"/>
+        <pc:sldMkLst>
+          <pc:docMk/>
+          <pc:sldMk cId="2035621862" sldId="293"/>
+        </pc:sldMkLst>
+      </pc:sldChg>
+      <pc:sldChg chg="addSp modSp add mod">
+        <pc:chgData name="Samson Christopher" userId="6a13b5f1e64a53ae" providerId="LiveId" clId="{FE3E3312-A592-47B5-8AF9-6A6BF1622581}" dt="2020-02-08T19:35:38.742" v="5620" actId="1036"/>
+        <pc:sldMkLst>
+          <pc:docMk/>
+          <pc:sldMk cId="2058995000" sldId="293"/>
+        </pc:sldMkLst>
+        <pc:spChg chg="add mod">
+          <ac:chgData name="Samson Christopher" userId="6a13b5f1e64a53ae" providerId="LiveId" clId="{FE3E3312-A592-47B5-8AF9-6A6BF1622581}" dt="2020-02-08T19:35:38.742" v="5620" actId="1036"/>
+          <ac:spMkLst>
+            <pc:docMk/>
+            <pc:sldMk cId="2058995000" sldId="293"/>
+            <ac:spMk id="2" creationId="{08F43724-F125-4C82-B936-853647FD2DEE}"/>
+          </ac:spMkLst>
+        </pc:spChg>
+      </pc:sldChg>
+      <pc:sldChg chg="add del">
+        <pc:chgData name="Samson Christopher" userId="6a13b5f1e64a53ae" providerId="LiveId" clId="{FE3E3312-A592-47B5-8AF9-6A6BF1622581}" dt="2020-02-01T17:58:37.339" v="1702" actId="47"/>
+        <pc:sldMkLst>
+          <pc:docMk/>
+          <pc:sldMk cId="2071793073" sldId="293"/>
+        </pc:sldMkLst>
+      </pc:sldChg>
+      <pc:sldChg chg="add del">
+        <pc:chgData name="Samson Christopher" userId="6a13b5f1e64a53ae" providerId="LiveId" clId="{FE3E3312-A592-47B5-8AF9-6A6BF1622581}" dt="2020-02-01T17:27:34.278" v="250" actId="47"/>
+        <pc:sldMkLst>
+          <pc:docMk/>
+          <pc:sldMk cId="2125614537" sldId="293"/>
+        </pc:sldMkLst>
+      </pc:sldChg>
+      <pc:sldChg chg="addSp modSp add del mod">
+        <pc:chgData name="Samson Christopher" userId="6a13b5f1e64a53ae" providerId="LiveId" clId="{FE3E3312-A592-47B5-8AF9-6A6BF1622581}" dt="2020-02-08T19:12:36.405" v="4165" actId="47"/>
+        <pc:sldMkLst>
+          <pc:docMk/>
+          <pc:sldMk cId="3235999678" sldId="293"/>
+        </pc:sldMkLst>
+        <pc:spChg chg="add mod">
+          <ac:chgData name="Samson Christopher" userId="6a13b5f1e64a53ae" providerId="LiveId" clId="{FE3E3312-A592-47B5-8AF9-6A6BF1622581}" dt="2020-02-08T19:03:54.163" v="3731" actId="1035"/>
+          <ac:spMkLst>
+            <pc:docMk/>
+            <pc:sldMk cId="3235999678" sldId="293"/>
+            <ac:spMk id="2" creationId="{14B9D540-DB07-411D-876F-C5B577EE34DD}"/>
+          </ac:spMkLst>
+        </pc:spChg>
+      </pc:sldChg>
+      <pc:sldChg chg="add del">
+        <pc:chgData name="Samson Christopher" userId="6a13b5f1e64a53ae" providerId="LiveId" clId="{FE3E3312-A592-47B5-8AF9-6A6BF1622581}" dt="2020-02-01T17:27:34.886" v="251" actId="47"/>
+        <pc:sldMkLst>
+          <pc:docMk/>
+          <pc:sldMk cId="821256176" sldId="294"/>
+        </pc:sldMkLst>
+      </pc:sldChg>
+      <pc:sldChg chg="addSp modSp add mod">
+        <pc:chgData name="Samson Christopher" userId="6a13b5f1e64a53ae" providerId="LiveId" clId="{FE3E3312-A592-47B5-8AF9-6A6BF1622581}" dt="2020-02-08T19:35:27.310" v="5566" actId="1036"/>
+        <pc:sldMkLst>
+          <pc:docMk/>
+          <pc:sldMk cId="854879876" sldId="294"/>
+        </pc:sldMkLst>
+        <pc:spChg chg="add mod">
+          <ac:chgData name="Samson Christopher" userId="6a13b5f1e64a53ae" providerId="LiveId" clId="{FE3E3312-A592-47B5-8AF9-6A6BF1622581}" dt="2020-02-08T19:35:27.310" v="5566" actId="1036"/>
+          <ac:spMkLst>
+            <pc:docMk/>
+            <pc:sldMk cId="854879876" sldId="294"/>
+            <ac:spMk id="2" creationId="{7B0A4190-CD4E-4BF0-8973-9FA8A0C65DBA}"/>
+          </ac:spMkLst>
+        </pc:spChg>
+      </pc:sldChg>
+      <pc:sldChg chg="addSp modSp add del mod">
+        <pc:chgData name="Samson Christopher" userId="6a13b5f1e64a53ae" providerId="LiveId" clId="{FE3E3312-A592-47B5-8AF9-6A6BF1622581}" dt="2020-02-08T19:25:48.114" v="4953" actId="47"/>
+        <pc:sldMkLst>
+          <pc:docMk/>
+          <pc:sldMk cId="1673140016" sldId="294"/>
+        </pc:sldMkLst>
+        <pc:spChg chg="add mod">
+          <ac:chgData name="Samson Christopher" userId="6a13b5f1e64a53ae" providerId="LiveId" clId="{FE3E3312-A592-47B5-8AF9-6A6BF1622581}" dt="2020-02-08T19:19:50.051" v="4582" actId="1036"/>
+          <ac:spMkLst>
+            <pc:docMk/>
+            <pc:sldMk cId="1673140016" sldId="294"/>
+            <ac:spMk id="2" creationId="{F55B9891-3FB4-4E1D-A39C-6E69567BEB63}"/>
+          </ac:spMkLst>
+        </pc:spChg>
+      </pc:sldChg>
+      <pc:sldChg chg="add del">
+        <pc:chgData name="Samson Christopher" userId="6a13b5f1e64a53ae" providerId="LiveId" clId="{FE3E3312-A592-47B5-8AF9-6A6BF1622581}" dt="2020-02-02T12:40:22.162" v="2146" actId="47"/>
+        <pc:sldMkLst>
+          <pc:docMk/>
+          <pc:sldMk cId="1959880359" sldId="294"/>
+        </pc:sldMkLst>
+      </pc:sldChg>
+      <pc:sldChg chg="add del">
+        <pc:chgData name="Samson Christopher" userId="6a13b5f1e64a53ae" providerId="LiveId" clId="{FE3E3312-A592-47B5-8AF9-6A6BF1622581}" dt="2020-02-01T17:45:09.372" v="1051" actId="47"/>
+        <pc:sldMkLst>
+          <pc:docMk/>
+          <pc:sldMk cId="3143049554" sldId="294"/>
+        </pc:sldMkLst>
+      </pc:sldChg>
+      <pc:sldChg chg="addSp modSp add del mod">
+        <pc:chgData name="Samson Christopher" userId="6a13b5f1e64a53ae" providerId="LiveId" clId="{FE3E3312-A592-47B5-8AF9-6A6BF1622581}" dt="2020-02-08T19:12:36.554" v="4166" actId="47"/>
+        <pc:sldMkLst>
+          <pc:docMk/>
+          <pc:sldMk cId="3505660364" sldId="294"/>
+        </pc:sldMkLst>
+        <pc:spChg chg="add mod">
+          <ac:chgData name="Samson Christopher" userId="6a13b5f1e64a53ae" providerId="LiveId" clId="{FE3E3312-A592-47B5-8AF9-6A6BF1622581}" dt="2020-02-08T19:03:40.966" v="3685" actId="1036"/>
+          <ac:spMkLst>
+            <pc:docMk/>
+            <pc:sldMk cId="3505660364" sldId="294"/>
+            <ac:spMk id="2" creationId="{181C2F38-E6DB-4D2C-976D-7D1BA36D0A6E}"/>
+          </ac:spMkLst>
+        </pc:spChg>
+      </pc:sldChg>
+      <pc:sldChg chg="addSp modSp add del">
+        <pc:chgData name="Samson Christopher" userId="6a13b5f1e64a53ae" providerId="LiveId" clId="{FE3E3312-A592-47B5-8AF9-6A6BF1622581}" dt="2020-02-08T18:59:10.257" v="3451" actId="47"/>
+        <pc:sldMkLst>
+          <pc:docMk/>
+          <pc:sldMk cId="4193752687" sldId="294"/>
+        </pc:sldMkLst>
+        <pc:spChg chg="add mod">
+          <ac:chgData name="Samson Christopher" userId="6a13b5f1e64a53ae" providerId="LiveId" clId="{FE3E3312-A592-47B5-8AF9-6A6BF1622581}" dt="2020-02-02T12:56:18.499" v="3385" actId="1036"/>
+          <ac:spMkLst>
+            <pc:docMk/>
+            <pc:sldMk cId="4193752687" sldId="294"/>
+            <ac:spMk id="2" creationId="{CB39387C-43FD-44A4-9FE0-7DBECAB503E9}"/>
+          </ac:spMkLst>
+        </pc:spChg>
+      </pc:sldChg>
+      <pc:sldChg chg="add del">
+        <pc:chgData name="Samson Christopher" userId="6a13b5f1e64a53ae" providerId="LiveId" clId="{FE3E3312-A592-47B5-8AF9-6A6BF1622581}" dt="2020-02-02T12:40:22.450" v="2147" actId="47"/>
+        <pc:sldMkLst>
+          <pc:docMk/>
+          <pc:sldMk cId="277594798" sldId="295"/>
+        </pc:sldMkLst>
+      </pc:sldChg>
+      <pc:sldChg chg="addSp modSp add del mod">
+        <pc:chgData name="Samson Christopher" userId="6a13b5f1e64a53ae" providerId="LiveId" clId="{FE3E3312-A592-47B5-8AF9-6A6BF1622581}" dt="2020-02-08T19:12:36.741" v="4167" actId="47"/>
+        <pc:sldMkLst>
+          <pc:docMk/>
+          <pc:sldMk cId="1487187394" sldId="295"/>
+        </pc:sldMkLst>
+        <pc:spChg chg="add mod">
+          <ac:chgData name="Samson Christopher" userId="6a13b5f1e64a53ae" providerId="LiveId" clId="{FE3E3312-A592-47B5-8AF9-6A6BF1622581}" dt="2020-02-08T19:03:18.949" v="3626" actId="1036"/>
+          <ac:spMkLst>
+            <pc:docMk/>
+            <pc:sldMk cId="1487187394" sldId="295"/>
+            <ac:spMk id="2" creationId="{AD5AAFC3-6F2E-4218-AEFC-262BE34C0EDD}"/>
+          </ac:spMkLst>
+        </pc:spChg>
+      </pc:sldChg>
+      <pc:sldChg chg="addSp modSp add mod">
+        <pc:chgData name="Samson Christopher" userId="6a13b5f1e64a53ae" providerId="LiveId" clId="{FE3E3312-A592-47B5-8AF9-6A6BF1622581}" dt="2020-02-08T19:35:11.651" v="5514" actId="1036"/>
+        <pc:sldMkLst>
+          <pc:docMk/>
+          <pc:sldMk cId="2212593609" sldId="295"/>
+        </pc:sldMkLst>
+        <pc:spChg chg="add mod">
+          <ac:chgData name="Samson Christopher" userId="6a13b5f1e64a53ae" providerId="LiveId" clId="{FE3E3312-A592-47B5-8AF9-6A6BF1622581}" dt="2020-02-08T19:35:11.651" v="5514" actId="1036"/>
+          <ac:spMkLst>
+            <pc:docMk/>
+            <pc:sldMk cId="2212593609" sldId="295"/>
+            <ac:spMk id="2" creationId="{84706245-FA00-459B-82E2-7C8B4B977189}"/>
+          </ac:spMkLst>
+        </pc:spChg>
+      </pc:sldChg>
+      <pc:sldChg chg="addSp modSp add del mod">
+        <pc:chgData name="Samson Christopher" userId="6a13b5f1e64a53ae" providerId="LiveId" clId="{FE3E3312-A592-47B5-8AF9-6A6BF1622581}" dt="2020-02-08T19:25:48.320" v="4954" actId="47"/>
+        <pc:sldMkLst>
+          <pc:docMk/>
+          <pc:sldMk cId="2737136176" sldId="295"/>
+        </pc:sldMkLst>
+        <pc:spChg chg="add mod">
+          <ac:chgData name="Samson Christopher" userId="6a13b5f1e64a53ae" providerId="LiveId" clId="{FE3E3312-A592-47B5-8AF9-6A6BF1622581}" dt="2020-02-08T19:19:35.947" v="4525" actId="1036"/>
+          <ac:spMkLst>
+            <pc:docMk/>
+            <pc:sldMk cId="2737136176" sldId="295"/>
+            <ac:spMk id="2" creationId="{2F43EF4E-8A55-4E50-916A-4AA47C9057E0}"/>
+          </ac:spMkLst>
+        </pc:spChg>
+      </pc:sldChg>
+      <pc:sldChg chg="add del">
+        <pc:chgData name="Samson Christopher" userId="6a13b5f1e64a53ae" providerId="LiveId" clId="{FE3E3312-A592-47B5-8AF9-6A6BF1622581}" dt="2020-02-01T17:45:09.789" v="1052" actId="47"/>
+        <pc:sldMkLst>
+          <pc:docMk/>
+          <pc:sldMk cId="3894009015" sldId="295"/>
+        </pc:sldMkLst>
+      </pc:sldChg>
+      <pc:sldChg chg="addSp modSp add del">
+        <pc:chgData name="Samson Christopher" userId="6a13b5f1e64a53ae" providerId="LiveId" clId="{FE3E3312-A592-47B5-8AF9-6A6BF1622581}" dt="2020-02-08T18:59:10.830" v="3452" actId="47"/>
+        <pc:sldMkLst>
+          <pc:docMk/>
+          <pc:sldMk cId="3963346582" sldId="295"/>
+        </pc:sldMkLst>
+        <pc:spChg chg="add mod">
+          <ac:chgData name="Samson Christopher" userId="6a13b5f1e64a53ae" providerId="LiveId" clId="{FE3E3312-A592-47B5-8AF9-6A6BF1622581}" dt="2020-02-02T12:56:38.887" v="3442" actId="1035"/>
+          <ac:spMkLst>
+            <pc:docMk/>
+            <pc:sldMk cId="3963346582" sldId="295"/>
+            <ac:spMk id="2" creationId="{885BC869-1F4D-43D2-8414-8F10E78517D5}"/>
+          </ac:spMkLst>
+        </pc:spChg>
+      </pc:sldChg>
+      <pc:sldChg chg="add del">
+        <pc:chgData name="Samson Christopher" userId="6a13b5f1e64a53ae" providerId="LiveId" clId="{FE3E3312-A592-47B5-8AF9-6A6BF1622581}" dt="2020-02-02T12:52:07.850" v="2785" actId="47"/>
+        <pc:sldMkLst>
+          <pc:docMk/>
+          <pc:sldMk cId="192803828" sldId="296"/>
+        </pc:sldMkLst>
+      </pc:sldChg>
+      <pc:sldChg chg="addSp modSp add del mod">
+        <pc:chgData name="Samson Christopher" userId="6a13b5f1e64a53ae" providerId="LiveId" clId="{FE3E3312-A592-47B5-8AF9-6A6BF1622581}" dt="2020-02-08T19:12:37.304" v="4168" actId="47"/>
+        <pc:sldMkLst>
+          <pc:docMk/>
+          <pc:sldMk cId="2555163583" sldId="296"/>
+        </pc:sldMkLst>
+        <pc:spChg chg="add mod">
+          <ac:chgData name="Samson Christopher" userId="6a13b5f1e64a53ae" providerId="LiveId" clId="{FE3E3312-A592-47B5-8AF9-6A6BF1622581}" dt="2020-02-08T19:03:02.124" v="3571" actId="1036"/>
+          <ac:spMkLst>
+            <pc:docMk/>
+            <pc:sldMk cId="2555163583" sldId="296"/>
+            <ac:spMk id="2" creationId="{8AD66C1C-2BFF-440F-AE56-440A87F9E1FA}"/>
+          </ac:spMkLst>
+        </pc:spChg>
+      </pc:sldChg>
+      <pc:sldChg chg="addSp modSp add mod">
+        <pc:chgData name="Samson Christopher" userId="6a13b5f1e64a53ae" providerId="LiveId" clId="{FE3E3312-A592-47B5-8AF9-6A6BF1622581}" dt="2020-02-08T19:35:00.763" v="5455" actId="1036"/>
+        <pc:sldMkLst>
+          <pc:docMk/>
+          <pc:sldMk cId="2913362100" sldId="296"/>
+        </pc:sldMkLst>
+        <pc:spChg chg="add mod">
+          <ac:chgData name="Samson Christopher" userId="6a13b5f1e64a53ae" providerId="LiveId" clId="{FE3E3312-A592-47B5-8AF9-6A6BF1622581}" dt="2020-02-08T19:35:00.763" v="5455" actId="1036"/>
+          <ac:spMkLst>
+            <pc:docMk/>
+            <pc:sldMk cId="2913362100" sldId="296"/>
+            <ac:spMk id="2" creationId="{9493FFCF-7771-43BF-94B3-CD69B75925C7}"/>
+          </ac:spMkLst>
+        </pc:spChg>
+      </pc:sldChg>
+      <pc:sldChg chg="add del">
+        <pc:chgData name="Samson Christopher" userId="6a13b5f1e64a53ae" providerId="LiveId" clId="{FE3E3312-A592-47B5-8AF9-6A6BF1622581}" dt="2020-02-02T12:40:22.697" v="2148" actId="47"/>
+        <pc:sldMkLst>
+          <pc:docMk/>
+          <pc:sldMk cId="2925664716" sldId="296"/>
+        </pc:sldMkLst>
+      </pc:sldChg>
+      <pc:sldChg chg="addSp modSp add del mod">
+        <pc:chgData name="Samson Christopher" userId="6a13b5f1e64a53ae" providerId="LiveId" clId="{FE3E3312-A592-47B5-8AF9-6A6BF1622581}" dt="2020-02-08T19:25:48.536" v="4955" actId="47"/>
+        <pc:sldMkLst>
+          <pc:docMk/>
+          <pc:sldMk cId="4063576824" sldId="296"/>
+        </pc:sldMkLst>
+        <pc:spChg chg="add mod">
+          <ac:chgData name="Samson Christopher" userId="6a13b5f1e64a53ae" providerId="LiveId" clId="{FE3E3312-A592-47B5-8AF9-6A6BF1622581}" dt="2020-02-08T19:19:14.934" v="4465" actId="1035"/>
+          <ac:spMkLst>
+            <pc:docMk/>
+            <pc:sldMk cId="4063576824" sldId="296"/>
+            <ac:spMk id="2" creationId="{A61F1223-20B0-470B-A157-374DDAC22A2F}"/>
+          </ac:spMkLst>
+        </pc:spChg>
+      </pc:sldChg>
+      <pc:sldChg chg="add del">
+        <pc:chgData name="Samson Christopher" userId="6a13b5f1e64a53ae" providerId="LiveId" clId="{FE3E3312-A592-47B5-8AF9-6A6BF1622581}" dt="2020-02-01T17:45:10.144" v="1053" actId="47"/>
+        <pc:sldMkLst>
+          <pc:docMk/>
+          <pc:sldMk cId="4072327424" sldId="296"/>
+        </pc:sldMkLst>
+      </pc:sldChg>
+      <pc:sldChg chg="add del">
+        <pc:chgData name="Samson Christopher" userId="6a13b5f1e64a53ae" providerId="LiveId" clId="{FE3E3312-A592-47B5-8AF9-6A6BF1622581}" dt="2020-02-02T12:40:22.988" v="2149" actId="47"/>
+        <pc:sldMkLst>
+          <pc:docMk/>
+          <pc:sldMk cId="594408492" sldId="297"/>
+        </pc:sldMkLst>
+      </pc:sldChg>
+      <pc:sldChg chg="add del">
+        <pc:chgData name="Samson Christopher" userId="6a13b5f1e64a53ae" providerId="LiveId" clId="{FE3E3312-A592-47B5-8AF9-6A6BF1622581}" dt="2020-02-01T17:45:10.611" v="1054" actId="47"/>
+        <pc:sldMkLst>
+          <pc:docMk/>
+          <pc:sldMk cId="667213049" sldId="297"/>
+        </pc:sldMkLst>
+      </pc:sldChg>
+      <pc:sldChg chg="addSp modSp add mod">
+        <pc:chgData name="Samson Christopher" userId="6a13b5f1e64a53ae" providerId="LiveId" clId="{FE3E3312-A592-47B5-8AF9-6A6BF1622581}" dt="2020-02-08T19:34:42.724" v="5400" actId="1036"/>
+        <pc:sldMkLst>
+          <pc:docMk/>
+          <pc:sldMk cId="2735706613" sldId="297"/>
+        </pc:sldMkLst>
+        <pc:spChg chg="add mod">
+          <ac:chgData name="Samson Christopher" userId="6a13b5f1e64a53ae" providerId="LiveId" clId="{FE3E3312-A592-47B5-8AF9-6A6BF1622581}" dt="2020-02-08T19:34:42.724" v="5400" actId="1036"/>
+          <ac:spMkLst>
+            <pc:docMk/>
+            <pc:sldMk cId="2735706613" sldId="297"/>
+            <ac:spMk id="2" creationId="{56087189-5E9E-4368-9578-9691700135EF}"/>
+          </ac:spMkLst>
+        </pc:spChg>
+      </pc:sldChg>
+      <pc:sldChg chg="addSp modSp add del mod">
+        <pc:chgData name="Samson Christopher" userId="6a13b5f1e64a53ae" providerId="LiveId" clId="{FE3E3312-A592-47B5-8AF9-6A6BF1622581}" dt="2020-02-08T19:25:48.733" v="4956" actId="47"/>
+        <pc:sldMkLst>
+          <pc:docMk/>
+          <pc:sldMk cId="2741288760" sldId="297"/>
+        </pc:sldMkLst>
+        <pc:spChg chg="add mod">
+          <ac:chgData name="Samson Christopher" userId="6a13b5f1e64a53ae" providerId="LiveId" clId="{FE3E3312-A592-47B5-8AF9-6A6BF1622581}" dt="2020-02-08T19:18:50.731" v="4413" actId="1036"/>
+          <ac:spMkLst>
+            <pc:docMk/>
+            <pc:sldMk cId="2741288760" sldId="297"/>
+            <ac:spMk id="2" creationId="{C0AD768A-2631-45F2-A9C5-989EA775D052}"/>
+          </ac:spMkLst>
+        </pc:spChg>
+      </pc:sldChg>
+      <pc:sldChg chg="add del">
+        <pc:chgData name="Samson Christopher" userId="6a13b5f1e64a53ae" providerId="LiveId" clId="{FE3E3312-A592-47B5-8AF9-6A6BF1622581}" dt="2020-02-08T19:01:28.111" v="3482" actId="47"/>
+        <pc:sldMkLst>
+          <pc:docMk/>
+          <pc:sldMk cId="2932118767" sldId="297"/>
+        </pc:sldMkLst>
+      </pc:sldChg>
+      <pc:sldChg chg="add del">
+        <pc:chgData name="Samson Christopher" userId="6a13b5f1e64a53ae" providerId="LiveId" clId="{FE3E3312-A592-47B5-8AF9-6A6BF1622581}" dt="2020-02-02T12:52:08.210" v="2786" actId="47"/>
+        <pc:sldMkLst>
+          <pc:docMk/>
+          <pc:sldMk cId="4160633047" sldId="297"/>
+        </pc:sldMkLst>
+      </pc:sldChg>
+      <pc:sldChg chg="add del">
+        <pc:chgData name="Samson Christopher" userId="6a13b5f1e64a53ae" providerId="LiveId" clId="{FE3E3312-A592-47B5-8AF9-6A6BF1622581}" dt="2020-02-01T17:45:11.212" v="1055" actId="47"/>
+        <pc:sldMkLst>
+          <pc:docMk/>
+          <pc:sldMk cId="1260808008" sldId="298"/>
+        </pc:sldMkLst>
+      </pc:sldChg>
+      <pc:sldChg chg="addSp modSp add mod">
+        <pc:chgData name="Samson Christopher" userId="6a13b5f1e64a53ae" providerId="LiveId" clId="{FE3E3312-A592-47B5-8AF9-6A6BF1622581}" dt="2020-02-08T19:34:21.592" v="5343" actId="1036"/>
+        <pc:sldMkLst>
+          <pc:docMk/>
+          <pc:sldMk cId="2153477118" sldId="298"/>
+        </pc:sldMkLst>
+        <pc:spChg chg="add mod">
+          <ac:chgData name="Samson Christopher" userId="6a13b5f1e64a53ae" providerId="LiveId" clId="{FE3E3312-A592-47B5-8AF9-6A6BF1622581}" dt="2020-02-08T19:34:21.592" v="5343" actId="1036"/>
+          <ac:spMkLst>
+            <pc:docMk/>
+            <pc:sldMk cId="2153477118" sldId="298"/>
+            <ac:spMk id="2" creationId="{5A20175E-23E1-4557-B944-EEC6754C8310}"/>
+          </ac:spMkLst>
+        </pc:spChg>
+      </pc:sldChg>
+      <pc:sldChg chg="add del">
+        <pc:chgData name="Samson Christopher" userId="6a13b5f1e64a53ae" providerId="LiveId" clId="{FE3E3312-A592-47B5-8AF9-6A6BF1622581}" dt="2020-02-02T12:52:08.694" v="2787" actId="47"/>
+        <pc:sldMkLst>
+          <pc:docMk/>
+          <pc:sldMk cId="2455337444" sldId="298"/>
+        </pc:sldMkLst>
+      </pc:sldChg>
+      <pc:sldChg chg="addSp modSp add del mod">
+        <pc:chgData name="Samson Christopher" userId="6a13b5f1e64a53ae" providerId="LiveId" clId="{FE3E3312-A592-47B5-8AF9-6A6BF1622581}" dt="2020-02-08T19:25:48.955" v="4957" actId="47"/>
+        <pc:sldMkLst>
+          <pc:docMk/>
+          <pc:sldMk cId="3479924949" sldId="298"/>
+        </pc:sldMkLst>
+        <pc:spChg chg="add mod">
+          <ac:chgData name="Samson Christopher" userId="6a13b5f1e64a53ae" providerId="LiveId" clId="{FE3E3312-A592-47B5-8AF9-6A6BF1622581}" dt="2020-02-08T19:18:39.107" v="4367" actId="1036"/>
+          <ac:spMkLst>
+            <pc:docMk/>
+            <pc:sldMk cId="3479924949" sldId="298"/>
+            <ac:spMk id="2" creationId="{0ACFBDC7-DEAA-43F5-ABBB-1E5931741337}"/>
+          </ac:spMkLst>
+        </pc:spChg>
+      </pc:sldChg>
+      <pc:sldChg chg="add del">
+        <pc:chgData name="Samson Christopher" userId="6a13b5f1e64a53ae" providerId="LiveId" clId="{FE3E3312-A592-47B5-8AF9-6A6BF1622581}" dt="2020-02-08T19:01:28.461" v="3483" actId="47"/>
+        <pc:sldMkLst>
+          <pc:docMk/>
+          <pc:sldMk cId="4230841038" sldId="298"/>
+        </pc:sldMkLst>
+      </pc:sldChg>
+      <pc:sldChg chg="addSp modSp add del mod">
+        <pc:chgData name="Samson Christopher" userId="6a13b5f1e64a53ae" providerId="LiveId" clId="{FE3E3312-A592-47B5-8AF9-6A6BF1622581}" dt="2020-02-08T19:25:49.446" v="4958" actId="47"/>
+        <pc:sldMkLst>
+          <pc:docMk/>
+          <pc:sldMk cId="1365618563" sldId="299"/>
+        </pc:sldMkLst>
+        <pc:spChg chg="add mod">
+          <ac:chgData name="Samson Christopher" userId="6a13b5f1e64a53ae" providerId="LiveId" clId="{FE3E3312-A592-47B5-8AF9-6A6BF1622581}" dt="2020-02-08T19:18:22.725" v="4302" actId="1035"/>
+          <ac:spMkLst>
+            <pc:docMk/>
+            <pc:sldMk cId="1365618563" sldId="299"/>
+            <ac:spMk id="2" creationId="{1B1DB636-895F-4B3E-A2A9-14DD4A99D49C}"/>
+          </ac:spMkLst>
+        </pc:spChg>
+      </pc:sldChg>
+      <pc:sldChg chg="add del">
+        <pc:chgData name="Samson Christopher" userId="6a13b5f1e64a53ae" providerId="LiveId" clId="{FE3E3312-A592-47B5-8AF9-6A6BF1622581}" dt="2020-02-08T19:01:28.733" v="3484" actId="47"/>
+        <pc:sldMkLst>
+          <pc:docMk/>
+          <pc:sldMk cId="2502244233" sldId="299"/>
+        </pc:sldMkLst>
+      </pc:sldChg>
+      <pc:sldChg chg="addSp modSp add mod">
+        <pc:chgData name="Samson Christopher" userId="6a13b5f1e64a53ae" providerId="LiveId" clId="{FE3E3312-A592-47B5-8AF9-6A6BF1622581}" dt="2020-02-08T19:34:05.999" v="5285" actId="1036"/>
+        <pc:sldMkLst>
+          <pc:docMk/>
+          <pc:sldMk cId="2670665498" sldId="299"/>
+        </pc:sldMkLst>
+        <pc:spChg chg="add mod">
+          <ac:chgData name="Samson Christopher" userId="6a13b5f1e64a53ae" providerId="LiveId" clId="{FE3E3312-A592-47B5-8AF9-6A6BF1622581}" dt="2020-02-08T19:34:05.999" v="5285" actId="1036"/>
+          <ac:spMkLst>
+            <pc:docMk/>
+            <pc:sldMk cId="2670665498" sldId="299"/>
+            <ac:spMk id="2" creationId="{5B6FB14F-AED7-4DB4-A2D1-7CE0CD7B3E88}"/>
+          </ac:spMkLst>
+        </pc:spChg>
+      </pc:sldChg>
+      <pc:sldChg chg="add del">
+        <pc:chgData name="Samson Christopher" userId="6a13b5f1e64a53ae" providerId="LiveId" clId="{FE3E3312-A592-47B5-8AF9-6A6BF1622581}" dt="2020-02-01T17:45:11.880" v="1056" actId="47"/>
+        <pc:sldMkLst>
+          <pc:docMk/>
+          <pc:sldMk cId="4163625575" sldId="299"/>
+        </pc:sldMkLst>
+      </pc:sldChg>
+      <pc:sldChg chg="addSp modSp add mod">
+        <pc:chgData name="Samson Christopher" userId="6a13b5f1e64a53ae" providerId="LiveId" clId="{FE3E3312-A592-47B5-8AF9-6A6BF1622581}" dt="2020-02-08T19:33:53.893" v="5225" actId="1036"/>
+        <pc:sldMkLst>
+          <pc:docMk/>
+          <pc:sldMk cId="59877046" sldId="300"/>
+        </pc:sldMkLst>
+        <pc:spChg chg="add mod">
+          <ac:chgData name="Samson Christopher" userId="6a13b5f1e64a53ae" providerId="LiveId" clId="{FE3E3312-A592-47B5-8AF9-6A6BF1622581}" dt="2020-02-08T19:33:53.893" v="5225" actId="1036"/>
+          <ac:spMkLst>
+            <pc:docMk/>
+            <pc:sldMk cId="59877046" sldId="300"/>
+            <ac:spMk id="2" creationId="{8D8B7DE6-821C-4EC4-937A-DC2FF1C09472}"/>
+          </ac:spMkLst>
+        </pc:spChg>
+      </pc:sldChg>
+      <pc:sldChg chg="add del">
+        <pc:chgData name="Samson Christopher" userId="6a13b5f1e64a53ae" providerId="LiveId" clId="{FE3E3312-A592-47B5-8AF9-6A6BF1622581}" dt="2020-02-08T19:16:36.719" v="4228" actId="47"/>
+        <pc:sldMkLst>
+          <pc:docMk/>
+          <pc:sldMk cId="527605103" sldId="300"/>
+        </pc:sldMkLst>
+      </pc:sldChg>
+      <pc:sldChg chg="add del">
+        <pc:chgData name="Samson Christopher" userId="6a13b5f1e64a53ae" providerId="LiveId" clId="{FE3E3312-A592-47B5-8AF9-6A6BF1622581}" dt="2020-02-01T17:45:12.789" v="1057" actId="47"/>
+        <pc:sldMkLst>
+          <pc:docMk/>
+          <pc:sldMk cId="756939217" sldId="300"/>
+        </pc:sldMkLst>
+      </pc:sldChg>
+      <pc:sldChg chg="add del">
+        <pc:chgData name="Samson Christopher" userId="6a13b5f1e64a53ae" providerId="LiveId" clId="{FE3E3312-A592-47B5-8AF9-6A6BF1622581}" dt="2020-02-08T19:01:29.126" v="3485" actId="47"/>
+        <pc:sldMkLst>
+          <pc:docMk/>
+          <pc:sldMk cId="1243297094" sldId="300"/>
+        </pc:sldMkLst>
+      </pc:sldChg>
+      <pc:sldChg chg="add del">
+        <pc:chgData name="Samson Christopher" userId="6a13b5f1e64a53ae" providerId="LiveId" clId="{FE3E3312-A592-47B5-8AF9-6A6BF1622581}" dt="2020-02-08T19:16:37.170" v="4229" actId="47"/>
+        <pc:sldMkLst>
+          <pc:docMk/>
+          <pc:sldMk cId="874935145" sldId="301"/>
+        </pc:sldMkLst>
+      </pc:sldChg>
+      <pc:sldChg chg="add del">
+        <pc:chgData name="Samson Christopher" userId="6a13b5f1e64a53ae" providerId="LiveId" clId="{FE3E3312-A592-47B5-8AF9-6A6BF1622581}" dt="2020-02-08T19:01:29.466" v="3486" actId="47"/>
+        <pc:sldMkLst>
+          <pc:docMk/>
+          <pc:sldMk cId="2999680361" sldId="301"/>
+        </pc:sldMkLst>
+      </pc:sldChg>
+      <pc:sldChg chg="addSp modSp add mod">
+        <pc:chgData name="Samson Christopher" userId="6a13b5f1e64a53ae" providerId="LiveId" clId="{FE3E3312-A592-47B5-8AF9-6A6BF1622581}" dt="2020-02-08T19:33:39.983" v="5172" actId="1036"/>
+        <pc:sldMkLst>
+          <pc:docMk/>
+          <pc:sldMk cId="4058883114" sldId="301"/>
+        </pc:sldMkLst>
+        <pc:spChg chg="add mod">
+          <ac:chgData name="Samson Christopher" userId="6a13b5f1e64a53ae" providerId="LiveId" clId="{FE3E3312-A592-47B5-8AF9-6A6BF1622581}" dt="2020-02-08T19:33:39.983" v="5172" actId="1036"/>
+          <ac:spMkLst>
+            <pc:docMk/>
+            <pc:sldMk cId="4058883114" sldId="301"/>
+            <ac:spMk id="2" creationId="{34D1C2D3-4751-44CB-A0D8-36A1BE20EF9F}"/>
+          </ac:spMkLst>
+        </pc:spChg>
+      </pc:sldChg>
+      <pc:sldChg chg="add del">
+        <pc:chgData name="Samson Christopher" userId="6a13b5f1e64a53ae" providerId="LiveId" clId="{FE3E3312-A592-47B5-8AF9-6A6BF1622581}" dt="2020-02-08T19:01:30.080" v="3487" actId="47"/>
+        <pc:sldMkLst>
+          <pc:docMk/>
+          <pc:sldMk cId="486861009" sldId="302"/>
+        </pc:sldMkLst>
+      </pc:sldChg>
+      <pc:sldChg chg="addSp modSp add mod">
+        <pc:chgData name="Samson Christopher" userId="6a13b5f1e64a53ae" providerId="LiveId" clId="{FE3E3312-A592-47B5-8AF9-6A6BF1622581}" dt="2020-02-08T19:33:27.131" v="5120" actId="1036"/>
+        <pc:sldMkLst>
+          <pc:docMk/>
+          <pc:sldMk cId="760604732" sldId="302"/>
+        </pc:sldMkLst>
+        <pc:spChg chg="add mod">
+          <ac:chgData name="Samson Christopher" userId="6a13b5f1e64a53ae" providerId="LiveId" clId="{FE3E3312-A592-47B5-8AF9-6A6BF1622581}" dt="2020-02-08T19:33:27.131" v="5120" actId="1036"/>
+          <ac:spMkLst>
+            <pc:docMk/>
+            <pc:sldMk cId="760604732" sldId="302"/>
+            <ac:spMk id="2" creationId="{0E620F81-43DF-4BCB-A152-86019A77C46A}"/>
+          </ac:spMkLst>
+        </pc:spChg>
+      </pc:sldChg>
+      <pc:sldChg chg="add del">
+        <pc:chgData name="Samson Christopher" userId="6a13b5f1e64a53ae" providerId="LiveId" clId="{FE3E3312-A592-47B5-8AF9-6A6BF1622581}" dt="2020-02-08T19:16:37.653" v="4230" actId="47"/>
+        <pc:sldMkLst>
+          <pc:docMk/>
+          <pc:sldMk cId="2017603127" sldId="302"/>
+        </pc:sldMkLst>
+      </pc:sldChg>
+      <pc:sldChg chg="add del">
+        <pc:chgData name="Samson Christopher" userId="6a13b5f1e64a53ae" providerId="LiveId" clId="{FE3E3312-A592-47B5-8AF9-6A6BF1622581}" dt="2020-02-08T19:31:37.185" v="4997" actId="47"/>
+        <pc:sldMkLst>
+          <pc:docMk/>
+          <pc:sldMk cId="1976485964" sldId="303"/>
+        </pc:sldMkLst>
+      </pc:sldChg>
+      <pc:sldChg chg="add del">
+        <pc:chgData name="Samson Christopher" userId="6a13b5f1e64a53ae" providerId="LiveId" clId="{FE3E3312-A592-47B5-8AF9-6A6BF1622581}" dt="2020-02-08T19:31:37.769" v="4998" actId="47"/>
+        <pc:sldMkLst>
+          <pc:docMk/>
+          <pc:sldMk cId="4089210583" sldId="304"/>
         </pc:sldMkLst>
       </pc:sldChg>
     </pc:docChg>
@@ -7249,1821 +8650,420 @@
     </pc:docChg>
   </pc:docChgLst>
   <pc:docChgLst>
-    <pc:chgData name="Samson Christopher" userId="6a13b5f1e64a53ae" providerId="LiveId" clId="{FE3E3312-A592-47B5-8AF9-6A6BF1622581}"/>
-    <pc:docChg chg="undo custSel addSld delSld modSld">
-      <pc:chgData name="Samson Christopher" userId="6a13b5f1e64a53ae" providerId="LiveId" clId="{FE3E3312-A592-47B5-8AF9-6A6BF1622581}" dt="2020-02-08T19:36:32" v="5791" actId="1036"/>
+    <pc:chgData name="Samson Christopher" userId="6a13b5f1e64a53ae" providerId="LiveId" clId="{C16499E8-3036-4BF7-9970-91F1855AC027}"/>
+    <pc:docChg chg="custSel addSld delSld modSld">
+      <pc:chgData name="Samson Christopher" userId="6a13b5f1e64a53ae" providerId="LiveId" clId="{C16499E8-3036-4BF7-9970-91F1855AC027}" dt="2020-03-15T14:53:00.456" v="1072" actId="1035"/>
       <pc:docMkLst>
         <pc:docMk/>
       </pc:docMkLst>
       <pc:sldChg chg="del">
-        <pc:chgData name="Samson Christopher" userId="6a13b5f1e64a53ae" providerId="LiveId" clId="{FE3E3312-A592-47B5-8AF9-6A6BF1622581}" dt="2020-01-26T14:22:17.450" v="36" actId="47"/>
-        <pc:sldMkLst>
-          <pc:docMk/>
-          <pc:sldMk cId="2558601213" sldId="279"/>
-        </pc:sldMkLst>
-      </pc:sldChg>
-      <pc:sldChg chg="addSp delSp modSp add del">
-        <pc:chgData name="Samson Christopher" userId="6a13b5f1e64a53ae" providerId="LiveId" clId="{FE3E3312-A592-47B5-8AF9-6A6BF1622581}" dt="2020-02-01T17:29:58.808" v="253" actId="47"/>
-        <pc:sldMkLst>
-          <pc:docMk/>
-          <pc:sldMk cId="2038276810" sldId="280"/>
+        <pc:chgData name="Samson Christopher" userId="6a13b5f1e64a53ae" providerId="LiveId" clId="{C16499E8-3036-4BF7-9970-91F1855AC027}" dt="2020-03-15T14:41:57.359" v="57" actId="47"/>
+        <pc:sldMkLst>
+          <pc:docMk/>
+          <pc:sldMk cId="1281534475" sldId="387"/>
+        </pc:sldMkLst>
+      </pc:sldChg>
+      <pc:sldChg chg="addSp delSp modSp mod">
+        <pc:chgData name="Samson Christopher" userId="6a13b5f1e64a53ae" providerId="LiveId" clId="{C16499E8-3036-4BF7-9970-91F1855AC027}" dt="2020-03-15T14:43:21.270" v="119" actId="1035"/>
+        <pc:sldMkLst>
+          <pc:docMk/>
+          <pc:sldMk cId="3837972156" sldId="388"/>
         </pc:sldMkLst>
         <pc:spChg chg="del">
-          <ac:chgData name="Samson Christopher" userId="6a13b5f1e64a53ae" providerId="LiveId" clId="{FE3E3312-A592-47B5-8AF9-6A6BF1622581}" dt="2020-01-26T14:19:57.502" v="9" actId="478"/>
-          <ac:spMkLst>
-            <pc:docMk/>
-            <pc:sldMk cId="2038276810" sldId="280"/>
-            <ac:spMk id="2" creationId="{DCD06CBF-6B8C-41D1-A832-D6F316299663}"/>
-          </ac:spMkLst>
-        </pc:spChg>
-        <pc:spChg chg="add mod">
-          <ac:chgData name="Samson Christopher" userId="6a13b5f1e64a53ae" providerId="LiveId" clId="{FE3E3312-A592-47B5-8AF9-6A6BF1622581}" dt="2020-01-26T14:22:53.914" v="52" actId="1035"/>
-          <ac:spMkLst>
-            <pc:docMk/>
-            <pc:sldMk cId="2038276810" sldId="280"/>
-            <ac:spMk id="3" creationId="{527F3E78-46CF-4BDC-B836-C555A334F7B9}"/>
-          </ac:spMkLst>
-        </pc:spChg>
-      </pc:sldChg>
-      <pc:sldChg chg="del">
-        <pc:chgData name="Samson Christopher" userId="6a13b5f1e64a53ae" providerId="LiveId" clId="{FE3E3312-A592-47B5-8AF9-6A6BF1622581}" dt="2020-01-26T14:19:50.346" v="0" actId="47"/>
-        <pc:sldMkLst>
-          <pc:docMk/>
-          <pc:sldMk cId="2160117113" sldId="280"/>
-        </pc:sldMkLst>
-      </pc:sldChg>
-      <pc:sldChg chg="del">
-        <pc:chgData name="Samson Christopher" userId="6a13b5f1e64a53ae" providerId="LiveId" clId="{FE3E3312-A592-47B5-8AF9-6A6BF1622581}" dt="2020-01-26T14:19:50.564" v="1" actId="47"/>
-        <pc:sldMkLst>
-          <pc:docMk/>
-          <pc:sldMk cId="374644486" sldId="281"/>
-        </pc:sldMkLst>
-      </pc:sldChg>
-      <pc:sldChg chg="addSp modSp add del">
-        <pc:chgData name="Samson Christopher" userId="6a13b5f1e64a53ae" providerId="LiveId" clId="{FE3E3312-A592-47B5-8AF9-6A6BF1622581}" dt="2020-02-01T17:24:25.929" v="202" actId="47"/>
-        <pc:sldMkLst>
-          <pc:docMk/>
-          <pc:sldMk cId="1226178893" sldId="281"/>
-        </pc:sldMkLst>
-        <pc:spChg chg="add mod">
-          <ac:chgData name="Samson Christopher" userId="6a13b5f1e64a53ae" providerId="LiveId" clId="{FE3E3312-A592-47B5-8AF9-6A6BF1622581}" dt="2020-01-26T14:23:12.725" v="73" actId="1035"/>
-          <ac:spMkLst>
-            <pc:docMk/>
-            <pc:sldMk cId="1226178893" sldId="281"/>
-            <ac:spMk id="2" creationId="{99694CCD-87B4-4471-80C2-54F35A263EF3}"/>
-          </ac:spMkLst>
-        </pc:spChg>
-      </pc:sldChg>
-      <pc:sldChg chg="addSp delSp modSp add del">
-        <pc:chgData name="Samson Christopher" userId="6a13b5f1e64a53ae" providerId="LiveId" clId="{FE3E3312-A592-47B5-8AF9-6A6BF1622581}" dt="2020-02-01T17:45:26.217" v="1059" actId="47"/>
-        <pc:sldMkLst>
-          <pc:docMk/>
-          <pc:sldMk cId="3168765571" sldId="281"/>
-        </pc:sldMkLst>
-        <pc:spChg chg="add mod">
-          <ac:chgData name="Samson Christopher" userId="6a13b5f1e64a53ae" providerId="LiveId" clId="{FE3E3312-A592-47B5-8AF9-6A6BF1622581}" dt="2020-02-01T17:37:01.262" v="998" actId="1036"/>
-          <ac:spMkLst>
-            <pc:docMk/>
-            <pc:sldMk cId="3168765571" sldId="281"/>
-            <ac:spMk id="2" creationId="{10AA1DE6-D93A-4A3A-9B80-853A042F01A2}"/>
-          </ac:spMkLst>
-        </pc:spChg>
-        <pc:spChg chg="del">
-          <ac:chgData name="Samson Christopher" userId="6a13b5f1e64a53ae" providerId="LiveId" clId="{FE3E3312-A592-47B5-8AF9-6A6BF1622581}" dt="2020-02-01T17:24:32.790" v="207" actId="478"/>
-          <ac:spMkLst>
-            <pc:docMk/>
-            <pc:sldMk cId="3168765571" sldId="281"/>
-            <ac:spMk id="3" creationId="{527F3E78-46CF-4BDC-B836-C555A334F7B9}"/>
-          </ac:spMkLst>
-        </pc:spChg>
-      </pc:sldChg>
-      <pc:sldChg chg="del">
-        <pc:chgData name="Samson Christopher" userId="6a13b5f1e64a53ae" providerId="LiveId" clId="{FE3E3312-A592-47B5-8AF9-6A6BF1622581}" dt="2020-01-26T14:19:50.720" v="2" actId="47"/>
-        <pc:sldMkLst>
-          <pc:docMk/>
-          <pc:sldMk cId="339084386" sldId="282"/>
-        </pc:sldMkLst>
-      </pc:sldChg>
-      <pc:sldChg chg="addSp modSp add del">
-        <pc:chgData name="Samson Christopher" userId="6a13b5f1e64a53ae" providerId="LiveId" clId="{FE3E3312-A592-47B5-8AF9-6A6BF1622581}" dt="2020-02-01T17:24:26.239" v="203" actId="47"/>
-        <pc:sldMkLst>
-          <pc:docMk/>
-          <pc:sldMk cId="2350228747" sldId="282"/>
-        </pc:sldMkLst>
-        <pc:spChg chg="add mod">
-          <ac:chgData name="Samson Christopher" userId="6a13b5f1e64a53ae" providerId="LiveId" clId="{FE3E3312-A592-47B5-8AF9-6A6BF1622581}" dt="2020-01-26T14:23:45.202" v="97" actId="1035"/>
-          <ac:spMkLst>
-            <pc:docMk/>
-            <pc:sldMk cId="2350228747" sldId="282"/>
-            <ac:spMk id="2" creationId="{9FFAFD3F-9A15-4CF6-9D06-DCBB7E4241C4}"/>
-          </ac:spMkLst>
-        </pc:spChg>
-      </pc:sldChg>
-      <pc:sldChg chg="addSp modSp add del">
-        <pc:chgData name="Samson Christopher" userId="6a13b5f1e64a53ae" providerId="LiveId" clId="{FE3E3312-A592-47B5-8AF9-6A6BF1622581}" dt="2020-02-01T17:42:11.695" v="999" actId="47"/>
-        <pc:sldMkLst>
-          <pc:docMk/>
-          <pc:sldMk cId="2805109804" sldId="282"/>
-        </pc:sldMkLst>
-        <pc:spChg chg="add mod">
-          <ac:chgData name="Samson Christopher" userId="6a13b5f1e64a53ae" providerId="LiveId" clId="{FE3E3312-A592-47B5-8AF9-6A6BF1622581}" dt="2020-02-01T17:36:44.584" v="971" actId="1035"/>
-          <ac:spMkLst>
-            <pc:docMk/>
-            <pc:sldMk cId="2805109804" sldId="282"/>
-            <ac:spMk id="2" creationId="{F7A8C8B9-DDD8-41EA-9ACC-5F846D76B0ED}"/>
-          </ac:spMkLst>
-        </pc:spChg>
-      </pc:sldChg>
-      <pc:sldChg chg="addSp delSp modSp add del">
-        <pc:chgData name="Samson Christopher" userId="6a13b5f1e64a53ae" providerId="LiveId" clId="{FE3E3312-A592-47B5-8AF9-6A6BF1622581}" dt="2020-02-01T17:58:49.319" v="1704" actId="47"/>
-        <pc:sldMkLst>
-          <pc:docMk/>
-          <pc:sldMk cId="3095029386" sldId="282"/>
-        </pc:sldMkLst>
-        <pc:spChg chg="del">
-          <ac:chgData name="Samson Christopher" userId="6a13b5f1e64a53ae" providerId="LiveId" clId="{FE3E3312-A592-47B5-8AF9-6A6BF1622581}" dt="2020-02-01T17:42:22.958" v="1011" actId="478"/>
-          <ac:spMkLst>
-            <pc:docMk/>
-            <pc:sldMk cId="3095029386" sldId="282"/>
-            <ac:spMk id="2" creationId="{10AA1DE6-D93A-4A3A-9B80-853A042F01A2}"/>
-          </ac:spMkLst>
-        </pc:spChg>
-        <pc:spChg chg="add mod">
-          <ac:chgData name="Samson Christopher" userId="6a13b5f1e64a53ae" providerId="LiveId" clId="{FE3E3312-A592-47B5-8AF9-6A6BF1622581}" dt="2020-02-01T17:46:56.883" v="1133" actId="1036"/>
-          <ac:spMkLst>
-            <pc:docMk/>
-            <pc:sldMk cId="3095029386" sldId="282"/>
-            <ac:spMk id="3" creationId="{682C3DE7-D4D9-41B2-98DA-F7B4B3AAC530}"/>
-          </ac:spMkLst>
-        </pc:spChg>
-      </pc:sldChg>
-      <pc:sldChg chg="addSp modSp add del">
-        <pc:chgData name="Samson Christopher" userId="6a13b5f1e64a53ae" providerId="LiveId" clId="{FE3E3312-A592-47B5-8AF9-6A6BF1622581}" dt="2020-02-01T17:57:45.939" v="1672" actId="47"/>
-        <pc:sldMkLst>
-          <pc:docMk/>
-          <pc:sldMk cId="372245481" sldId="283"/>
-        </pc:sldMkLst>
-        <pc:spChg chg="add mod">
-          <ac:chgData name="Samson Christopher" userId="6a13b5f1e64a53ae" providerId="LiveId" clId="{FE3E3312-A592-47B5-8AF9-6A6BF1622581}" dt="2020-02-01T17:47:11.201" v="1187" actId="1036"/>
-          <ac:spMkLst>
-            <pc:docMk/>
-            <pc:sldMk cId="372245481" sldId="283"/>
-            <ac:spMk id="2" creationId="{5F27BEC7-E921-4138-B125-41845192FA54}"/>
-          </ac:spMkLst>
-        </pc:spChg>
-      </pc:sldChg>
-      <pc:sldChg chg="del">
-        <pc:chgData name="Samson Christopher" userId="6a13b5f1e64a53ae" providerId="LiveId" clId="{FE3E3312-A592-47B5-8AF9-6A6BF1622581}" dt="2020-01-26T14:19:50.855" v="3" actId="47"/>
-        <pc:sldMkLst>
-          <pc:docMk/>
-          <pc:sldMk cId="1090656553" sldId="283"/>
-        </pc:sldMkLst>
-      </pc:sldChg>
-      <pc:sldChg chg="addSp modSp add del">
-        <pc:chgData name="Samson Christopher" userId="6a13b5f1e64a53ae" providerId="LiveId" clId="{FE3E3312-A592-47B5-8AF9-6A6BF1622581}" dt="2020-02-01T17:42:11.892" v="1000" actId="47"/>
-        <pc:sldMkLst>
-          <pc:docMk/>
-          <pc:sldMk cId="3423569301" sldId="283"/>
-        </pc:sldMkLst>
-        <pc:spChg chg="add mod">
-          <ac:chgData name="Samson Christopher" userId="6a13b5f1e64a53ae" providerId="LiveId" clId="{FE3E3312-A592-47B5-8AF9-6A6BF1622581}" dt="2020-02-01T17:36:25.456" v="906" actId="1036"/>
-          <ac:spMkLst>
-            <pc:docMk/>
-            <pc:sldMk cId="3423569301" sldId="283"/>
-            <ac:spMk id="2" creationId="{A21ADD09-889C-4C56-A0B5-924ACDA34383}"/>
-          </ac:spMkLst>
-        </pc:spChg>
-      </pc:sldChg>
-      <pc:sldChg chg="addSp modSp add del">
-        <pc:chgData name="Samson Christopher" userId="6a13b5f1e64a53ae" providerId="LiveId" clId="{FE3E3312-A592-47B5-8AF9-6A6BF1622581}" dt="2020-02-01T17:24:26.621" v="204" actId="47"/>
-        <pc:sldMkLst>
-          <pc:docMk/>
-          <pc:sldMk cId="3622187434" sldId="283"/>
-        </pc:sldMkLst>
-        <pc:spChg chg="add mod">
-          <ac:chgData name="Samson Christopher" userId="6a13b5f1e64a53ae" providerId="LiveId" clId="{FE3E3312-A592-47B5-8AF9-6A6BF1622581}" dt="2020-01-26T14:24:20.339" v="121" actId="1036"/>
-          <ac:spMkLst>
-            <pc:docMk/>
-            <pc:sldMk cId="3622187434" sldId="283"/>
-            <ac:spMk id="2" creationId="{7ED60D48-5DE8-4309-B152-028C4ACFD1FB}"/>
-          </ac:spMkLst>
-        </pc:spChg>
-      </pc:sldChg>
-      <pc:sldChg chg="addSp delSp modSp add del">
-        <pc:chgData name="Samson Christopher" userId="6a13b5f1e64a53ae" providerId="LiveId" clId="{FE3E3312-A592-47B5-8AF9-6A6BF1622581}" dt="2020-02-02T12:40:31.660" v="2151" actId="47"/>
-        <pc:sldMkLst>
-          <pc:docMk/>
-          <pc:sldMk cId="3932164463" sldId="283"/>
-        </pc:sldMkLst>
-        <pc:spChg chg="add mod">
-          <ac:chgData name="Samson Christopher" userId="6a13b5f1e64a53ae" providerId="LiveId" clId="{FE3E3312-A592-47B5-8AF9-6A6BF1622581}" dt="2020-02-01T17:59:26.671" v="1796" actId="1036"/>
-          <ac:spMkLst>
-            <pc:docMk/>
-            <pc:sldMk cId="3932164463" sldId="283"/>
-            <ac:spMk id="2" creationId="{EB313D37-DF03-4F4D-8057-73FB8C5BF133}"/>
-          </ac:spMkLst>
-        </pc:spChg>
-        <pc:spChg chg="del">
-          <ac:chgData name="Samson Christopher" userId="6a13b5f1e64a53ae" providerId="LiveId" clId="{FE3E3312-A592-47B5-8AF9-6A6BF1622581}" dt="2020-02-01T17:57:52.155" v="1681" actId="478"/>
-          <ac:spMkLst>
-            <pc:docMk/>
-            <pc:sldMk cId="3932164463" sldId="283"/>
-            <ac:spMk id="3" creationId="{682C3DE7-D4D9-41B2-98DA-F7B4B3AAC530}"/>
-          </ac:spMkLst>
-        </pc:spChg>
-      </pc:sldChg>
-      <pc:sldChg chg="del">
-        <pc:chgData name="Samson Christopher" userId="6a13b5f1e64a53ae" providerId="LiveId" clId="{FE3E3312-A592-47B5-8AF9-6A6BF1622581}" dt="2020-01-26T14:19:51.009" v="4" actId="47"/>
-        <pc:sldMkLst>
-          <pc:docMk/>
-          <pc:sldMk cId="430563663" sldId="284"/>
-        </pc:sldMkLst>
-      </pc:sldChg>
-      <pc:sldChg chg="addSp modSp add del">
-        <pc:chgData name="Samson Christopher" userId="6a13b5f1e64a53ae" providerId="LiveId" clId="{FE3E3312-A592-47B5-8AF9-6A6BF1622581}" dt="2020-02-01T17:42:12.042" v="1001" actId="47"/>
-        <pc:sldMkLst>
-          <pc:docMk/>
-          <pc:sldMk cId="521011923" sldId="284"/>
-        </pc:sldMkLst>
-        <pc:spChg chg="add mod">
-          <ac:chgData name="Samson Christopher" userId="6a13b5f1e64a53ae" providerId="LiveId" clId="{FE3E3312-A592-47B5-8AF9-6A6BF1622581}" dt="2020-02-01T17:35:57.990" v="837" actId="1036"/>
-          <ac:spMkLst>
-            <pc:docMk/>
-            <pc:sldMk cId="521011923" sldId="284"/>
-            <ac:spMk id="2" creationId="{888464F2-F4D3-43B9-B059-236605507AB4}"/>
-          </ac:spMkLst>
-        </pc:spChg>
-      </pc:sldChg>
-      <pc:sldChg chg="addSp modSp add del">
-        <pc:chgData name="Samson Christopher" userId="6a13b5f1e64a53ae" providerId="LiveId" clId="{FE3E3312-A592-47B5-8AF9-6A6BF1622581}" dt="2020-02-01T17:24:27.109" v="205" actId="47"/>
-        <pc:sldMkLst>
-          <pc:docMk/>
-          <pc:sldMk cId="534637868" sldId="284"/>
-        </pc:sldMkLst>
-        <pc:spChg chg="add mod">
-          <ac:chgData name="Samson Christopher" userId="6a13b5f1e64a53ae" providerId="LiveId" clId="{FE3E3312-A592-47B5-8AF9-6A6BF1622581}" dt="2020-01-26T14:25:01.058" v="201" actId="1036"/>
-          <ac:spMkLst>
-            <pc:docMk/>
-            <pc:sldMk cId="534637868" sldId="284"/>
-            <ac:spMk id="2" creationId="{BB12A8F9-A2E0-42E9-B2E3-1F80DDD188F4}"/>
-          </ac:spMkLst>
-        </pc:spChg>
-      </pc:sldChg>
-      <pc:sldChg chg="addSp modSp add del">
-        <pc:chgData name="Samson Christopher" userId="6a13b5f1e64a53ae" providerId="LiveId" clId="{FE3E3312-A592-47B5-8AF9-6A6BF1622581}" dt="2020-02-01T17:57:46.164" v="1673" actId="47"/>
-        <pc:sldMkLst>
-          <pc:docMk/>
-          <pc:sldMk cId="812953673" sldId="284"/>
-        </pc:sldMkLst>
-        <pc:spChg chg="add mod">
-          <ac:chgData name="Samson Christopher" userId="6a13b5f1e64a53ae" providerId="LiveId" clId="{FE3E3312-A592-47B5-8AF9-6A6BF1622581}" dt="2020-02-01T17:47:38.359" v="1246" actId="1036"/>
-          <ac:spMkLst>
-            <pc:docMk/>
-            <pc:sldMk cId="812953673" sldId="284"/>
-            <ac:spMk id="2" creationId="{4B01AC50-1085-4252-AF71-FC493E4B2709}"/>
-          </ac:spMkLst>
-        </pc:spChg>
-      </pc:sldChg>
-      <pc:sldChg chg="addSp modSp add del">
-        <pc:chgData name="Samson Christopher" userId="6a13b5f1e64a53ae" providerId="LiveId" clId="{FE3E3312-A592-47B5-8AF9-6A6BF1622581}" dt="2020-02-02T12:38:04.421" v="2112" actId="47"/>
-        <pc:sldMkLst>
-          <pc:docMk/>
-          <pc:sldMk cId="3435543152" sldId="284"/>
-        </pc:sldMkLst>
-        <pc:spChg chg="add mod">
-          <ac:chgData name="Samson Christopher" userId="6a13b5f1e64a53ae" providerId="LiveId" clId="{FE3E3312-A592-47B5-8AF9-6A6BF1622581}" dt="2020-02-01T17:59:38.318" v="1860" actId="1035"/>
-          <ac:spMkLst>
-            <pc:docMk/>
-            <pc:sldMk cId="3435543152" sldId="284"/>
-            <ac:spMk id="2" creationId="{0E1FDF43-05E7-4390-80F6-814DBFD42D36}"/>
-          </ac:spMkLst>
-        </pc:spChg>
-      </pc:sldChg>
-      <pc:sldChg chg="addSp delSp modSp add del">
-        <pc:chgData name="Samson Christopher" userId="6a13b5f1e64a53ae" providerId="LiveId" clId="{FE3E3312-A592-47B5-8AF9-6A6BF1622581}" dt="2020-02-02T12:52:17.012" v="2789" actId="47"/>
-        <pc:sldMkLst>
-          <pc:docMk/>
-          <pc:sldMk cId="4186276591" sldId="284"/>
-        </pc:sldMkLst>
-        <pc:spChg chg="del">
-          <ac:chgData name="Samson Christopher" userId="6a13b5f1e64a53ae" providerId="LiveId" clId="{FE3E3312-A592-47B5-8AF9-6A6BF1622581}" dt="2020-02-02T12:38:14.311" v="2118" actId="478"/>
-          <ac:spMkLst>
-            <pc:docMk/>
-            <pc:sldMk cId="4186276591" sldId="284"/>
-            <ac:spMk id="2" creationId="{EB313D37-DF03-4F4D-8057-73FB8C5BF133}"/>
-          </ac:spMkLst>
-        </pc:spChg>
-        <pc:spChg chg="add mod">
-          <ac:chgData name="Samson Christopher" userId="6a13b5f1e64a53ae" providerId="LiveId" clId="{FE3E3312-A592-47B5-8AF9-6A6BF1622581}" dt="2020-02-02T12:44:41.835" v="2746" actId="1036"/>
-          <ac:spMkLst>
-            <pc:docMk/>
-            <pc:sldMk cId="4186276591" sldId="284"/>
-            <ac:spMk id="3" creationId="{9865938A-2A43-4801-A57E-BE9CFC6B60DE}"/>
-          </ac:spMkLst>
-        </pc:spChg>
-      </pc:sldChg>
-      <pc:sldChg chg="add del">
-        <pc:chgData name="Samson Christopher" userId="6a13b5f1e64a53ae" providerId="LiveId" clId="{FE3E3312-A592-47B5-8AF9-6A6BF1622581}" dt="2020-01-26T14:20:08.672" v="15" actId="47"/>
-        <pc:sldMkLst>
-          <pc:docMk/>
-          <pc:sldMk cId="54065161" sldId="285"/>
-        </pc:sldMkLst>
-      </pc:sldChg>
-      <pc:sldChg chg="addSp delSp modSp add del">
-        <pc:chgData name="Samson Christopher" userId="6a13b5f1e64a53ae" providerId="LiveId" clId="{FE3E3312-A592-47B5-8AF9-6A6BF1622581}" dt="2020-02-01T17:57:46.361" v="1674" actId="47"/>
-        <pc:sldMkLst>
-          <pc:docMk/>
-          <pc:sldMk cId="272792024" sldId="285"/>
-        </pc:sldMkLst>
-        <pc:spChg chg="add del mod">
-          <ac:chgData name="Samson Christopher" userId="6a13b5f1e64a53ae" providerId="LiveId" clId="{FE3E3312-A592-47B5-8AF9-6A6BF1622581}" dt="2020-02-01T17:43:50.766" v="1038"/>
-          <ac:spMkLst>
-            <pc:docMk/>
-            <pc:sldMk cId="272792024" sldId="285"/>
-            <ac:spMk id="2" creationId="{CE736976-D14E-429F-A1DA-752C5E808E22}"/>
-          </ac:spMkLst>
-        </pc:spChg>
-        <pc:spChg chg="add mod">
-          <ac:chgData name="Samson Christopher" userId="6a13b5f1e64a53ae" providerId="LiveId" clId="{FE3E3312-A592-47B5-8AF9-6A6BF1622581}" dt="2020-02-01T17:48:13.007" v="1327" actId="1036"/>
-          <ac:spMkLst>
-            <pc:docMk/>
-            <pc:sldMk cId="272792024" sldId="285"/>
-            <ac:spMk id="3" creationId="{A7A1DB7E-C2A1-4102-B672-6182B6634E17}"/>
-          </ac:spMkLst>
-        </pc:spChg>
-      </pc:sldChg>
-      <pc:sldChg chg="addSp modSp add del">
-        <pc:chgData name="Samson Christopher" userId="6a13b5f1e64a53ae" providerId="LiveId" clId="{FE3E3312-A592-47B5-8AF9-6A6BF1622581}" dt="2020-02-02T12:38:04.536" v="2113" actId="47"/>
-        <pc:sldMkLst>
-          <pc:docMk/>
-          <pc:sldMk cId="318934220" sldId="285"/>
-        </pc:sldMkLst>
-        <pc:spChg chg="add mod">
-          <ac:chgData name="Samson Christopher" userId="6a13b5f1e64a53ae" providerId="LiveId" clId="{FE3E3312-A592-47B5-8AF9-6A6BF1622581}" dt="2020-02-01T17:59:56.520" v="1937" actId="1035"/>
-          <ac:spMkLst>
-            <pc:docMk/>
-            <pc:sldMk cId="318934220" sldId="285"/>
-            <ac:spMk id="2" creationId="{114BC234-5CB2-4239-9ABB-DB349FEA57A6}"/>
-          </ac:spMkLst>
-        </pc:spChg>
-      </pc:sldChg>
-      <pc:sldChg chg="addSp modSp add del">
-        <pc:chgData name="Samson Christopher" userId="6a13b5f1e64a53ae" providerId="LiveId" clId="{FE3E3312-A592-47B5-8AF9-6A6BF1622581}" dt="2020-02-01T17:42:12.201" v="1002" actId="47"/>
-        <pc:sldMkLst>
-          <pc:docMk/>
-          <pc:sldMk cId="658073544" sldId="285"/>
-        </pc:sldMkLst>
-        <pc:spChg chg="add mod">
-          <ac:chgData name="Samson Christopher" userId="6a13b5f1e64a53ae" providerId="LiveId" clId="{FE3E3312-A592-47B5-8AF9-6A6BF1622581}" dt="2020-02-01T17:35:24.935" v="765" actId="1035"/>
-          <ac:spMkLst>
-            <pc:docMk/>
-            <pc:sldMk cId="658073544" sldId="285"/>
-            <ac:spMk id="2" creationId="{EFBF8B59-8E1B-41AB-95A5-EC20F10CCB4C}"/>
-          </ac:spMkLst>
-        </pc:spChg>
-      </pc:sldChg>
-      <pc:sldChg chg="addSp modSp add del">
-        <pc:chgData name="Samson Christopher" userId="6a13b5f1e64a53ae" providerId="LiveId" clId="{FE3E3312-A592-47B5-8AF9-6A6BF1622581}" dt="2020-02-02T12:50:18.300" v="2747" actId="47"/>
-        <pc:sldMkLst>
-          <pc:docMk/>
-          <pc:sldMk cId="766876582" sldId="285"/>
-        </pc:sldMkLst>
-        <pc:spChg chg="add mod">
-          <ac:chgData name="Samson Christopher" userId="6a13b5f1e64a53ae" providerId="LiveId" clId="{FE3E3312-A592-47B5-8AF9-6A6BF1622581}" dt="2020-02-02T12:44:15.453" v="2691" actId="1036"/>
-          <ac:spMkLst>
-            <pc:docMk/>
-            <pc:sldMk cId="766876582" sldId="285"/>
-            <ac:spMk id="2" creationId="{F13CFF1A-C60A-49D3-B07F-87C972054D41}"/>
-          </ac:spMkLst>
-        </pc:spChg>
-      </pc:sldChg>
-      <pc:sldChg chg="addSp delSp modSp add del">
-        <pc:chgData name="Samson Christopher" userId="6a13b5f1e64a53ae" providerId="LiveId" clId="{FE3E3312-A592-47B5-8AF9-6A6BF1622581}" dt="2020-02-08T19:02:02.617" v="3491" actId="47"/>
-        <pc:sldMkLst>
-          <pc:docMk/>
-          <pc:sldMk cId="1926434746" sldId="285"/>
-        </pc:sldMkLst>
-        <pc:spChg chg="add mod">
-          <ac:chgData name="Samson Christopher" userId="6a13b5f1e64a53ae" providerId="LiveId" clId="{FE3E3312-A592-47B5-8AF9-6A6BF1622581}" dt="2020-02-02T12:53:18.842" v="2853" actId="1035"/>
-          <ac:spMkLst>
-            <pc:docMk/>
-            <pc:sldMk cId="1926434746" sldId="285"/>
-            <ac:spMk id="2" creationId="{F6BEFE7E-3057-4DCA-BBB2-8062BDD9DD64}"/>
-          </ac:spMkLst>
-        </pc:spChg>
-        <pc:spChg chg="del">
-          <ac:chgData name="Samson Christopher" userId="6a13b5f1e64a53ae" providerId="LiveId" clId="{FE3E3312-A592-47B5-8AF9-6A6BF1622581}" dt="2020-02-02T12:50:25.849" v="2757" actId="478"/>
-          <ac:spMkLst>
-            <pc:docMk/>
-            <pc:sldMk cId="1926434746" sldId="285"/>
-            <ac:spMk id="3" creationId="{9865938A-2A43-4801-A57E-BE9CFC6B60DE}"/>
-          </ac:spMkLst>
-        </pc:spChg>
-      </pc:sldChg>
-      <pc:sldChg chg="del">
-        <pc:chgData name="Samson Christopher" userId="6a13b5f1e64a53ae" providerId="LiveId" clId="{FE3E3312-A592-47B5-8AF9-6A6BF1622581}" dt="2020-01-26T14:19:51.192" v="5" actId="47"/>
-        <pc:sldMkLst>
-          <pc:docMk/>
-          <pc:sldMk cId="3444870395" sldId="285"/>
-        </pc:sldMkLst>
-      </pc:sldChg>
-      <pc:sldChg chg="addSp modSp add del">
-        <pc:chgData name="Samson Christopher" userId="6a13b5f1e64a53ae" providerId="LiveId" clId="{FE3E3312-A592-47B5-8AF9-6A6BF1622581}" dt="2020-02-02T12:38:04.753" v="2114" actId="47"/>
-        <pc:sldMkLst>
-          <pc:docMk/>
-          <pc:sldMk cId="1630975956" sldId="286"/>
-        </pc:sldMkLst>
-        <pc:spChg chg="add mod">
-          <ac:chgData name="Samson Christopher" userId="6a13b5f1e64a53ae" providerId="LiveId" clId="{FE3E3312-A592-47B5-8AF9-6A6BF1622581}" dt="2020-02-01T18:00:11.907" v="1998" actId="1036"/>
-          <ac:spMkLst>
-            <pc:docMk/>
-            <pc:sldMk cId="1630975956" sldId="286"/>
-            <ac:spMk id="2" creationId="{56A3F956-8FF4-4390-9755-35F8C891DB0D}"/>
-          </ac:spMkLst>
-        </pc:spChg>
-      </pc:sldChg>
-      <pc:sldChg chg="addSp delSp modSp add del mod">
-        <pc:chgData name="Samson Christopher" userId="6a13b5f1e64a53ae" providerId="LiveId" clId="{FE3E3312-A592-47B5-8AF9-6A6BF1622581}" dt="2020-02-08T19:16:47.635" v="4232" actId="47"/>
-        <pc:sldMkLst>
-          <pc:docMk/>
-          <pc:sldMk cId="1642856061" sldId="286"/>
-        </pc:sldMkLst>
-        <pc:spChg chg="del">
-          <ac:chgData name="Samson Christopher" userId="6a13b5f1e64a53ae" providerId="LiveId" clId="{FE3E3312-A592-47B5-8AF9-6A6BF1622581}" dt="2020-02-08T18:59:15.934" v="3454" actId="478"/>
-          <ac:spMkLst>
-            <pc:docMk/>
-            <pc:sldMk cId="1642856061" sldId="286"/>
-            <ac:spMk id="2" creationId="{F6BEFE7E-3057-4DCA-BBB2-8062BDD9DD64}"/>
-          </ac:spMkLst>
-        </pc:spChg>
-        <pc:spChg chg="add mod">
-          <ac:chgData name="Samson Christopher" userId="6a13b5f1e64a53ae" providerId="LiveId" clId="{FE3E3312-A592-47B5-8AF9-6A6BF1622581}" dt="2020-02-08T19:05:38.592" v="4158" actId="1036"/>
-          <ac:spMkLst>
-            <pc:docMk/>
-            <pc:sldMk cId="1642856061" sldId="286"/>
-            <ac:spMk id="3" creationId="{6D9B5F73-55C2-4ED5-97DA-0E9A4484CA6E}"/>
-          </ac:spMkLst>
-        </pc:spChg>
-      </pc:sldChg>
-      <pc:sldChg chg="addSp modSp add del">
-        <pc:chgData name="Samson Christopher" userId="6a13b5f1e64a53ae" providerId="LiveId" clId="{FE3E3312-A592-47B5-8AF9-6A6BF1622581}" dt="2020-02-01T17:42:12.352" v="1003" actId="47"/>
-        <pc:sldMkLst>
-          <pc:docMk/>
-          <pc:sldMk cId="2122201727" sldId="286"/>
-        </pc:sldMkLst>
-        <pc:spChg chg="add mod">
-          <ac:chgData name="Samson Christopher" userId="6a13b5f1e64a53ae" providerId="LiveId" clId="{FE3E3312-A592-47B5-8AF9-6A6BF1622581}" dt="2020-02-01T17:34:51.332" v="704" actId="1036"/>
-          <ac:spMkLst>
-            <pc:docMk/>
-            <pc:sldMk cId="2122201727" sldId="286"/>
-            <ac:spMk id="2" creationId="{55C90926-8D62-4E84-816E-3CD399B732F8}"/>
-          </ac:spMkLst>
-        </pc:spChg>
-      </pc:sldChg>
-      <pc:sldChg chg="addSp modSp add del">
-        <pc:chgData name="Samson Christopher" userId="6a13b5f1e64a53ae" providerId="LiveId" clId="{FE3E3312-A592-47B5-8AF9-6A6BF1622581}" dt="2020-02-02T12:50:18.560" v="2748" actId="47"/>
-        <pc:sldMkLst>
-          <pc:docMk/>
-          <pc:sldMk cId="2489913434" sldId="286"/>
-        </pc:sldMkLst>
-        <pc:spChg chg="add mod">
-          <ac:chgData name="Samson Christopher" userId="6a13b5f1e64a53ae" providerId="LiveId" clId="{FE3E3312-A592-47B5-8AF9-6A6BF1622581}" dt="2020-02-02T12:43:54.123" v="2639" actId="1036"/>
-          <ac:spMkLst>
-            <pc:docMk/>
-            <pc:sldMk cId="2489913434" sldId="286"/>
-            <ac:spMk id="2" creationId="{29C55C2B-E7A8-4076-A981-0988AB72E969}"/>
-          </ac:spMkLst>
-        </pc:spChg>
-      </pc:sldChg>
-      <pc:sldChg chg="del">
-        <pc:chgData name="Samson Christopher" userId="6a13b5f1e64a53ae" providerId="LiveId" clId="{FE3E3312-A592-47B5-8AF9-6A6BF1622581}" dt="2020-01-26T14:19:51.335" v="6" actId="47"/>
-        <pc:sldMkLst>
-          <pc:docMk/>
-          <pc:sldMk cId="3205676252" sldId="286"/>
-        </pc:sldMkLst>
-      </pc:sldChg>
-      <pc:sldChg chg="addSp modSp add del">
-        <pc:chgData name="Samson Christopher" userId="6a13b5f1e64a53ae" providerId="LiveId" clId="{FE3E3312-A592-47B5-8AF9-6A6BF1622581}" dt="2020-02-08T18:59:08.362" v="3443" actId="47"/>
-        <pc:sldMkLst>
-          <pc:docMk/>
-          <pc:sldMk cId="3244706587" sldId="286"/>
-        </pc:sldMkLst>
-        <pc:spChg chg="add mod">
-          <ac:chgData name="Samson Christopher" userId="6a13b5f1e64a53ae" providerId="LiveId" clId="{FE3E3312-A592-47B5-8AF9-6A6BF1622581}" dt="2020-02-02T12:53:36.127" v="2920" actId="1036"/>
-          <ac:spMkLst>
-            <pc:docMk/>
-            <pc:sldMk cId="3244706587" sldId="286"/>
-            <ac:spMk id="2" creationId="{8DDF4331-CB05-4796-ADD2-72A7E3BDD498}"/>
-          </ac:spMkLst>
-        </pc:spChg>
-      </pc:sldChg>
-      <pc:sldChg chg="addSp modSp add del">
-        <pc:chgData name="Samson Christopher" userId="6a13b5f1e64a53ae" providerId="LiveId" clId="{FE3E3312-A592-47B5-8AF9-6A6BF1622581}" dt="2020-02-01T17:57:46.588" v="1675" actId="47"/>
-        <pc:sldMkLst>
-          <pc:docMk/>
-          <pc:sldMk cId="4062240181" sldId="286"/>
-        </pc:sldMkLst>
-        <pc:spChg chg="add mod">
-          <ac:chgData name="Samson Christopher" userId="6a13b5f1e64a53ae" providerId="LiveId" clId="{FE3E3312-A592-47B5-8AF9-6A6BF1622581}" dt="2020-02-01T17:49:04.130" v="1408" actId="1036"/>
-          <ac:spMkLst>
-            <pc:docMk/>
-            <pc:sldMk cId="4062240181" sldId="286"/>
-            <ac:spMk id="2" creationId="{0A77A52D-BEF9-4702-A6E7-9F50CC744799}"/>
-          </ac:spMkLst>
-        </pc:spChg>
-      </pc:sldChg>
-      <pc:sldChg chg="del">
-        <pc:chgData name="Samson Christopher" userId="6a13b5f1e64a53ae" providerId="LiveId" clId="{FE3E3312-A592-47B5-8AF9-6A6BF1622581}" dt="2020-01-26T14:19:51.872" v="7" actId="47"/>
-        <pc:sldMkLst>
-          <pc:docMk/>
-          <pc:sldMk cId="506690633" sldId="287"/>
-        </pc:sldMkLst>
-      </pc:sldChg>
-      <pc:sldChg chg="addSp modSp add del">
-        <pc:chgData name="Samson Christopher" userId="6a13b5f1e64a53ae" providerId="LiveId" clId="{FE3E3312-A592-47B5-8AF9-6A6BF1622581}" dt="2020-02-01T17:57:46.790" v="1676" actId="47"/>
-        <pc:sldMkLst>
-          <pc:docMk/>
-          <pc:sldMk cId="1574531740" sldId="287"/>
-        </pc:sldMkLst>
-        <pc:spChg chg="add mod">
-          <ac:chgData name="Samson Christopher" userId="6a13b5f1e64a53ae" providerId="LiveId" clId="{FE3E3312-A592-47B5-8AF9-6A6BF1622581}" dt="2020-02-01T17:50:00.519" v="1484" actId="1035"/>
-          <ac:spMkLst>
-            <pc:docMk/>
-            <pc:sldMk cId="1574531740" sldId="287"/>
-            <ac:spMk id="2" creationId="{EA8FDFF9-419D-4121-81F3-252BF7747FBF}"/>
-          </ac:spMkLst>
-        </pc:spChg>
-      </pc:sldChg>
-      <pc:sldChg chg="addSp modSp add del">
-        <pc:chgData name="Samson Christopher" userId="6a13b5f1e64a53ae" providerId="LiveId" clId="{FE3E3312-A592-47B5-8AF9-6A6BF1622581}" dt="2020-02-01T17:42:12.515" v="1004" actId="47"/>
-        <pc:sldMkLst>
-          <pc:docMk/>
-          <pc:sldMk cId="2265643976" sldId="287"/>
-        </pc:sldMkLst>
-        <pc:spChg chg="add mod">
-          <ac:chgData name="Samson Christopher" userId="6a13b5f1e64a53ae" providerId="LiveId" clId="{FE3E3312-A592-47B5-8AF9-6A6BF1622581}" dt="2020-02-01T17:34:19.983" v="643" actId="1036"/>
-          <ac:spMkLst>
-            <pc:docMk/>
-            <pc:sldMk cId="2265643976" sldId="287"/>
-            <ac:spMk id="2" creationId="{D1B93A5D-2B17-408A-9A50-9F5CE3A253F0}"/>
-          </ac:spMkLst>
-        </pc:spChg>
-      </pc:sldChg>
-      <pc:sldChg chg="addSp modSp add del">
-        <pc:chgData name="Samson Christopher" userId="6a13b5f1e64a53ae" providerId="LiveId" clId="{FE3E3312-A592-47B5-8AF9-6A6BF1622581}" dt="2020-02-08T18:59:08.504" v="3444" actId="47"/>
-        <pc:sldMkLst>
-          <pc:docMk/>
-          <pc:sldMk cId="2516573022" sldId="287"/>
-        </pc:sldMkLst>
-        <pc:spChg chg="add mod">
-          <ac:chgData name="Samson Christopher" userId="6a13b5f1e64a53ae" providerId="LiveId" clId="{FE3E3312-A592-47B5-8AF9-6A6BF1622581}" dt="2020-02-02T12:53:49.268" v="2973" actId="1036"/>
-          <ac:spMkLst>
-            <pc:docMk/>
-            <pc:sldMk cId="2516573022" sldId="287"/>
-            <ac:spMk id="2" creationId="{44D5775F-9152-47CB-A84A-BE68EF496CAA}"/>
-          </ac:spMkLst>
-        </pc:spChg>
-      </pc:sldChg>
-      <pc:sldChg chg="addSp modSp add del">
-        <pc:chgData name="Samson Christopher" userId="6a13b5f1e64a53ae" providerId="LiveId" clId="{FE3E3312-A592-47B5-8AF9-6A6BF1622581}" dt="2020-02-02T12:50:18.805" v="2749" actId="47"/>
-        <pc:sldMkLst>
-          <pc:docMk/>
-          <pc:sldMk cId="2605696702" sldId="287"/>
-        </pc:sldMkLst>
-        <pc:spChg chg="add mod">
-          <ac:chgData name="Samson Christopher" userId="6a13b5f1e64a53ae" providerId="LiveId" clId="{FE3E3312-A592-47B5-8AF9-6A6BF1622581}" dt="2020-02-02T12:43:37.487" v="2578" actId="1036"/>
-          <ac:spMkLst>
-            <pc:docMk/>
-            <pc:sldMk cId="2605696702" sldId="287"/>
-            <ac:spMk id="2" creationId="{4F3CB8AD-F06A-413B-914E-C8E07B3ACDF3}"/>
-          </ac:spMkLst>
-        </pc:spChg>
-      </pc:sldChg>
-      <pc:sldChg chg="addSp modSp add del mod">
-        <pc:chgData name="Samson Christopher" userId="6a13b5f1e64a53ae" providerId="LiveId" clId="{FE3E3312-A592-47B5-8AF9-6A6BF1622581}" dt="2020-02-08T19:12:35.084" v="4159" actId="47"/>
-        <pc:sldMkLst>
-          <pc:docMk/>
-          <pc:sldMk cId="2644962893" sldId="287"/>
-        </pc:sldMkLst>
-        <pc:spChg chg="add mod">
-          <ac:chgData name="Samson Christopher" userId="6a13b5f1e64a53ae" providerId="LiveId" clId="{FE3E3312-A592-47B5-8AF9-6A6BF1622581}" dt="2020-02-08T19:05:23.801" v="4091" actId="1035"/>
-          <ac:spMkLst>
-            <pc:docMk/>
-            <pc:sldMk cId="2644962893" sldId="287"/>
-            <ac:spMk id="2" creationId="{DE676BCE-59FA-4EB4-8903-0342042B6940}"/>
-          </ac:spMkLst>
-        </pc:spChg>
-      </pc:sldChg>
-      <pc:sldChg chg="addSp delSp modSp add del mod">
-        <pc:chgData name="Samson Christopher" userId="6a13b5f1e64a53ae" providerId="LiveId" clId="{FE3E3312-A592-47B5-8AF9-6A6BF1622581}" dt="2020-02-08T19:31:49.966" v="5000" actId="47"/>
-        <pc:sldMkLst>
-          <pc:docMk/>
-          <pc:sldMk cId="3873219200" sldId="287"/>
-        </pc:sldMkLst>
-        <pc:spChg chg="add del mod">
-          <ac:chgData name="Samson Christopher" userId="6a13b5f1e64a53ae" providerId="LiveId" clId="{FE3E3312-A592-47B5-8AF9-6A6BF1622581}" dt="2020-02-08T19:13:42.926" v="4211"/>
-          <ac:spMkLst>
-            <pc:docMk/>
-            <pc:sldMk cId="3873219200" sldId="287"/>
-            <ac:spMk id="2" creationId="{7AC96AA6-7ECF-47C1-9CE6-7CC34763BB53}"/>
-          </ac:spMkLst>
-        </pc:spChg>
-        <pc:spChg chg="del">
-          <ac:chgData name="Samson Christopher" userId="6a13b5f1e64a53ae" providerId="LiveId" clId="{FE3E3312-A592-47B5-8AF9-6A6BF1622581}" dt="2020-02-08T19:12:42.021" v="4170" actId="478"/>
-          <ac:spMkLst>
-            <pc:docMk/>
-            <pc:sldMk cId="3873219200" sldId="287"/>
-            <ac:spMk id="3" creationId="{6D9B5F73-55C2-4ED5-97DA-0E9A4484CA6E}"/>
-          </ac:spMkLst>
-        </pc:spChg>
-        <pc:spChg chg="add mod">
-          <ac:chgData name="Samson Christopher" userId="6a13b5f1e64a53ae" providerId="LiveId" clId="{FE3E3312-A592-47B5-8AF9-6A6BF1622581}" dt="2020-02-08T19:21:50.940" v="4946" actId="1036"/>
-          <ac:spMkLst>
-            <pc:docMk/>
-            <pc:sldMk cId="3873219200" sldId="287"/>
-            <ac:spMk id="4" creationId="{7421D288-FFC5-40F0-A400-958D2A6573EB}"/>
-          </ac:spMkLst>
-        </pc:spChg>
-      </pc:sldChg>
-      <pc:sldChg chg="addSp modSp add del">
-        <pc:chgData name="Samson Christopher" userId="6a13b5f1e64a53ae" providerId="LiveId" clId="{FE3E3312-A592-47B5-8AF9-6A6BF1622581}" dt="2020-02-02T12:38:04.910" v="2115" actId="47"/>
-        <pc:sldMkLst>
-          <pc:docMk/>
-          <pc:sldMk cId="3992617313" sldId="287"/>
-        </pc:sldMkLst>
-        <pc:spChg chg="add mod">
-          <ac:chgData name="Samson Christopher" userId="6a13b5f1e64a53ae" providerId="LiveId" clId="{FE3E3312-A592-47B5-8AF9-6A6BF1622581}" dt="2020-02-01T18:00:26.685" v="2057" actId="1035"/>
-          <ac:spMkLst>
-            <pc:docMk/>
-            <pc:sldMk cId="3992617313" sldId="287"/>
-            <ac:spMk id="2" creationId="{36839E03-BCFC-4ABA-8F52-0CBE171D9F19}"/>
-          </ac:spMkLst>
-        </pc:spChg>
-      </pc:sldChg>
-      <pc:sldChg chg="add del">
-        <pc:chgData name="Samson Christopher" userId="6a13b5f1e64a53ae" providerId="LiveId" clId="{FE3E3312-A592-47B5-8AF9-6A6BF1622581}" dt="2020-02-08T19:12:50.870" v="4178"/>
-        <pc:sldMkLst>
-          <pc:docMk/>
-          <pc:sldMk cId="533861576" sldId="288"/>
-        </pc:sldMkLst>
-      </pc:sldChg>
-      <pc:sldChg chg="addSp delSp modSp add mod">
-        <pc:chgData name="Samson Christopher" userId="6a13b5f1e64a53ae" providerId="LiveId" clId="{FE3E3312-A592-47B5-8AF9-6A6BF1622581}" dt="2020-02-08T19:32:17.540" v="5017" actId="1036"/>
-        <pc:sldMkLst>
-          <pc:docMk/>
-          <pc:sldMk cId="890593528" sldId="288"/>
-        </pc:sldMkLst>
-        <pc:spChg chg="add mod">
-          <ac:chgData name="Samson Christopher" userId="6a13b5f1e64a53ae" providerId="LiveId" clId="{FE3E3312-A592-47B5-8AF9-6A6BF1622581}" dt="2020-02-08T19:32:17.540" v="5017" actId="1036"/>
-          <ac:spMkLst>
-            <pc:docMk/>
-            <pc:sldMk cId="890593528" sldId="288"/>
-            <ac:spMk id="2" creationId="{3D3CAC24-4BB9-4CF5-8315-A99F8E49A647}"/>
-          </ac:spMkLst>
-        </pc:spChg>
-        <pc:spChg chg="del">
-          <ac:chgData name="Samson Christopher" userId="6a13b5f1e64a53ae" providerId="LiveId" clId="{FE3E3312-A592-47B5-8AF9-6A6BF1622581}" dt="2020-02-08T19:25:54.574" v="4960" actId="478"/>
-          <ac:spMkLst>
-            <pc:docMk/>
-            <pc:sldMk cId="890593528" sldId="288"/>
-            <ac:spMk id="4" creationId="{7421D288-FFC5-40F0-A400-958D2A6573EB}"/>
-          </ac:spMkLst>
-        </pc:spChg>
-      </pc:sldChg>
-      <pc:sldChg chg="addSp modSp add del mod">
-        <pc:chgData name="Samson Christopher" userId="6a13b5f1e64a53ae" providerId="LiveId" clId="{FE3E3312-A592-47B5-8AF9-6A6BF1622581}" dt="2020-02-08T19:12:35.336" v="4160" actId="47"/>
-        <pc:sldMkLst>
-          <pc:docMk/>
-          <pc:sldMk cId="1243122871" sldId="288"/>
-        </pc:sldMkLst>
-        <pc:spChg chg="add mod">
-          <ac:chgData name="Samson Christopher" userId="6a13b5f1e64a53ae" providerId="LiveId" clId="{FE3E3312-A592-47B5-8AF9-6A6BF1622581}" dt="2020-02-08T19:05:09.431" v="4015" actId="1036"/>
-          <ac:spMkLst>
-            <pc:docMk/>
-            <pc:sldMk cId="1243122871" sldId="288"/>
-            <ac:spMk id="2" creationId="{C6C0204B-DCF7-4D51-BB79-7F54FAFCA282}"/>
-          </ac:spMkLst>
-        </pc:spChg>
-      </pc:sldChg>
-      <pc:sldChg chg="addSp modSp add del">
-        <pc:chgData name="Samson Christopher" userId="6a13b5f1e64a53ae" providerId="LiveId" clId="{FE3E3312-A592-47B5-8AF9-6A6BF1622581}" dt="2020-02-02T12:38:05.115" v="2116" actId="47"/>
-        <pc:sldMkLst>
-          <pc:docMk/>
-          <pc:sldMk cId="1433314351" sldId="288"/>
-        </pc:sldMkLst>
-        <pc:spChg chg="add mod">
-          <ac:chgData name="Samson Christopher" userId="6a13b5f1e64a53ae" providerId="LiveId" clId="{FE3E3312-A592-47B5-8AF9-6A6BF1622581}" dt="2020-02-01T18:00:43.291" v="2111" actId="1035"/>
-          <ac:spMkLst>
-            <pc:docMk/>
-            <pc:sldMk cId="1433314351" sldId="288"/>
-            <ac:spMk id="2" creationId="{EFDF1BA6-9E4F-4AEA-B8DC-F293D5EA39BF}"/>
-          </ac:spMkLst>
-        </pc:spChg>
-      </pc:sldChg>
-      <pc:sldChg chg="addSp modSp add del">
-        <pc:chgData name="Samson Christopher" userId="6a13b5f1e64a53ae" providerId="LiveId" clId="{FE3E3312-A592-47B5-8AF9-6A6BF1622581}" dt="2020-02-02T12:50:19.032" v="2750" actId="47"/>
-        <pc:sldMkLst>
-          <pc:docMk/>
-          <pc:sldMk cId="1736234017" sldId="288"/>
-        </pc:sldMkLst>
-        <pc:spChg chg="add mod">
-          <ac:chgData name="Samson Christopher" userId="6a13b5f1e64a53ae" providerId="LiveId" clId="{FE3E3312-A592-47B5-8AF9-6A6BF1622581}" dt="2020-02-02T12:43:12.724" v="2521" actId="1036"/>
-          <ac:spMkLst>
-            <pc:docMk/>
-            <pc:sldMk cId="1736234017" sldId="288"/>
-            <ac:spMk id="2" creationId="{73AEA177-F458-437A-8018-192602C662A6}"/>
-          </ac:spMkLst>
-        </pc:spChg>
-      </pc:sldChg>
-      <pc:sldChg chg="addSp modSp add del">
-        <pc:chgData name="Samson Christopher" userId="6a13b5f1e64a53ae" providerId="LiveId" clId="{FE3E3312-A592-47B5-8AF9-6A6BF1622581}" dt="2020-02-08T18:59:08.809" v="3445" actId="47"/>
-        <pc:sldMkLst>
-          <pc:docMk/>
-          <pc:sldMk cId="1798198783" sldId="288"/>
-        </pc:sldMkLst>
-        <pc:spChg chg="add mod">
-          <ac:chgData name="Samson Christopher" userId="6a13b5f1e64a53ae" providerId="LiveId" clId="{FE3E3312-A592-47B5-8AF9-6A6BF1622581}" dt="2020-02-02T12:54:00.731" v="3026" actId="1036"/>
-          <ac:spMkLst>
-            <pc:docMk/>
-            <pc:sldMk cId="1798198783" sldId="288"/>
-            <ac:spMk id="2" creationId="{9998515B-CBCF-478D-9224-C4730404863F}"/>
-          </ac:spMkLst>
-        </pc:spChg>
-      </pc:sldChg>
-      <pc:sldChg chg="addSp modSp add del">
-        <pc:chgData name="Samson Christopher" userId="6a13b5f1e64a53ae" providerId="LiveId" clId="{FE3E3312-A592-47B5-8AF9-6A6BF1622581}" dt="2020-02-01T17:57:47.029" v="1677" actId="47"/>
-        <pc:sldMkLst>
-          <pc:docMk/>
-          <pc:sldMk cId="2046218765" sldId="288"/>
-        </pc:sldMkLst>
-        <pc:spChg chg="add mod">
-          <ac:chgData name="Samson Christopher" userId="6a13b5f1e64a53ae" providerId="LiveId" clId="{FE3E3312-A592-47B5-8AF9-6A6BF1622581}" dt="2020-02-01T17:50:15.122" v="1548" actId="1035"/>
-          <ac:spMkLst>
-            <pc:docMk/>
-            <pc:sldMk cId="2046218765" sldId="288"/>
-            <ac:spMk id="2" creationId="{E0406AED-2B47-4D4B-9AE3-0B7466135E60}"/>
-          </ac:spMkLst>
-        </pc:spChg>
-      </pc:sldChg>
-      <pc:sldChg chg="addSp modSp add del">
-        <pc:chgData name="Samson Christopher" userId="6a13b5f1e64a53ae" providerId="LiveId" clId="{FE3E3312-A592-47B5-8AF9-6A6BF1622581}" dt="2020-02-01T17:42:12.671" v="1005" actId="47"/>
-        <pc:sldMkLst>
-          <pc:docMk/>
-          <pc:sldMk cId="2316535170" sldId="288"/>
-        </pc:sldMkLst>
-        <pc:spChg chg="add mod">
-          <ac:chgData name="Samson Christopher" userId="6a13b5f1e64a53ae" providerId="LiveId" clId="{FE3E3312-A592-47B5-8AF9-6A6BF1622581}" dt="2020-02-01T17:33:37.098" v="565" actId="1036"/>
-          <ac:spMkLst>
-            <pc:docMk/>
-            <pc:sldMk cId="2316535170" sldId="288"/>
-            <ac:spMk id="2" creationId="{FD3BFDD9-1107-4187-A23F-0AD085B748D1}"/>
-          </ac:spMkLst>
-        </pc:spChg>
-      </pc:sldChg>
-      <pc:sldChg chg="addSp modSp add del mod">
-        <pc:chgData name="Samson Christopher" userId="6a13b5f1e64a53ae" providerId="LiveId" clId="{FE3E3312-A592-47B5-8AF9-6A6BF1622581}" dt="2020-02-08T19:25:47.046" v="4947" actId="47"/>
-        <pc:sldMkLst>
-          <pc:docMk/>
-          <pc:sldMk cId="2538474359" sldId="288"/>
-        </pc:sldMkLst>
-        <pc:spChg chg="add mod">
-          <ac:chgData name="Samson Christopher" userId="6a13b5f1e64a53ae" providerId="LiveId" clId="{FE3E3312-A592-47B5-8AF9-6A6BF1622581}" dt="2020-02-08T19:21:40.950" v="4901" actId="1036"/>
-          <ac:spMkLst>
-            <pc:docMk/>
-            <pc:sldMk cId="2538474359" sldId="288"/>
-            <ac:spMk id="2" creationId="{647A3EEB-D701-425B-92D3-63D838E00792}"/>
-          </ac:spMkLst>
-        </pc:spChg>
-      </pc:sldChg>
-      <pc:sldChg chg="addSp modSp add del">
-        <pc:chgData name="Samson Christopher" userId="6a13b5f1e64a53ae" providerId="LiveId" clId="{FE3E3312-A592-47B5-8AF9-6A6BF1622581}" dt="2020-02-01T17:42:12.848" v="1006" actId="47"/>
-        <pc:sldMkLst>
-          <pc:docMk/>
-          <pc:sldMk cId="490923609" sldId="289"/>
-        </pc:sldMkLst>
-        <pc:spChg chg="add mod">
-          <ac:chgData name="Samson Christopher" userId="6a13b5f1e64a53ae" providerId="LiveId" clId="{FE3E3312-A592-47B5-8AF9-6A6BF1622581}" dt="2020-02-01T17:33:13.666" v="510" actId="1035"/>
-          <ac:spMkLst>
-            <pc:docMk/>
-            <pc:sldMk cId="490923609" sldId="289"/>
-            <ac:spMk id="2" creationId="{646E9C7D-33BF-41DD-9669-C05071545491}"/>
-          </ac:spMkLst>
-        </pc:spChg>
-      </pc:sldChg>
-      <pc:sldChg chg="add del">
-        <pc:chgData name="Samson Christopher" userId="6a13b5f1e64a53ae" providerId="LiveId" clId="{FE3E3312-A592-47B5-8AF9-6A6BF1622581}" dt="2020-02-08T19:12:50.655" v="4177"/>
-        <pc:sldMkLst>
-          <pc:docMk/>
-          <pc:sldMk cId="1228541407" sldId="289"/>
-        </pc:sldMkLst>
-      </pc:sldChg>
-      <pc:sldChg chg="addSp modSp add del">
-        <pc:chgData name="Samson Christopher" userId="6a13b5f1e64a53ae" providerId="LiveId" clId="{FE3E3312-A592-47B5-8AF9-6A6BF1622581}" dt="2020-02-01T17:57:47.565" v="1678" actId="47"/>
-        <pc:sldMkLst>
-          <pc:docMk/>
-          <pc:sldMk cId="2311559557" sldId="289"/>
-        </pc:sldMkLst>
-        <pc:spChg chg="add mod">
-          <ac:chgData name="Samson Christopher" userId="6a13b5f1e64a53ae" providerId="LiveId" clId="{FE3E3312-A592-47B5-8AF9-6A6BF1622581}" dt="2020-02-01T17:50:36.201" v="1605" actId="1035"/>
-          <ac:spMkLst>
-            <pc:docMk/>
-            <pc:sldMk cId="2311559557" sldId="289"/>
-            <ac:spMk id="2" creationId="{99B5C46C-B4FF-4965-B954-7289D8961C67}"/>
-          </ac:spMkLst>
-        </pc:spChg>
-      </pc:sldChg>
-      <pc:sldChg chg="addSp modSp add del">
-        <pc:chgData name="Samson Christopher" userId="6a13b5f1e64a53ae" providerId="LiveId" clId="{FE3E3312-A592-47B5-8AF9-6A6BF1622581}" dt="2020-02-08T18:59:09.042" v="3446" actId="47"/>
-        <pc:sldMkLst>
-          <pc:docMk/>
-          <pc:sldMk cId="2521482568" sldId="289"/>
-        </pc:sldMkLst>
-        <pc:spChg chg="add mod">
-          <ac:chgData name="Samson Christopher" userId="6a13b5f1e64a53ae" providerId="LiveId" clId="{FE3E3312-A592-47B5-8AF9-6A6BF1622581}" dt="2020-02-02T12:54:16.377" v="3078" actId="1036"/>
-          <ac:spMkLst>
-            <pc:docMk/>
-            <pc:sldMk cId="2521482568" sldId="289"/>
-            <ac:spMk id="2" creationId="{5623DFDD-5062-4561-97E6-C81A3F4A8208}"/>
-          </ac:spMkLst>
-        </pc:spChg>
-      </pc:sldChg>
-      <pc:sldChg chg="addSp modSp add del mod">
-        <pc:chgData name="Samson Christopher" userId="6a13b5f1e64a53ae" providerId="LiveId" clId="{FE3E3312-A592-47B5-8AF9-6A6BF1622581}" dt="2020-02-08T19:12:35.548" v="4161" actId="47"/>
-        <pc:sldMkLst>
-          <pc:docMk/>
-          <pc:sldMk cId="3283662261" sldId="289"/>
-        </pc:sldMkLst>
-        <pc:spChg chg="add mod">
-          <ac:chgData name="Samson Christopher" userId="6a13b5f1e64a53ae" providerId="LiveId" clId="{FE3E3312-A592-47B5-8AF9-6A6BF1622581}" dt="2020-02-08T19:04:52.756" v="3953" actId="1036"/>
-          <ac:spMkLst>
-            <pc:docMk/>
-            <pc:sldMk cId="3283662261" sldId="289"/>
-            <ac:spMk id="2" creationId="{A4B1BCE2-281A-46E2-93EB-681AA8444E05}"/>
-          </ac:spMkLst>
-        </pc:spChg>
-      </pc:sldChg>
-      <pc:sldChg chg="add del">
-        <pc:chgData name="Samson Christopher" userId="6a13b5f1e64a53ae" providerId="LiveId" clId="{FE3E3312-A592-47B5-8AF9-6A6BF1622581}" dt="2020-02-01T17:58:35.942" v="1698" actId="47"/>
-        <pc:sldMkLst>
-          <pc:docMk/>
-          <pc:sldMk cId="3328447822" sldId="289"/>
-        </pc:sldMkLst>
-      </pc:sldChg>
-      <pc:sldChg chg="addSp modSp add del mod">
-        <pc:chgData name="Samson Christopher" userId="6a13b5f1e64a53ae" providerId="LiveId" clId="{FE3E3312-A592-47B5-8AF9-6A6BF1622581}" dt="2020-02-08T19:25:47.240" v="4948" actId="47"/>
-        <pc:sldMkLst>
-          <pc:docMk/>
-          <pc:sldMk cId="3894763517" sldId="289"/>
-        </pc:sldMkLst>
-        <pc:spChg chg="add mod">
-          <ac:chgData name="Samson Christopher" userId="6a13b5f1e64a53ae" providerId="LiveId" clId="{FE3E3312-A592-47B5-8AF9-6A6BF1622581}" dt="2020-02-08T19:21:09.949" v="4855" actId="1036"/>
-          <ac:spMkLst>
-            <pc:docMk/>
-            <pc:sldMk cId="3894763517" sldId="289"/>
-            <ac:spMk id="2" creationId="{CC93E699-FFC2-4F85-8FCC-E0C95E02D906}"/>
-          </ac:spMkLst>
-        </pc:spChg>
-      </pc:sldChg>
-      <pc:sldChg chg="addSp modSp add mod">
-        <pc:chgData name="Samson Christopher" userId="6a13b5f1e64a53ae" providerId="LiveId" clId="{FE3E3312-A592-47B5-8AF9-6A6BF1622581}" dt="2020-02-08T19:32:30.823" v="5063" actId="1036"/>
-        <pc:sldMkLst>
-          <pc:docMk/>
-          <pc:sldMk cId="4153564699" sldId="289"/>
-        </pc:sldMkLst>
-        <pc:spChg chg="add mod">
-          <ac:chgData name="Samson Christopher" userId="6a13b5f1e64a53ae" providerId="LiveId" clId="{FE3E3312-A592-47B5-8AF9-6A6BF1622581}" dt="2020-02-08T19:32:30.823" v="5063" actId="1036"/>
-          <ac:spMkLst>
-            <pc:docMk/>
-            <pc:sldMk cId="4153564699" sldId="289"/>
-            <ac:spMk id="2" creationId="{BE921E9C-227D-4880-8039-CAAD70C56935}"/>
-          </ac:spMkLst>
-        </pc:spChg>
-      </pc:sldChg>
-      <pc:sldChg chg="addSp modSp add del">
-        <pc:chgData name="Samson Christopher" userId="6a13b5f1e64a53ae" providerId="LiveId" clId="{FE3E3312-A592-47B5-8AF9-6A6BF1622581}" dt="2020-02-02T12:50:19.270" v="2751" actId="47"/>
-        <pc:sldMkLst>
-          <pc:docMk/>
-          <pc:sldMk cId="4237877162" sldId="289"/>
-        </pc:sldMkLst>
-        <pc:spChg chg="add mod">
-          <ac:chgData name="Samson Christopher" userId="6a13b5f1e64a53ae" providerId="LiveId" clId="{FE3E3312-A592-47B5-8AF9-6A6BF1622581}" dt="2020-02-02T12:42:34.260" v="2458" actId="1036"/>
-          <ac:spMkLst>
-            <pc:docMk/>
-            <pc:sldMk cId="4237877162" sldId="289"/>
-            <ac:spMk id="2" creationId="{47A3E7F9-AB32-46B5-A908-4A59F513F39E}"/>
-          </ac:spMkLst>
-        </pc:spChg>
-      </pc:sldChg>
-      <pc:sldChg chg="addSp modSp add del">
-        <pc:chgData name="Samson Christopher" userId="6a13b5f1e64a53ae" providerId="LiveId" clId="{FE3E3312-A592-47B5-8AF9-6A6BF1622581}" dt="2020-02-01T17:57:47.819" v="1679" actId="47"/>
-        <pc:sldMkLst>
-          <pc:docMk/>
-          <pc:sldMk cId="109283061" sldId="290"/>
-        </pc:sldMkLst>
-        <pc:spChg chg="add mod">
-          <ac:chgData name="Samson Christopher" userId="6a13b5f1e64a53ae" providerId="LiveId" clId="{FE3E3312-A592-47B5-8AF9-6A6BF1622581}" dt="2020-02-01T17:51:08.146" v="1671" actId="1036"/>
-          <ac:spMkLst>
-            <pc:docMk/>
-            <pc:sldMk cId="109283061" sldId="290"/>
-            <ac:spMk id="2" creationId="{91DCAF88-4D66-4C1E-871A-F932E588F745}"/>
-          </ac:spMkLst>
-        </pc:spChg>
-      </pc:sldChg>
-      <pc:sldChg chg="add del">
-        <pc:chgData name="Samson Christopher" userId="6a13b5f1e64a53ae" providerId="LiveId" clId="{FE3E3312-A592-47B5-8AF9-6A6BF1622581}" dt="2020-02-01T17:58:36.235" v="1699" actId="47"/>
-        <pc:sldMkLst>
-          <pc:docMk/>
-          <pc:sldMk cId="508705609" sldId="290"/>
-        </pc:sldMkLst>
-      </pc:sldChg>
-      <pc:sldChg chg="addSp modSp add mod">
-        <pc:chgData name="Samson Christopher" userId="6a13b5f1e64a53ae" providerId="LiveId" clId="{FE3E3312-A592-47B5-8AF9-6A6BF1622581}" dt="2020-02-08T19:36:32" v="5791" actId="1036"/>
-        <pc:sldMkLst>
-          <pc:docMk/>
-          <pc:sldMk cId="1254632066" sldId="290"/>
-        </pc:sldMkLst>
-        <pc:spChg chg="add mod">
-          <ac:chgData name="Samson Christopher" userId="6a13b5f1e64a53ae" providerId="LiveId" clId="{FE3E3312-A592-47B5-8AF9-6A6BF1622581}" dt="2020-02-08T19:36:32" v="5791" actId="1036"/>
-          <ac:spMkLst>
-            <pc:docMk/>
-            <pc:sldMk cId="1254632066" sldId="290"/>
-            <ac:spMk id="2" creationId="{8B092F02-FEE7-4039-9773-49C3559C9C55}"/>
-          </ac:spMkLst>
-        </pc:spChg>
-      </pc:sldChg>
-      <pc:sldChg chg="addSp modSp add del">
-        <pc:chgData name="Samson Christopher" userId="6a13b5f1e64a53ae" providerId="LiveId" clId="{FE3E3312-A592-47B5-8AF9-6A6BF1622581}" dt="2020-02-08T18:59:09.248" v="3447" actId="47"/>
-        <pc:sldMkLst>
-          <pc:docMk/>
-          <pc:sldMk cId="1332577480" sldId="290"/>
-        </pc:sldMkLst>
-        <pc:spChg chg="add mod">
-          <ac:chgData name="Samson Christopher" userId="6a13b5f1e64a53ae" providerId="LiveId" clId="{FE3E3312-A592-47B5-8AF9-6A6BF1622581}" dt="2020-02-02T12:54:30.152" v="3131" actId="1036"/>
-          <ac:spMkLst>
-            <pc:docMk/>
-            <pc:sldMk cId="1332577480" sldId="290"/>
-            <ac:spMk id="2" creationId="{19BFD0A4-3925-4FD3-BC13-853B85D191D2}"/>
-          </ac:spMkLst>
-        </pc:spChg>
-      </pc:sldChg>
-      <pc:sldChg chg="add del">
-        <pc:chgData name="Samson Christopher" userId="6a13b5f1e64a53ae" providerId="LiveId" clId="{FE3E3312-A592-47B5-8AF9-6A6BF1622581}" dt="2020-02-08T19:12:50.472" v="4176"/>
-        <pc:sldMkLst>
-          <pc:docMk/>
-          <pc:sldMk cId="2092817182" sldId="290"/>
-        </pc:sldMkLst>
-      </pc:sldChg>
-      <pc:sldChg chg="addSp modSp add del mod">
-        <pc:chgData name="Samson Christopher" userId="6a13b5f1e64a53ae" providerId="LiveId" clId="{FE3E3312-A592-47B5-8AF9-6A6BF1622581}" dt="2020-02-08T19:12:35.803" v="4162" actId="47"/>
-        <pc:sldMkLst>
-          <pc:docMk/>
-          <pc:sldMk cId="3378916797" sldId="290"/>
-        </pc:sldMkLst>
-        <pc:spChg chg="add mod">
-          <ac:chgData name="Samson Christopher" userId="6a13b5f1e64a53ae" providerId="LiveId" clId="{FE3E3312-A592-47B5-8AF9-6A6BF1622581}" dt="2020-02-08T19:04:35.329" v="3911" actId="1035"/>
-          <ac:spMkLst>
-            <pc:docMk/>
-            <pc:sldMk cId="3378916797" sldId="290"/>
-            <ac:spMk id="2" creationId="{FCD96B23-EE90-439C-9AC5-F81850753182}"/>
-          </ac:spMkLst>
-        </pc:spChg>
-      </pc:sldChg>
-      <pc:sldChg chg="addSp modSp add del">
-        <pc:chgData name="Samson Christopher" userId="6a13b5f1e64a53ae" providerId="LiveId" clId="{FE3E3312-A592-47B5-8AF9-6A6BF1622581}" dt="2020-02-02T12:50:19.506" v="2752" actId="47"/>
-        <pc:sldMkLst>
-          <pc:docMk/>
-          <pc:sldMk cId="3537067705" sldId="290"/>
-        </pc:sldMkLst>
-        <pc:spChg chg="add mod">
-          <ac:chgData name="Samson Christopher" userId="6a13b5f1e64a53ae" providerId="LiveId" clId="{FE3E3312-A592-47B5-8AF9-6A6BF1622581}" dt="2020-02-02T12:42:18.078" v="2390" actId="1036"/>
-          <ac:spMkLst>
-            <pc:docMk/>
-            <pc:sldMk cId="3537067705" sldId="290"/>
-            <ac:spMk id="2" creationId="{95E5D97A-1C10-473F-8B24-F3B88C399663}"/>
-          </ac:spMkLst>
-        </pc:spChg>
-      </pc:sldChg>
-      <pc:sldChg chg="addSp modSp add del mod">
-        <pc:chgData name="Samson Christopher" userId="6a13b5f1e64a53ae" providerId="LiveId" clId="{FE3E3312-A592-47B5-8AF9-6A6BF1622581}" dt="2020-02-08T19:25:47.401" v="4949" actId="47"/>
-        <pc:sldMkLst>
-          <pc:docMk/>
-          <pc:sldMk cId="4096315926" sldId="290"/>
-        </pc:sldMkLst>
-        <pc:spChg chg="add mod">
-          <ac:chgData name="Samson Christopher" userId="6a13b5f1e64a53ae" providerId="LiveId" clId="{FE3E3312-A592-47B5-8AF9-6A6BF1622581}" dt="2020-02-08T19:20:54.881" v="4802" actId="1036"/>
-          <ac:spMkLst>
-            <pc:docMk/>
-            <pc:sldMk cId="4096315926" sldId="290"/>
-            <ac:spMk id="2" creationId="{8FF8E7B6-7CCB-430F-AEF7-627F0A6CD009}"/>
-          </ac:spMkLst>
-        </pc:spChg>
-      </pc:sldChg>
-      <pc:sldChg chg="addSp modSp add del">
-        <pc:chgData name="Samson Christopher" userId="6a13b5f1e64a53ae" providerId="LiveId" clId="{FE3E3312-A592-47B5-8AF9-6A6BF1622581}" dt="2020-02-01T17:42:13.049" v="1007" actId="47"/>
-        <pc:sldMkLst>
-          <pc:docMk/>
-          <pc:sldMk cId="4291545960" sldId="290"/>
-        </pc:sldMkLst>
-        <pc:spChg chg="add mod">
-          <ac:chgData name="Samson Christopher" userId="6a13b5f1e64a53ae" providerId="LiveId" clId="{FE3E3312-A592-47B5-8AF9-6A6BF1622581}" dt="2020-02-01T17:32:49.760" v="457" actId="1035"/>
-          <ac:spMkLst>
-            <pc:docMk/>
-            <pc:sldMk cId="4291545960" sldId="290"/>
-            <ac:spMk id="2" creationId="{9461DE47-E051-477F-A1BC-C2DE9A1164A5}"/>
-          </ac:spMkLst>
-        </pc:spChg>
-      </pc:sldChg>
-      <pc:sldChg chg="add del">
-        <pc:chgData name="Samson Christopher" userId="6a13b5f1e64a53ae" providerId="LiveId" clId="{FE3E3312-A592-47B5-8AF9-6A6BF1622581}" dt="2020-02-01T17:45:08.369" v="1048" actId="47"/>
-        <pc:sldMkLst>
-          <pc:docMk/>
-          <pc:sldMk cId="406218857" sldId="291"/>
-        </pc:sldMkLst>
-      </pc:sldChg>
-      <pc:sldChg chg="addSp modSp add del mod">
-        <pc:chgData name="Samson Christopher" userId="6a13b5f1e64a53ae" providerId="LiveId" clId="{FE3E3312-A592-47B5-8AF9-6A6BF1622581}" dt="2020-02-08T19:12:36.004" v="4163" actId="47"/>
-        <pc:sldMkLst>
-          <pc:docMk/>
-          <pc:sldMk cId="462798308" sldId="291"/>
-        </pc:sldMkLst>
-        <pc:spChg chg="add mod">
-          <ac:chgData name="Samson Christopher" userId="6a13b5f1e64a53ae" providerId="LiveId" clId="{FE3E3312-A592-47B5-8AF9-6A6BF1622581}" dt="2020-02-08T19:04:19.945" v="3840" actId="1036"/>
-          <ac:spMkLst>
-            <pc:docMk/>
-            <pc:sldMk cId="462798308" sldId="291"/>
-            <ac:spMk id="2" creationId="{455FC9C2-47A3-4126-A248-86EED9971873}"/>
-          </ac:spMkLst>
-        </pc:spChg>
-      </pc:sldChg>
-      <pc:sldChg chg="add del">
-        <pc:chgData name="Samson Christopher" userId="6a13b5f1e64a53ae" providerId="LiveId" clId="{FE3E3312-A592-47B5-8AF9-6A6BF1622581}" dt="2020-02-08T19:12:50.249" v="4175"/>
-        <pc:sldMkLst>
-          <pc:docMk/>
-          <pc:sldMk cId="1216094008" sldId="291"/>
-        </pc:sldMkLst>
-      </pc:sldChg>
-      <pc:sldChg chg="addSp modSp add del">
-        <pc:chgData name="Samson Christopher" userId="6a13b5f1e64a53ae" providerId="LiveId" clId="{FE3E3312-A592-47B5-8AF9-6A6BF1622581}" dt="2020-02-02T12:50:19.740" v="2753" actId="47"/>
-        <pc:sldMkLst>
-          <pc:docMk/>
-          <pc:sldMk cId="1388293046" sldId="291"/>
-        </pc:sldMkLst>
-        <pc:spChg chg="add mod">
-          <ac:chgData name="Samson Christopher" userId="6a13b5f1e64a53ae" providerId="LiveId" clId="{FE3E3312-A592-47B5-8AF9-6A6BF1622581}" dt="2020-02-02T12:42:02.308" v="2342" actId="1035"/>
-          <ac:spMkLst>
-            <pc:docMk/>
-            <pc:sldMk cId="1388293046" sldId="291"/>
-            <ac:spMk id="2" creationId="{83087946-CDB2-48F1-A42A-CDF10AB4E0E2}"/>
-          </ac:spMkLst>
-        </pc:spChg>
-      </pc:sldChg>
-      <pc:sldChg chg="addSp modSp add del mod">
-        <pc:chgData name="Samson Christopher" userId="6a13b5f1e64a53ae" providerId="LiveId" clId="{FE3E3312-A592-47B5-8AF9-6A6BF1622581}" dt="2020-02-08T19:25:47.558" v="4950" actId="47"/>
-        <pc:sldMkLst>
-          <pc:docMk/>
-          <pc:sldMk cId="1794854937" sldId="291"/>
-        </pc:sldMkLst>
-        <pc:spChg chg="add mod">
-          <ac:chgData name="Samson Christopher" userId="6a13b5f1e64a53ae" providerId="LiveId" clId="{FE3E3312-A592-47B5-8AF9-6A6BF1622581}" dt="2020-02-08T19:20:42.845" v="4751" actId="1035"/>
-          <ac:spMkLst>
-            <pc:docMk/>
-            <pc:sldMk cId="1794854937" sldId="291"/>
-            <ac:spMk id="2" creationId="{765A8ACD-75ED-400A-A113-8B43BFCF90F8}"/>
-          </ac:spMkLst>
-        </pc:spChg>
-      </pc:sldChg>
-      <pc:sldChg chg="addSp modSp add del">
-        <pc:chgData name="Samson Christopher" userId="6a13b5f1e64a53ae" providerId="LiveId" clId="{FE3E3312-A592-47B5-8AF9-6A6BF1622581}" dt="2020-02-01T17:42:13.233" v="1008" actId="47"/>
-        <pc:sldMkLst>
-          <pc:docMk/>
-          <pc:sldMk cId="1930913105" sldId="291"/>
-        </pc:sldMkLst>
-        <pc:spChg chg="add mod">
-          <ac:chgData name="Samson Christopher" userId="6a13b5f1e64a53ae" providerId="LiveId" clId="{FE3E3312-A592-47B5-8AF9-6A6BF1622581}" dt="2020-02-01T17:32:17.911" v="396" actId="1036"/>
-          <ac:spMkLst>
-            <pc:docMk/>
-            <pc:sldMk cId="1930913105" sldId="291"/>
-            <ac:spMk id="2" creationId="{729668B0-FC5F-4BC0-B877-F9B0C48179D7}"/>
-          </ac:spMkLst>
-        </pc:spChg>
-      </pc:sldChg>
-      <pc:sldChg chg="addSp modSp add mod">
-        <pc:chgData name="Samson Christopher" userId="6a13b5f1e64a53ae" providerId="LiveId" clId="{FE3E3312-A592-47B5-8AF9-6A6BF1622581}" dt="2020-02-08T19:36:10.923" v="5736" actId="1036"/>
-        <pc:sldMkLst>
-          <pc:docMk/>
-          <pc:sldMk cId="2335768321" sldId="291"/>
-        </pc:sldMkLst>
-        <pc:spChg chg="add mod">
-          <ac:chgData name="Samson Christopher" userId="6a13b5f1e64a53ae" providerId="LiveId" clId="{FE3E3312-A592-47B5-8AF9-6A6BF1622581}" dt="2020-02-08T19:36:10.923" v="5736" actId="1036"/>
-          <ac:spMkLst>
-            <pc:docMk/>
-            <pc:sldMk cId="2335768321" sldId="291"/>
-            <ac:spMk id="2" creationId="{5C24C349-7EEA-4803-9F0A-0D3E201903B9}"/>
-          </ac:spMkLst>
-        </pc:spChg>
-      </pc:sldChg>
-      <pc:sldChg chg="addSp modSp add del">
-        <pc:chgData name="Samson Christopher" userId="6a13b5f1e64a53ae" providerId="LiveId" clId="{FE3E3312-A592-47B5-8AF9-6A6BF1622581}" dt="2020-02-08T18:59:09.477" v="3448" actId="47"/>
-        <pc:sldMkLst>
-          <pc:docMk/>
-          <pc:sldMk cId="2955261137" sldId="291"/>
-        </pc:sldMkLst>
-        <pc:spChg chg="add mod">
-          <ac:chgData name="Samson Christopher" userId="6a13b5f1e64a53ae" providerId="LiveId" clId="{FE3E3312-A592-47B5-8AF9-6A6BF1622581}" dt="2020-02-02T12:54:46.871" v="3187" actId="1036"/>
-          <ac:spMkLst>
-            <pc:docMk/>
-            <pc:sldMk cId="2955261137" sldId="291"/>
-            <ac:spMk id="2" creationId="{2FB61900-E306-4B0D-BC30-8F5E25834A41}"/>
-          </ac:spMkLst>
-        </pc:spChg>
-      </pc:sldChg>
-      <pc:sldChg chg="add del">
-        <pc:chgData name="Samson Christopher" userId="6a13b5f1e64a53ae" providerId="LiveId" clId="{FE3E3312-A592-47B5-8AF9-6A6BF1622581}" dt="2020-02-01T17:58:36.499" v="1700" actId="47"/>
-        <pc:sldMkLst>
-          <pc:docMk/>
-          <pc:sldMk cId="3917205756" sldId="291"/>
-        </pc:sldMkLst>
-      </pc:sldChg>
-      <pc:sldChg chg="addSp modSp add del">
-        <pc:chgData name="Samson Christopher" userId="6a13b5f1e64a53ae" providerId="LiveId" clId="{FE3E3312-A592-47B5-8AF9-6A6BF1622581}" dt="2020-02-01T17:42:13.548" v="1009" actId="47"/>
-        <pc:sldMkLst>
-          <pc:docMk/>
-          <pc:sldMk cId="121698706" sldId="292"/>
-        </pc:sldMkLst>
-        <pc:spChg chg="add mod">
-          <ac:chgData name="Samson Christopher" userId="6a13b5f1e64a53ae" providerId="LiveId" clId="{FE3E3312-A592-47B5-8AF9-6A6BF1622581}" dt="2020-02-01T17:31:55.527" v="315" actId="1036"/>
-          <ac:spMkLst>
-            <pc:docMk/>
-            <pc:sldMk cId="121698706" sldId="292"/>
-            <ac:spMk id="2" creationId="{9F244375-6419-4A97-8493-FA25E6CCA585}"/>
-          </ac:spMkLst>
-        </pc:spChg>
-      </pc:sldChg>
-      <pc:sldChg chg="addSp modSp add del mod">
-        <pc:chgData name="Samson Christopher" userId="6a13b5f1e64a53ae" providerId="LiveId" clId="{FE3E3312-A592-47B5-8AF9-6A6BF1622581}" dt="2020-02-08T19:12:36.212" v="4164" actId="47"/>
-        <pc:sldMkLst>
-          <pc:docMk/>
-          <pc:sldMk cId="888938000" sldId="292"/>
-        </pc:sldMkLst>
-        <pc:spChg chg="add mod">
-          <ac:chgData name="Samson Christopher" userId="6a13b5f1e64a53ae" providerId="LiveId" clId="{FE3E3312-A592-47B5-8AF9-6A6BF1622581}" dt="2020-02-08T19:04:07.385" v="3785" actId="1035"/>
-          <ac:spMkLst>
-            <pc:docMk/>
-            <pc:sldMk cId="888938000" sldId="292"/>
-            <ac:spMk id="2" creationId="{A7A7F45A-35C5-4C5F-819D-8EEA5C34C18B}"/>
-          </ac:spMkLst>
-        </pc:spChg>
-      </pc:sldChg>
-      <pc:sldChg chg="addSp modSp add mod">
-        <pc:chgData name="Samson Christopher" userId="6a13b5f1e64a53ae" providerId="LiveId" clId="{FE3E3312-A592-47B5-8AF9-6A6BF1622581}" dt="2020-02-08T19:35:57.104" v="5673" actId="1036"/>
-        <pc:sldMkLst>
-          <pc:docMk/>
-          <pc:sldMk cId="1726341655" sldId="292"/>
-        </pc:sldMkLst>
-        <pc:spChg chg="add mod">
-          <ac:chgData name="Samson Christopher" userId="6a13b5f1e64a53ae" providerId="LiveId" clId="{FE3E3312-A592-47B5-8AF9-6A6BF1622581}" dt="2020-02-08T19:35:57.104" v="5673" actId="1036"/>
-          <ac:spMkLst>
-            <pc:docMk/>
-            <pc:sldMk cId="1726341655" sldId="292"/>
-            <ac:spMk id="2" creationId="{5F9CB444-C270-4535-BE02-97532D290E40}"/>
-          </ac:spMkLst>
-        </pc:spChg>
-      </pc:sldChg>
-      <pc:sldChg chg="addSp modSp add del">
-        <pc:chgData name="Samson Christopher" userId="6a13b5f1e64a53ae" providerId="LiveId" clId="{FE3E3312-A592-47B5-8AF9-6A6BF1622581}" dt="2020-02-02T12:50:19.998" v="2754" actId="47"/>
-        <pc:sldMkLst>
-          <pc:docMk/>
-          <pc:sldMk cId="2580443032" sldId="292"/>
-        </pc:sldMkLst>
-        <pc:spChg chg="add mod">
-          <ac:chgData name="Samson Christopher" userId="6a13b5f1e64a53ae" providerId="LiveId" clId="{FE3E3312-A592-47B5-8AF9-6A6BF1622581}" dt="2020-02-02T12:41:47.792" v="2277" actId="1036"/>
-          <ac:spMkLst>
-            <pc:docMk/>
-            <pc:sldMk cId="2580443032" sldId="292"/>
-            <ac:spMk id="2" creationId="{5F7D2210-70AD-49D6-9193-CE75736F1A79}"/>
-          </ac:spMkLst>
-        </pc:spChg>
-      </pc:sldChg>
-      <pc:sldChg chg="addSp modSp add del mod">
-        <pc:chgData name="Samson Christopher" userId="6a13b5f1e64a53ae" providerId="LiveId" clId="{FE3E3312-A592-47B5-8AF9-6A6BF1622581}" dt="2020-02-08T19:25:47.726" v="4951" actId="47"/>
-        <pc:sldMkLst>
-          <pc:docMk/>
-          <pc:sldMk cId="3024850207" sldId="292"/>
-        </pc:sldMkLst>
-        <pc:spChg chg="add mod">
-          <ac:chgData name="Samson Christopher" userId="6a13b5f1e64a53ae" providerId="LiveId" clId="{FE3E3312-A592-47B5-8AF9-6A6BF1622581}" dt="2020-02-08T19:20:30.588" v="4691" actId="1036"/>
-          <ac:spMkLst>
-            <pc:docMk/>
-            <pc:sldMk cId="3024850207" sldId="292"/>
-            <ac:spMk id="2" creationId="{834FAD76-2910-4D47-8CF6-A40F5397FA93}"/>
-          </ac:spMkLst>
-        </pc:spChg>
-      </pc:sldChg>
-      <pc:sldChg chg="addSp modSp add del">
-        <pc:chgData name="Samson Christopher" userId="6a13b5f1e64a53ae" providerId="LiveId" clId="{FE3E3312-A592-47B5-8AF9-6A6BF1622581}" dt="2020-02-08T18:59:09.749" v="3449" actId="47"/>
-        <pc:sldMkLst>
-          <pc:docMk/>
-          <pc:sldMk cId="3055023610" sldId="292"/>
-        </pc:sldMkLst>
-        <pc:spChg chg="add mod">
-          <ac:chgData name="Samson Christopher" userId="6a13b5f1e64a53ae" providerId="LiveId" clId="{FE3E3312-A592-47B5-8AF9-6A6BF1622581}" dt="2020-02-02T12:55:00.942" v="3245" actId="1036"/>
-          <ac:spMkLst>
-            <pc:docMk/>
-            <pc:sldMk cId="3055023610" sldId="292"/>
-            <ac:spMk id="2" creationId="{1B2C9E91-C23E-4B8E-848A-D3E0411203FC}"/>
-          </ac:spMkLst>
-        </pc:spChg>
-      </pc:sldChg>
-      <pc:sldChg chg="add del">
-        <pc:chgData name="Samson Christopher" userId="6a13b5f1e64a53ae" providerId="LiveId" clId="{FE3E3312-A592-47B5-8AF9-6A6BF1622581}" dt="2020-02-01T17:45:08.750" v="1049" actId="47"/>
-        <pc:sldMkLst>
-          <pc:docMk/>
-          <pc:sldMk cId="3552667574" sldId="292"/>
-        </pc:sldMkLst>
-      </pc:sldChg>
-      <pc:sldChg chg="add del">
-        <pc:chgData name="Samson Christopher" userId="6a13b5f1e64a53ae" providerId="LiveId" clId="{FE3E3312-A592-47B5-8AF9-6A6BF1622581}" dt="2020-02-01T17:58:36.764" v="1701" actId="47"/>
-        <pc:sldMkLst>
-          <pc:docMk/>
-          <pc:sldMk cId="4218026085" sldId="292"/>
-        </pc:sldMkLst>
-      </pc:sldChg>
-      <pc:sldChg chg="addSp modSp add del mod">
-        <pc:chgData name="Samson Christopher" userId="6a13b5f1e64a53ae" providerId="LiveId" clId="{FE3E3312-A592-47B5-8AF9-6A6BF1622581}" dt="2020-02-08T19:25:47.917" v="4952" actId="47"/>
-        <pc:sldMkLst>
-          <pc:docMk/>
-          <pc:sldMk cId="937648483" sldId="293"/>
-        </pc:sldMkLst>
-        <pc:spChg chg="add mod">
-          <ac:chgData name="Samson Christopher" userId="6a13b5f1e64a53ae" providerId="LiveId" clId="{FE3E3312-A592-47B5-8AF9-6A6BF1622581}" dt="2020-02-08T19:20:14.114" v="4635" actId="1036"/>
-          <ac:spMkLst>
-            <pc:docMk/>
-            <pc:sldMk cId="937648483" sldId="293"/>
-            <ac:spMk id="2" creationId="{B9245351-713B-49CA-806C-410623F64173}"/>
-          </ac:spMkLst>
-        </pc:spChg>
-      </pc:sldChg>
-      <pc:sldChg chg="addSp modSp add del">
-        <pc:chgData name="Samson Christopher" userId="6a13b5f1e64a53ae" providerId="LiveId" clId="{FE3E3312-A592-47B5-8AF9-6A6BF1622581}" dt="2020-02-08T18:59:09.984" v="3450" actId="47"/>
-        <pc:sldMkLst>
-          <pc:docMk/>
-          <pc:sldMk cId="1292753198" sldId="293"/>
-        </pc:sldMkLst>
-        <pc:spChg chg="add mod">
-          <ac:chgData name="Samson Christopher" userId="6a13b5f1e64a53ae" providerId="LiveId" clId="{FE3E3312-A592-47B5-8AF9-6A6BF1622581}" dt="2020-02-02T12:55:52.339" v="3319" actId="1035"/>
-          <ac:spMkLst>
-            <pc:docMk/>
-            <pc:sldMk cId="1292753198" sldId="293"/>
-            <ac:spMk id="2" creationId="{6937586F-DA30-4006-97B3-AF5E974A1B3B}"/>
-          </ac:spMkLst>
-        </pc:spChg>
-      </pc:sldChg>
-      <pc:sldChg chg="addSp modSp add del">
-        <pc:chgData name="Samson Christopher" userId="6a13b5f1e64a53ae" providerId="LiveId" clId="{FE3E3312-A592-47B5-8AF9-6A6BF1622581}" dt="2020-02-02T12:50:20.616" v="2755" actId="47"/>
-        <pc:sldMkLst>
-          <pc:docMk/>
-          <pc:sldMk cId="1984393087" sldId="293"/>
-        </pc:sldMkLst>
-        <pc:spChg chg="add mod">
-          <ac:chgData name="Samson Christopher" userId="6a13b5f1e64a53ae" providerId="LiveId" clId="{FE3E3312-A592-47B5-8AF9-6A6BF1622581}" dt="2020-02-02T12:41:29.898" v="2215" actId="1036"/>
-          <ac:spMkLst>
-            <pc:docMk/>
-            <pc:sldMk cId="1984393087" sldId="293"/>
-            <ac:spMk id="2" creationId="{284042F9-120E-4B9D-B5A8-9B94EFD161DF}"/>
-          </ac:spMkLst>
-        </pc:spChg>
-      </pc:sldChg>
-      <pc:sldChg chg="add del">
-        <pc:chgData name="Samson Christopher" userId="6a13b5f1e64a53ae" providerId="LiveId" clId="{FE3E3312-A592-47B5-8AF9-6A6BF1622581}" dt="2020-02-01T17:45:09.078" v="1050" actId="47"/>
-        <pc:sldMkLst>
-          <pc:docMk/>
-          <pc:sldMk cId="2035621862" sldId="293"/>
-        </pc:sldMkLst>
-      </pc:sldChg>
-      <pc:sldChg chg="addSp modSp add mod">
-        <pc:chgData name="Samson Christopher" userId="6a13b5f1e64a53ae" providerId="LiveId" clId="{FE3E3312-A592-47B5-8AF9-6A6BF1622581}" dt="2020-02-08T19:35:38.742" v="5620" actId="1036"/>
-        <pc:sldMkLst>
-          <pc:docMk/>
-          <pc:sldMk cId="2058995000" sldId="293"/>
-        </pc:sldMkLst>
-        <pc:spChg chg="add mod">
-          <ac:chgData name="Samson Christopher" userId="6a13b5f1e64a53ae" providerId="LiveId" clId="{FE3E3312-A592-47B5-8AF9-6A6BF1622581}" dt="2020-02-08T19:35:38.742" v="5620" actId="1036"/>
-          <ac:spMkLst>
-            <pc:docMk/>
-            <pc:sldMk cId="2058995000" sldId="293"/>
-            <ac:spMk id="2" creationId="{08F43724-F125-4C82-B936-853647FD2DEE}"/>
-          </ac:spMkLst>
-        </pc:spChg>
-      </pc:sldChg>
-      <pc:sldChg chg="add del">
-        <pc:chgData name="Samson Christopher" userId="6a13b5f1e64a53ae" providerId="LiveId" clId="{FE3E3312-A592-47B5-8AF9-6A6BF1622581}" dt="2020-02-01T17:58:37.339" v="1702" actId="47"/>
-        <pc:sldMkLst>
-          <pc:docMk/>
-          <pc:sldMk cId="2071793073" sldId="293"/>
-        </pc:sldMkLst>
-      </pc:sldChg>
-      <pc:sldChg chg="add del">
-        <pc:chgData name="Samson Christopher" userId="6a13b5f1e64a53ae" providerId="LiveId" clId="{FE3E3312-A592-47B5-8AF9-6A6BF1622581}" dt="2020-02-01T17:27:34.278" v="250" actId="47"/>
-        <pc:sldMkLst>
-          <pc:docMk/>
-          <pc:sldMk cId="2125614537" sldId="293"/>
-        </pc:sldMkLst>
-      </pc:sldChg>
-      <pc:sldChg chg="addSp modSp add del mod">
-        <pc:chgData name="Samson Christopher" userId="6a13b5f1e64a53ae" providerId="LiveId" clId="{FE3E3312-A592-47B5-8AF9-6A6BF1622581}" dt="2020-02-08T19:12:36.405" v="4165" actId="47"/>
-        <pc:sldMkLst>
-          <pc:docMk/>
-          <pc:sldMk cId="3235999678" sldId="293"/>
-        </pc:sldMkLst>
-        <pc:spChg chg="add mod">
-          <ac:chgData name="Samson Christopher" userId="6a13b5f1e64a53ae" providerId="LiveId" clId="{FE3E3312-A592-47B5-8AF9-6A6BF1622581}" dt="2020-02-08T19:03:54.163" v="3731" actId="1035"/>
-          <ac:spMkLst>
-            <pc:docMk/>
-            <pc:sldMk cId="3235999678" sldId="293"/>
-            <ac:spMk id="2" creationId="{14B9D540-DB07-411D-876F-C5B577EE34DD}"/>
-          </ac:spMkLst>
-        </pc:spChg>
-      </pc:sldChg>
-      <pc:sldChg chg="add del">
-        <pc:chgData name="Samson Christopher" userId="6a13b5f1e64a53ae" providerId="LiveId" clId="{FE3E3312-A592-47B5-8AF9-6A6BF1622581}" dt="2020-02-01T17:27:34.886" v="251" actId="47"/>
-        <pc:sldMkLst>
-          <pc:docMk/>
-          <pc:sldMk cId="821256176" sldId="294"/>
-        </pc:sldMkLst>
-      </pc:sldChg>
-      <pc:sldChg chg="addSp modSp add mod">
-        <pc:chgData name="Samson Christopher" userId="6a13b5f1e64a53ae" providerId="LiveId" clId="{FE3E3312-A592-47B5-8AF9-6A6BF1622581}" dt="2020-02-08T19:35:27.310" v="5566" actId="1036"/>
-        <pc:sldMkLst>
-          <pc:docMk/>
-          <pc:sldMk cId="854879876" sldId="294"/>
-        </pc:sldMkLst>
-        <pc:spChg chg="add mod">
-          <ac:chgData name="Samson Christopher" userId="6a13b5f1e64a53ae" providerId="LiveId" clId="{FE3E3312-A592-47B5-8AF9-6A6BF1622581}" dt="2020-02-08T19:35:27.310" v="5566" actId="1036"/>
-          <ac:spMkLst>
-            <pc:docMk/>
-            <pc:sldMk cId="854879876" sldId="294"/>
-            <ac:spMk id="2" creationId="{7B0A4190-CD4E-4BF0-8973-9FA8A0C65DBA}"/>
-          </ac:spMkLst>
-        </pc:spChg>
-      </pc:sldChg>
-      <pc:sldChg chg="addSp modSp add del mod">
-        <pc:chgData name="Samson Christopher" userId="6a13b5f1e64a53ae" providerId="LiveId" clId="{FE3E3312-A592-47B5-8AF9-6A6BF1622581}" dt="2020-02-08T19:25:48.114" v="4953" actId="47"/>
-        <pc:sldMkLst>
-          <pc:docMk/>
-          <pc:sldMk cId="1673140016" sldId="294"/>
-        </pc:sldMkLst>
-        <pc:spChg chg="add mod">
-          <ac:chgData name="Samson Christopher" userId="6a13b5f1e64a53ae" providerId="LiveId" clId="{FE3E3312-A592-47B5-8AF9-6A6BF1622581}" dt="2020-02-08T19:19:50.051" v="4582" actId="1036"/>
-          <ac:spMkLst>
-            <pc:docMk/>
-            <pc:sldMk cId="1673140016" sldId="294"/>
-            <ac:spMk id="2" creationId="{F55B9891-3FB4-4E1D-A39C-6E69567BEB63}"/>
-          </ac:spMkLst>
-        </pc:spChg>
-      </pc:sldChg>
-      <pc:sldChg chg="add del">
-        <pc:chgData name="Samson Christopher" userId="6a13b5f1e64a53ae" providerId="LiveId" clId="{FE3E3312-A592-47B5-8AF9-6A6BF1622581}" dt="2020-02-02T12:40:22.162" v="2146" actId="47"/>
-        <pc:sldMkLst>
-          <pc:docMk/>
-          <pc:sldMk cId="1959880359" sldId="294"/>
-        </pc:sldMkLst>
-      </pc:sldChg>
-      <pc:sldChg chg="add del">
-        <pc:chgData name="Samson Christopher" userId="6a13b5f1e64a53ae" providerId="LiveId" clId="{FE3E3312-A592-47B5-8AF9-6A6BF1622581}" dt="2020-02-01T17:45:09.372" v="1051" actId="47"/>
-        <pc:sldMkLst>
-          <pc:docMk/>
-          <pc:sldMk cId="3143049554" sldId="294"/>
-        </pc:sldMkLst>
-      </pc:sldChg>
-      <pc:sldChg chg="addSp modSp add del mod">
-        <pc:chgData name="Samson Christopher" userId="6a13b5f1e64a53ae" providerId="LiveId" clId="{FE3E3312-A592-47B5-8AF9-6A6BF1622581}" dt="2020-02-08T19:12:36.554" v="4166" actId="47"/>
-        <pc:sldMkLst>
-          <pc:docMk/>
-          <pc:sldMk cId="3505660364" sldId="294"/>
-        </pc:sldMkLst>
-        <pc:spChg chg="add mod">
-          <ac:chgData name="Samson Christopher" userId="6a13b5f1e64a53ae" providerId="LiveId" clId="{FE3E3312-A592-47B5-8AF9-6A6BF1622581}" dt="2020-02-08T19:03:40.966" v="3685" actId="1036"/>
-          <ac:spMkLst>
-            <pc:docMk/>
-            <pc:sldMk cId="3505660364" sldId="294"/>
-            <ac:spMk id="2" creationId="{181C2F38-E6DB-4D2C-976D-7D1BA36D0A6E}"/>
-          </ac:spMkLst>
-        </pc:spChg>
-      </pc:sldChg>
-      <pc:sldChg chg="addSp modSp add del">
-        <pc:chgData name="Samson Christopher" userId="6a13b5f1e64a53ae" providerId="LiveId" clId="{FE3E3312-A592-47B5-8AF9-6A6BF1622581}" dt="2020-02-08T18:59:10.257" v="3451" actId="47"/>
-        <pc:sldMkLst>
-          <pc:docMk/>
-          <pc:sldMk cId="4193752687" sldId="294"/>
-        </pc:sldMkLst>
-        <pc:spChg chg="add mod">
-          <ac:chgData name="Samson Christopher" userId="6a13b5f1e64a53ae" providerId="LiveId" clId="{FE3E3312-A592-47B5-8AF9-6A6BF1622581}" dt="2020-02-02T12:56:18.499" v="3385" actId="1036"/>
-          <ac:spMkLst>
-            <pc:docMk/>
-            <pc:sldMk cId="4193752687" sldId="294"/>
-            <ac:spMk id="2" creationId="{CB39387C-43FD-44A4-9FE0-7DBECAB503E9}"/>
-          </ac:spMkLst>
-        </pc:spChg>
-      </pc:sldChg>
-      <pc:sldChg chg="add del">
-        <pc:chgData name="Samson Christopher" userId="6a13b5f1e64a53ae" providerId="LiveId" clId="{FE3E3312-A592-47B5-8AF9-6A6BF1622581}" dt="2020-02-02T12:40:22.450" v="2147" actId="47"/>
-        <pc:sldMkLst>
-          <pc:docMk/>
-          <pc:sldMk cId="277594798" sldId="295"/>
-        </pc:sldMkLst>
-      </pc:sldChg>
-      <pc:sldChg chg="addSp modSp add del mod">
-        <pc:chgData name="Samson Christopher" userId="6a13b5f1e64a53ae" providerId="LiveId" clId="{FE3E3312-A592-47B5-8AF9-6A6BF1622581}" dt="2020-02-08T19:12:36.741" v="4167" actId="47"/>
-        <pc:sldMkLst>
-          <pc:docMk/>
-          <pc:sldMk cId="1487187394" sldId="295"/>
-        </pc:sldMkLst>
-        <pc:spChg chg="add mod">
-          <ac:chgData name="Samson Christopher" userId="6a13b5f1e64a53ae" providerId="LiveId" clId="{FE3E3312-A592-47B5-8AF9-6A6BF1622581}" dt="2020-02-08T19:03:18.949" v="3626" actId="1036"/>
-          <ac:spMkLst>
-            <pc:docMk/>
-            <pc:sldMk cId="1487187394" sldId="295"/>
-            <ac:spMk id="2" creationId="{AD5AAFC3-6F2E-4218-AEFC-262BE34C0EDD}"/>
-          </ac:spMkLst>
-        </pc:spChg>
-      </pc:sldChg>
-      <pc:sldChg chg="addSp modSp add mod">
-        <pc:chgData name="Samson Christopher" userId="6a13b5f1e64a53ae" providerId="LiveId" clId="{FE3E3312-A592-47B5-8AF9-6A6BF1622581}" dt="2020-02-08T19:35:11.651" v="5514" actId="1036"/>
-        <pc:sldMkLst>
-          <pc:docMk/>
-          <pc:sldMk cId="2212593609" sldId="295"/>
-        </pc:sldMkLst>
-        <pc:spChg chg="add mod">
-          <ac:chgData name="Samson Christopher" userId="6a13b5f1e64a53ae" providerId="LiveId" clId="{FE3E3312-A592-47B5-8AF9-6A6BF1622581}" dt="2020-02-08T19:35:11.651" v="5514" actId="1036"/>
-          <ac:spMkLst>
-            <pc:docMk/>
-            <pc:sldMk cId="2212593609" sldId="295"/>
-            <ac:spMk id="2" creationId="{84706245-FA00-459B-82E2-7C8B4B977189}"/>
-          </ac:spMkLst>
-        </pc:spChg>
-      </pc:sldChg>
-      <pc:sldChg chg="addSp modSp add del mod">
-        <pc:chgData name="Samson Christopher" userId="6a13b5f1e64a53ae" providerId="LiveId" clId="{FE3E3312-A592-47B5-8AF9-6A6BF1622581}" dt="2020-02-08T19:25:48.320" v="4954" actId="47"/>
-        <pc:sldMkLst>
-          <pc:docMk/>
-          <pc:sldMk cId="2737136176" sldId="295"/>
-        </pc:sldMkLst>
-        <pc:spChg chg="add mod">
-          <ac:chgData name="Samson Christopher" userId="6a13b5f1e64a53ae" providerId="LiveId" clId="{FE3E3312-A592-47B5-8AF9-6A6BF1622581}" dt="2020-02-08T19:19:35.947" v="4525" actId="1036"/>
-          <ac:spMkLst>
-            <pc:docMk/>
-            <pc:sldMk cId="2737136176" sldId="295"/>
-            <ac:spMk id="2" creationId="{2F43EF4E-8A55-4E50-916A-4AA47C9057E0}"/>
-          </ac:spMkLst>
-        </pc:spChg>
-      </pc:sldChg>
-      <pc:sldChg chg="add del">
-        <pc:chgData name="Samson Christopher" userId="6a13b5f1e64a53ae" providerId="LiveId" clId="{FE3E3312-A592-47B5-8AF9-6A6BF1622581}" dt="2020-02-01T17:45:09.789" v="1052" actId="47"/>
-        <pc:sldMkLst>
-          <pc:docMk/>
-          <pc:sldMk cId="3894009015" sldId="295"/>
-        </pc:sldMkLst>
-      </pc:sldChg>
-      <pc:sldChg chg="addSp modSp add del">
-        <pc:chgData name="Samson Christopher" userId="6a13b5f1e64a53ae" providerId="LiveId" clId="{FE3E3312-A592-47B5-8AF9-6A6BF1622581}" dt="2020-02-08T18:59:10.830" v="3452" actId="47"/>
-        <pc:sldMkLst>
-          <pc:docMk/>
-          <pc:sldMk cId="3963346582" sldId="295"/>
-        </pc:sldMkLst>
-        <pc:spChg chg="add mod">
-          <ac:chgData name="Samson Christopher" userId="6a13b5f1e64a53ae" providerId="LiveId" clId="{FE3E3312-A592-47B5-8AF9-6A6BF1622581}" dt="2020-02-02T12:56:38.887" v="3442" actId="1035"/>
-          <ac:spMkLst>
-            <pc:docMk/>
-            <pc:sldMk cId="3963346582" sldId="295"/>
-            <ac:spMk id="2" creationId="{885BC869-1F4D-43D2-8414-8F10E78517D5}"/>
-          </ac:spMkLst>
-        </pc:spChg>
-      </pc:sldChg>
-      <pc:sldChg chg="add del">
-        <pc:chgData name="Samson Christopher" userId="6a13b5f1e64a53ae" providerId="LiveId" clId="{FE3E3312-A592-47B5-8AF9-6A6BF1622581}" dt="2020-02-02T12:52:07.850" v="2785" actId="47"/>
-        <pc:sldMkLst>
-          <pc:docMk/>
-          <pc:sldMk cId="192803828" sldId="296"/>
-        </pc:sldMkLst>
-      </pc:sldChg>
-      <pc:sldChg chg="addSp modSp add del mod">
-        <pc:chgData name="Samson Christopher" userId="6a13b5f1e64a53ae" providerId="LiveId" clId="{FE3E3312-A592-47B5-8AF9-6A6BF1622581}" dt="2020-02-08T19:12:37.304" v="4168" actId="47"/>
-        <pc:sldMkLst>
-          <pc:docMk/>
-          <pc:sldMk cId="2555163583" sldId="296"/>
-        </pc:sldMkLst>
-        <pc:spChg chg="add mod">
-          <ac:chgData name="Samson Christopher" userId="6a13b5f1e64a53ae" providerId="LiveId" clId="{FE3E3312-A592-47B5-8AF9-6A6BF1622581}" dt="2020-02-08T19:03:02.124" v="3571" actId="1036"/>
-          <ac:spMkLst>
-            <pc:docMk/>
-            <pc:sldMk cId="2555163583" sldId="296"/>
-            <ac:spMk id="2" creationId="{8AD66C1C-2BFF-440F-AE56-440A87F9E1FA}"/>
-          </ac:spMkLst>
-        </pc:spChg>
-      </pc:sldChg>
-      <pc:sldChg chg="addSp modSp add mod">
-        <pc:chgData name="Samson Christopher" userId="6a13b5f1e64a53ae" providerId="LiveId" clId="{FE3E3312-A592-47B5-8AF9-6A6BF1622581}" dt="2020-02-08T19:35:00.763" v="5455" actId="1036"/>
-        <pc:sldMkLst>
-          <pc:docMk/>
-          <pc:sldMk cId="2913362100" sldId="296"/>
-        </pc:sldMkLst>
-        <pc:spChg chg="add mod">
-          <ac:chgData name="Samson Christopher" userId="6a13b5f1e64a53ae" providerId="LiveId" clId="{FE3E3312-A592-47B5-8AF9-6A6BF1622581}" dt="2020-02-08T19:35:00.763" v="5455" actId="1036"/>
-          <ac:spMkLst>
-            <pc:docMk/>
-            <pc:sldMk cId="2913362100" sldId="296"/>
-            <ac:spMk id="2" creationId="{9493FFCF-7771-43BF-94B3-CD69B75925C7}"/>
-          </ac:spMkLst>
-        </pc:spChg>
-      </pc:sldChg>
-      <pc:sldChg chg="add del">
-        <pc:chgData name="Samson Christopher" userId="6a13b5f1e64a53ae" providerId="LiveId" clId="{FE3E3312-A592-47B5-8AF9-6A6BF1622581}" dt="2020-02-02T12:40:22.697" v="2148" actId="47"/>
-        <pc:sldMkLst>
-          <pc:docMk/>
-          <pc:sldMk cId="2925664716" sldId="296"/>
-        </pc:sldMkLst>
-      </pc:sldChg>
-      <pc:sldChg chg="addSp modSp add del mod">
-        <pc:chgData name="Samson Christopher" userId="6a13b5f1e64a53ae" providerId="LiveId" clId="{FE3E3312-A592-47B5-8AF9-6A6BF1622581}" dt="2020-02-08T19:25:48.536" v="4955" actId="47"/>
-        <pc:sldMkLst>
-          <pc:docMk/>
-          <pc:sldMk cId="4063576824" sldId="296"/>
-        </pc:sldMkLst>
-        <pc:spChg chg="add mod">
-          <ac:chgData name="Samson Christopher" userId="6a13b5f1e64a53ae" providerId="LiveId" clId="{FE3E3312-A592-47B5-8AF9-6A6BF1622581}" dt="2020-02-08T19:19:14.934" v="4465" actId="1035"/>
-          <ac:spMkLst>
-            <pc:docMk/>
-            <pc:sldMk cId="4063576824" sldId="296"/>
-            <ac:spMk id="2" creationId="{A61F1223-20B0-470B-A157-374DDAC22A2F}"/>
-          </ac:spMkLst>
-        </pc:spChg>
-      </pc:sldChg>
-      <pc:sldChg chg="add del">
-        <pc:chgData name="Samson Christopher" userId="6a13b5f1e64a53ae" providerId="LiveId" clId="{FE3E3312-A592-47B5-8AF9-6A6BF1622581}" dt="2020-02-01T17:45:10.144" v="1053" actId="47"/>
-        <pc:sldMkLst>
-          <pc:docMk/>
-          <pc:sldMk cId="4072327424" sldId="296"/>
-        </pc:sldMkLst>
-      </pc:sldChg>
-      <pc:sldChg chg="add del">
-        <pc:chgData name="Samson Christopher" userId="6a13b5f1e64a53ae" providerId="LiveId" clId="{FE3E3312-A592-47B5-8AF9-6A6BF1622581}" dt="2020-02-02T12:40:22.988" v="2149" actId="47"/>
-        <pc:sldMkLst>
-          <pc:docMk/>
-          <pc:sldMk cId="594408492" sldId="297"/>
-        </pc:sldMkLst>
-      </pc:sldChg>
-      <pc:sldChg chg="add del">
-        <pc:chgData name="Samson Christopher" userId="6a13b5f1e64a53ae" providerId="LiveId" clId="{FE3E3312-A592-47B5-8AF9-6A6BF1622581}" dt="2020-02-01T17:45:10.611" v="1054" actId="47"/>
-        <pc:sldMkLst>
-          <pc:docMk/>
-          <pc:sldMk cId="667213049" sldId="297"/>
-        </pc:sldMkLst>
-      </pc:sldChg>
-      <pc:sldChg chg="addSp modSp add mod">
-        <pc:chgData name="Samson Christopher" userId="6a13b5f1e64a53ae" providerId="LiveId" clId="{FE3E3312-A592-47B5-8AF9-6A6BF1622581}" dt="2020-02-08T19:34:42.724" v="5400" actId="1036"/>
-        <pc:sldMkLst>
-          <pc:docMk/>
-          <pc:sldMk cId="2735706613" sldId="297"/>
-        </pc:sldMkLst>
-        <pc:spChg chg="add mod">
-          <ac:chgData name="Samson Christopher" userId="6a13b5f1e64a53ae" providerId="LiveId" clId="{FE3E3312-A592-47B5-8AF9-6A6BF1622581}" dt="2020-02-08T19:34:42.724" v="5400" actId="1036"/>
-          <ac:spMkLst>
-            <pc:docMk/>
-            <pc:sldMk cId="2735706613" sldId="297"/>
-            <ac:spMk id="2" creationId="{56087189-5E9E-4368-9578-9691700135EF}"/>
-          </ac:spMkLst>
-        </pc:spChg>
-      </pc:sldChg>
-      <pc:sldChg chg="addSp modSp add del mod">
-        <pc:chgData name="Samson Christopher" userId="6a13b5f1e64a53ae" providerId="LiveId" clId="{FE3E3312-A592-47B5-8AF9-6A6BF1622581}" dt="2020-02-08T19:25:48.733" v="4956" actId="47"/>
-        <pc:sldMkLst>
-          <pc:docMk/>
-          <pc:sldMk cId="2741288760" sldId="297"/>
-        </pc:sldMkLst>
-        <pc:spChg chg="add mod">
-          <ac:chgData name="Samson Christopher" userId="6a13b5f1e64a53ae" providerId="LiveId" clId="{FE3E3312-A592-47B5-8AF9-6A6BF1622581}" dt="2020-02-08T19:18:50.731" v="4413" actId="1036"/>
-          <ac:spMkLst>
-            <pc:docMk/>
-            <pc:sldMk cId="2741288760" sldId="297"/>
-            <ac:spMk id="2" creationId="{C0AD768A-2631-45F2-A9C5-989EA775D052}"/>
-          </ac:spMkLst>
-        </pc:spChg>
-      </pc:sldChg>
-      <pc:sldChg chg="add del">
-        <pc:chgData name="Samson Christopher" userId="6a13b5f1e64a53ae" providerId="LiveId" clId="{FE3E3312-A592-47B5-8AF9-6A6BF1622581}" dt="2020-02-08T19:01:28.111" v="3482" actId="47"/>
-        <pc:sldMkLst>
-          <pc:docMk/>
-          <pc:sldMk cId="2932118767" sldId="297"/>
-        </pc:sldMkLst>
-      </pc:sldChg>
-      <pc:sldChg chg="add del">
-        <pc:chgData name="Samson Christopher" userId="6a13b5f1e64a53ae" providerId="LiveId" clId="{FE3E3312-A592-47B5-8AF9-6A6BF1622581}" dt="2020-02-02T12:52:08.210" v="2786" actId="47"/>
-        <pc:sldMkLst>
-          <pc:docMk/>
-          <pc:sldMk cId="4160633047" sldId="297"/>
-        </pc:sldMkLst>
-      </pc:sldChg>
-      <pc:sldChg chg="add del">
-        <pc:chgData name="Samson Christopher" userId="6a13b5f1e64a53ae" providerId="LiveId" clId="{FE3E3312-A592-47B5-8AF9-6A6BF1622581}" dt="2020-02-01T17:45:11.212" v="1055" actId="47"/>
-        <pc:sldMkLst>
-          <pc:docMk/>
-          <pc:sldMk cId="1260808008" sldId="298"/>
-        </pc:sldMkLst>
-      </pc:sldChg>
-      <pc:sldChg chg="addSp modSp add mod">
-        <pc:chgData name="Samson Christopher" userId="6a13b5f1e64a53ae" providerId="LiveId" clId="{FE3E3312-A592-47B5-8AF9-6A6BF1622581}" dt="2020-02-08T19:34:21.592" v="5343" actId="1036"/>
-        <pc:sldMkLst>
-          <pc:docMk/>
-          <pc:sldMk cId="2153477118" sldId="298"/>
-        </pc:sldMkLst>
-        <pc:spChg chg="add mod">
-          <ac:chgData name="Samson Christopher" userId="6a13b5f1e64a53ae" providerId="LiveId" clId="{FE3E3312-A592-47B5-8AF9-6A6BF1622581}" dt="2020-02-08T19:34:21.592" v="5343" actId="1036"/>
-          <ac:spMkLst>
-            <pc:docMk/>
-            <pc:sldMk cId="2153477118" sldId="298"/>
-            <ac:spMk id="2" creationId="{5A20175E-23E1-4557-B944-EEC6754C8310}"/>
-          </ac:spMkLst>
-        </pc:spChg>
-      </pc:sldChg>
-      <pc:sldChg chg="add del">
-        <pc:chgData name="Samson Christopher" userId="6a13b5f1e64a53ae" providerId="LiveId" clId="{FE3E3312-A592-47B5-8AF9-6A6BF1622581}" dt="2020-02-02T12:52:08.694" v="2787" actId="47"/>
-        <pc:sldMkLst>
-          <pc:docMk/>
-          <pc:sldMk cId="2455337444" sldId="298"/>
-        </pc:sldMkLst>
-      </pc:sldChg>
-      <pc:sldChg chg="addSp modSp add del mod">
-        <pc:chgData name="Samson Christopher" userId="6a13b5f1e64a53ae" providerId="LiveId" clId="{FE3E3312-A592-47B5-8AF9-6A6BF1622581}" dt="2020-02-08T19:25:48.955" v="4957" actId="47"/>
-        <pc:sldMkLst>
-          <pc:docMk/>
-          <pc:sldMk cId="3479924949" sldId="298"/>
-        </pc:sldMkLst>
-        <pc:spChg chg="add mod">
-          <ac:chgData name="Samson Christopher" userId="6a13b5f1e64a53ae" providerId="LiveId" clId="{FE3E3312-A592-47B5-8AF9-6A6BF1622581}" dt="2020-02-08T19:18:39.107" v="4367" actId="1036"/>
-          <ac:spMkLst>
-            <pc:docMk/>
-            <pc:sldMk cId="3479924949" sldId="298"/>
-            <ac:spMk id="2" creationId="{0ACFBDC7-DEAA-43F5-ABBB-1E5931741337}"/>
-          </ac:spMkLst>
-        </pc:spChg>
-      </pc:sldChg>
-      <pc:sldChg chg="add del">
-        <pc:chgData name="Samson Christopher" userId="6a13b5f1e64a53ae" providerId="LiveId" clId="{FE3E3312-A592-47B5-8AF9-6A6BF1622581}" dt="2020-02-08T19:01:28.461" v="3483" actId="47"/>
-        <pc:sldMkLst>
-          <pc:docMk/>
-          <pc:sldMk cId="4230841038" sldId="298"/>
-        </pc:sldMkLst>
-      </pc:sldChg>
-      <pc:sldChg chg="addSp modSp add del mod">
-        <pc:chgData name="Samson Christopher" userId="6a13b5f1e64a53ae" providerId="LiveId" clId="{FE3E3312-A592-47B5-8AF9-6A6BF1622581}" dt="2020-02-08T19:25:49.446" v="4958" actId="47"/>
-        <pc:sldMkLst>
-          <pc:docMk/>
-          <pc:sldMk cId="1365618563" sldId="299"/>
-        </pc:sldMkLst>
-        <pc:spChg chg="add mod">
-          <ac:chgData name="Samson Christopher" userId="6a13b5f1e64a53ae" providerId="LiveId" clId="{FE3E3312-A592-47B5-8AF9-6A6BF1622581}" dt="2020-02-08T19:18:22.725" v="4302" actId="1035"/>
-          <ac:spMkLst>
-            <pc:docMk/>
-            <pc:sldMk cId="1365618563" sldId="299"/>
-            <ac:spMk id="2" creationId="{1B1DB636-895F-4B3E-A2A9-14DD4A99D49C}"/>
-          </ac:spMkLst>
-        </pc:spChg>
-      </pc:sldChg>
-      <pc:sldChg chg="add del">
-        <pc:chgData name="Samson Christopher" userId="6a13b5f1e64a53ae" providerId="LiveId" clId="{FE3E3312-A592-47B5-8AF9-6A6BF1622581}" dt="2020-02-08T19:01:28.733" v="3484" actId="47"/>
-        <pc:sldMkLst>
-          <pc:docMk/>
-          <pc:sldMk cId="2502244233" sldId="299"/>
-        </pc:sldMkLst>
-      </pc:sldChg>
-      <pc:sldChg chg="addSp modSp add mod">
-        <pc:chgData name="Samson Christopher" userId="6a13b5f1e64a53ae" providerId="LiveId" clId="{FE3E3312-A592-47B5-8AF9-6A6BF1622581}" dt="2020-02-08T19:34:05.999" v="5285" actId="1036"/>
-        <pc:sldMkLst>
-          <pc:docMk/>
-          <pc:sldMk cId="2670665498" sldId="299"/>
-        </pc:sldMkLst>
-        <pc:spChg chg="add mod">
-          <ac:chgData name="Samson Christopher" userId="6a13b5f1e64a53ae" providerId="LiveId" clId="{FE3E3312-A592-47B5-8AF9-6A6BF1622581}" dt="2020-02-08T19:34:05.999" v="5285" actId="1036"/>
-          <ac:spMkLst>
-            <pc:docMk/>
-            <pc:sldMk cId="2670665498" sldId="299"/>
-            <ac:spMk id="2" creationId="{5B6FB14F-AED7-4DB4-A2D1-7CE0CD7B3E88}"/>
-          </ac:spMkLst>
-        </pc:spChg>
-      </pc:sldChg>
-      <pc:sldChg chg="add del">
-        <pc:chgData name="Samson Christopher" userId="6a13b5f1e64a53ae" providerId="LiveId" clId="{FE3E3312-A592-47B5-8AF9-6A6BF1622581}" dt="2020-02-01T17:45:11.880" v="1056" actId="47"/>
-        <pc:sldMkLst>
-          <pc:docMk/>
-          <pc:sldMk cId="4163625575" sldId="299"/>
-        </pc:sldMkLst>
-      </pc:sldChg>
-      <pc:sldChg chg="addSp modSp add mod">
-        <pc:chgData name="Samson Christopher" userId="6a13b5f1e64a53ae" providerId="LiveId" clId="{FE3E3312-A592-47B5-8AF9-6A6BF1622581}" dt="2020-02-08T19:33:53.893" v="5225" actId="1036"/>
-        <pc:sldMkLst>
-          <pc:docMk/>
-          <pc:sldMk cId="59877046" sldId="300"/>
-        </pc:sldMkLst>
-        <pc:spChg chg="add mod">
-          <ac:chgData name="Samson Christopher" userId="6a13b5f1e64a53ae" providerId="LiveId" clId="{FE3E3312-A592-47B5-8AF9-6A6BF1622581}" dt="2020-02-08T19:33:53.893" v="5225" actId="1036"/>
-          <ac:spMkLst>
-            <pc:docMk/>
-            <pc:sldMk cId="59877046" sldId="300"/>
-            <ac:spMk id="2" creationId="{8D8B7DE6-821C-4EC4-937A-DC2FF1C09472}"/>
-          </ac:spMkLst>
-        </pc:spChg>
-      </pc:sldChg>
-      <pc:sldChg chg="add del">
-        <pc:chgData name="Samson Christopher" userId="6a13b5f1e64a53ae" providerId="LiveId" clId="{FE3E3312-A592-47B5-8AF9-6A6BF1622581}" dt="2020-02-08T19:16:36.719" v="4228" actId="47"/>
-        <pc:sldMkLst>
-          <pc:docMk/>
-          <pc:sldMk cId="527605103" sldId="300"/>
-        </pc:sldMkLst>
-      </pc:sldChg>
-      <pc:sldChg chg="add del">
-        <pc:chgData name="Samson Christopher" userId="6a13b5f1e64a53ae" providerId="LiveId" clId="{FE3E3312-A592-47B5-8AF9-6A6BF1622581}" dt="2020-02-01T17:45:12.789" v="1057" actId="47"/>
-        <pc:sldMkLst>
-          <pc:docMk/>
-          <pc:sldMk cId="756939217" sldId="300"/>
-        </pc:sldMkLst>
-      </pc:sldChg>
-      <pc:sldChg chg="add del">
-        <pc:chgData name="Samson Christopher" userId="6a13b5f1e64a53ae" providerId="LiveId" clId="{FE3E3312-A592-47B5-8AF9-6A6BF1622581}" dt="2020-02-08T19:01:29.126" v="3485" actId="47"/>
-        <pc:sldMkLst>
-          <pc:docMk/>
-          <pc:sldMk cId="1243297094" sldId="300"/>
-        </pc:sldMkLst>
-      </pc:sldChg>
-      <pc:sldChg chg="add del">
-        <pc:chgData name="Samson Christopher" userId="6a13b5f1e64a53ae" providerId="LiveId" clId="{FE3E3312-A592-47B5-8AF9-6A6BF1622581}" dt="2020-02-08T19:16:37.170" v="4229" actId="47"/>
-        <pc:sldMkLst>
-          <pc:docMk/>
-          <pc:sldMk cId="874935145" sldId="301"/>
-        </pc:sldMkLst>
-      </pc:sldChg>
-      <pc:sldChg chg="add del">
-        <pc:chgData name="Samson Christopher" userId="6a13b5f1e64a53ae" providerId="LiveId" clId="{FE3E3312-A592-47B5-8AF9-6A6BF1622581}" dt="2020-02-08T19:01:29.466" v="3486" actId="47"/>
-        <pc:sldMkLst>
-          <pc:docMk/>
-          <pc:sldMk cId="2999680361" sldId="301"/>
-        </pc:sldMkLst>
-      </pc:sldChg>
-      <pc:sldChg chg="addSp modSp add mod">
-        <pc:chgData name="Samson Christopher" userId="6a13b5f1e64a53ae" providerId="LiveId" clId="{FE3E3312-A592-47B5-8AF9-6A6BF1622581}" dt="2020-02-08T19:33:39.983" v="5172" actId="1036"/>
-        <pc:sldMkLst>
-          <pc:docMk/>
-          <pc:sldMk cId="4058883114" sldId="301"/>
-        </pc:sldMkLst>
-        <pc:spChg chg="add mod">
-          <ac:chgData name="Samson Christopher" userId="6a13b5f1e64a53ae" providerId="LiveId" clId="{FE3E3312-A592-47B5-8AF9-6A6BF1622581}" dt="2020-02-08T19:33:39.983" v="5172" actId="1036"/>
-          <ac:spMkLst>
-            <pc:docMk/>
-            <pc:sldMk cId="4058883114" sldId="301"/>
-            <ac:spMk id="2" creationId="{34D1C2D3-4751-44CB-A0D8-36A1BE20EF9F}"/>
-          </ac:spMkLst>
-        </pc:spChg>
-      </pc:sldChg>
-      <pc:sldChg chg="add del">
-        <pc:chgData name="Samson Christopher" userId="6a13b5f1e64a53ae" providerId="LiveId" clId="{FE3E3312-A592-47B5-8AF9-6A6BF1622581}" dt="2020-02-08T19:01:30.080" v="3487" actId="47"/>
-        <pc:sldMkLst>
-          <pc:docMk/>
-          <pc:sldMk cId="486861009" sldId="302"/>
-        </pc:sldMkLst>
-      </pc:sldChg>
-      <pc:sldChg chg="addSp modSp add mod">
-        <pc:chgData name="Samson Christopher" userId="6a13b5f1e64a53ae" providerId="LiveId" clId="{FE3E3312-A592-47B5-8AF9-6A6BF1622581}" dt="2020-02-08T19:33:27.131" v="5120" actId="1036"/>
-        <pc:sldMkLst>
-          <pc:docMk/>
-          <pc:sldMk cId="760604732" sldId="302"/>
-        </pc:sldMkLst>
-        <pc:spChg chg="add mod">
-          <ac:chgData name="Samson Christopher" userId="6a13b5f1e64a53ae" providerId="LiveId" clId="{FE3E3312-A592-47B5-8AF9-6A6BF1622581}" dt="2020-02-08T19:33:27.131" v="5120" actId="1036"/>
-          <ac:spMkLst>
-            <pc:docMk/>
-            <pc:sldMk cId="760604732" sldId="302"/>
-            <ac:spMk id="2" creationId="{0E620F81-43DF-4BCB-A152-86019A77C46A}"/>
-          </ac:spMkLst>
-        </pc:spChg>
-      </pc:sldChg>
-      <pc:sldChg chg="add del">
-        <pc:chgData name="Samson Christopher" userId="6a13b5f1e64a53ae" providerId="LiveId" clId="{FE3E3312-A592-47B5-8AF9-6A6BF1622581}" dt="2020-02-08T19:16:37.653" v="4230" actId="47"/>
-        <pc:sldMkLst>
-          <pc:docMk/>
-          <pc:sldMk cId="2017603127" sldId="302"/>
-        </pc:sldMkLst>
-      </pc:sldChg>
-      <pc:sldChg chg="add del">
-        <pc:chgData name="Samson Christopher" userId="6a13b5f1e64a53ae" providerId="LiveId" clId="{FE3E3312-A592-47B5-8AF9-6A6BF1622581}" dt="2020-02-08T19:31:37.185" v="4997" actId="47"/>
-        <pc:sldMkLst>
-          <pc:docMk/>
-          <pc:sldMk cId="1976485964" sldId="303"/>
-        </pc:sldMkLst>
-      </pc:sldChg>
-      <pc:sldChg chg="add del">
-        <pc:chgData name="Samson Christopher" userId="6a13b5f1e64a53ae" providerId="LiveId" clId="{FE3E3312-A592-47B5-8AF9-6A6BF1622581}" dt="2020-02-08T19:31:37.769" v="4998" actId="47"/>
-        <pc:sldMkLst>
-          <pc:docMk/>
-          <pc:sldMk cId="4089210583" sldId="304"/>
+          <ac:chgData name="Samson Christopher" userId="6a13b5f1e64a53ae" providerId="LiveId" clId="{C16499E8-3036-4BF7-9970-91F1855AC027}" dt="2020-03-15T14:37:29.569" v="20" actId="478"/>
+          <ac:spMkLst>
+            <pc:docMk/>
+            <pc:sldMk cId="3837972156" sldId="388"/>
+            <ac:spMk id="2" creationId="{114ACF03-D0EE-4DC6-A746-A3DADC90A068}"/>
+          </ac:spMkLst>
+        </pc:spChg>
+        <pc:spChg chg="add mod">
+          <ac:chgData name="Samson Christopher" userId="6a13b5f1e64a53ae" providerId="LiveId" clId="{C16499E8-3036-4BF7-9970-91F1855AC027}" dt="2020-03-15T14:43:21.270" v="119" actId="1035"/>
+          <ac:spMkLst>
+            <pc:docMk/>
+            <pc:sldMk cId="3837972156" sldId="388"/>
+            <ac:spMk id="3" creationId="{A49D7F30-8F28-4471-B209-610C3E4BEB58}"/>
+          </ac:spMkLst>
+        </pc:spChg>
+      </pc:sldChg>
+      <pc:sldChg chg="addSp modSp add mod">
+        <pc:chgData name="Samson Christopher" userId="6a13b5f1e64a53ae" providerId="LiveId" clId="{C16499E8-3036-4BF7-9970-91F1855AC027}" dt="2020-03-15T14:44:31.813" v="184" actId="1036"/>
+        <pc:sldMkLst>
+          <pc:docMk/>
+          <pc:sldMk cId="1777894342" sldId="389"/>
+        </pc:sldMkLst>
+        <pc:spChg chg="add mod">
+          <ac:chgData name="Samson Christopher" userId="6a13b5f1e64a53ae" providerId="LiveId" clId="{C16499E8-3036-4BF7-9970-91F1855AC027}" dt="2020-03-15T14:44:31.813" v="184" actId="1036"/>
+          <ac:spMkLst>
+            <pc:docMk/>
+            <pc:sldMk cId="1777894342" sldId="389"/>
+            <ac:spMk id="2" creationId="{284DEECD-9B22-467C-BE0F-BF7DD7D7238D}"/>
+          </ac:spMkLst>
+        </pc:spChg>
+      </pc:sldChg>
+      <pc:sldChg chg="del">
+        <pc:chgData name="Samson Christopher" userId="6a13b5f1e64a53ae" providerId="LiveId" clId="{C16499E8-3036-4BF7-9970-91F1855AC027}" dt="2020-03-15T14:37:22.273" v="0" actId="47"/>
+        <pc:sldMkLst>
+          <pc:docMk/>
+          <pc:sldMk cId="2741417480" sldId="389"/>
+        </pc:sldMkLst>
+      </pc:sldChg>
+      <pc:sldChg chg="del">
+        <pc:chgData name="Samson Christopher" userId="6a13b5f1e64a53ae" providerId="LiveId" clId="{C16499E8-3036-4BF7-9970-91F1855AC027}" dt="2020-03-15T14:37:23.014" v="2" actId="47"/>
+        <pc:sldMkLst>
+          <pc:docMk/>
+          <pc:sldMk cId="1935473464" sldId="390"/>
+        </pc:sldMkLst>
+      </pc:sldChg>
+      <pc:sldChg chg="addSp modSp add mod">
+        <pc:chgData name="Samson Christopher" userId="6a13b5f1e64a53ae" providerId="LiveId" clId="{C16499E8-3036-4BF7-9970-91F1855AC027}" dt="2020-03-15T14:44:43.582" v="242" actId="1036"/>
+        <pc:sldMkLst>
+          <pc:docMk/>
+          <pc:sldMk cId="2328195649" sldId="390"/>
+        </pc:sldMkLst>
+        <pc:spChg chg="add mod">
+          <ac:chgData name="Samson Christopher" userId="6a13b5f1e64a53ae" providerId="LiveId" clId="{C16499E8-3036-4BF7-9970-91F1855AC027}" dt="2020-03-15T14:44:43.582" v="242" actId="1036"/>
+          <ac:spMkLst>
+            <pc:docMk/>
+            <pc:sldMk cId="2328195649" sldId="390"/>
+            <ac:spMk id="2" creationId="{22D3E512-44DD-4145-8FD1-BD991E908CC6}"/>
+          </ac:spMkLst>
+        </pc:spChg>
+      </pc:sldChg>
+      <pc:sldChg chg="del">
+        <pc:chgData name="Samson Christopher" userId="6a13b5f1e64a53ae" providerId="LiveId" clId="{C16499E8-3036-4BF7-9970-91F1855AC027}" dt="2020-03-15T14:37:23.102" v="4" actId="47"/>
+        <pc:sldMkLst>
+          <pc:docMk/>
+          <pc:sldMk cId="1219025143" sldId="391"/>
+        </pc:sldMkLst>
+      </pc:sldChg>
+      <pc:sldChg chg="addSp modSp add mod">
+        <pc:chgData name="Samson Christopher" userId="6a13b5f1e64a53ae" providerId="LiveId" clId="{C16499E8-3036-4BF7-9970-91F1855AC027}" dt="2020-03-15T14:45:42.569" v="301" actId="1036"/>
+        <pc:sldMkLst>
+          <pc:docMk/>
+          <pc:sldMk cId="1777521160" sldId="391"/>
+        </pc:sldMkLst>
+        <pc:spChg chg="add mod">
+          <ac:chgData name="Samson Christopher" userId="6a13b5f1e64a53ae" providerId="LiveId" clId="{C16499E8-3036-4BF7-9970-91F1855AC027}" dt="2020-03-15T14:45:42.569" v="301" actId="1036"/>
+          <ac:spMkLst>
+            <pc:docMk/>
+            <pc:sldMk cId="1777521160" sldId="391"/>
+            <ac:spMk id="2" creationId="{8DC069D7-5F7F-4940-9111-E1C9CD6E7682}"/>
+          </ac:spMkLst>
+        </pc:spChg>
+      </pc:sldChg>
+      <pc:sldChg chg="addSp modSp add mod">
+        <pc:chgData name="Samson Christopher" userId="6a13b5f1e64a53ae" providerId="LiveId" clId="{C16499E8-3036-4BF7-9970-91F1855AC027}" dt="2020-03-15T14:45:54.910" v="362" actId="1036"/>
+        <pc:sldMkLst>
+          <pc:docMk/>
+          <pc:sldMk cId="2819729231" sldId="392"/>
+        </pc:sldMkLst>
+        <pc:spChg chg="add mod">
+          <ac:chgData name="Samson Christopher" userId="6a13b5f1e64a53ae" providerId="LiveId" clId="{C16499E8-3036-4BF7-9970-91F1855AC027}" dt="2020-03-15T14:45:54.910" v="362" actId="1036"/>
+          <ac:spMkLst>
+            <pc:docMk/>
+            <pc:sldMk cId="2819729231" sldId="392"/>
+            <ac:spMk id="2" creationId="{B899D2B2-D57C-40E4-B0CF-3BDB7107646F}"/>
+          </ac:spMkLst>
+        </pc:spChg>
+      </pc:sldChg>
+      <pc:sldChg chg="del">
+        <pc:chgData name="Samson Christopher" userId="6a13b5f1e64a53ae" providerId="LiveId" clId="{C16499E8-3036-4BF7-9970-91F1855AC027}" dt="2020-03-15T14:37:23.461" v="6" actId="47"/>
+        <pc:sldMkLst>
+          <pc:docMk/>
+          <pc:sldMk cId="3494791149" sldId="392"/>
+        </pc:sldMkLst>
+      </pc:sldChg>
+      <pc:sldChg chg="del">
+        <pc:chgData name="Samson Christopher" userId="6a13b5f1e64a53ae" providerId="LiveId" clId="{C16499E8-3036-4BF7-9970-91F1855AC027}" dt="2020-03-15T14:37:23.825" v="8" actId="47"/>
+        <pc:sldMkLst>
+          <pc:docMk/>
+          <pc:sldMk cId="1924314574" sldId="393"/>
+        </pc:sldMkLst>
+      </pc:sldChg>
+      <pc:sldChg chg="addSp modSp add mod">
+        <pc:chgData name="Samson Christopher" userId="6a13b5f1e64a53ae" providerId="LiveId" clId="{C16499E8-3036-4BF7-9970-91F1855AC027}" dt="2020-03-15T14:47:06.741" v="412" actId="1036"/>
+        <pc:sldMkLst>
+          <pc:docMk/>
+          <pc:sldMk cId="3541016762" sldId="393"/>
+        </pc:sldMkLst>
+        <pc:spChg chg="add mod">
+          <ac:chgData name="Samson Christopher" userId="6a13b5f1e64a53ae" providerId="LiveId" clId="{C16499E8-3036-4BF7-9970-91F1855AC027}" dt="2020-03-15T14:47:06.741" v="412" actId="1036"/>
+          <ac:spMkLst>
+            <pc:docMk/>
+            <pc:sldMk cId="3541016762" sldId="393"/>
+            <ac:spMk id="2" creationId="{30B6D737-8FB5-4A04-AFFC-1BF617553C41}"/>
+          </ac:spMkLst>
+        </pc:spChg>
+      </pc:sldChg>
+      <pc:sldChg chg="del">
+        <pc:chgData name="Samson Christopher" userId="6a13b5f1e64a53ae" providerId="LiveId" clId="{C16499E8-3036-4BF7-9970-91F1855AC027}" dt="2020-03-15T14:37:24.168" v="10" actId="47"/>
+        <pc:sldMkLst>
+          <pc:docMk/>
+          <pc:sldMk cId="1080727351" sldId="394"/>
+        </pc:sldMkLst>
+      </pc:sldChg>
+      <pc:sldChg chg="addSp modSp add mod">
+        <pc:chgData name="Samson Christopher" userId="6a13b5f1e64a53ae" providerId="LiveId" clId="{C16499E8-3036-4BF7-9970-91F1855AC027}" dt="2020-03-15T14:48:34.829" v="470" actId="1035"/>
+        <pc:sldMkLst>
+          <pc:docMk/>
+          <pc:sldMk cId="1741862837" sldId="394"/>
+        </pc:sldMkLst>
+        <pc:spChg chg="add mod">
+          <ac:chgData name="Samson Christopher" userId="6a13b5f1e64a53ae" providerId="LiveId" clId="{C16499E8-3036-4BF7-9970-91F1855AC027}" dt="2020-03-15T14:48:34.829" v="470" actId="1035"/>
+          <ac:spMkLst>
+            <pc:docMk/>
+            <pc:sldMk cId="1741862837" sldId="394"/>
+            <ac:spMk id="2" creationId="{82D72FA5-D46A-43BD-B029-1B761F6B03E5}"/>
+          </ac:spMkLst>
+        </pc:spChg>
+      </pc:sldChg>
+      <pc:sldChg chg="del">
+        <pc:chgData name="Samson Christopher" userId="6a13b5f1e64a53ae" providerId="LiveId" clId="{C16499E8-3036-4BF7-9970-91F1855AC027}" dt="2020-03-15T14:37:24.504" v="12" actId="47"/>
+        <pc:sldMkLst>
+          <pc:docMk/>
+          <pc:sldMk cId="1669884167" sldId="395"/>
+        </pc:sldMkLst>
+      </pc:sldChg>
+      <pc:sldChg chg="addSp modSp add mod">
+        <pc:chgData name="Samson Christopher" userId="6a13b5f1e64a53ae" providerId="LiveId" clId="{C16499E8-3036-4BF7-9970-91F1855AC027}" dt="2020-03-15T14:48:56.610" v="546" actId="1036"/>
+        <pc:sldMkLst>
+          <pc:docMk/>
+          <pc:sldMk cId="4183617494" sldId="395"/>
+        </pc:sldMkLst>
+        <pc:spChg chg="add mod">
+          <ac:chgData name="Samson Christopher" userId="6a13b5f1e64a53ae" providerId="LiveId" clId="{C16499E8-3036-4BF7-9970-91F1855AC027}" dt="2020-03-15T14:48:56.610" v="546" actId="1036"/>
+          <ac:spMkLst>
+            <pc:docMk/>
+            <pc:sldMk cId="4183617494" sldId="395"/>
+            <ac:spMk id="2" creationId="{30A314A9-77D0-48E8-88FB-117F28EF9F71}"/>
+          </ac:spMkLst>
+        </pc:spChg>
+      </pc:sldChg>
+      <pc:sldChg chg="addSp modSp add mod">
+        <pc:chgData name="Samson Christopher" userId="6a13b5f1e64a53ae" providerId="LiveId" clId="{C16499E8-3036-4BF7-9970-91F1855AC027}" dt="2020-03-15T14:49:11.175" v="599" actId="1036"/>
+        <pc:sldMkLst>
+          <pc:docMk/>
+          <pc:sldMk cId="516924162" sldId="396"/>
+        </pc:sldMkLst>
+        <pc:spChg chg="add mod">
+          <ac:chgData name="Samson Christopher" userId="6a13b5f1e64a53ae" providerId="LiveId" clId="{C16499E8-3036-4BF7-9970-91F1855AC027}" dt="2020-03-15T14:49:11.175" v="599" actId="1036"/>
+          <ac:spMkLst>
+            <pc:docMk/>
+            <pc:sldMk cId="516924162" sldId="396"/>
+            <ac:spMk id="2" creationId="{20DB7D6C-A054-463C-BF1B-0B03CF199F08}"/>
+          </ac:spMkLst>
+        </pc:spChg>
+      </pc:sldChg>
+      <pc:sldChg chg="del">
+        <pc:chgData name="Samson Christopher" userId="6a13b5f1e64a53ae" providerId="LiveId" clId="{C16499E8-3036-4BF7-9970-91F1855AC027}" dt="2020-03-15T14:37:24.837" v="14" actId="47"/>
+        <pc:sldMkLst>
+          <pc:docMk/>
+          <pc:sldMk cId="1983726687" sldId="396"/>
+        </pc:sldMkLst>
+      </pc:sldChg>
+      <pc:sldChg chg="addSp modSp add mod">
+        <pc:chgData name="Samson Christopher" userId="6a13b5f1e64a53ae" providerId="LiveId" clId="{C16499E8-3036-4BF7-9970-91F1855AC027}" dt="2020-03-15T14:50:01.696" v="657" actId="1036"/>
+        <pc:sldMkLst>
+          <pc:docMk/>
+          <pc:sldMk cId="2363791542" sldId="397"/>
+        </pc:sldMkLst>
+        <pc:spChg chg="add mod">
+          <ac:chgData name="Samson Christopher" userId="6a13b5f1e64a53ae" providerId="LiveId" clId="{C16499E8-3036-4BF7-9970-91F1855AC027}" dt="2020-03-15T14:50:01.696" v="657" actId="1036"/>
+          <ac:spMkLst>
+            <pc:docMk/>
+            <pc:sldMk cId="2363791542" sldId="397"/>
+            <ac:spMk id="2" creationId="{EE65ED5D-67DB-46A8-989D-5905630FA73B}"/>
+          </ac:spMkLst>
+        </pc:spChg>
+      </pc:sldChg>
+      <pc:sldChg chg="del">
+        <pc:chgData name="Samson Christopher" userId="6a13b5f1e64a53ae" providerId="LiveId" clId="{C16499E8-3036-4BF7-9970-91F1855AC027}" dt="2020-03-15T14:37:25.145" v="16" actId="47"/>
+        <pc:sldMkLst>
+          <pc:docMk/>
+          <pc:sldMk cId="3505701720" sldId="397"/>
+        </pc:sldMkLst>
+      </pc:sldChg>
+      <pc:sldChg chg="del">
+        <pc:chgData name="Samson Christopher" userId="6a13b5f1e64a53ae" providerId="LiveId" clId="{C16499E8-3036-4BF7-9970-91F1855AC027}" dt="2020-03-15T14:37:25.473" v="18" actId="47"/>
+        <pc:sldMkLst>
+          <pc:docMk/>
+          <pc:sldMk cId="377666539" sldId="398"/>
+        </pc:sldMkLst>
+      </pc:sldChg>
+      <pc:sldChg chg="addSp modSp add mod">
+        <pc:chgData name="Samson Christopher" userId="6a13b5f1e64a53ae" providerId="LiveId" clId="{C16499E8-3036-4BF7-9970-91F1855AC027}" dt="2020-03-15T14:50:19.702" v="744" actId="1036"/>
+        <pc:sldMkLst>
+          <pc:docMk/>
+          <pc:sldMk cId="3220640497" sldId="398"/>
+        </pc:sldMkLst>
+        <pc:spChg chg="add mod">
+          <ac:chgData name="Samson Christopher" userId="6a13b5f1e64a53ae" providerId="LiveId" clId="{C16499E8-3036-4BF7-9970-91F1855AC027}" dt="2020-03-15T14:50:19.702" v="744" actId="1036"/>
+          <ac:spMkLst>
+            <pc:docMk/>
+            <pc:sldMk cId="3220640497" sldId="398"/>
+            <ac:spMk id="2" creationId="{6A129E45-33F8-4883-90E1-36364A95998F}"/>
+          </ac:spMkLst>
+        </pc:spChg>
+      </pc:sldChg>
+      <pc:sldChg chg="addSp modSp add mod">
+        <pc:chgData name="Samson Christopher" userId="6a13b5f1e64a53ae" providerId="LiveId" clId="{C16499E8-3036-4BF7-9970-91F1855AC027}" dt="2020-03-15T14:50:36.142" v="794" actId="1036"/>
+        <pc:sldMkLst>
+          <pc:docMk/>
+          <pc:sldMk cId="1510234935" sldId="399"/>
+        </pc:sldMkLst>
+        <pc:spChg chg="add mod">
+          <ac:chgData name="Samson Christopher" userId="6a13b5f1e64a53ae" providerId="LiveId" clId="{C16499E8-3036-4BF7-9970-91F1855AC027}" dt="2020-03-15T14:50:36.142" v="794" actId="1036"/>
+          <ac:spMkLst>
+            <pc:docMk/>
+            <pc:sldMk cId="1510234935" sldId="399"/>
+            <ac:spMk id="2" creationId="{62E1A76D-CE15-49F0-836D-2845F106A45F}"/>
+          </ac:spMkLst>
+        </pc:spChg>
+      </pc:sldChg>
+      <pc:sldChg chg="del">
+        <pc:chgData name="Samson Christopher" userId="6a13b5f1e64a53ae" providerId="LiveId" clId="{C16499E8-3036-4BF7-9970-91F1855AC027}" dt="2020-03-15T14:37:22.993" v="1" actId="47"/>
+        <pc:sldMkLst>
+          <pc:docMk/>
+          <pc:sldMk cId="1619942402" sldId="399"/>
+        </pc:sldMkLst>
+      </pc:sldChg>
+      <pc:sldChg chg="del">
+        <pc:chgData name="Samson Christopher" userId="6a13b5f1e64a53ae" providerId="LiveId" clId="{C16499E8-3036-4BF7-9970-91F1855AC027}" dt="2020-03-15T14:37:23.033" v="3" actId="47"/>
+        <pc:sldMkLst>
+          <pc:docMk/>
+          <pc:sldMk cId="4029498049" sldId="400"/>
+        </pc:sldMkLst>
+      </pc:sldChg>
+      <pc:sldChg chg="addSp modSp add mod">
+        <pc:chgData name="Samson Christopher" userId="6a13b5f1e64a53ae" providerId="LiveId" clId="{C16499E8-3036-4BF7-9970-91F1855AC027}" dt="2020-03-15T14:50:57.654" v="858" actId="1036"/>
+        <pc:sldMkLst>
+          <pc:docMk/>
+          <pc:sldMk cId="4074745041" sldId="400"/>
+        </pc:sldMkLst>
+        <pc:spChg chg="add mod">
+          <ac:chgData name="Samson Christopher" userId="6a13b5f1e64a53ae" providerId="LiveId" clId="{C16499E8-3036-4BF7-9970-91F1855AC027}" dt="2020-03-15T14:50:57.654" v="858" actId="1036"/>
+          <ac:spMkLst>
+            <pc:docMk/>
+            <pc:sldMk cId="4074745041" sldId="400"/>
+            <ac:spMk id="2" creationId="{E5170A87-BA6D-4F23-B334-060E8FB70946}"/>
+          </ac:spMkLst>
+        </pc:spChg>
+      </pc:sldChg>
+      <pc:sldChg chg="addSp modSp add mod">
+        <pc:chgData name="Samson Christopher" userId="6a13b5f1e64a53ae" providerId="LiveId" clId="{C16499E8-3036-4BF7-9970-91F1855AC027}" dt="2020-03-15T14:52:25.890" v="921" actId="1035"/>
+        <pc:sldMkLst>
+          <pc:docMk/>
+          <pc:sldMk cId="3235766185" sldId="401"/>
+        </pc:sldMkLst>
+        <pc:spChg chg="add mod">
+          <ac:chgData name="Samson Christopher" userId="6a13b5f1e64a53ae" providerId="LiveId" clId="{C16499E8-3036-4BF7-9970-91F1855AC027}" dt="2020-03-15T14:52:25.890" v="921" actId="1035"/>
+          <ac:spMkLst>
+            <pc:docMk/>
+            <pc:sldMk cId="3235766185" sldId="401"/>
+            <ac:spMk id="2" creationId="{BF37062E-1CF1-43FE-8DAE-AF3D9DDE512E}"/>
+          </ac:spMkLst>
+        </pc:spChg>
+      </pc:sldChg>
+      <pc:sldChg chg="del">
+        <pc:chgData name="Samson Christopher" userId="6a13b5f1e64a53ae" providerId="LiveId" clId="{C16499E8-3036-4BF7-9970-91F1855AC027}" dt="2020-03-15T14:37:23.308" v="5" actId="47"/>
+        <pc:sldMkLst>
+          <pc:docMk/>
+          <pc:sldMk cId="3673231158" sldId="401"/>
+        </pc:sldMkLst>
+      </pc:sldChg>
+      <pc:sldChg chg="addSp modSp add mod">
+        <pc:chgData name="Samson Christopher" userId="6a13b5f1e64a53ae" providerId="LiveId" clId="{C16499E8-3036-4BF7-9970-91F1855AC027}" dt="2020-03-15T14:52:36.837" v="976" actId="1036"/>
+        <pc:sldMkLst>
+          <pc:docMk/>
+          <pc:sldMk cId="3665806147" sldId="402"/>
+        </pc:sldMkLst>
+        <pc:spChg chg="add mod">
+          <ac:chgData name="Samson Christopher" userId="6a13b5f1e64a53ae" providerId="LiveId" clId="{C16499E8-3036-4BF7-9970-91F1855AC027}" dt="2020-03-15T14:52:36.837" v="976" actId="1036"/>
+          <ac:spMkLst>
+            <pc:docMk/>
+            <pc:sldMk cId="3665806147" sldId="402"/>
+            <ac:spMk id="2" creationId="{F112446D-13AA-40C6-8C10-B217F4FD656C}"/>
+          </ac:spMkLst>
+        </pc:spChg>
+      </pc:sldChg>
+      <pc:sldChg chg="del">
+        <pc:chgData name="Samson Christopher" userId="6a13b5f1e64a53ae" providerId="LiveId" clId="{C16499E8-3036-4BF7-9970-91F1855AC027}" dt="2020-03-15T14:37:23.641" v="7" actId="47"/>
+        <pc:sldMkLst>
+          <pc:docMk/>
+          <pc:sldMk cId="3828469073" sldId="402"/>
+        </pc:sldMkLst>
+      </pc:sldChg>
+      <pc:sldChg chg="addSp modSp add mod">
+        <pc:chgData name="Samson Christopher" userId="6a13b5f1e64a53ae" providerId="LiveId" clId="{C16499E8-3036-4BF7-9970-91F1855AC027}" dt="2020-03-15T14:52:50.808" v="1022" actId="1035"/>
+        <pc:sldMkLst>
+          <pc:docMk/>
+          <pc:sldMk cId="2640454774" sldId="403"/>
+        </pc:sldMkLst>
+        <pc:spChg chg="add mod">
+          <ac:chgData name="Samson Christopher" userId="6a13b5f1e64a53ae" providerId="LiveId" clId="{C16499E8-3036-4BF7-9970-91F1855AC027}" dt="2020-03-15T14:52:50.808" v="1022" actId="1035"/>
+          <ac:spMkLst>
+            <pc:docMk/>
+            <pc:sldMk cId="2640454774" sldId="403"/>
+            <ac:spMk id="2" creationId="{AF503B71-5ABB-429C-919E-7110FD965FAC}"/>
+          </ac:spMkLst>
+        </pc:spChg>
+      </pc:sldChg>
+      <pc:sldChg chg="del">
+        <pc:chgData name="Samson Christopher" userId="6a13b5f1e64a53ae" providerId="LiveId" clId="{C16499E8-3036-4BF7-9970-91F1855AC027}" dt="2020-03-15T14:37:24.011" v="9" actId="47"/>
+        <pc:sldMkLst>
+          <pc:docMk/>
+          <pc:sldMk cId="3069019563" sldId="403"/>
+        </pc:sldMkLst>
+      </pc:sldChg>
+      <pc:sldChg chg="del">
+        <pc:chgData name="Samson Christopher" userId="6a13b5f1e64a53ae" providerId="LiveId" clId="{C16499E8-3036-4BF7-9970-91F1855AC027}" dt="2020-03-15T14:37:24.343" v="11" actId="47"/>
+        <pc:sldMkLst>
+          <pc:docMk/>
+          <pc:sldMk cId="660721704" sldId="404"/>
+        </pc:sldMkLst>
+      </pc:sldChg>
+      <pc:sldChg chg="addSp modSp add mod">
+        <pc:chgData name="Samson Christopher" userId="6a13b5f1e64a53ae" providerId="LiveId" clId="{C16499E8-3036-4BF7-9970-91F1855AC027}" dt="2020-03-15T14:53:00.456" v="1072" actId="1035"/>
+        <pc:sldMkLst>
+          <pc:docMk/>
+          <pc:sldMk cId="3747042205" sldId="404"/>
+        </pc:sldMkLst>
+        <pc:spChg chg="add mod">
+          <ac:chgData name="Samson Christopher" userId="6a13b5f1e64a53ae" providerId="LiveId" clId="{C16499E8-3036-4BF7-9970-91F1855AC027}" dt="2020-03-15T14:53:00.456" v="1072" actId="1035"/>
+          <ac:spMkLst>
+            <pc:docMk/>
+            <pc:sldMk cId="3747042205" sldId="404"/>
+            <ac:spMk id="2" creationId="{3863C2CB-AF23-46DF-9026-20290BB721A8}"/>
+          </ac:spMkLst>
+        </pc:spChg>
+      </pc:sldChg>
+      <pc:sldChg chg="del">
+        <pc:chgData name="Samson Christopher" userId="6a13b5f1e64a53ae" providerId="LiveId" clId="{C16499E8-3036-4BF7-9970-91F1855AC027}" dt="2020-03-15T14:37:24.669" v="13" actId="47"/>
+        <pc:sldMkLst>
+          <pc:docMk/>
+          <pc:sldMk cId="2052091160" sldId="405"/>
+        </pc:sldMkLst>
+      </pc:sldChg>
+      <pc:sldChg chg="del">
+        <pc:chgData name="Samson Christopher" userId="6a13b5f1e64a53ae" providerId="LiveId" clId="{C16499E8-3036-4BF7-9970-91F1855AC027}" dt="2020-03-15T14:37:24.974" v="15" actId="47"/>
+        <pc:sldMkLst>
+          <pc:docMk/>
+          <pc:sldMk cId="1867783601" sldId="406"/>
+        </pc:sldMkLst>
+      </pc:sldChg>
+      <pc:sldChg chg="del">
+        <pc:chgData name="Samson Christopher" userId="6a13b5f1e64a53ae" providerId="LiveId" clId="{C16499E8-3036-4BF7-9970-91F1855AC027}" dt="2020-03-15T14:37:25.318" v="17" actId="47"/>
+        <pc:sldMkLst>
+          <pc:docMk/>
+          <pc:sldMk cId="3727013593" sldId="407"/>
+        </pc:sldMkLst>
+      </pc:sldChg>
+      <pc:sldChg chg="del">
+        <pc:chgData name="Samson Christopher" userId="6a13b5f1e64a53ae" providerId="LiveId" clId="{C16499E8-3036-4BF7-9970-91F1855AC027}" dt="2020-03-15T14:37:25.637" v="19" actId="47"/>
+        <pc:sldMkLst>
+          <pc:docMk/>
+          <pc:sldMk cId="623803182" sldId="408"/>
         </pc:sldMkLst>
       </pc:sldChg>
     </pc:docChg>
@@ -17666,6 +17666,711 @@
     </pc:docChg>
   </pc:docChgLst>
   <pc:docChgLst>
+    <pc:chgData name="Samson Christopher" userId="6a13b5f1e64a53ae" providerId="LiveId" clId="{AEA19ED2-893D-4E74-85AF-6144EECA579F}"/>
+    <pc:docChg chg="undo custSel addSld delSld modSld">
+      <pc:chgData name="Samson Christopher" userId="6a13b5f1e64a53ae" providerId="LiveId" clId="{AEA19ED2-893D-4E74-85AF-6144EECA579F}" dt="2020-01-19T00:39:57.712" v="1958" actId="1035"/>
+      <pc:docMkLst>
+        <pc:docMk/>
+      </pc:docMkLst>
+      <pc:sldChg chg="del">
+        <pc:chgData name="Samson Christopher" userId="6a13b5f1e64a53ae" providerId="LiveId" clId="{AEA19ED2-893D-4E74-85AF-6144EECA579F}" dt="2020-01-11T17:29:12.531" v="35" actId="47"/>
+        <pc:sldMkLst>
+          <pc:docMk/>
+          <pc:sldMk cId="101379844" sldId="264"/>
+        </pc:sldMkLst>
+      </pc:sldChg>
+      <pc:sldChg chg="del">
+        <pc:chgData name="Samson Christopher" userId="6a13b5f1e64a53ae" providerId="LiveId" clId="{AEA19ED2-893D-4E74-85AF-6144EECA579F}" dt="2020-01-11T17:26:56.894" v="0" actId="47"/>
+        <pc:sldMkLst>
+          <pc:docMk/>
+          <pc:sldMk cId="2934023605" sldId="265"/>
+        </pc:sldMkLst>
+      </pc:sldChg>
+      <pc:sldChg chg="del">
+        <pc:chgData name="Samson Christopher" userId="6a13b5f1e64a53ae" providerId="LiveId" clId="{AEA19ED2-893D-4E74-85AF-6144EECA579F}" dt="2020-01-11T17:26:57.078" v="1" actId="47"/>
+        <pc:sldMkLst>
+          <pc:docMk/>
+          <pc:sldMk cId="73749929" sldId="266"/>
+        </pc:sldMkLst>
+      </pc:sldChg>
+      <pc:sldChg chg="addSp delSp modSp del">
+        <pc:chgData name="Samson Christopher" userId="6a13b5f1e64a53ae" providerId="LiveId" clId="{AEA19ED2-893D-4E74-85AF-6144EECA579F}" dt="2020-01-12T13:04:18.345" v="807" actId="47"/>
+        <pc:sldMkLst>
+          <pc:docMk/>
+          <pc:sldMk cId="205513173" sldId="267"/>
+        </pc:sldMkLst>
+        <pc:spChg chg="del mod">
+          <ac:chgData name="Samson Christopher" userId="6a13b5f1e64a53ae" providerId="LiveId" clId="{AEA19ED2-893D-4E74-85AF-6144EECA579F}" dt="2020-01-11T17:38:01.894" v="344" actId="478"/>
+          <ac:spMkLst>
+            <pc:docMk/>
+            <pc:sldMk cId="205513173" sldId="267"/>
+            <ac:spMk id="2" creationId="{9C04DF31-6824-440F-A15D-A93ECF919707}"/>
+          </ac:spMkLst>
+        </pc:spChg>
+        <pc:spChg chg="del">
+          <ac:chgData name="Samson Christopher" userId="6a13b5f1e64a53ae" providerId="LiveId" clId="{AEA19ED2-893D-4E74-85AF-6144EECA579F}" dt="2020-01-11T17:27:02.028" v="2" actId="478"/>
+          <ac:spMkLst>
+            <pc:docMk/>
+            <pc:sldMk cId="205513173" sldId="267"/>
+            <ac:spMk id="3" creationId="{93572D85-92D7-4888-854E-26FE612136DD}"/>
+          </ac:spMkLst>
+        </pc:spChg>
+        <pc:spChg chg="add del">
+          <ac:chgData name="Samson Christopher" userId="6a13b5f1e64a53ae" providerId="LiveId" clId="{AEA19ED2-893D-4E74-85AF-6144EECA579F}" dt="2020-01-11T17:27:23.759" v="6"/>
+          <ac:spMkLst>
+            <pc:docMk/>
+            <pc:sldMk cId="205513173" sldId="267"/>
+            <ac:spMk id="4" creationId="{111C7BF6-9E73-479D-9380-E362F0CBEC8F}"/>
+          </ac:spMkLst>
+        </pc:spChg>
+        <pc:spChg chg="add mod">
+          <ac:chgData name="Samson Christopher" userId="6a13b5f1e64a53ae" providerId="LiveId" clId="{AEA19ED2-893D-4E74-85AF-6144EECA579F}" dt="2020-01-11T17:38:25.345" v="368" actId="1036"/>
+          <ac:spMkLst>
+            <pc:docMk/>
+            <pc:sldMk cId="205513173" sldId="267"/>
+            <ac:spMk id="5" creationId="{169951A6-EA54-48FF-A5D0-A5F6D68C74A1}"/>
+          </ac:spMkLst>
+        </pc:spChg>
+        <pc:spChg chg="add mod ord">
+          <ac:chgData name="Samson Christopher" userId="6a13b5f1e64a53ae" providerId="LiveId" clId="{AEA19ED2-893D-4E74-85AF-6144EECA579F}" dt="2020-01-11T17:38:11.537" v="346" actId="1076"/>
+          <ac:spMkLst>
+            <pc:docMk/>
+            <pc:sldMk cId="205513173" sldId="267"/>
+            <ac:spMk id="6" creationId="{78BDB258-58CC-44AE-80BE-DB2ADED7CF91}"/>
+          </ac:spMkLst>
+        </pc:spChg>
+      </pc:sldChg>
+      <pc:sldChg chg="addSp delSp modSp add del">
+        <pc:chgData name="Samson Christopher" userId="6a13b5f1e64a53ae" providerId="LiveId" clId="{AEA19ED2-893D-4E74-85AF-6144EECA579F}" dt="2020-01-12T13:02:29.170" v="763" actId="47"/>
+        <pc:sldMkLst>
+          <pc:docMk/>
+          <pc:sldMk cId="817822652" sldId="268"/>
+        </pc:sldMkLst>
+        <pc:spChg chg="del">
+          <ac:chgData name="Samson Christopher" userId="6a13b5f1e64a53ae" providerId="LiveId" clId="{AEA19ED2-893D-4E74-85AF-6144EECA579F}" dt="2020-01-11T17:37:11.360" v="319" actId="478"/>
+          <ac:spMkLst>
+            <pc:docMk/>
+            <pc:sldMk cId="817822652" sldId="268"/>
+            <ac:spMk id="2" creationId="{9C04DF31-6824-440F-A15D-A93ECF919707}"/>
+          </ac:spMkLst>
+        </pc:spChg>
+        <pc:spChg chg="add mod">
+          <ac:chgData name="Samson Christopher" userId="6a13b5f1e64a53ae" providerId="LiveId" clId="{AEA19ED2-893D-4E74-85AF-6144EECA579F}" dt="2020-01-11T17:37:50.857" v="341" actId="1036"/>
+          <ac:spMkLst>
+            <pc:docMk/>
+            <pc:sldMk cId="817822652" sldId="268"/>
+            <ac:spMk id="3" creationId="{91601B9F-94AB-46BF-972D-CDCA42C4B39C}"/>
+          </ac:spMkLst>
+        </pc:spChg>
+        <pc:spChg chg="add mod ord">
+          <ac:chgData name="Samson Christopher" userId="6a13b5f1e64a53ae" providerId="LiveId" clId="{AEA19ED2-893D-4E74-85AF-6144EECA579F}" dt="2020-01-11T17:37:20.465" v="321" actId="1076"/>
+          <ac:spMkLst>
+            <pc:docMk/>
+            <pc:sldMk cId="817822652" sldId="268"/>
+            <ac:spMk id="4" creationId="{AC78BB52-A2A6-4D5E-A8F1-6BF490960139}"/>
+          </ac:spMkLst>
+        </pc:spChg>
+      </pc:sldChg>
+      <pc:sldChg chg="addSp delSp modSp add del">
+        <pc:chgData name="Samson Christopher" userId="6a13b5f1e64a53ae" providerId="LiveId" clId="{AEA19ED2-893D-4E74-85AF-6144EECA579F}" dt="2020-01-19T00:38:10.571" v="1600" actId="47"/>
+        <pc:sldMkLst>
+          <pc:docMk/>
+          <pc:sldMk cId="1912890919" sldId="268"/>
+        </pc:sldMkLst>
+        <pc:spChg chg="add del mod">
+          <ac:chgData name="Samson Christopher" userId="6a13b5f1e64a53ae" providerId="LiveId" clId="{AEA19ED2-893D-4E74-85AF-6144EECA579F}" dt="2020-01-19T00:38:05.983" v="1598" actId="478"/>
+          <ac:spMkLst>
+            <pc:docMk/>
+            <pc:sldMk cId="1912890919" sldId="268"/>
+            <ac:spMk id="2" creationId="{48772157-96FD-4D4C-83AA-17556C9EEA93}"/>
+          </ac:spMkLst>
+        </pc:spChg>
+        <pc:spChg chg="del">
+          <ac:chgData name="Samson Christopher" userId="6a13b5f1e64a53ae" providerId="LiveId" clId="{AEA19ED2-893D-4E74-85AF-6144EECA579F}" dt="2020-01-12T13:02:46.505" v="776" actId="478"/>
+          <ac:spMkLst>
+            <pc:docMk/>
+            <pc:sldMk cId="1912890919" sldId="268"/>
+            <ac:spMk id="5" creationId="{169951A6-EA54-48FF-A5D0-A5F6D68C74A1}"/>
+          </ac:spMkLst>
+        </pc:spChg>
+      </pc:sldChg>
+      <pc:sldChg chg="addSp modSp add del">
+        <pc:chgData name="Samson Christopher" userId="6a13b5f1e64a53ae" providerId="LiveId" clId="{AEA19ED2-893D-4E74-85AF-6144EECA579F}" dt="2020-01-19T00:37:04.668" v="1572" actId="47"/>
+        <pc:sldMkLst>
+          <pc:docMk/>
+          <pc:sldMk cId="1926587198" sldId="269"/>
+        </pc:sldMkLst>
+        <pc:spChg chg="add mod">
+          <ac:chgData name="Samson Christopher" userId="6a13b5f1e64a53ae" providerId="LiveId" clId="{AEA19ED2-893D-4E74-85AF-6144EECA579F}" dt="2020-01-12T13:05:44.225" v="946" actId="1035"/>
+          <ac:spMkLst>
+            <pc:docMk/>
+            <pc:sldMk cId="1926587198" sldId="269"/>
+            <ac:spMk id="2" creationId="{C68CDE41-5D6B-4EE2-A19E-2672B32A72C1}"/>
+          </ac:spMkLst>
+        </pc:spChg>
+      </pc:sldChg>
+      <pc:sldChg chg="addSp delSp modSp add">
+        <pc:chgData name="Samson Christopher" userId="6a13b5f1e64a53ae" providerId="LiveId" clId="{AEA19ED2-893D-4E74-85AF-6144EECA579F}" dt="2020-01-19T00:38:45.222" v="1670" actId="1035"/>
+        <pc:sldMkLst>
+          <pc:docMk/>
+          <pc:sldMk cId="3263036268" sldId="269"/>
+        </pc:sldMkLst>
+        <pc:spChg chg="del">
+          <ac:chgData name="Samson Christopher" userId="6a13b5f1e64a53ae" providerId="LiveId" clId="{AEA19ED2-893D-4E74-85AF-6144EECA579F}" dt="2020-01-19T00:37:16.996" v="1585" actId="478"/>
+          <ac:spMkLst>
+            <pc:docMk/>
+            <pc:sldMk cId="3263036268" sldId="269"/>
+            <ac:spMk id="2" creationId="{48772157-96FD-4D4C-83AA-17556C9EEA93}"/>
+          </ac:spMkLst>
+        </pc:spChg>
+        <pc:spChg chg="add mod">
+          <ac:chgData name="Samson Christopher" userId="6a13b5f1e64a53ae" providerId="LiveId" clId="{AEA19ED2-893D-4E74-85AF-6144EECA579F}" dt="2020-01-19T00:38:45.222" v="1670" actId="1035"/>
+          <ac:spMkLst>
+            <pc:docMk/>
+            <pc:sldMk cId="3263036268" sldId="269"/>
+            <ac:spMk id="3" creationId="{49037711-142F-4E76-B63B-93C459E3DEBD}"/>
+          </ac:spMkLst>
+        </pc:spChg>
+      </pc:sldChg>
+      <pc:sldChg chg="addSp delSp modSp add del">
+        <pc:chgData name="Samson Christopher" userId="6a13b5f1e64a53ae" providerId="LiveId" clId="{AEA19ED2-893D-4E74-85AF-6144EECA579F}" dt="2020-01-12T13:02:29.311" v="764" actId="47"/>
+        <pc:sldMkLst>
+          <pc:docMk/>
+          <pc:sldMk cId="3759143610" sldId="269"/>
+        </pc:sldMkLst>
+        <pc:spChg chg="del mod">
+          <ac:chgData name="Samson Christopher" userId="6a13b5f1e64a53ae" providerId="LiveId" clId="{AEA19ED2-893D-4E74-85AF-6144EECA579F}" dt="2020-01-11T17:35:40.005" v="303" actId="478"/>
+          <ac:spMkLst>
+            <pc:docMk/>
+            <pc:sldMk cId="3759143610" sldId="269"/>
+            <ac:spMk id="2" creationId="{9C04DF31-6824-440F-A15D-A93ECF919707}"/>
+          </ac:spMkLst>
+        </pc:spChg>
+        <pc:spChg chg="add mod">
+          <ac:chgData name="Samson Christopher" userId="6a13b5f1e64a53ae" providerId="LiveId" clId="{AEA19ED2-893D-4E74-85AF-6144EECA579F}" dt="2020-01-11T18:15:39.238" v="679" actId="1076"/>
+          <ac:spMkLst>
+            <pc:docMk/>
+            <pc:sldMk cId="3759143610" sldId="269"/>
+            <ac:spMk id="3" creationId="{020A6B4B-F95D-4951-9CC8-1E2CF029B74D}"/>
+          </ac:spMkLst>
+        </pc:spChg>
+        <pc:spChg chg="add mod ord">
+          <ac:chgData name="Samson Christopher" userId="6a13b5f1e64a53ae" providerId="LiveId" clId="{AEA19ED2-893D-4E74-85AF-6144EECA579F}" dt="2020-01-11T17:36:07.359" v="307" actId="1076"/>
+          <ac:spMkLst>
+            <pc:docMk/>
+            <pc:sldMk cId="3759143610" sldId="269"/>
+            <ac:spMk id="4" creationId="{B3EB6FD1-259E-4FFC-8BA3-3005768831BC}"/>
+          </ac:spMkLst>
+        </pc:spChg>
+      </pc:sldChg>
+      <pc:sldChg chg="addSp delSp modSp add del">
+        <pc:chgData name="Samson Christopher" userId="6a13b5f1e64a53ae" providerId="LiveId" clId="{AEA19ED2-893D-4E74-85AF-6144EECA579F}" dt="2020-01-12T13:02:29.545" v="765" actId="47"/>
+        <pc:sldMkLst>
+          <pc:docMk/>
+          <pc:sldMk cId="1803567911" sldId="270"/>
+        </pc:sldMkLst>
+        <pc:spChg chg="del mod">
+          <ac:chgData name="Samson Christopher" userId="6a13b5f1e64a53ae" providerId="LiveId" clId="{AEA19ED2-893D-4E74-85AF-6144EECA579F}" dt="2020-01-11T17:34:37.813" v="281" actId="478"/>
+          <ac:spMkLst>
+            <pc:docMk/>
+            <pc:sldMk cId="1803567911" sldId="270"/>
+            <ac:spMk id="2" creationId="{9C04DF31-6824-440F-A15D-A93ECF919707}"/>
+          </ac:spMkLst>
+        </pc:spChg>
+        <pc:spChg chg="add mod ord">
+          <ac:chgData name="Samson Christopher" userId="6a13b5f1e64a53ae" providerId="LiveId" clId="{AEA19ED2-893D-4E74-85AF-6144EECA579F}" dt="2020-01-11T17:35:03.126" v="293" actId="1035"/>
+          <ac:spMkLst>
+            <pc:docMk/>
+            <pc:sldMk cId="1803567911" sldId="270"/>
+            <ac:spMk id="3" creationId="{D05F3456-DA59-4FCE-92CE-DDC6E03BCDC8}"/>
+          </ac:spMkLst>
+        </pc:spChg>
+        <pc:spChg chg="add mod">
+          <ac:chgData name="Samson Christopher" userId="6a13b5f1e64a53ae" providerId="LiveId" clId="{AEA19ED2-893D-4E74-85AF-6144EECA579F}" dt="2020-01-11T17:34:49.955" v="283" actId="1076"/>
+          <ac:spMkLst>
+            <pc:docMk/>
+            <pc:sldMk cId="1803567911" sldId="270"/>
+            <ac:spMk id="4" creationId="{AE473DC9-81DC-426F-A705-B137FCAC40B2}"/>
+          </ac:spMkLst>
+        </pc:spChg>
+      </pc:sldChg>
+      <pc:sldChg chg="addSp modSp add del">
+        <pc:chgData name="Samson Christopher" userId="6a13b5f1e64a53ae" providerId="LiveId" clId="{AEA19ED2-893D-4E74-85AF-6144EECA579F}" dt="2020-01-19T00:37:04.890" v="1573" actId="47"/>
+        <pc:sldMkLst>
+          <pc:docMk/>
+          <pc:sldMk cId="1857371406" sldId="270"/>
+        </pc:sldMkLst>
+        <pc:spChg chg="add mod">
+          <ac:chgData name="Samson Christopher" userId="6a13b5f1e64a53ae" providerId="LiveId" clId="{AEA19ED2-893D-4E74-85AF-6144EECA579F}" dt="2020-01-12T13:05:56.693" v="993" actId="1036"/>
+          <ac:spMkLst>
+            <pc:docMk/>
+            <pc:sldMk cId="1857371406" sldId="270"/>
+            <ac:spMk id="2" creationId="{7D82AB54-A62C-43B9-9CD8-5F35667050A0}"/>
+          </ac:spMkLst>
+        </pc:spChg>
+      </pc:sldChg>
+      <pc:sldChg chg="addSp modSp add">
+        <pc:chgData name="Samson Christopher" userId="6a13b5f1e64a53ae" providerId="LiveId" clId="{AEA19ED2-893D-4E74-85AF-6144EECA579F}" dt="2020-01-19T00:38:59.715" v="1735" actId="1036"/>
+        <pc:sldMkLst>
+          <pc:docMk/>
+          <pc:sldMk cId="2684322283" sldId="270"/>
+        </pc:sldMkLst>
+        <pc:spChg chg="add mod">
+          <ac:chgData name="Samson Christopher" userId="6a13b5f1e64a53ae" providerId="LiveId" clId="{AEA19ED2-893D-4E74-85AF-6144EECA579F}" dt="2020-01-19T00:38:59.715" v="1735" actId="1036"/>
+          <ac:spMkLst>
+            <pc:docMk/>
+            <pc:sldMk cId="2684322283" sldId="270"/>
+            <ac:spMk id="2" creationId="{96C3BE96-6407-4B8B-BD54-66BABF401740}"/>
+          </ac:spMkLst>
+        </pc:spChg>
+      </pc:sldChg>
+      <pc:sldChg chg="addSp modSp add del">
+        <pc:chgData name="Samson Christopher" userId="6a13b5f1e64a53ae" providerId="LiveId" clId="{AEA19ED2-893D-4E74-85AF-6144EECA579F}" dt="2020-01-12T13:02:29.717" v="766" actId="47"/>
+        <pc:sldMkLst>
+          <pc:docMk/>
+          <pc:sldMk cId="331967788" sldId="271"/>
+        </pc:sldMkLst>
+        <pc:spChg chg="mod">
+          <ac:chgData name="Samson Christopher" userId="6a13b5f1e64a53ae" providerId="LiveId" clId="{AEA19ED2-893D-4E74-85AF-6144EECA579F}" dt="2020-01-11T17:34:24.698" v="278" actId="1076"/>
+          <ac:spMkLst>
+            <pc:docMk/>
+            <pc:sldMk cId="331967788" sldId="271"/>
+            <ac:spMk id="2" creationId="{9C04DF31-6824-440F-A15D-A93ECF919707}"/>
+          </ac:spMkLst>
+        </pc:spChg>
+        <pc:spChg chg="add mod">
+          <ac:chgData name="Samson Christopher" userId="6a13b5f1e64a53ae" providerId="LiveId" clId="{AEA19ED2-893D-4E74-85AF-6144EECA579F}" dt="2020-01-11T17:35:15.232" v="299" actId="1035"/>
+          <ac:spMkLst>
+            <pc:docMk/>
+            <pc:sldMk cId="331967788" sldId="271"/>
+            <ac:spMk id="3" creationId="{3C56325A-23CD-4B40-B44F-B545A1C55049}"/>
+          </ac:spMkLst>
+        </pc:spChg>
+      </pc:sldChg>
+      <pc:sldChg chg="addSp modSp add del">
+        <pc:chgData name="Samson Christopher" userId="6a13b5f1e64a53ae" providerId="LiveId" clId="{AEA19ED2-893D-4E74-85AF-6144EECA579F}" dt="2020-01-19T00:37:05.066" v="1574" actId="47"/>
+        <pc:sldMkLst>
+          <pc:docMk/>
+          <pc:sldMk cId="2443260027" sldId="271"/>
+        </pc:sldMkLst>
+        <pc:spChg chg="add mod">
+          <ac:chgData name="Samson Christopher" userId="6a13b5f1e64a53ae" providerId="LiveId" clId="{AEA19ED2-893D-4E74-85AF-6144EECA579F}" dt="2020-01-12T13:06:12.498" v="1050" actId="1036"/>
+          <ac:spMkLst>
+            <pc:docMk/>
+            <pc:sldMk cId="2443260027" sldId="271"/>
+            <ac:spMk id="2" creationId="{D8B8BCB2-A515-44AF-8F00-BC9E4F40704D}"/>
+          </ac:spMkLst>
+        </pc:spChg>
+      </pc:sldChg>
+      <pc:sldChg chg="addSp modSp add">
+        <pc:chgData name="Samson Christopher" userId="6a13b5f1e64a53ae" providerId="LiveId" clId="{AEA19ED2-893D-4E74-85AF-6144EECA579F}" dt="2020-01-19T00:39:17.121" v="1799" actId="1036"/>
+        <pc:sldMkLst>
+          <pc:docMk/>
+          <pc:sldMk cId="2829024046" sldId="271"/>
+        </pc:sldMkLst>
+        <pc:spChg chg="add mod">
+          <ac:chgData name="Samson Christopher" userId="6a13b5f1e64a53ae" providerId="LiveId" clId="{AEA19ED2-893D-4E74-85AF-6144EECA579F}" dt="2020-01-19T00:39:17.121" v="1799" actId="1036"/>
+          <ac:spMkLst>
+            <pc:docMk/>
+            <pc:sldMk cId="2829024046" sldId="271"/>
+            <ac:spMk id="2" creationId="{7C54FAD8-4918-454F-B176-6646BF9F8F32}"/>
+          </ac:spMkLst>
+        </pc:spChg>
+      </pc:sldChg>
+      <pc:sldChg chg="addSp delSp modSp add del">
+        <pc:chgData name="Samson Christopher" userId="6a13b5f1e64a53ae" providerId="LiveId" clId="{AEA19ED2-893D-4E74-85AF-6144EECA579F}" dt="2020-01-12T13:02:29.951" v="767" actId="47"/>
+        <pc:sldMkLst>
+          <pc:docMk/>
+          <pc:sldMk cId="1137408781" sldId="272"/>
+        </pc:sldMkLst>
+        <pc:spChg chg="del">
+          <ac:chgData name="Samson Christopher" userId="6a13b5f1e64a53ae" providerId="LiveId" clId="{AEA19ED2-893D-4E74-85AF-6144EECA579F}" dt="2020-01-11T17:38:44.665" v="371" actId="478"/>
+          <ac:spMkLst>
+            <pc:docMk/>
+            <pc:sldMk cId="1137408781" sldId="272"/>
+            <ac:spMk id="2" creationId="{9C04DF31-6824-440F-A15D-A93ECF919707}"/>
+          </ac:spMkLst>
+        </pc:spChg>
+        <pc:spChg chg="add mod ord">
+          <ac:chgData name="Samson Christopher" userId="6a13b5f1e64a53ae" providerId="LiveId" clId="{AEA19ED2-893D-4E74-85AF-6144EECA579F}" dt="2020-01-11T17:40:59.212" v="421" actId="1035"/>
+          <ac:spMkLst>
+            <pc:docMk/>
+            <pc:sldMk cId="1137408781" sldId="272"/>
+            <ac:spMk id="3" creationId="{D9BEF4BA-F2ED-43F1-AA06-AF383048C543}"/>
+          </ac:spMkLst>
+        </pc:spChg>
+        <pc:spChg chg="add mod">
+          <ac:chgData name="Samson Christopher" userId="6a13b5f1e64a53ae" providerId="LiveId" clId="{AEA19ED2-893D-4E74-85AF-6144EECA579F}" dt="2020-01-11T17:38:46.806" v="372" actId="1076"/>
+          <ac:spMkLst>
+            <pc:docMk/>
+            <pc:sldMk cId="1137408781" sldId="272"/>
+            <ac:spMk id="4" creationId="{484533D0-FF8D-44C8-91C9-F7ED885741A4}"/>
+          </ac:spMkLst>
+        </pc:spChg>
+      </pc:sldChg>
+      <pc:sldChg chg="addSp modSp add del">
+        <pc:chgData name="Samson Christopher" userId="6a13b5f1e64a53ae" providerId="LiveId" clId="{AEA19ED2-893D-4E74-85AF-6144EECA579F}" dt="2020-01-19T00:37:05.268" v="1575" actId="47"/>
+        <pc:sldMkLst>
+          <pc:docMk/>
+          <pc:sldMk cId="1327957954" sldId="272"/>
+        </pc:sldMkLst>
+        <pc:spChg chg="add mod">
+          <ac:chgData name="Samson Christopher" userId="6a13b5f1e64a53ae" providerId="LiveId" clId="{AEA19ED2-893D-4E74-85AF-6144EECA579F}" dt="2020-01-12T13:06:32.179" v="1128" actId="1036"/>
+          <ac:spMkLst>
+            <pc:docMk/>
+            <pc:sldMk cId="1327957954" sldId="272"/>
+            <ac:spMk id="2" creationId="{DA8E470C-5CDE-4EE7-8EFC-A5AD5D4FE334}"/>
+          </ac:spMkLst>
+        </pc:spChg>
+      </pc:sldChg>
+      <pc:sldChg chg="addSp modSp add">
+        <pc:chgData name="Samson Christopher" userId="6a13b5f1e64a53ae" providerId="LiveId" clId="{AEA19ED2-893D-4E74-85AF-6144EECA579F}" dt="2020-01-19T00:39:30.491" v="1859" actId="1036"/>
+        <pc:sldMkLst>
+          <pc:docMk/>
+          <pc:sldMk cId="3411163202" sldId="272"/>
+        </pc:sldMkLst>
+        <pc:spChg chg="add mod">
+          <ac:chgData name="Samson Christopher" userId="6a13b5f1e64a53ae" providerId="LiveId" clId="{AEA19ED2-893D-4E74-85AF-6144EECA579F}" dt="2020-01-19T00:39:30.491" v="1859" actId="1036"/>
+          <ac:spMkLst>
+            <pc:docMk/>
+            <pc:sldMk cId="3411163202" sldId="272"/>
+            <ac:spMk id="2" creationId="{FA20E1DD-EF30-4ECE-A582-6D5A12DCAAED}"/>
+          </ac:spMkLst>
+        </pc:spChg>
+      </pc:sldChg>
+      <pc:sldChg chg="addSp modSp add del">
+        <pc:chgData name="Samson Christopher" userId="6a13b5f1e64a53ae" providerId="LiveId" clId="{AEA19ED2-893D-4E74-85AF-6144EECA579F}" dt="2020-01-12T13:02:30.138" v="768" actId="47"/>
+        <pc:sldMkLst>
+          <pc:docMk/>
+          <pc:sldMk cId="3762640958" sldId="273"/>
+        </pc:sldMkLst>
+        <pc:spChg chg="add mod ord">
+          <ac:chgData name="Samson Christopher" userId="6a13b5f1e64a53ae" providerId="LiveId" clId="{AEA19ED2-893D-4E74-85AF-6144EECA579F}" dt="2020-01-11T17:43:43.556" v="443" actId="1035"/>
+          <ac:spMkLst>
+            <pc:docMk/>
+            <pc:sldMk cId="3762640958" sldId="273"/>
+            <ac:spMk id="3" creationId="{50DC0C7A-4149-4290-9B4B-C0A7EC16CF75}"/>
+          </ac:spMkLst>
+        </pc:spChg>
+        <pc:spChg chg="add">
+          <ac:chgData name="Samson Christopher" userId="6a13b5f1e64a53ae" providerId="LiveId" clId="{AEA19ED2-893D-4E74-85AF-6144EECA579F}" dt="2020-01-11T17:38:52.274" v="373"/>
+          <ac:spMkLst>
+            <pc:docMk/>
+            <pc:sldMk cId="3762640958" sldId="273"/>
+            <ac:spMk id="4" creationId="{8166AA50-DB81-4F49-A912-46BF4228BBC0}"/>
+          </ac:spMkLst>
+        </pc:spChg>
+      </pc:sldChg>
+      <pc:sldChg chg="addSp modSp add del">
+        <pc:chgData name="Samson Christopher" userId="6a13b5f1e64a53ae" providerId="LiveId" clId="{AEA19ED2-893D-4E74-85AF-6144EECA579F}" dt="2020-01-19T00:37:05.450" v="1576" actId="47"/>
+        <pc:sldMkLst>
+          <pc:docMk/>
+          <pc:sldMk cId="3785288161" sldId="273"/>
+        </pc:sldMkLst>
+        <pc:spChg chg="add mod">
+          <ac:chgData name="Samson Christopher" userId="6a13b5f1e64a53ae" providerId="LiveId" clId="{AEA19ED2-893D-4E74-85AF-6144EECA579F}" dt="2020-01-12T13:07:01.285" v="1248" actId="1036"/>
+          <ac:spMkLst>
+            <pc:docMk/>
+            <pc:sldMk cId="3785288161" sldId="273"/>
+            <ac:spMk id="2" creationId="{5738C9D9-ACEE-4291-9912-EF94BB8EF54C}"/>
+          </ac:spMkLst>
+        </pc:spChg>
+      </pc:sldChg>
+      <pc:sldChg chg="addSp modSp add">
+        <pc:chgData name="Samson Christopher" userId="6a13b5f1e64a53ae" providerId="LiveId" clId="{AEA19ED2-893D-4E74-85AF-6144EECA579F}" dt="2020-01-19T00:39:41.999" v="1911" actId="1035"/>
+        <pc:sldMkLst>
+          <pc:docMk/>
+          <pc:sldMk cId="4243651384" sldId="273"/>
+        </pc:sldMkLst>
+        <pc:spChg chg="add mod">
+          <ac:chgData name="Samson Christopher" userId="6a13b5f1e64a53ae" providerId="LiveId" clId="{AEA19ED2-893D-4E74-85AF-6144EECA579F}" dt="2020-01-19T00:39:41.999" v="1911" actId="1035"/>
+          <ac:spMkLst>
+            <pc:docMk/>
+            <pc:sldMk cId="4243651384" sldId="273"/>
+            <ac:spMk id="2" creationId="{6D19C2AA-BD27-4DC8-B677-0D184E7A0C82}"/>
+          </ac:spMkLst>
+        </pc:spChg>
+      </pc:sldChg>
+      <pc:sldChg chg="addSp modSp add del">
+        <pc:chgData name="Samson Christopher" userId="6a13b5f1e64a53ae" providerId="LiveId" clId="{AEA19ED2-893D-4E74-85AF-6144EECA579F}" dt="2020-01-19T00:37:05.674" v="1577" actId="47"/>
+        <pc:sldMkLst>
+          <pc:docMk/>
+          <pc:sldMk cId="882374244" sldId="274"/>
+        </pc:sldMkLst>
+        <pc:spChg chg="add mod">
+          <ac:chgData name="Samson Christopher" userId="6a13b5f1e64a53ae" providerId="LiveId" clId="{AEA19ED2-893D-4E74-85AF-6144EECA579F}" dt="2020-01-12T13:07:16.427" v="1313" actId="1035"/>
+          <ac:spMkLst>
+            <pc:docMk/>
+            <pc:sldMk cId="882374244" sldId="274"/>
+            <ac:spMk id="2" creationId="{BA453DDF-FB0F-4507-B21D-4D454A78A58E}"/>
+          </ac:spMkLst>
+        </pc:spChg>
+      </pc:sldChg>
+      <pc:sldChg chg="addSp modSp add">
+        <pc:chgData name="Samson Christopher" userId="6a13b5f1e64a53ae" providerId="LiveId" clId="{AEA19ED2-893D-4E74-85AF-6144EECA579F}" dt="2020-01-19T00:39:57.712" v="1958" actId="1035"/>
+        <pc:sldMkLst>
+          <pc:docMk/>
+          <pc:sldMk cId="1955277305" sldId="274"/>
+        </pc:sldMkLst>
+        <pc:spChg chg="add mod">
+          <ac:chgData name="Samson Christopher" userId="6a13b5f1e64a53ae" providerId="LiveId" clId="{AEA19ED2-893D-4E74-85AF-6144EECA579F}" dt="2020-01-19T00:39:57.712" v="1958" actId="1035"/>
+          <ac:spMkLst>
+            <pc:docMk/>
+            <pc:sldMk cId="1955277305" sldId="274"/>
+            <ac:spMk id="2" creationId="{3005D8BA-39B5-4A23-89E7-27FBA5D05F22}"/>
+          </ac:spMkLst>
+        </pc:spChg>
+      </pc:sldChg>
+      <pc:sldChg chg="addSp modSp add del">
+        <pc:chgData name="Samson Christopher" userId="6a13b5f1e64a53ae" providerId="LiveId" clId="{AEA19ED2-893D-4E74-85AF-6144EECA579F}" dt="2020-01-12T13:02:30.384" v="769" actId="47"/>
+        <pc:sldMkLst>
+          <pc:docMk/>
+          <pc:sldMk cId="3231910920" sldId="274"/>
+        </pc:sldMkLst>
+        <pc:spChg chg="add mod ord">
+          <ac:chgData name="Samson Christopher" userId="6a13b5f1e64a53ae" providerId="LiveId" clId="{AEA19ED2-893D-4E74-85AF-6144EECA579F}" dt="2020-01-11T17:44:10.957" v="509" actId="1035"/>
+          <ac:spMkLst>
+            <pc:docMk/>
+            <pc:sldMk cId="3231910920" sldId="274"/>
+            <ac:spMk id="3" creationId="{85BB6DC3-07E6-4A7E-9113-D4C125C9296B}"/>
+          </ac:spMkLst>
+        </pc:spChg>
+        <pc:spChg chg="add">
+          <ac:chgData name="Samson Christopher" userId="6a13b5f1e64a53ae" providerId="LiveId" clId="{AEA19ED2-893D-4E74-85AF-6144EECA579F}" dt="2020-01-11T17:38:55.176" v="374"/>
+          <ac:spMkLst>
+            <pc:docMk/>
+            <pc:sldMk cId="3231910920" sldId="274"/>
+            <ac:spMk id="4" creationId="{C5B9549F-654D-40F3-BBCE-72297B3D10C6}"/>
+          </ac:spMkLst>
+        </pc:spChg>
+      </pc:sldChg>
+      <pc:sldChg chg="addSp modSp add del">
+        <pc:chgData name="Samson Christopher" userId="6a13b5f1e64a53ae" providerId="LiveId" clId="{AEA19ED2-893D-4E74-85AF-6144EECA579F}" dt="2020-01-12T13:02:30.590" v="770" actId="47"/>
+        <pc:sldMkLst>
+          <pc:docMk/>
+          <pc:sldMk cId="225120764" sldId="275"/>
+        </pc:sldMkLst>
+        <pc:spChg chg="add mod ord">
+          <ac:chgData name="Samson Christopher" userId="6a13b5f1e64a53ae" providerId="LiveId" clId="{AEA19ED2-893D-4E74-85AF-6144EECA579F}" dt="2020-01-11T17:45:03.906" v="579" actId="1035"/>
+          <ac:spMkLst>
+            <pc:docMk/>
+            <pc:sldMk cId="225120764" sldId="275"/>
+            <ac:spMk id="3" creationId="{4F95A626-2A6E-4E4B-933F-D9F3AEAB5D5F}"/>
+          </ac:spMkLst>
+        </pc:spChg>
+        <pc:spChg chg="add">
+          <ac:chgData name="Samson Christopher" userId="6a13b5f1e64a53ae" providerId="LiveId" clId="{AEA19ED2-893D-4E74-85AF-6144EECA579F}" dt="2020-01-11T17:38:57.441" v="375"/>
+          <ac:spMkLst>
+            <pc:docMk/>
+            <pc:sldMk cId="225120764" sldId="275"/>
+            <ac:spMk id="4" creationId="{D7B3A9FD-F3E6-487A-B014-C666EC45F282}"/>
+          </ac:spMkLst>
+        </pc:spChg>
+      </pc:sldChg>
+      <pc:sldChg chg="addSp modSp add del">
+        <pc:chgData name="Samson Christopher" userId="6a13b5f1e64a53ae" providerId="LiveId" clId="{AEA19ED2-893D-4E74-85AF-6144EECA579F}" dt="2020-01-19T00:37:05.899" v="1578" actId="47"/>
+        <pc:sldMkLst>
+          <pc:docMk/>
+          <pc:sldMk cId="3890446953" sldId="275"/>
+        </pc:sldMkLst>
+        <pc:spChg chg="add mod">
+          <ac:chgData name="Samson Christopher" userId="6a13b5f1e64a53ae" providerId="LiveId" clId="{AEA19ED2-893D-4E74-85AF-6144EECA579F}" dt="2020-01-12T13:07:35.338" v="1372" actId="1035"/>
+          <ac:spMkLst>
+            <pc:docMk/>
+            <pc:sldMk cId="3890446953" sldId="275"/>
+            <ac:spMk id="2" creationId="{BA24A7C8-15DC-4E25-B312-9C7B937046BC}"/>
+          </ac:spMkLst>
+        </pc:spChg>
+      </pc:sldChg>
+      <pc:sldChg chg="addSp modSp add del">
+        <pc:chgData name="Samson Christopher" userId="6a13b5f1e64a53ae" providerId="LiveId" clId="{AEA19ED2-893D-4E74-85AF-6144EECA579F}" dt="2020-01-12T13:02:30.782" v="771" actId="47"/>
+        <pc:sldMkLst>
+          <pc:docMk/>
+          <pc:sldMk cId="3690899013" sldId="276"/>
+        </pc:sldMkLst>
+        <pc:spChg chg="add mod ord">
+          <ac:chgData name="Samson Christopher" userId="6a13b5f1e64a53ae" providerId="LiveId" clId="{AEA19ED2-893D-4E74-85AF-6144EECA579F}" dt="2020-01-11T17:45:52.899" v="603" actId="1035"/>
+          <ac:spMkLst>
+            <pc:docMk/>
+            <pc:sldMk cId="3690899013" sldId="276"/>
+            <ac:spMk id="3" creationId="{22638025-7DEF-4D5E-9BF1-081BE481F100}"/>
+          </ac:spMkLst>
+        </pc:spChg>
+        <pc:spChg chg="add">
+          <ac:chgData name="Samson Christopher" userId="6a13b5f1e64a53ae" providerId="LiveId" clId="{AEA19ED2-893D-4E74-85AF-6144EECA579F}" dt="2020-01-11T17:38:59.386" v="376"/>
+          <ac:spMkLst>
+            <pc:docMk/>
+            <pc:sldMk cId="3690899013" sldId="276"/>
+            <ac:spMk id="4" creationId="{EDC7FE71-8C69-43B2-946B-6ACDD90CAD40}"/>
+          </ac:spMkLst>
+        </pc:spChg>
+      </pc:sldChg>
+      <pc:sldChg chg="addSp modSp add del">
+        <pc:chgData name="Samson Christopher" userId="6a13b5f1e64a53ae" providerId="LiveId" clId="{AEA19ED2-893D-4E74-85AF-6144EECA579F}" dt="2020-01-19T00:37:06.119" v="1579" actId="47"/>
+        <pc:sldMkLst>
+          <pc:docMk/>
+          <pc:sldMk cId="3810922894" sldId="276"/>
+        </pc:sldMkLst>
+        <pc:spChg chg="add mod">
+          <ac:chgData name="Samson Christopher" userId="6a13b5f1e64a53ae" providerId="LiveId" clId="{AEA19ED2-893D-4E74-85AF-6144EECA579F}" dt="2020-01-12T13:07:54.553" v="1434" actId="1036"/>
+          <ac:spMkLst>
+            <pc:docMk/>
+            <pc:sldMk cId="3810922894" sldId="276"/>
+            <ac:spMk id="2" creationId="{CDBE0FD6-19E9-4236-AAE9-2A0682BD9FB5}"/>
+          </ac:spMkLst>
+        </pc:spChg>
+      </pc:sldChg>
+      <pc:sldChg chg="addSp modSp add del">
+        <pc:chgData name="Samson Christopher" userId="6a13b5f1e64a53ae" providerId="LiveId" clId="{AEA19ED2-893D-4E74-85AF-6144EECA579F}" dt="2020-01-12T13:02:31.001" v="772" actId="47"/>
+        <pc:sldMkLst>
+          <pc:docMk/>
+          <pc:sldMk cId="869579498" sldId="277"/>
+        </pc:sldMkLst>
+        <pc:spChg chg="add mod ord">
+          <ac:chgData name="Samson Christopher" userId="6a13b5f1e64a53ae" providerId="LiveId" clId="{AEA19ED2-893D-4E74-85AF-6144EECA579F}" dt="2020-01-11T17:46:45.630" v="673" actId="1035"/>
+          <ac:spMkLst>
+            <pc:docMk/>
+            <pc:sldMk cId="869579498" sldId="277"/>
+            <ac:spMk id="3" creationId="{67F2F878-5DDF-46F8-B331-052018CB4EB8}"/>
+          </ac:spMkLst>
+        </pc:spChg>
+        <pc:spChg chg="add">
+          <ac:chgData name="Samson Christopher" userId="6a13b5f1e64a53ae" providerId="LiveId" clId="{AEA19ED2-893D-4E74-85AF-6144EECA579F}" dt="2020-01-11T17:39:02.096" v="377"/>
+          <ac:spMkLst>
+            <pc:docMk/>
+            <pc:sldMk cId="869579498" sldId="277"/>
+            <ac:spMk id="4" creationId="{215BCCCE-A877-465E-862B-2EABA3E6FD6D}"/>
+          </ac:spMkLst>
+        </pc:spChg>
+      </pc:sldChg>
+      <pc:sldChg chg="addSp modSp add del">
+        <pc:chgData name="Samson Christopher" userId="6a13b5f1e64a53ae" providerId="LiveId" clId="{AEA19ED2-893D-4E74-85AF-6144EECA579F}" dt="2020-01-19T00:37:06.357" v="1580" actId="47"/>
+        <pc:sldMkLst>
+          <pc:docMk/>
+          <pc:sldMk cId="2712214913" sldId="277"/>
+        </pc:sldMkLst>
+        <pc:spChg chg="add mod">
+          <ac:chgData name="Samson Christopher" userId="6a13b5f1e64a53ae" providerId="LiveId" clId="{AEA19ED2-893D-4E74-85AF-6144EECA579F}" dt="2020-01-12T13:08:45.244" v="1506" actId="1036"/>
+          <ac:spMkLst>
+            <pc:docMk/>
+            <pc:sldMk cId="2712214913" sldId="277"/>
+            <ac:spMk id="2" creationId="{9BD5FFAA-E5A9-4673-91F8-E17BB6A6DE21}"/>
+          </ac:spMkLst>
+        </pc:spChg>
+      </pc:sldChg>
+      <pc:sldChg chg="add del">
+        <pc:chgData name="Samson Christopher" userId="6a13b5f1e64a53ae" providerId="LiveId" clId="{AEA19ED2-893D-4E74-85AF-6144EECA579F}" dt="2020-01-11T17:28:52.976" v="31" actId="47"/>
+        <pc:sldMkLst>
+          <pc:docMk/>
+          <pc:sldMk cId="257352469" sldId="278"/>
+        </pc:sldMkLst>
+      </pc:sldChg>
+      <pc:sldChg chg="addSp modSp add del">
+        <pc:chgData name="Samson Christopher" userId="6a13b5f1e64a53ae" providerId="LiveId" clId="{AEA19ED2-893D-4E74-85AF-6144EECA579F}" dt="2020-01-19T00:37:06.637" v="1581" actId="47"/>
+        <pc:sldMkLst>
+          <pc:docMk/>
+          <pc:sldMk cId="816942212" sldId="278"/>
+        </pc:sldMkLst>
+        <pc:spChg chg="add mod">
+          <ac:chgData name="Samson Christopher" userId="6a13b5f1e64a53ae" providerId="LiveId" clId="{AEA19ED2-893D-4E74-85AF-6144EECA579F}" dt="2020-01-12T13:09:22.638" v="1571" actId="1036"/>
+          <ac:spMkLst>
+            <pc:docMk/>
+            <pc:sldMk cId="816942212" sldId="278"/>
+            <ac:spMk id="2" creationId="{765A6030-EA53-49AA-84D9-CAF2F60A5B9C}"/>
+          </ac:spMkLst>
+        </pc:spChg>
+      </pc:sldChg>
+      <pc:sldChg chg="addSp delSp modSp add del">
+        <pc:chgData name="Samson Christopher" userId="6a13b5f1e64a53ae" providerId="LiveId" clId="{AEA19ED2-893D-4E74-85AF-6144EECA579F}" dt="2020-01-12T13:02:31.266" v="773" actId="47"/>
+        <pc:sldMkLst>
+          <pc:docMk/>
+          <pc:sldMk cId="3706232182" sldId="278"/>
+        </pc:sldMkLst>
+        <pc:spChg chg="del">
+          <ac:chgData name="Samson Christopher" userId="6a13b5f1e64a53ae" providerId="LiveId" clId="{AEA19ED2-893D-4E74-85AF-6144EECA579F}" dt="2020-01-11T18:16:57.487" v="682" actId="478"/>
+          <ac:spMkLst>
+            <pc:docMk/>
+            <pc:sldMk cId="3706232182" sldId="278"/>
+            <ac:spMk id="3" creationId="{67F2F878-5DDF-46F8-B331-052018CB4EB8}"/>
+          </ac:spMkLst>
+        </pc:spChg>
+        <pc:spChg chg="add mod">
+          <ac:chgData name="Samson Christopher" userId="6a13b5f1e64a53ae" providerId="LiveId" clId="{AEA19ED2-893D-4E74-85AF-6144EECA579F}" dt="2020-01-11T18:17:39.391" v="701" actId="1035"/>
+          <ac:spMkLst>
+            <pc:docMk/>
+            <pc:sldMk cId="3706232182" sldId="278"/>
+            <ac:spMk id="5" creationId="{D79D1DFC-1B91-4097-8CE3-51355093E1F2}"/>
+          </ac:spMkLst>
+        </pc:spChg>
+      </pc:sldChg>
+      <pc:sldChg chg="add del">
+        <pc:chgData name="Samson Christopher" userId="6a13b5f1e64a53ae" providerId="LiveId" clId="{AEA19ED2-893D-4E74-85AF-6144EECA579F}" dt="2020-01-11T17:28:53.631" v="32" actId="47"/>
+        <pc:sldMkLst>
+          <pc:docMk/>
+          <pc:sldMk cId="2285010310" sldId="279"/>
+        </pc:sldMkLst>
+      </pc:sldChg>
+      <pc:sldChg chg="add del">
+        <pc:chgData name="Samson Christopher" userId="6a13b5f1e64a53ae" providerId="LiveId" clId="{AEA19ED2-893D-4E74-85AF-6144EECA579F}" dt="2020-01-12T13:04:05.135" v="802" actId="47"/>
+        <pc:sldMkLst>
+          <pc:docMk/>
+          <pc:sldMk cId="3046802904" sldId="279"/>
+        </pc:sldMkLst>
+      </pc:sldChg>
+      <pc:sldChg chg="addSp delSp modSp add del">
+        <pc:chgData name="Samson Christopher" userId="6a13b5f1e64a53ae" providerId="LiveId" clId="{AEA19ED2-893D-4E74-85AF-6144EECA579F}" dt="2020-01-12T13:02:31.735" v="774" actId="47"/>
+        <pc:sldMkLst>
+          <pc:docMk/>
+          <pc:sldMk cId="3837000704" sldId="279"/>
+        </pc:sldMkLst>
+        <pc:spChg chg="del">
+          <ac:chgData name="Samson Christopher" userId="6a13b5f1e64a53ae" providerId="LiveId" clId="{AEA19ED2-893D-4E74-85AF-6144EECA579F}" dt="2020-01-11T18:17:01.765" v="683" actId="478"/>
+          <ac:spMkLst>
+            <pc:docMk/>
+            <pc:sldMk cId="3837000704" sldId="279"/>
+            <ac:spMk id="3" creationId="{67F2F878-5DDF-46F8-B331-052018CB4EB8}"/>
+          </ac:spMkLst>
+        </pc:spChg>
+        <pc:spChg chg="add mod">
+          <ac:chgData name="Samson Christopher" userId="6a13b5f1e64a53ae" providerId="LiveId" clId="{AEA19ED2-893D-4E74-85AF-6144EECA579F}" dt="2020-01-11T18:18:04.310" v="762" actId="1036"/>
+          <ac:spMkLst>
+            <pc:docMk/>
+            <pc:sldMk cId="3837000704" sldId="279"/>
+            <ac:spMk id="5" creationId="{17C8F343-C25F-473F-B26A-95469F157491}"/>
+          </ac:spMkLst>
+        </pc:spChg>
+      </pc:sldChg>
+      <pc:sldChg chg="add del">
+        <pc:chgData name="Samson Christopher" userId="6a13b5f1e64a53ae" providerId="LiveId" clId="{AEA19ED2-893D-4E74-85AF-6144EECA579F}" dt="2020-01-11T17:28:54.431" v="33" actId="47"/>
+        <pc:sldMkLst>
+          <pc:docMk/>
+          <pc:sldMk cId="257228952" sldId="280"/>
+        </pc:sldMkLst>
+      </pc:sldChg>
+      <pc:sldChg chg="add del">
+        <pc:chgData name="Samson Christopher" userId="6a13b5f1e64a53ae" providerId="LiveId" clId="{AEA19ED2-893D-4E74-85AF-6144EECA579F}" dt="2020-01-12T13:04:05.510" v="803" actId="47"/>
+        <pc:sldMkLst>
+          <pc:docMk/>
+          <pc:sldMk cId="347507537" sldId="280"/>
+        </pc:sldMkLst>
+      </pc:sldChg>
+      <pc:sldChg chg="add del">
+        <pc:chgData name="Samson Christopher" userId="6a13b5f1e64a53ae" providerId="LiveId" clId="{AEA19ED2-893D-4E74-85AF-6144EECA579F}" dt="2020-01-12T13:04:05.973" v="804" actId="47"/>
+        <pc:sldMkLst>
+          <pc:docMk/>
+          <pc:sldMk cId="1850198706" sldId="281"/>
+        </pc:sldMkLst>
+      </pc:sldChg>
+      <pc:sldChg chg="add del">
+        <pc:chgData name="Samson Christopher" userId="6a13b5f1e64a53ae" providerId="LiveId" clId="{AEA19ED2-893D-4E74-85AF-6144EECA579F}" dt="2020-01-12T13:04:06.512" v="805" actId="47"/>
+        <pc:sldMkLst>
+          <pc:docMk/>
+          <pc:sldMk cId="3159323584" sldId="282"/>
+        </pc:sldMkLst>
+      </pc:sldChg>
+    </pc:docChg>
+  </pc:docChgLst>
+  <pc:docChgLst>
     <pc:chgData name="Samson Christopher" userId="6a13b5f1e64a53ae" providerId="LiveId" clId="{D5AF5252-D44E-433D-B625-4C9CA66A177D}"/>
     <pc:docChg chg="custSel addSld delSld modSld">
       <pc:chgData name="Samson Christopher" userId="6a13b5f1e64a53ae" providerId="LiveId" clId="{D5AF5252-D44E-433D-B625-4C9CA66A177D}" dt="2020-02-09T13:28:02.947" v="6830" actId="1036"/>
@@ -19700,711 +20405,6 @@
         <pc:sldMkLst>
           <pc:docMk/>
           <pc:sldMk cId="3826921764" sldId="322"/>
-        </pc:sldMkLst>
-      </pc:sldChg>
-    </pc:docChg>
-  </pc:docChgLst>
-  <pc:docChgLst>
-    <pc:chgData name="Samson Christopher" userId="6a13b5f1e64a53ae" providerId="LiveId" clId="{AEA19ED2-893D-4E74-85AF-6144EECA579F}"/>
-    <pc:docChg chg="undo custSel addSld delSld modSld">
-      <pc:chgData name="Samson Christopher" userId="6a13b5f1e64a53ae" providerId="LiveId" clId="{AEA19ED2-893D-4E74-85AF-6144EECA579F}" dt="2020-01-19T00:39:57.712" v="1958" actId="1035"/>
-      <pc:docMkLst>
-        <pc:docMk/>
-      </pc:docMkLst>
-      <pc:sldChg chg="del">
-        <pc:chgData name="Samson Christopher" userId="6a13b5f1e64a53ae" providerId="LiveId" clId="{AEA19ED2-893D-4E74-85AF-6144EECA579F}" dt="2020-01-11T17:29:12.531" v="35" actId="47"/>
-        <pc:sldMkLst>
-          <pc:docMk/>
-          <pc:sldMk cId="101379844" sldId="264"/>
-        </pc:sldMkLst>
-      </pc:sldChg>
-      <pc:sldChg chg="del">
-        <pc:chgData name="Samson Christopher" userId="6a13b5f1e64a53ae" providerId="LiveId" clId="{AEA19ED2-893D-4E74-85AF-6144EECA579F}" dt="2020-01-11T17:26:56.894" v="0" actId="47"/>
-        <pc:sldMkLst>
-          <pc:docMk/>
-          <pc:sldMk cId="2934023605" sldId="265"/>
-        </pc:sldMkLst>
-      </pc:sldChg>
-      <pc:sldChg chg="del">
-        <pc:chgData name="Samson Christopher" userId="6a13b5f1e64a53ae" providerId="LiveId" clId="{AEA19ED2-893D-4E74-85AF-6144EECA579F}" dt="2020-01-11T17:26:57.078" v="1" actId="47"/>
-        <pc:sldMkLst>
-          <pc:docMk/>
-          <pc:sldMk cId="73749929" sldId="266"/>
-        </pc:sldMkLst>
-      </pc:sldChg>
-      <pc:sldChg chg="addSp delSp modSp del">
-        <pc:chgData name="Samson Christopher" userId="6a13b5f1e64a53ae" providerId="LiveId" clId="{AEA19ED2-893D-4E74-85AF-6144EECA579F}" dt="2020-01-12T13:04:18.345" v="807" actId="47"/>
-        <pc:sldMkLst>
-          <pc:docMk/>
-          <pc:sldMk cId="205513173" sldId="267"/>
-        </pc:sldMkLst>
-        <pc:spChg chg="del mod">
-          <ac:chgData name="Samson Christopher" userId="6a13b5f1e64a53ae" providerId="LiveId" clId="{AEA19ED2-893D-4E74-85AF-6144EECA579F}" dt="2020-01-11T17:38:01.894" v="344" actId="478"/>
-          <ac:spMkLst>
-            <pc:docMk/>
-            <pc:sldMk cId="205513173" sldId="267"/>
-            <ac:spMk id="2" creationId="{9C04DF31-6824-440F-A15D-A93ECF919707}"/>
-          </ac:spMkLst>
-        </pc:spChg>
-        <pc:spChg chg="del">
-          <ac:chgData name="Samson Christopher" userId="6a13b5f1e64a53ae" providerId="LiveId" clId="{AEA19ED2-893D-4E74-85AF-6144EECA579F}" dt="2020-01-11T17:27:02.028" v="2" actId="478"/>
-          <ac:spMkLst>
-            <pc:docMk/>
-            <pc:sldMk cId="205513173" sldId="267"/>
-            <ac:spMk id="3" creationId="{93572D85-92D7-4888-854E-26FE612136DD}"/>
-          </ac:spMkLst>
-        </pc:spChg>
-        <pc:spChg chg="add del">
-          <ac:chgData name="Samson Christopher" userId="6a13b5f1e64a53ae" providerId="LiveId" clId="{AEA19ED2-893D-4E74-85AF-6144EECA579F}" dt="2020-01-11T17:27:23.759" v="6"/>
-          <ac:spMkLst>
-            <pc:docMk/>
-            <pc:sldMk cId="205513173" sldId="267"/>
-            <ac:spMk id="4" creationId="{111C7BF6-9E73-479D-9380-E362F0CBEC8F}"/>
-          </ac:spMkLst>
-        </pc:spChg>
-        <pc:spChg chg="add mod">
-          <ac:chgData name="Samson Christopher" userId="6a13b5f1e64a53ae" providerId="LiveId" clId="{AEA19ED2-893D-4E74-85AF-6144EECA579F}" dt="2020-01-11T17:38:25.345" v="368" actId="1036"/>
-          <ac:spMkLst>
-            <pc:docMk/>
-            <pc:sldMk cId="205513173" sldId="267"/>
-            <ac:spMk id="5" creationId="{169951A6-EA54-48FF-A5D0-A5F6D68C74A1}"/>
-          </ac:spMkLst>
-        </pc:spChg>
-        <pc:spChg chg="add mod ord">
-          <ac:chgData name="Samson Christopher" userId="6a13b5f1e64a53ae" providerId="LiveId" clId="{AEA19ED2-893D-4E74-85AF-6144EECA579F}" dt="2020-01-11T17:38:11.537" v="346" actId="1076"/>
-          <ac:spMkLst>
-            <pc:docMk/>
-            <pc:sldMk cId="205513173" sldId="267"/>
-            <ac:spMk id="6" creationId="{78BDB258-58CC-44AE-80BE-DB2ADED7CF91}"/>
-          </ac:spMkLst>
-        </pc:spChg>
-      </pc:sldChg>
-      <pc:sldChg chg="addSp delSp modSp add del">
-        <pc:chgData name="Samson Christopher" userId="6a13b5f1e64a53ae" providerId="LiveId" clId="{AEA19ED2-893D-4E74-85AF-6144EECA579F}" dt="2020-01-12T13:02:29.170" v="763" actId="47"/>
-        <pc:sldMkLst>
-          <pc:docMk/>
-          <pc:sldMk cId="817822652" sldId="268"/>
-        </pc:sldMkLst>
-        <pc:spChg chg="del">
-          <ac:chgData name="Samson Christopher" userId="6a13b5f1e64a53ae" providerId="LiveId" clId="{AEA19ED2-893D-4E74-85AF-6144EECA579F}" dt="2020-01-11T17:37:11.360" v="319" actId="478"/>
-          <ac:spMkLst>
-            <pc:docMk/>
-            <pc:sldMk cId="817822652" sldId="268"/>
-            <ac:spMk id="2" creationId="{9C04DF31-6824-440F-A15D-A93ECF919707}"/>
-          </ac:spMkLst>
-        </pc:spChg>
-        <pc:spChg chg="add mod">
-          <ac:chgData name="Samson Christopher" userId="6a13b5f1e64a53ae" providerId="LiveId" clId="{AEA19ED2-893D-4E74-85AF-6144EECA579F}" dt="2020-01-11T17:37:50.857" v="341" actId="1036"/>
-          <ac:spMkLst>
-            <pc:docMk/>
-            <pc:sldMk cId="817822652" sldId="268"/>
-            <ac:spMk id="3" creationId="{91601B9F-94AB-46BF-972D-CDCA42C4B39C}"/>
-          </ac:spMkLst>
-        </pc:spChg>
-        <pc:spChg chg="add mod ord">
-          <ac:chgData name="Samson Christopher" userId="6a13b5f1e64a53ae" providerId="LiveId" clId="{AEA19ED2-893D-4E74-85AF-6144EECA579F}" dt="2020-01-11T17:37:20.465" v="321" actId="1076"/>
-          <ac:spMkLst>
-            <pc:docMk/>
-            <pc:sldMk cId="817822652" sldId="268"/>
-            <ac:spMk id="4" creationId="{AC78BB52-A2A6-4D5E-A8F1-6BF490960139}"/>
-          </ac:spMkLst>
-        </pc:spChg>
-      </pc:sldChg>
-      <pc:sldChg chg="addSp delSp modSp add del">
-        <pc:chgData name="Samson Christopher" userId="6a13b5f1e64a53ae" providerId="LiveId" clId="{AEA19ED2-893D-4E74-85AF-6144EECA579F}" dt="2020-01-19T00:38:10.571" v="1600" actId="47"/>
-        <pc:sldMkLst>
-          <pc:docMk/>
-          <pc:sldMk cId="1912890919" sldId="268"/>
-        </pc:sldMkLst>
-        <pc:spChg chg="add del mod">
-          <ac:chgData name="Samson Christopher" userId="6a13b5f1e64a53ae" providerId="LiveId" clId="{AEA19ED2-893D-4E74-85AF-6144EECA579F}" dt="2020-01-19T00:38:05.983" v="1598" actId="478"/>
-          <ac:spMkLst>
-            <pc:docMk/>
-            <pc:sldMk cId="1912890919" sldId="268"/>
-            <ac:spMk id="2" creationId="{48772157-96FD-4D4C-83AA-17556C9EEA93}"/>
-          </ac:spMkLst>
-        </pc:spChg>
-        <pc:spChg chg="del">
-          <ac:chgData name="Samson Christopher" userId="6a13b5f1e64a53ae" providerId="LiveId" clId="{AEA19ED2-893D-4E74-85AF-6144EECA579F}" dt="2020-01-12T13:02:46.505" v="776" actId="478"/>
-          <ac:spMkLst>
-            <pc:docMk/>
-            <pc:sldMk cId="1912890919" sldId="268"/>
-            <ac:spMk id="5" creationId="{169951A6-EA54-48FF-A5D0-A5F6D68C74A1}"/>
-          </ac:spMkLst>
-        </pc:spChg>
-      </pc:sldChg>
-      <pc:sldChg chg="addSp modSp add del">
-        <pc:chgData name="Samson Christopher" userId="6a13b5f1e64a53ae" providerId="LiveId" clId="{AEA19ED2-893D-4E74-85AF-6144EECA579F}" dt="2020-01-19T00:37:04.668" v="1572" actId="47"/>
-        <pc:sldMkLst>
-          <pc:docMk/>
-          <pc:sldMk cId="1926587198" sldId="269"/>
-        </pc:sldMkLst>
-        <pc:spChg chg="add mod">
-          <ac:chgData name="Samson Christopher" userId="6a13b5f1e64a53ae" providerId="LiveId" clId="{AEA19ED2-893D-4E74-85AF-6144EECA579F}" dt="2020-01-12T13:05:44.225" v="946" actId="1035"/>
-          <ac:spMkLst>
-            <pc:docMk/>
-            <pc:sldMk cId="1926587198" sldId="269"/>
-            <ac:spMk id="2" creationId="{C68CDE41-5D6B-4EE2-A19E-2672B32A72C1}"/>
-          </ac:spMkLst>
-        </pc:spChg>
-      </pc:sldChg>
-      <pc:sldChg chg="addSp delSp modSp add">
-        <pc:chgData name="Samson Christopher" userId="6a13b5f1e64a53ae" providerId="LiveId" clId="{AEA19ED2-893D-4E74-85AF-6144EECA579F}" dt="2020-01-19T00:38:45.222" v="1670" actId="1035"/>
-        <pc:sldMkLst>
-          <pc:docMk/>
-          <pc:sldMk cId="3263036268" sldId="269"/>
-        </pc:sldMkLst>
-        <pc:spChg chg="del">
-          <ac:chgData name="Samson Christopher" userId="6a13b5f1e64a53ae" providerId="LiveId" clId="{AEA19ED2-893D-4E74-85AF-6144EECA579F}" dt="2020-01-19T00:37:16.996" v="1585" actId="478"/>
-          <ac:spMkLst>
-            <pc:docMk/>
-            <pc:sldMk cId="3263036268" sldId="269"/>
-            <ac:spMk id="2" creationId="{48772157-96FD-4D4C-83AA-17556C9EEA93}"/>
-          </ac:spMkLst>
-        </pc:spChg>
-        <pc:spChg chg="add mod">
-          <ac:chgData name="Samson Christopher" userId="6a13b5f1e64a53ae" providerId="LiveId" clId="{AEA19ED2-893D-4E74-85AF-6144EECA579F}" dt="2020-01-19T00:38:45.222" v="1670" actId="1035"/>
-          <ac:spMkLst>
-            <pc:docMk/>
-            <pc:sldMk cId="3263036268" sldId="269"/>
-            <ac:spMk id="3" creationId="{49037711-142F-4E76-B63B-93C459E3DEBD}"/>
-          </ac:spMkLst>
-        </pc:spChg>
-      </pc:sldChg>
-      <pc:sldChg chg="addSp delSp modSp add del">
-        <pc:chgData name="Samson Christopher" userId="6a13b5f1e64a53ae" providerId="LiveId" clId="{AEA19ED2-893D-4E74-85AF-6144EECA579F}" dt="2020-01-12T13:02:29.311" v="764" actId="47"/>
-        <pc:sldMkLst>
-          <pc:docMk/>
-          <pc:sldMk cId="3759143610" sldId="269"/>
-        </pc:sldMkLst>
-        <pc:spChg chg="del mod">
-          <ac:chgData name="Samson Christopher" userId="6a13b5f1e64a53ae" providerId="LiveId" clId="{AEA19ED2-893D-4E74-85AF-6144EECA579F}" dt="2020-01-11T17:35:40.005" v="303" actId="478"/>
-          <ac:spMkLst>
-            <pc:docMk/>
-            <pc:sldMk cId="3759143610" sldId="269"/>
-            <ac:spMk id="2" creationId="{9C04DF31-6824-440F-A15D-A93ECF919707}"/>
-          </ac:spMkLst>
-        </pc:spChg>
-        <pc:spChg chg="add mod">
-          <ac:chgData name="Samson Christopher" userId="6a13b5f1e64a53ae" providerId="LiveId" clId="{AEA19ED2-893D-4E74-85AF-6144EECA579F}" dt="2020-01-11T18:15:39.238" v="679" actId="1076"/>
-          <ac:spMkLst>
-            <pc:docMk/>
-            <pc:sldMk cId="3759143610" sldId="269"/>
-            <ac:spMk id="3" creationId="{020A6B4B-F95D-4951-9CC8-1E2CF029B74D}"/>
-          </ac:spMkLst>
-        </pc:spChg>
-        <pc:spChg chg="add mod ord">
-          <ac:chgData name="Samson Christopher" userId="6a13b5f1e64a53ae" providerId="LiveId" clId="{AEA19ED2-893D-4E74-85AF-6144EECA579F}" dt="2020-01-11T17:36:07.359" v="307" actId="1076"/>
-          <ac:spMkLst>
-            <pc:docMk/>
-            <pc:sldMk cId="3759143610" sldId="269"/>
-            <ac:spMk id="4" creationId="{B3EB6FD1-259E-4FFC-8BA3-3005768831BC}"/>
-          </ac:spMkLst>
-        </pc:spChg>
-      </pc:sldChg>
-      <pc:sldChg chg="addSp delSp modSp add del">
-        <pc:chgData name="Samson Christopher" userId="6a13b5f1e64a53ae" providerId="LiveId" clId="{AEA19ED2-893D-4E74-85AF-6144EECA579F}" dt="2020-01-12T13:02:29.545" v="765" actId="47"/>
-        <pc:sldMkLst>
-          <pc:docMk/>
-          <pc:sldMk cId="1803567911" sldId="270"/>
-        </pc:sldMkLst>
-        <pc:spChg chg="del mod">
-          <ac:chgData name="Samson Christopher" userId="6a13b5f1e64a53ae" providerId="LiveId" clId="{AEA19ED2-893D-4E74-85AF-6144EECA579F}" dt="2020-01-11T17:34:37.813" v="281" actId="478"/>
-          <ac:spMkLst>
-            <pc:docMk/>
-            <pc:sldMk cId="1803567911" sldId="270"/>
-            <ac:spMk id="2" creationId="{9C04DF31-6824-440F-A15D-A93ECF919707}"/>
-          </ac:spMkLst>
-        </pc:spChg>
-        <pc:spChg chg="add mod ord">
-          <ac:chgData name="Samson Christopher" userId="6a13b5f1e64a53ae" providerId="LiveId" clId="{AEA19ED2-893D-4E74-85AF-6144EECA579F}" dt="2020-01-11T17:35:03.126" v="293" actId="1035"/>
-          <ac:spMkLst>
-            <pc:docMk/>
-            <pc:sldMk cId="1803567911" sldId="270"/>
-            <ac:spMk id="3" creationId="{D05F3456-DA59-4FCE-92CE-DDC6E03BCDC8}"/>
-          </ac:spMkLst>
-        </pc:spChg>
-        <pc:spChg chg="add mod">
-          <ac:chgData name="Samson Christopher" userId="6a13b5f1e64a53ae" providerId="LiveId" clId="{AEA19ED2-893D-4E74-85AF-6144EECA579F}" dt="2020-01-11T17:34:49.955" v="283" actId="1076"/>
-          <ac:spMkLst>
-            <pc:docMk/>
-            <pc:sldMk cId="1803567911" sldId="270"/>
-            <ac:spMk id="4" creationId="{AE473DC9-81DC-426F-A705-B137FCAC40B2}"/>
-          </ac:spMkLst>
-        </pc:spChg>
-      </pc:sldChg>
-      <pc:sldChg chg="addSp modSp add del">
-        <pc:chgData name="Samson Christopher" userId="6a13b5f1e64a53ae" providerId="LiveId" clId="{AEA19ED2-893D-4E74-85AF-6144EECA579F}" dt="2020-01-19T00:37:04.890" v="1573" actId="47"/>
-        <pc:sldMkLst>
-          <pc:docMk/>
-          <pc:sldMk cId="1857371406" sldId="270"/>
-        </pc:sldMkLst>
-        <pc:spChg chg="add mod">
-          <ac:chgData name="Samson Christopher" userId="6a13b5f1e64a53ae" providerId="LiveId" clId="{AEA19ED2-893D-4E74-85AF-6144EECA579F}" dt="2020-01-12T13:05:56.693" v="993" actId="1036"/>
-          <ac:spMkLst>
-            <pc:docMk/>
-            <pc:sldMk cId="1857371406" sldId="270"/>
-            <ac:spMk id="2" creationId="{7D82AB54-A62C-43B9-9CD8-5F35667050A0}"/>
-          </ac:spMkLst>
-        </pc:spChg>
-      </pc:sldChg>
-      <pc:sldChg chg="addSp modSp add">
-        <pc:chgData name="Samson Christopher" userId="6a13b5f1e64a53ae" providerId="LiveId" clId="{AEA19ED2-893D-4E74-85AF-6144EECA579F}" dt="2020-01-19T00:38:59.715" v="1735" actId="1036"/>
-        <pc:sldMkLst>
-          <pc:docMk/>
-          <pc:sldMk cId="2684322283" sldId="270"/>
-        </pc:sldMkLst>
-        <pc:spChg chg="add mod">
-          <ac:chgData name="Samson Christopher" userId="6a13b5f1e64a53ae" providerId="LiveId" clId="{AEA19ED2-893D-4E74-85AF-6144EECA579F}" dt="2020-01-19T00:38:59.715" v="1735" actId="1036"/>
-          <ac:spMkLst>
-            <pc:docMk/>
-            <pc:sldMk cId="2684322283" sldId="270"/>
-            <ac:spMk id="2" creationId="{96C3BE96-6407-4B8B-BD54-66BABF401740}"/>
-          </ac:spMkLst>
-        </pc:spChg>
-      </pc:sldChg>
-      <pc:sldChg chg="addSp modSp add del">
-        <pc:chgData name="Samson Christopher" userId="6a13b5f1e64a53ae" providerId="LiveId" clId="{AEA19ED2-893D-4E74-85AF-6144EECA579F}" dt="2020-01-12T13:02:29.717" v="766" actId="47"/>
-        <pc:sldMkLst>
-          <pc:docMk/>
-          <pc:sldMk cId="331967788" sldId="271"/>
-        </pc:sldMkLst>
-        <pc:spChg chg="mod">
-          <ac:chgData name="Samson Christopher" userId="6a13b5f1e64a53ae" providerId="LiveId" clId="{AEA19ED2-893D-4E74-85AF-6144EECA579F}" dt="2020-01-11T17:34:24.698" v="278" actId="1076"/>
-          <ac:spMkLst>
-            <pc:docMk/>
-            <pc:sldMk cId="331967788" sldId="271"/>
-            <ac:spMk id="2" creationId="{9C04DF31-6824-440F-A15D-A93ECF919707}"/>
-          </ac:spMkLst>
-        </pc:spChg>
-        <pc:spChg chg="add mod">
-          <ac:chgData name="Samson Christopher" userId="6a13b5f1e64a53ae" providerId="LiveId" clId="{AEA19ED2-893D-4E74-85AF-6144EECA579F}" dt="2020-01-11T17:35:15.232" v="299" actId="1035"/>
-          <ac:spMkLst>
-            <pc:docMk/>
-            <pc:sldMk cId="331967788" sldId="271"/>
-            <ac:spMk id="3" creationId="{3C56325A-23CD-4B40-B44F-B545A1C55049}"/>
-          </ac:spMkLst>
-        </pc:spChg>
-      </pc:sldChg>
-      <pc:sldChg chg="addSp modSp add del">
-        <pc:chgData name="Samson Christopher" userId="6a13b5f1e64a53ae" providerId="LiveId" clId="{AEA19ED2-893D-4E74-85AF-6144EECA579F}" dt="2020-01-19T00:37:05.066" v="1574" actId="47"/>
-        <pc:sldMkLst>
-          <pc:docMk/>
-          <pc:sldMk cId="2443260027" sldId="271"/>
-        </pc:sldMkLst>
-        <pc:spChg chg="add mod">
-          <ac:chgData name="Samson Christopher" userId="6a13b5f1e64a53ae" providerId="LiveId" clId="{AEA19ED2-893D-4E74-85AF-6144EECA579F}" dt="2020-01-12T13:06:12.498" v="1050" actId="1036"/>
-          <ac:spMkLst>
-            <pc:docMk/>
-            <pc:sldMk cId="2443260027" sldId="271"/>
-            <ac:spMk id="2" creationId="{D8B8BCB2-A515-44AF-8F00-BC9E4F40704D}"/>
-          </ac:spMkLst>
-        </pc:spChg>
-      </pc:sldChg>
-      <pc:sldChg chg="addSp modSp add">
-        <pc:chgData name="Samson Christopher" userId="6a13b5f1e64a53ae" providerId="LiveId" clId="{AEA19ED2-893D-4E74-85AF-6144EECA579F}" dt="2020-01-19T00:39:17.121" v="1799" actId="1036"/>
-        <pc:sldMkLst>
-          <pc:docMk/>
-          <pc:sldMk cId="2829024046" sldId="271"/>
-        </pc:sldMkLst>
-        <pc:spChg chg="add mod">
-          <ac:chgData name="Samson Christopher" userId="6a13b5f1e64a53ae" providerId="LiveId" clId="{AEA19ED2-893D-4E74-85AF-6144EECA579F}" dt="2020-01-19T00:39:17.121" v="1799" actId="1036"/>
-          <ac:spMkLst>
-            <pc:docMk/>
-            <pc:sldMk cId="2829024046" sldId="271"/>
-            <ac:spMk id="2" creationId="{7C54FAD8-4918-454F-B176-6646BF9F8F32}"/>
-          </ac:spMkLst>
-        </pc:spChg>
-      </pc:sldChg>
-      <pc:sldChg chg="addSp delSp modSp add del">
-        <pc:chgData name="Samson Christopher" userId="6a13b5f1e64a53ae" providerId="LiveId" clId="{AEA19ED2-893D-4E74-85AF-6144EECA579F}" dt="2020-01-12T13:02:29.951" v="767" actId="47"/>
-        <pc:sldMkLst>
-          <pc:docMk/>
-          <pc:sldMk cId="1137408781" sldId="272"/>
-        </pc:sldMkLst>
-        <pc:spChg chg="del">
-          <ac:chgData name="Samson Christopher" userId="6a13b5f1e64a53ae" providerId="LiveId" clId="{AEA19ED2-893D-4E74-85AF-6144EECA579F}" dt="2020-01-11T17:38:44.665" v="371" actId="478"/>
-          <ac:spMkLst>
-            <pc:docMk/>
-            <pc:sldMk cId="1137408781" sldId="272"/>
-            <ac:spMk id="2" creationId="{9C04DF31-6824-440F-A15D-A93ECF919707}"/>
-          </ac:spMkLst>
-        </pc:spChg>
-        <pc:spChg chg="add mod ord">
-          <ac:chgData name="Samson Christopher" userId="6a13b5f1e64a53ae" providerId="LiveId" clId="{AEA19ED2-893D-4E74-85AF-6144EECA579F}" dt="2020-01-11T17:40:59.212" v="421" actId="1035"/>
-          <ac:spMkLst>
-            <pc:docMk/>
-            <pc:sldMk cId="1137408781" sldId="272"/>
-            <ac:spMk id="3" creationId="{D9BEF4BA-F2ED-43F1-AA06-AF383048C543}"/>
-          </ac:spMkLst>
-        </pc:spChg>
-        <pc:spChg chg="add mod">
-          <ac:chgData name="Samson Christopher" userId="6a13b5f1e64a53ae" providerId="LiveId" clId="{AEA19ED2-893D-4E74-85AF-6144EECA579F}" dt="2020-01-11T17:38:46.806" v="372" actId="1076"/>
-          <ac:spMkLst>
-            <pc:docMk/>
-            <pc:sldMk cId="1137408781" sldId="272"/>
-            <ac:spMk id="4" creationId="{484533D0-FF8D-44C8-91C9-F7ED885741A4}"/>
-          </ac:spMkLst>
-        </pc:spChg>
-      </pc:sldChg>
-      <pc:sldChg chg="addSp modSp add del">
-        <pc:chgData name="Samson Christopher" userId="6a13b5f1e64a53ae" providerId="LiveId" clId="{AEA19ED2-893D-4E74-85AF-6144EECA579F}" dt="2020-01-19T00:37:05.268" v="1575" actId="47"/>
-        <pc:sldMkLst>
-          <pc:docMk/>
-          <pc:sldMk cId="1327957954" sldId="272"/>
-        </pc:sldMkLst>
-        <pc:spChg chg="add mod">
-          <ac:chgData name="Samson Christopher" userId="6a13b5f1e64a53ae" providerId="LiveId" clId="{AEA19ED2-893D-4E74-85AF-6144EECA579F}" dt="2020-01-12T13:06:32.179" v="1128" actId="1036"/>
-          <ac:spMkLst>
-            <pc:docMk/>
-            <pc:sldMk cId="1327957954" sldId="272"/>
-            <ac:spMk id="2" creationId="{DA8E470C-5CDE-4EE7-8EFC-A5AD5D4FE334}"/>
-          </ac:spMkLst>
-        </pc:spChg>
-      </pc:sldChg>
-      <pc:sldChg chg="addSp modSp add">
-        <pc:chgData name="Samson Christopher" userId="6a13b5f1e64a53ae" providerId="LiveId" clId="{AEA19ED2-893D-4E74-85AF-6144EECA579F}" dt="2020-01-19T00:39:30.491" v="1859" actId="1036"/>
-        <pc:sldMkLst>
-          <pc:docMk/>
-          <pc:sldMk cId="3411163202" sldId="272"/>
-        </pc:sldMkLst>
-        <pc:spChg chg="add mod">
-          <ac:chgData name="Samson Christopher" userId="6a13b5f1e64a53ae" providerId="LiveId" clId="{AEA19ED2-893D-4E74-85AF-6144EECA579F}" dt="2020-01-19T00:39:30.491" v="1859" actId="1036"/>
-          <ac:spMkLst>
-            <pc:docMk/>
-            <pc:sldMk cId="3411163202" sldId="272"/>
-            <ac:spMk id="2" creationId="{FA20E1DD-EF30-4ECE-A582-6D5A12DCAAED}"/>
-          </ac:spMkLst>
-        </pc:spChg>
-      </pc:sldChg>
-      <pc:sldChg chg="addSp modSp add del">
-        <pc:chgData name="Samson Christopher" userId="6a13b5f1e64a53ae" providerId="LiveId" clId="{AEA19ED2-893D-4E74-85AF-6144EECA579F}" dt="2020-01-12T13:02:30.138" v="768" actId="47"/>
-        <pc:sldMkLst>
-          <pc:docMk/>
-          <pc:sldMk cId="3762640958" sldId="273"/>
-        </pc:sldMkLst>
-        <pc:spChg chg="add mod ord">
-          <ac:chgData name="Samson Christopher" userId="6a13b5f1e64a53ae" providerId="LiveId" clId="{AEA19ED2-893D-4E74-85AF-6144EECA579F}" dt="2020-01-11T17:43:43.556" v="443" actId="1035"/>
-          <ac:spMkLst>
-            <pc:docMk/>
-            <pc:sldMk cId="3762640958" sldId="273"/>
-            <ac:spMk id="3" creationId="{50DC0C7A-4149-4290-9B4B-C0A7EC16CF75}"/>
-          </ac:spMkLst>
-        </pc:spChg>
-        <pc:spChg chg="add">
-          <ac:chgData name="Samson Christopher" userId="6a13b5f1e64a53ae" providerId="LiveId" clId="{AEA19ED2-893D-4E74-85AF-6144EECA579F}" dt="2020-01-11T17:38:52.274" v="373"/>
-          <ac:spMkLst>
-            <pc:docMk/>
-            <pc:sldMk cId="3762640958" sldId="273"/>
-            <ac:spMk id="4" creationId="{8166AA50-DB81-4F49-A912-46BF4228BBC0}"/>
-          </ac:spMkLst>
-        </pc:spChg>
-      </pc:sldChg>
-      <pc:sldChg chg="addSp modSp add del">
-        <pc:chgData name="Samson Christopher" userId="6a13b5f1e64a53ae" providerId="LiveId" clId="{AEA19ED2-893D-4E74-85AF-6144EECA579F}" dt="2020-01-19T00:37:05.450" v="1576" actId="47"/>
-        <pc:sldMkLst>
-          <pc:docMk/>
-          <pc:sldMk cId="3785288161" sldId="273"/>
-        </pc:sldMkLst>
-        <pc:spChg chg="add mod">
-          <ac:chgData name="Samson Christopher" userId="6a13b5f1e64a53ae" providerId="LiveId" clId="{AEA19ED2-893D-4E74-85AF-6144EECA579F}" dt="2020-01-12T13:07:01.285" v="1248" actId="1036"/>
-          <ac:spMkLst>
-            <pc:docMk/>
-            <pc:sldMk cId="3785288161" sldId="273"/>
-            <ac:spMk id="2" creationId="{5738C9D9-ACEE-4291-9912-EF94BB8EF54C}"/>
-          </ac:spMkLst>
-        </pc:spChg>
-      </pc:sldChg>
-      <pc:sldChg chg="addSp modSp add">
-        <pc:chgData name="Samson Christopher" userId="6a13b5f1e64a53ae" providerId="LiveId" clId="{AEA19ED2-893D-4E74-85AF-6144EECA579F}" dt="2020-01-19T00:39:41.999" v="1911" actId="1035"/>
-        <pc:sldMkLst>
-          <pc:docMk/>
-          <pc:sldMk cId="4243651384" sldId="273"/>
-        </pc:sldMkLst>
-        <pc:spChg chg="add mod">
-          <ac:chgData name="Samson Christopher" userId="6a13b5f1e64a53ae" providerId="LiveId" clId="{AEA19ED2-893D-4E74-85AF-6144EECA579F}" dt="2020-01-19T00:39:41.999" v="1911" actId="1035"/>
-          <ac:spMkLst>
-            <pc:docMk/>
-            <pc:sldMk cId="4243651384" sldId="273"/>
-            <ac:spMk id="2" creationId="{6D19C2AA-BD27-4DC8-B677-0D184E7A0C82}"/>
-          </ac:spMkLst>
-        </pc:spChg>
-      </pc:sldChg>
-      <pc:sldChg chg="addSp modSp add del">
-        <pc:chgData name="Samson Christopher" userId="6a13b5f1e64a53ae" providerId="LiveId" clId="{AEA19ED2-893D-4E74-85AF-6144EECA579F}" dt="2020-01-19T00:37:05.674" v="1577" actId="47"/>
-        <pc:sldMkLst>
-          <pc:docMk/>
-          <pc:sldMk cId="882374244" sldId="274"/>
-        </pc:sldMkLst>
-        <pc:spChg chg="add mod">
-          <ac:chgData name="Samson Christopher" userId="6a13b5f1e64a53ae" providerId="LiveId" clId="{AEA19ED2-893D-4E74-85AF-6144EECA579F}" dt="2020-01-12T13:07:16.427" v="1313" actId="1035"/>
-          <ac:spMkLst>
-            <pc:docMk/>
-            <pc:sldMk cId="882374244" sldId="274"/>
-            <ac:spMk id="2" creationId="{BA453DDF-FB0F-4507-B21D-4D454A78A58E}"/>
-          </ac:spMkLst>
-        </pc:spChg>
-      </pc:sldChg>
-      <pc:sldChg chg="addSp modSp add">
-        <pc:chgData name="Samson Christopher" userId="6a13b5f1e64a53ae" providerId="LiveId" clId="{AEA19ED2-893D-4E74-85AF-6144EECA579F}" dt="2020-01-19T00:39:57.712" v="1958" actId="1035"/>
-        <pc:sldMkLst>
-          <pc:docMk/>
-          <pc:sldMk cId="1955277305" sldId="274"/>
-        </pc:sldMkLst>
-        <pc:spChg chg="add mod">
-          <ac:chgData name="Samson Christopher" userId="6a13b5f1e64a53ae" providerId="LiveId" clId="{AEA19ED2-893D-4E74-85AF-6144EECA579F}" dt="2020-01-19T00:39:57.712" v="1958" actId="1035"/>
-          <ac:spMkLst>
-            <pc:docMk/>
-            <pc:sldMk cId="1955277305" sldId="274"/>
-            <ac:spMk id="2" creationId="{3005D8BA-39B5-4A23-89E7-27FBA5D05F22}"/>
-          </ac:spMkLst>
-        </pc:spChg>
-      </pc:sldChg>
-      <pc:sldChg chg="addSp modSp add del">
-        <pc:chgData name="Samson Christopher" userId="6a13b5f1e64a53ae" providerId="LiveId" clId="{AEA19ED2-893D-4E74-85AF-6144EECA579F}" dt="2020-01-12T13:02:30.384" v="769" actId="47"/>
-        <pc:sldMkLst>
-          <pc:docMk/>
-          <pc:sldMk cId="3231910920" sldId="274"/>
-        </pc:sldMkLst>
-        <pc:spChg chg="add mod ord">
-          <ac:chgData name="Samson Christopher" userId="6a13b5f1e64a53ae" providerId="LiveId" clId="{AEA19ED2-893D-4E74-85AF-6144EECA579F}" dt="2020-01-11T17:44:10.957" v="509" actId="1035"/>
-          <ac:spMkLst>
-            <pc:docMk/>
-            <pc:sldMk cId="3231910920" sldId="274"/>
-            <ac:spMk id="3" creationId="{85BB6DC3-07E6-4A7E-9113-D4C125C9296B}"/>
-          </ac:spMkLst>
-        </pc:spChg>
-        <pc:spChg chg="add">
-          <ac:chgData name="Samson Christopher" userId="6a13b5f1e64a53ae" providerId="LiveId" clId="{AEA19ED2-893D-4E74-85AF-6144EECA579F}" dt="2020-01-11T17:38:55.176" v="374"/>
-          <ac:spMkLst>
-            <pc:docMk/>
-            <pc:sldMk cId="3231910920" sldId="274"/>
-            <ac:spMk id="4" creationId="{C5B9549F-654D-40F3-BBCE-72297B3D10C6}"/>
-          </ac:spMkLst>
-        </pc:spChg>
-      </pc:sldChg>
-      <pc:sldChg chg="addSp modSp add del">
-        <pc:chgData name="Samson Christopher" userId="6a13b5f1e64a53ae" providerId="LiveId" clId="{AEA19ED2-893D-4E74-85AF-6144EECA579F}" dt="2020-01-12T13:02:30.590" v="770" actId="47"/>
-        <pc:sldMkLst>
-          <pc:docMk/>
-          <pc:sldMk cId="225120764" sldId="275"/>
-        </pc:sldMkLst>
-        <pc:spChg chg="add mod ord">
-          <ac:chgData name="Samson Christopher" userId="6a13b5f1e64a53ae" providerId="LiveId" clId="{AEA19ED2-893D-4E74-85AF-6144EECA579F}" dt="2020-01-11T17:45:03.906" v="579" actId="1035"/>
-          <ac:spMkLst>
-            <pc:docMk/>
-            <pc:sldMk cId="225120764" sldId="275"/>
-            <ac:spMk id="3" creationId="{4F95A626-2A6E-4E4B-933F-D9F3AEAB5D5F}"/>
-          </ac:spMkLst>
-        </pc:spChg>
-        <pc:spChg chg="add">
-          <ac:chgData name="Samson Christopher" userId="6a13b5f1e64a53ae" providerId="LiveId" clId="{AEA19ED2-893D-4E74-85AF-6144EECA579F}" dt="2020-01-11T17:38:57.441" v="375"/>
-          <ac:spMkLst>
-            <pc:docMk/>
-            <pc:sldMk cId="225120764" sldId="275"/>
-            <ac:spMk id="4" creationId="{D7B3A9FD-F3E6-487A-B014-C666EC45F282}"/>
-          </ac:spMkLst>
-        </pc:spChg>
-      </pc:sldChg>
-      <pc:sldChg chg="addSp modSp add del">
-        <pc:chgData name="Samson Christopher" userId="6a13b5f1e64a53ae" providerId="LiveId" clId="{AEA19ED2-893D-4E74-85AF-6144EECA579F}" dt="2020-01-19T00:37:05.899" v="1578" actId="47"/>
-        <pc:sldMkLst>
-          <pc:docMk/>
-          <pc:sldMk cId="3890446953" sldId="275"/>
-        </pc:sldMkLst>
-        <pc:spChg chg="add mod">
-          <ac:chgData name="Samson Christopher" userId="6a13b5f1e64a53ae" providerId="LiveId" clId="{AEA19ED2-893D-4E74-85AF-6144EECA579F}" dt="2020-01-12T13:07:35.338" v="1372" actId="1035"/>
-          <ac:spMkLst>
-            <pc:docMk/>
-            <pc:sldMk cId="3890446953" sldId="275"/>
-            <ac:spMk id="2" creationId="{BA24A7C8-15DC-4E25-B312-9C7B937046BC}"/>
-          </ac:spMkLst>
-        </pc:spChg>
-      </pc:sldChg>
-      <pc:sldChg chg="addSp modSp add del">
-        <pc:chgData name="Samson Christopher" userId="6a13b5f1e64a53ae" providerId="LiveId" clId="{AEA19ED2-893D-4E74-85AF-6144EECA579F}" dt="2020-01-12T13:02:30.782" v="771" actId="47"/>
-        <pc:sldMkLst>
-          <pc:docMk/>
-          <pc:sldMk cId="3690899013" sldId="276"/>
-        </pc:sldMkLst>
-        <pc:spChg chg="add mod ord">
-          <ac:chgData name="Samson Christopher" userId="6a13b5f1e64a53ae" providerId="LiveId" clId="{AEA19ED2-893D-4E74-85AF-6144EECA579F}" dt="2020-01-11T17:45:52.899" v="603" actId="1035"/>
-          <ac:spMkLst>
-            <pc:docMk/>
-            <pc:sldMk cId="3690899013" sldId="276"/>
-            <ac:spMk id="3" creationId="{22638025-7DEF-4D5E-9BF1-081BE481F100}"/>
-          </ac:spMkLst>
-        </pc:spChg>
-        <pc:spChg chg="add">
-          <ac:chgData name="Samson Christopher" userId="6a13b5f1e64a53ae" providerId="LiveId" clId="{AEA19ED2-893D-4E74-85AF-6144EECA579F}" dt="2020-01-11T17:38:59.386" v="376"/>
-          <ac:spMkLst>
-            <pc:docMk/>
-            <pc:sldMk cId="3690899013" sldId="276"/>
-            <ac:spMk id="4" creationId="{EDC7FE71-8C69-43B2-946B-6ACDD90CAD40}"/>
-          </ac:spMkLst>
-        </pc:spChg>
-      </pc:sldChg>
-      <pc:sldChg chg="addSp modSp add del">
-        <pc:chgData name="Samson Christopher" userId="6a13b5f1e64a53ae" providerId="LiveId" clId="{AEA19ED2-893D-4E74-85AF-6144EECA579F}" dt="2020-01-19T00:37:06.119" v="1579" actId="47"/>
-        <pc:sldMkLst>
-          <pc:docMk/>
-          <pc:sldMk cId="3810922894" sldId="276"/>
-        </pc:sldMkLst>
-        <pc:spChg chg="add mod">
-          <ac:chgData name="Samson Christopher" userId="6a13b5f1e64a53ae" providerId="LiveId" clId="{AEA19ED2-893D-4E74-85AF-6144EECA579F}" dt="2020-01-12T13:07:54.553" v="1434" actId="1036"/>
-          <ac:spMkLst>
-            <pc:docMk/>
-            <pc:sldMk cId="3810922894" sldId="276"/>
-            <ac:spMk id="2" creationId="{CDBE0FD6-19E9-4236-AAE9-2A0682BD9FB5}"/>
-          </ac:spMkLst>
-        </pc:spChg>
-      </pc:sldChg>
-      <pc:sldChg chg="addSp modSp add del">
-        <pc:chgData name="Samson Christopher" userId="6a13b5f1e64a53ae" providerId="LiveId" clId="{AEA19ED2-893D-4E74-85AF-6144EECA579F}" dt="2020-01-12T13:02:31.001" v="772" actId="47"/>
-        <pc:sldMkLst>
-          <pc:docMk/>
-          <pc:sldMk cId="869579498" sldId="277"/>
-        </pc:sldMkLst>
-        <pc:spChg chg="add mod ord">
-          <ac:chgData name="Samson Christopher" userId="6a13b5f1e64a53ae" providerId="LiveId" clId="{AEA19ED2-893D-4E74-85AF-6144EECA579F}" dt="2020-01-11T17:46:45.630" v="673" actId="1035"/>
-          <ac:spMkLst>
-            <pc:docMk/>
-            <pc:sldMk cId="869579498" sldId="277"/>
-            <ac:spMk id="3" creationId="{67F2F878-5DDF-46F8-B331-052018CB4EB8}"/>
-          </ac:spMkLst>
-        </pc:spChg>
-        <pc:spChg chg="add">
-          <ac:chgData name="Samson Christopher" userId="6a13b5f1e64a53ae" providerId="LiveId" clId="{AEA19ED2-893D-4E74-85AF-6144EECA579F}" dt="2020-01-11T17:39:02.096" v="377"/>
-          <ac:spMkLst>
-            <pc:docMk/>
-            <pc:sldMk cId="869579498" sldId="277"/>
-            <ac:spMk id="4" creationId="{215BCCCE-A877-465E-862B-2EABA3E6FD6D}"/>
-          </ac:spMkLst>
-        </pc:spChg>
-      </pc:sldChg>
-      <pc:sldChg chg="addSp modSp add del">
-        <pc:chgData name="Samson Christopher" userId="6a13b5f1e64a53ae" providerId="LiveId" clId="{AEA19ED2-893D-4E74-85AF-6144EECA579F}" dt="2020-01-19T00:37:06.357" v="1580" actId="47"/>
-        <pc:sldMkLst>
-          <pc:docMk/>
-          <pc:sldMk cId="2712214913" sldId="277"/>
-        </pc:sldMkLst>
-        <pc:spChg chg="add mod">
-          <ac:chgData name="Samson Christopher" userId="6a13b5f1e64a53ae" providerId="LiveId" clId="{AEA19ED2-893D-4E74-85AF-6144EECA579F}" dt="2020-01-12T13:08:45.244" v="1506" actId="1036"/>
-          <ac:spMkLst>
-            <pc:docMk/>
-            <pc:sldMk cId="2712214913" sldId="277"/>
-            <ac:spMk id="2" creationId="{9BD5FFAA-E5A9-4673-91F8-E17BB6A6DE21}"/>
-          </ac:spMkLst>
-        </pc:spChg>
-      </pc:sldChg>
-      <pc:sldChg chg="add del">
-        <pc:chgData name="Samson Christopher" userId="6a13b5f1e64a53ae" providerId="LiveId" clId="{AEA19ED2-893D-4E74-85AF-6144EECA579F}" dt="2020-01-11T17:28:52.976" v="31" actId="47"/>
-        <pc:sldMkLst>
-          <pc:docMk/>
-          <pc:sldMk cId="257352469" sldId="278"/>
-        </pc:sldMkLst>
-      </pc:sldChg>
-      <pc:sldChg chg="addSp modSp add del">
-        <pc:chgData name="Samson Christopher" userId="6a13b5f1e64a53ae" providerId="LiveId" clId="{AEA19ED2-893D-4E74-85AF-6144EECA579F}" dt="2020-01-19T00:37:06.637" v="1581" actId="47"/>
-        <pc:sldMkLst>
-          <pc:docMk/>
-          <pc:sldMk cId="816942212" sldId="278"/>
-        </pc:sldMkLst>
-        <pc:spChg chg="add mod">
-          <ac:chgData name="Samson Christopher" userId="6a13b5f1e64a53ae" providerId="LiveId" clId="{AEA19ED2-893D-4E74-85AF-6144EECA579F}" dt="2020-01-12T13:09:22.638" v="1571" actId="1036"/>
-          <ac:spMkLst>
-            <pc:docMk/>
-            <pc:sldMk cId="816942212" sldId="278"/>
-            <ac:spMk id="2" creationId="{765A6030-EA53-49AA-84D9-CAF2F60A5B9C}"/>
-          </ac:spMkLst>
-        </pc:spChg>
-      </pc:sldChg>
-      <pc:sldChg chg="addSp delSp modSp add del">
-        <pc:chgData name="Samson Christopher" userId="6a13b5f1e64a53ae" providerId="LiveId" clId="{AEA19ED2-893D-4E74-85AF-6144EECA579F}" dt="2020-01-12T13:02:31.266" v="773" actId="47"/>
-        <pc:sldMkLst>
-          <pc:docMk/>
-          <pc:sldMk cId="3706232182" sldId="278"/>
-        </pc:sldMkLst>
-        <pc:spChg chg="del">
-          <ac:chgData name="Samson Christopher" userId="6a13b5f1e64a53ae" providerId="LiveId" clId="{AEA19ED2-893D-4E74-85AF-6144EECA579F}" dt="2020-01-11T18:16:57.487" v="682" actId="478"/>
-          <ac:spMkLst>
-            <pc:docMk/>
-            <pc:sldMk cId="3706232182" sldId="278"/>
-            <ac:spMk id="3" creationId="{67F2F878-5DDF-46F8-B331-052018CB4EB8}"/>
-          </ac:spMkLst>
-        </pc:spChg>
-        <pc:spChg chg="add mod">
-          <ac:chgData name="Samson Christopher" userId="6a13b5f1e64a53ae" providerId="LiveId" clId="{AEA19ED2-893D-4E74-85AF-6144EECA579F}" dt="2020-01-11T18:17:39.391" v="701" actId="1035"/>
-          <ac:spMkLst>
-            <pc:docMk/>
-            <pc:sldMk cId="3706232182" sldId="278"/>
-            <ac:spMk id="5" creationId="{D79D1DFC-1B91-4097-8CE3-51355093E1F2}"/>
-          </ac:spMkLst>
-        </pc:spChg>
-      </pc:sldChg>
-      <pc:sldChg chg="add del">
-        <pc:chgData name="Samson Christopher" userId="6a13b5f1e64a53ae" providerId="LiveId" clId="{AEA19ED2-893D-4E74-85AF-6144EECA579F}" dt="2020-01-11T17:28:53.631" v="32" actId="47"/>
-        <pc:sldMkLst>
-          <pc:docMk/>
-          <pc:sldMk cId="2285010310" sldId="279"/>
-        </pc:sldMkLst>
-      </pc:sldChg>
-      <pc:sldChg chg="add del">
-        <pc:chgData name="Samson Christopher" userId="6a13b5f1e64a53ae" providerId="LiveId" clId="{AEA19ED2-893D-4E74-85AF-6144EECA579F}" dt="2020-01-12T13:04:05.135" v="802" actId="47"/>
-        <pc:sldMkLst>
-          <pc:docMk/>
-          <pc:sldMk cId="3046802904" sldId="279"/>
-        </pc:sldMkLst>
-      </pc:sldChg>
-      <pc:sldChg chg="addSp delSp modSp add del">
-        <pc:chgData name="Samson Christopher" userId="6a13b5f1e64a53ae" providerId="LiveId" clId="{AEA19ED2-893D-4E74-85AF-6144EECA579F}" dt="2020-01-12T13:02:31.735" v="774" actId="47"/>
-        <pc:sldMkLst>
-          <pc:docMk/>
-          <pc:sldMk cId="3837000704" sldId="279"/>
-        </pc:sldMkLst>
-        <pc:spChg chg="del">
-          <ac:chgData name="Samson Christopher" userId="6a13b5f1e64a53ae" providerId="LiveId" clId="{AEA19ED2-893D-4E74-85AF-6144EECA579F}" dt="2020-01-11T18:17:01.765" v="683" actId="478"/>
-          <ac:spMkLst>
-            <pc:docMk/>
-            <pc:sldMk cId="3837000704" sldId="279"/>
-            <ac:spMk id="3" creationId="{67F2F878-5DDF-46F8-B331-052018CB4EB8}"/>
-          </ac:spMkLst>
-        </pc:spChg>
-        <pc:spChg chg="add mod">
-          <ac:chgData name="Samson Christopher" userId="6a13b5f1e64a53ae" providerId="LiveId" clId="{AEA19ED2-893D-4E74-85AF-6144EECA579F}" dt="2020-01-11T18:18:04.310" v="762" actId="1036"/>
-          <ac:spMkLst>
-            <pc:docMk/>
-            <pc:sldMk cId="3837000704" sldId="279"/>
-            <ac:spMk id="5" creationId="{17C8F343-C25F-473F-B26A-95469F157491}"/>
-          </ac:spMkLst>
-        </pc:spChg>
-      </pc:sldChg>
-      <pc:sldChg chg="add del">
-        <pc:chgData name="Samson Christopher" userId="6a13b5f1e64a53ae" providerId="LiveId" clId="{AEA19ED2-893D-4E74-85AF-6144EECA579F}" dt="2020-01-11T17:28:54.431" v="33" actId="47"/>
-        <pc:sldMkLst>
-          <pc:docMk/>
-          <pc:sldMk cId="257228952" sldId="280"/>
-        </pc:sldMkLst>
-      </pc:sldChg>
-      <pc:sldChg chg="add del">
-        <pc:chgData name="Samson Christopher" userId="6a13b5f1e64a53ae" providerId="LiveId" clId="{AEA19ED2-893D-4E74-85AF-6144EECA579F}" dt="2020-01-12T13:04:05.510" v="803" actId="47"/>
-        <pc:sldMkLst>
-          <pc:docMk/>
-          <pc:sldMk cId="347507537" sldId="280"/>
-        </pc:sldMkLst>
-      </pc:sldChg>
-      <pc:sldChg chg="add del">
-        <pc:chgData name="Samson Christopher" userId="6a13b5f1e64a53ae" providerId="LiveId" clId="{AEA19ED2-893D-4E74-85AF-6144EECA579F}" dt="2020-01-12T13:04:05.973" v="804" actId="47"/>
-        <pc:sldMkLst>
-          <pc:docMk/>
-          <pc:sldMk cId="1850198706" sldId="281"/>
-        </pc:sldMkLst>
-      </pc:sldChg>
-      <pc:sldChg chg="add del">
-        <pc:chgData name="Samson Christopher" userId="6a13b5f1e64a53ae" providerId="LiveId" clId="{AEA19ED2-893D-4E74-85AF-6144EECA579F}" dt="2020-01-12T13:04:06.512" v="805" actId="47"/>
-        <pc:sldMkLst>
-          <pc:docMk/>
-          <pc:sldMk cId="3159323584" sldId="282"/>
         </pc:sldMkLst>
       </pc:sldChg>
     </pc:docChg>
@@ -22174,6 +22174,399 @@
         <pc:sldMkLst>
           <pc:docMk/>
           <pc:sldMk cId="4190463455" sldId="382"/>
+        </pc:sldMkLst>
+      </pc:sldChg>
+    </pc:docChg>
+  </pc:docChgLst>
+  <pc:docChgLst>
+    <pc:chgData name="Samson Christopher" userId="6a13b5f1e64a53ae" providerId="LiveId" clId="{61360AC3-6AD3-417A-8CCB-3269FFF2D315}"/>
+    <pc:docChg chg="undo custSel addSld delSld modSld">
+      <pc:chgData name="Samson Christopher" userId="6a13b5f1e64a53ae" providerId="LiveId" clId="{61360AC3-6AD3-417A-8CCB-3269FFF2D315}" dt="2020-03-08T03:30:43.335" v="1258" actId="1036"/>
+      <pc:docMkLst>
+        <pc:docMk/>
+      </pc:docMkLst>
+      <pc:sldChg chg="del">
+        <pc:chgData name="Samson Christopher" userId="6a13b5f1e64a53ae" providerId="LiveId" clId="{61360AC3-6AD3-417A-8CCB-3269FFF2D315}" dt="2020-03-08T03:17:34.709" v="31" actId="47"/>
+        <pc:sldMkLst>
+          <pc:docMk/>
+          <pc:sldMk cId="3372043587" sldId="350"/>
+        </pc:sldMkLst>
+      </pc:sldChg>
+      <pc:sldChg chg="addSp delSp modSp del mod">
+        <pc:chgData name="Samson Christopher" userId="6a13b5f1e64a53ae" providerId="LiveId" clId="{61360AC3-6AD3-417A-8CCB-3269FFF2D315}" dt="2020-03-08T03:26:09.773" v="822" actId="47"/>
+        <pc:sldMkLst>
+          <pc:docMk/>
+          <pc:sldMk cId="2590931761" sldId="351"/>
+        </pc:sldMkLst>
+        <pc:spChg chg="del">
+          <ac:chgData name="Samson Christopher" userId="6a13b5f1e64a53ae" providerId="LiveId" clId="{61360AC3-6AD3-417A-8CCB-3269FFF2D315}" dt="2020-03-08T03:15:11.569" v="6" actId="478"/>
+          <ac:spMkLst>
+            <pc:docMk/>
+            <pc:sldMk cId="2590931761" sldId="351"/>
+            <ac:spMk id="2" creationId="{322EFBF0-0983-4ABE-ABCA-250F9B140533}"/>
+          </ac:spMkLst>
+        </pc:spChg>
+        <pc:spChg chg="add mod">
+          <ac:chgData name="Samson Christopher" userId="6a13b5f1e64a53ae" providerId="LiveId" clId="{61360AC3-6AD3-417A-8CCB-3269FFF2D315}" dt="2020-03-08T03:21:42.530" v="723" actId="1036"/>
+          <ac:spMkLst>
+            <pc:docMk/>
+            <pc:sldMk cId="2590931761" sldId="351"/>
+            <ac:spMk id="2" creationId="{AF959CEB-A4F3-4861-AA0A-0C5B4F257624}"/>
+          </ac:spMkLst>
+        </pc:spChg>
+      </pc:sldChg>
+      <pc:sldChg chg="del">
+        <pc:chgData name="Samson Christopher" userId="6a13b5f1e64a53ae" providerId="LiveId" clId="{61360AC3-6AD3-417A-8CCB-3269FFF2D315}" dt="2020-03-08T03:15:06.664" v="0" actId="47"/>
+        <pc:sldMkLst>
+          <pc:docMk/>
+          <pc:sldMk cId="3610087256" sldId="352"/>
+        </pc:sldMkLst>
+      </pc:sldChg>
+      <pc:sldChg chg="addSp delSp modSp add mod">
+        <pc:chgData name="Samson Christopher" userId="6a13b5f1e64a53ae" providerId="LiveId" clId="{61360AC3-6AD3-417A-8CCB-3269FFF2D315}" dt="2020-03-08T03:30:43.335" v="1258" actId="1036"/>
+        <pc:sldMkLst>
+          <pc:docMk/>
+          <pc:sldMk cId="3691270676" sldId="352"/>
+        </pc:sldMkLst>
+        <pc:spChg chg="add del mod">
+          <ac:chgData name="Samson Christopher" userId="6a13b5f1e64a53ae" providerId="LiveId" clId="{61360AC3-6AD3-417A-8CCB-3269FFF2D315}" dt="2020-03-08T03:24:52.446" v="793" actId="478"/>
+          <ac:spMkLst>
+            <pc:docMk/>
+            <pc:sldMk cId="3691270676" sldId="352"/>
+            <ac:spMk id="2" creationId="{4F1C2D1B-F3FD-4B44-B250-86048B27ECC0}"/>
+          </ac:spMkLst>
+        </pc:spChg>
+        <pc:spChg chg="add mod">
+          <ac:chgData name="Samson Christopher" userId="6a13b5f1e64a53ae" providerId="LiveId" clId="{61360AC3-6AD3-417A-8CCB-3269FFF2D315}" dt="2020-03-08T03:30:43.335" v="1258" actId="1036"/>
+          <ac:spMkLst>
+            <pc:docMk/>
+            <pc:sldMk cId="3691270676" sldId="352"/>
+            <ac:spMk id="3" creationId="{80843E6F-92F5-41C3-9AB0-B2AB782834A3}"/>
+          </ac:spMkLst>
+        </pc:spChg>
+      </pc:sldChg>
+      <pc:sldChg chg="del">
+        <pc:chgData name="Samson Christopher" userId="6a13b5f1e64a53ae" providerId="LiveId" clId="{61360AC3-6AD3-417A-8CCB-3269FFF2D315}" dt="2020-03-08T03:15:07.093" v="1" actId="47"/>
+        <pc:sldMkLst>
+          <pc:docMk/>
+          <pc:sldMk cId="1159023188" sldId="353"/>
+        </pc:sldMkLst>
+      </pc:sldChg>
+      <pc:sldChg chg="addSp modSp add mod">
+        <pc:chgData name="Samson Christopher" userId="6a13b5f1e64a53ae" providerId="LiveId" clId="{61360AC3-6AD3-417A-8CCB-3269FFF2D315}" dt="2020-03-08T03:30:16.282" v="1208" actId="1035"/>
+        <pc:sldMkLst>
+          <pc:docMk/>
+          <pc:sldMk cId="3310956371" sldId="353"/>
+        </pc:sldMkLst>
+        <pc:spChg chg="add mod">
+          <ac:chgData name="Samson Christopher" userId="6a13b5f1e64a53ae" providerId="LiveId" clId="{61360AC3-6AD3-417A-8CCB-3269FFF2D315}" dt="2020-03-08T03:30:16.282" v="1208" actId="1035"/>
+          <ac:spMkLst>
+            <pc:docMk/>
+            <pc:sldMk cId="3310956371" sldId="353"/>
+            <ac:spMk id="2" creationId="{DCB1F461-2390-4D06-963A-C3BD76AF4F67}"/>
+          </ac:spMkLst>
+        </pc:spChg>
+      </pc:sldChg>
+      <pc:sldChg chg="addSp modSp add del mod">
+        <pc:chgData name="Samson Christopher" userId="6a13b5f1e64a53ae" providerId="LiveId" clId="{61360AC3-6AD3-417A-8CCB-3269FFF2D315}" dt="2020-03-08T03:24:48.628" v="783" actId="47"/>
+        <pc:sldMkLst>
+          <pc:docMk/>
+          <pc:sldMk cId="3494045026" sldId="353"/>
+        </pc:sldMkLst>
+        <pc:spChg chg="add mod">
+          <ac:chgData name="Samson Christopher" userId="6a13b5f1e64a53ae" providerId="LiveId" clId="{61360AC3-6AD3-417A-8CCB-3269FFF2D315}" dt="2020-03-08T03:22:29.258" v="782" actId="1035"/>
+          <ac:spMkLst>
+            <pc:docMk/>
+            <pc:sldMk cId="3494045026" sldId="353"/>
+            <ac:spMk id="2" creationId="{3270A842-971A-48FC-A3A4-643972C552AA}"/>
+          </ac:spMkLst>
+        </pc:spChg>
+      </pc:sldChg>
+      <pc:sldChg chg="addSp modSp add del mod">
+        <pc:chgData name="Samson Christopher" userId="6a13b5f1e64a53ae" providerId="LiveId" clId="{61360AC3-6AD3-417A-8CCB-3269FFF2D315}" dt="2020-03-08T03:24:49.132" v="784" actId="47"/>
+        <pc:sldMkLst>
+          <pc:docMk/>
+          <pc:sldMk cId="932658161" sldId="354"/>
+        </pc:sldMkLst>
+        <pc:spChg chg="add mod">
+          <ac:chgData name="Samson Christopher" userId="6a13b5f1e64a53ae" providerId="LiveId" clId="{61360AC3-6AD3-417A-8CCB-3269FFF2D315}" dt="2020-03-08T03:21:09.840" v="596" actId="1036"/>
+          <ac:spMkLst>
+            <pc:docMk/>
+            <pc:sldMk cId="932658161" sldId="354"/>
+            <ac:spMk id="2" creationId="{3B1F845E-F093-42BF-89F2-55D4BF00FC0A}"/>
+          </ac:spMkLst>
+        </pc:spChg>
+      </pc:sldChg>
+      <pc:sldChg chg="addSp modSp add mod">
+        <pc:chgData name="Samson Christopher" userId="6a13b5f1e64a53ae" providerId="LiveId" clId="{61360AC3-6AD3-417A-8CCB-3269FFF2D315}" dt="2020-03-08T03:29:55.546" v="1152" actId="1036"/>
+        <pc:sldMkLst>
+          <pc:docMk/>
+          <pc:sldMk cId="1318785818" sldId="354"/>
+        </pc:sldMkLst>
+        <pc:spChg chg="add mod">
+          <ac:chgData name="Samson Christopher" userId="6a13b5f1e64a53ae" providerId="LiveId" clId="{61360AC3-6AD3-417A-8CCB-3269FFF2D315}" dt="2020-03-08T03:29:55.546" v="1152" actId="1036"/>
+          <ac:spMkLst>
+            <pc:docMk/>
+            <pc:sldMk cId="1318785818" sldId="354"/>
+            <ac:spMk id="2" creationId="{65448034-8EE2-4660-B375-EB695A064EF3}"/>
+          </ac:spMkLst>
+        </pc:spChg>
+      </pc:sldChg>
+      <pc:sldChg chg="del">
+        <pc:chgData name="Samson Christopher" userId="6a13b5f1e64a53ae" providerId="LiveId" clId="{61360AC3-6AD3-417A-8CCB-3269FFF2D315}" dt="2020-03-08T03:15:07.324" v="2" actId="47"/>
+        <pc:sldMkLst>
+          <pc:docMk/>
+          <pc:sldMk cId="4078072832" sldId="354"/>
+        </pc:sldMkLst>
+      </pc:sldChg>
+      <pc:sldChg chg="addSp modSp add del mod">
+        <pc:chgData name="Samson Christopher" userId="6a13b5f1e64a53ae" providerId="LiveId" clId="{61360AC3-6AD3-417A-8CCB-3269FFF2D315}" dt="2020-03-08T03:24:49.175" v="785" actId="47"/>
+        <pc:sldMkLst>
+          <pc:docMk/>
+          <pc:sldMk cId="1265888838" sldId="355"/>
+        </pc:sldMkLst>
+        <pc:spChg chg="add mod">
+          <ac:chgData name="Samson Christopher" userId="6a13b5f1e64a53ae" providerId="LiveId" clId="{61360AC3-6AD3-417A-8CCB-3269FFF2D315}" dt="2020-03-08T03:20:50.417" v="545" actId="1035"/>
+          <ac:spMkLst>
+            <pc:docMk/>
+            <pc:sldMk cId="1265888838" sldId="355"/>
+            <ac:spMk id="2" creationId="{B8046C4B-F0D7-4840-B69D-35039D33A6A0}"/>
+          </ac:spMkLst>
+        </pc:spChg>
+      </pc:sldChg>
+      <pc:sldChg chg="del">
+        <pc:chgData name="Samson Christopher" userId="6a13b5f1e64a53ae" providerId="LiveId" clId="{61360AC3-6AD3-417A-8CCB-3269FFF2D315}" dt="2020-03-08T03:15:07.521" v="3" actId="47"/>
+        <pc:sldMkLst>
+          <pc:docMk/>
+          <pc:sldMk cId="2320480390" sldId="355"/>
+        </pc:sldMkLst>
+      </pc:sldChg>
+      <pc:sldChg chg="addSp modSp add mod">
+        <pc:chgData name="Samson Christopher" userId="6a13b5f1e64a53ae" providerId="LiveId" clId="{61360AC3-6AD3-417A-8CCB-3269FFF2D315}" dt="2020-03-08T03:29:20.308" v="1082" actId="1036"/>
+        <pc:sldMkLst>
+          <pc:docMk/>
+          <pc:sldMk cId="4276967159" sldId="355"/>
+        </pc:sldMkLst>
+        <pc:spChg chg="add mod">
+          <ac:chgData name="Samson Christopher" userId="6a13b5f1e64a53ae" providerId="LiveId" clId="{61360AC3-6AD3-417A-8CCB-3269FFF2D315}" dt="2020-03-08T03:29:20.308" v="1082" actId="1036"/>
+          <ac:spMkLst>
+            <pc:docMk/>
+            <pc:sldMk cId="4276967159" sldId="355"/>
+            <ac:spMk id="2" creationId="{69010008-95AB-42C0-94F9-199F083F81C7}"/>
+          </ac:spMkLst>
+        </pc:spChg>
+      </pc:sldChg>
+      <pc:sldChg chg="addSp modSp add del mod">
+        <pc:chgData name="Samson Christopher" userId="6a13b5f1e64a53ae" providerId="LiveId" clId="{61360AC3-6AD3-417A-8CCB-3269FFF2D315}" dt="2020-03-08T03:24:49.199" v="786" actId="47"/>
+        <pc:sldMkLst>
+          <pc:docMk/>
+          <pc:sldMk cId="950897292" sldId="356"/>
+        </pc:sldMkLst>
+        <pc:spChg chg="add mod">
+          <ac:chgData name="Samson Christopher" userId="6a13b5f1e64a53ae" providerId="LiveId" clId="{61360AC3-6AD3-417A-8CCB-3269FFF2D315}" dt="2020-03-08T03:20:31.844" v="466" actId="1036"/>
+          <ac:spMkLst>
+            <pc:docMk/>
+            <pc:sldMk cId="950897292" sldId="356"/>
+            <ac:spMk id="2" creationId="{41E22FBE-71B0-4EF7-9F6B-9A0B8428232D}"/>
+          </ac:spMkLst>
+        </pc:spChg>
+      </pc:sldChg>
+      <pc:sldChg chg="del">
+        <pc:chgData name="Samson Christopher" userId="6a13b5f1e64a53ae" providerId="LiveId" clId="{61360AC3-6AD3-417A-8CCB-3269FFF2D315}" dt="2020-03-08T03:15:07.756" v="4" actId="47"/>
+        <pc:sldMkLst>
+          <pc:docMk/>
+          <pc:sldMk cId="999495230" sldId="356"/>
+        </pc:sldMkLst>
+      </pc:sldChg>
+      <pc:sldChg chg="addSp modSp add mod">
+        <pc:chgData name="Samson Christopher" userId="6a13b5f1e64a53ae" providerId="LiveId" clId="{61360AC3-6AD3-417A-8CCB-3269FFF2D315}" dt="2020-03-08T03:28:52.868" v="1029" actId="1035"/>
+        <pc:sldMkLst>
+          <pc:docMk/>
+          <pc:sldMk cId="1986422585" sldId="356"/>
+        </pc:sldMkLst>
+        <pc:spChg chg="add mod">
+          <ac:chgData name="Samson Christopher" userId="6a13b5f1e64a53ae" providerId="LiveId" clId="{61360AC3-6AD3-417A-8CCB-3269FFF2D315}" dt="2020-03-08T03:28:52.868" v="1029" actId="1035"/>
+          <ac:spMkLst>
+            <pc:docMk/>
+            <pc:sldMk cId="1986422585" sldId="356"/>
+            <ac:spMk id="2" creationId="{02791ED7-1AA5-4F34-91BE-CEBA52AD18F3}"/>
+          </ac:spMkLst>
+        </pc:spChg>
+      </pc:sldChg>
+      <pc:sldChg chg="addSp modSp add del mod">
+        <pc:chgData name="Samson Christopher" userId="6a13b5f1e64a53ae" providerId="LiveId" clId="{61360AC3-6AD3-417A-8CCB-3269FFF2D315}" dt="2020-03-08T03:24:49.238" v="787" actId="47"/>
+        <pc:sldMkLst>
+          <pc:docMk/>
+          <pc:sldMk cId="294666723" sldId="357"/>
+        </pc:sldMkLst>
+        <pc:spChg chg="add mod">
+          <ac:chgData name="Samson Christopher" userId="6a13b5f1e64a53ae" providerId="LiveId" clId="{61360AC3-6AD3-417A-8CCB-3269FFF2D315}" dt="2020-03-08T03:20:16.705" v="412" actId="1036"/>
+          <ac:spMkLst>
+            <pc:docMk/>
+            <pc:sldMk cId="294666723" sldId="357"/>
+            <ac:spMk id="2" creationId="{F1BF725F-B996-458E-9CAB-3AA9D4B4E2AD}"/>
+          </ac:spMkLst>
+        </pc:spChg>
+      </pc:sldChg>
+      <pc:sldChg chg="del">
+        <pc:chgData name="Samson Christopher" userId="6a13b5f1e64a53ae" providerId="LiveId" clId="{61360AC3-6AD3-417A-8CCB-3269FFF2D315}" dt="2020-03-08T03:15:08.082" v="5" actId="47"/>
+        <pc:sldMkLst>
+          <pc:docMk/>
+          <pc:sldMk cId="686667494" sldId="357"/>
+        </pc:sldMkLst>
+      </pc:sldChg>
+      <pc:sldChg chg="addSp modSp add mod">
+        <pc:chgData name="Samson Christopher" userId="6a13b5f1e64a53ae" providerId="LiveId" clId="{61360AC3-6AD3-417A-8CCB-3269FFF2D315}" dt="2020-03-08T03:28:19.589" v="964" actId="1036"/>
+        <pc:sldMkLst>
+          <pc:docMk/>
+          <pc:sldMk cId="1072175552" sldId="357"/>
+        </pc:sldMkLst>
+        <pc:spChg chg="add mod">
+          <ac:chgData name="Samson Christopher" userId="6a13b5f1e64a53ae" providerId="LiveId" clId="{61360AC3-6AD3-417A-8CCB-3269FFF2D315}" dt="2020-03-08T03:28:19.589" v="964" actId="1036"/>
+          <ac:spMkLst>
+            <pc:docMk/>
+            <pc:sldMk cId="1072175552" sldId="357"/>
+            <ac:spMk id="2" creationId="{B0496426-FF4C-494D-9F93-610499F2C24A}"/>
+          </ac:spMkLst>
+        </pc:spChg>
+      </pc:sldChg>
+      <pc:sldChg chg="addSp modSp add del mod">
+        <pc:chgData name="Samson Christopher" userId="6a13b5f1e64a53ae" providerId="LiveId" clId="{61360AC3-6AD3-417A-8CCB-3269FFF2D315}" dt="2020-03-08T03:24:49.263" v="788" actId="47"/>
+        <pc:sldMkLst>
+          <pc:docMk/>
+          <pc:sldMk cId="317516479" sldId="358"/>
+        </pc:sldMkLst>
+        <pc:spChg chg="add mod">
+          <ac:chgData name="Samson Christopher" userId="6a13b5f1e64a53ae" providerId="LiveId" clId="{61360AC3-6AD3-417A-8CCB-3269FFF2D315}" dt="2020-03-08T03:20:05.295" v="365" actId="1036"/>
+          <ac:spMkLst>
+            <pc:docMk/>
+            <pc:sldMk cId="317516479" sldId="358"/>
+            <ac:spMk id="2" creationId="{F7CBA0A2-D0FC-4A3D-96E4-A6730C973B9D}"/>
+          </ac:spMkLst>
+        </pc:spChg>
+      </pc:sldChg>
+      <pc:sldChg chg="addSp modSp add mod">
+        <pc:chgData name="Samson Christopher" userId="6a13b5f1e64a53ae" providerId="LiveId" clId="{61360AC3-6AD3-417A-8CCB-3269FFF2D315}" dt="2020-03-08T03:26:47.950" v="894" actId="1035"/>
+        <pc:sldMkLst>
+          <pc:docMk/>
+          <pc:sldMk cId="359903147" sldId="358"/>
+        </pc:sldMkLst>
+        <pc:spChg chg="add mod">
+          <ac:chgData name="Samson Christopher" userId="6a13b5f1e64a53ae" providerId="LiveId" clId="{61360AC3-6AD3-417A-8CCB-3269FFF2D315}" dt="2020-03-08T03:26:47.950" v="894" actId="1035"/>
+          <ac:spMkLst>
+            <pc:docMk/>
+            <pc:sldMk cId="359903147" sldId="358"/>
+            <ac:spMk id="2" creationId="{C8C3C3D9-93CE-4A3F-9EA7-BB3E880BD269}"/>
+          </ac:spMkLst>
+        </pc:spChg>
+      </pc:sldChg>
+      <pc:sldChg chg="add del">
+        <pc:chgData name="Samson Christopher" userId="6a13b5f1e64a53ae" providerId="LiveId" clId="{61360AC3-6AD3-417A-8CCB-3269FFF2D315}" dt="2020-03-08T03:25:05.404" v="813"/>
+        <pc:sldMkLst>
+          <pc:docMk/>
+          <pc:sldMk cId="2225439150" sldId="359"/>
+        </pc:sldMkLst>
+      </pc:sldChg>
+      <pc:sldChg chg="addSp modSp add del mod">
+        <pc:chgData name="Samson Christopher" userId="6a13b5f1e64a53ae" providerId="LiveId" clId="{61360AC3-6AD3-417A-8CCB-3269FFF2D315}" dt="2020-03-08T03:24:49.305" v="789" actId="47"/>
+        <pc:sldMkLst>
+          <pc:docMk/>
+          <pc:sldMk cId="4064084081" sldId="359"/>
+        </pc:sldMkLst>
+        <pc:spChg chg="add mod">
+          <ac:chgData name="Samson Christopher" userId="6a13b5f1e64a53ae" providerId="LiveId" clId="{61360AC3-6AD3-417A-8CCB-3269FFF2D315}" dt="2020-03-08T03:19:51.202" v="310" actId="1036"/>
+          <ac:spMkLst>
+            <pc:docMk/>
+            <pc:sldMk cId="4064084081" sldId="359"/>
+            <ac:spMk id="2" creationId="{D570FD93-3826-4701-854B-C358E7AB577F}"/>
+          </ac:spMkLst>
+        </pc:spChg>
+      </pc:sldChg>
+      <pc:sldChg chg="add del">
+        <pc:chgData name="Samson Christopher" userId="6a13b5f1e64a53ae" providerId="LiveId" clId="{61360AC3-6AD3-417A-8CCB-3269FFF2D315}" dt="2020-03-08T03:25:05.158" v="812"/>
+        <pc:sldMkLst>
+          <pc:docMk/>
+          <pc:sldMk cId="1433836134" sldId="360"/>
+        </pc:sldMkLst>
+      </pc:sldChg>
+      <pc:sldChg chg="addSp modSp add del mod">
+        <pc:chgData name="Samson Christopher" userId="6a13b5f1e64a53ae" providerId="LiveId" clId="{61360AC3-6AD3-417A-8CCB-3269FFF2D315}" dt="2020-03-08T03:24:49.329" v="790" actId="47"/>
+        <pc:sldMkLst>
+          <pc:docMk/>
+          <pc:sldMk cId="4081603751" sldId="360"/>
+        </pc:sldMkLst>
+        <pc:spChg chg="add mod">
+          <ac:chgData name="Samson Christopher" userId="6a13b5f1e64a53ae" providerId="LiveId" clId="{61360AC3-6AD3-417A-8CCB-3269FFF2D315}" dt="2020-03-08T03:19:19.856" v="247" actId="1036"/>
+          <ac:spMkLst>
+            <pc:docMk/>
+            <pc:sldMk cId="4081603751" sldId="360"/>
+            <ac:spMk id="2" creationId="{BD69108E-9B39-4A98-B063-00664E87B1FC}"/>
+          </ac:spMkLst>
+        </pc:spChg>
+      </pc:sldChg>
+      <pc:sldChg chg="add del">
+        <pc:chgData name="Samson Christopher" userId="6a13b5f1e64a53ae" providerId="LiveId" clId="{61360AC3-6AD3-417A-8CCB-3269FFF2D315}" dt="2020-03-08T03:25:04.935" v="811"/>
+        <pc:sldMkLst>
+          <pc:docMk/>
+          <pc:sldMk cId="2479000936" sldId="361"/>
+        </pc:sldMkLst>
+      </pc:sldChg>
+      <pc:sldChg chg="addSp modSp add del mod">
+        <pc:chgData name="Samson Christopher" userId="6a13b5f1e64a53ae" providerId="LiveId" clId="{61360AC3-6AD3-417A-8CCB-3269FFF2D315}" dt="2020-03-08T03:24:49.373" v="791" actId="47"/>
+        <pc:sldMkLst>
+          <pc:docMk/>
+          <pc:sldMk cId="3128746350" sldId="361"/>
+        </pc:sldMkLst>
+        <pc:spChg chg="add mod">
+          <ac:chgData name="Samson Christopher" userId="6a13b5f1e64a53ae" providerId="LiveId" clId="{61360AC3-6AD3-417A-8CCB-3269FFF2D315}" dt="2020-03-08T03:18:49.804" v="166" actId="1035"/>
+          <ac:spMkLst>
+            <pc:docMk/>
+            <pc:sldMk cId="3128746350" sldId="361"/>
+            <ac:spMk id="2" creationId="{C2037045-2BAE-4F52-83E4-A680418AD49E}"/>
+          </ac:spMkLst>
+        </pc:spChg>
+      </pc:sldChg>
+      <pc:sldChg chg="addSp modSp add del mod">
+        <pc:chgData name="Samson Christopher" userId="6a13b5f1e64a53ae" providerId="LiveId" clId="{61360AC3-6AD3-417A-8CCB-3269FFF2D315}" dt="2020-03-08T03:24:49.403" v="792" actId="47"/>
+        <pc:sldMkLst>
+          <pc:docMk/>
+          <pc:sldMk cId="79244734" sldId="362"/>
+        </pc:sldMkLst>
+        <pc:spChg chg="add mod">
+          <ac:chgData name="Samson Christopher" userId="6a13b5f1e64a53ae" providerId="LiveId" clId="{61360AC3-6AD3-417A-8CCB-3269FFF2D315}" dt="2020-03-08T03:18:36.436" v="110" actId="1036"/>
+          <ac:spMkLst>
+            <pc:docMk/>
+            <pc:sldMk cId="79244734" sldId="362"/>
+            <ac:spMk id="2" creationId="{C5575AE2-766F-49B2-BB8E-8B7646CC1FB8}"/>
+          </ac:spMkLst>
+        </pc:spChg>
+      </pc:sldChg>
+      <pc:sldChg chg="add del">
+        <pc:chgData name="Samson Christopher" userId="6a13b5f1e64a53ae" providerId="LiveId" clId="{61360AC3-6AD3-417A-8CCB-3269FFF2D315}" dt="2020-03-08T03:25:04.720" v="810"/>
+        <pc:sldMkLst>
+          <pc:docMk/>
+          <pc:sldMk cId="4096340065" sldId="362"/>
+        </pc:sldMkLst>
+      </pc:sldChg>
+      <pc:sldChg chg="add del">
+        <pc:chgData name="Samson Christopher" userId="6a13b5f1e64a53ae" providerId="LiveId" clId="{61360AC3-6AD3-417A-8CCB-3269FFF2D315}" dt="2020-03-08T03:25:04.530" v="809"/>
+        <pc:sldMkLst>
+          <pc:docMk/>
+          <pc:sldMk cId="37419800" sldId="363"/>
+        </pc:sldMkLst>
+      </pc:sldChg>
+      <pc:sldChg chg="add del">
+        <pc:chgData name="Samson Christopher" userId="6a13b5f1e64a53ae" providerId="LiveId" clId="{61360AC3-6AD3-417A-8CCB-3269FFF2D315}" dt="2020-03-08T03:25:04.343" v="808"/>
+        <pc:sldMkLst>
+          <pc:docMk/>
+          <pc:sldMk cId="2239840696" sldId="364"/>
+        </pc:sldMkLst>
+      </pc:sldChg>
+      <pc:sldChg chg="add del">
+        <pc:chgData name="Samson Christopher" userId="6a13b5f1e64a53ae" providerId="LiveId" clId="{61360AC3-6AD3-417A-8CCB-3269FFF2D315}" dt="2020-03-08T03:25:04.164" v="807"/>
+        <pc:sldMkLst>
+          <pc:docMk/>
+          <pc:sldMk cId="2996473863" sldId="365"/>
         </pc:sldMkLst>
       </pc:sldChg>
     </pc:docChg>
@@ -22408,399 +22801,6 @@
         <pc:sldMkLst>
           <pc:docMk/>
           <pc:sldMk cId="3747042205" sldId="404"/>
-        </pc:sldMkLst>
-      </pc:sldChg>
-    </pc:docChg>
-  </pc:docChgLst>
-  <pc:docChgLst>
-    <pc:chgData name="Samson Christopher" userId="6a13b5f1e64a53ae" providerId="LiveId" clId="{61360AC3-6AD3-417A-8CCB-3269FFF2D315}"/>
-    <pc:docChg chg="undo custSel addSld delSld modSld">
-      <pc:chgData name="Samson Christopher" userId="6a13b5f1e64a53ae" providerId="LiveId" clId="{61360AC3-6AD3-417A-8CCB-3269FFF2D315}" dt="2020-03-08T03:30:43.335" v="1258" actId="1036"/>
-      <pc:docMkLst>
-        <pc:docMk/>
-      </pc:docMkLst>
-      <pc:sldChg chg="del">
-        <pc:chgData name="Samson Christopher" userId="6a13b5f1e64a53ae" providerId="LiveId" clId="{61360AC3-6AD3-417A-8CCB-3269FFF2D315}" dt="2020-03-08T03:17:34.709" v="31" actId="47"/>
-        <pc:sldMkLst>
-          <pc:docMk/>
-          <pc:sldMk cId="3372043587" sldId="350"/>
-        </pc:sldMkLst>
-      </pc:sldChg>
-      <pc:sldChg chg="addSp delSp modSp del mod">
-        <pc:chgData name="Samson Christopher" userId="6a13b5f1e64a53ae" providerId="LiveId" clId="{61360AC3-6AD3-417A-8CCB-3269FFF2D315}" dt="2020-03-08T03:26:09.773" v="822" actId="47"/>
-        <pc:sldMkLst>
-          <pc:docMk/>
-          <pc:sldMk cId="2590931761" sldId="351"/>
-        </pc:sldMkLst>
-        <pc:spChg chg="del">
-          <ac:chgData name="Samson Christopher" userId="6a13b5f1e64a53ae" providerId="LiveId" clId="{61360AC3-6AD3-417A-8CCB-3269FFF2D315}" dt="2020-03-08T03:15:11.569" v="6" actId="478"/>
-          <ac:spMkLst>
-            <pc:docMk/>
-            <pc:sldMk cId="2590931761" sldId="351"/>
-            <ac:spMk id="2" creationId="{322EFBF0-0983-4ABE-ABCA-250F9B140533}"/>
-          </ac:spMkLst>
-        </pc:spChg>
-        <pc:spChg chg="add mod">
-          <ac:chgData name="Samson Christopher" userId="6a13b5f1e64a53ae" providerId="LiveId" clId="{61360AC3-6AD3-417A-8CCB-3269FFF2D315}" dt="2020-03-08T03:21:42.530" v="723" actId="1036"/>
-          <ac:spMkLst>
-            <pc:docMk/>
-            <pc:sldMk cId="2590931761" sldId="351"/>
-            <ac:spMk id="2" creationId="{AF959CEB-A4F3-4861-AA0A-0C5B4F257624}"/>
-          </ac:spMkLst>
-        </pc:spChg>
-      </pc:sldChg>
-      <pc:sldChg chg="del">
-        <pc:chgData name="Samson Christopher" userId="6a13b5f1e64a53ae" providerId="LiveId" clId="{61360AC3-6AD3-417A-8CCB-3269FFF2D315}" dt="2020-03-08T03:15:06.664" v="0" actId="47"/>
-        <pc:sldMkLst>
-          <pc:docMk/>
-          <pc:sldMk cId="3610087256" sldId="352"/>
-        </pc:sldMkLst>
-      </pc:sldChg>
-      <pc:sldChg chg="addSp delSp modSp add mod">
-        <pc:chgData name="Samson Christopher" userId="6a13b5f1e64a53ae" providerId="LiveId" clId="{61360AC3-6AD3-417A-8CCB-3269FFF2D315}" dt="2020-03-08T03:30:43.335" v="1258" actId="1036"/>
-        <pc:sldMkLst>
-          <pc:docMk/>
-          <pc:sldMk cId="3691270676" sldId="352"/>
-        </pc:sldMkLst>
-        <pc:spChg chg="add del mod">
-          <ac:chgData name="Samson Christopher" userId="6a13b5f1e64a53ae" providerId="LiveId" clId="{61360AC3-6AD3-417A-8CCB-3269FFF2D315}" dt="2020-03-08T03:24:52.446" v="793" actId="478"/>
-          <ac:spMkLst>
-            <pc:docMk/>
-            <pc:sldMk cId="3691270676" sldId="352"/>
-            <ac:spMk id="2" creationId="{4F1C2D1B-F3FD-4B44-B250-86048B27ECC0}"/>
-          </ac:spMkLst>
-        </pc:spChg>
-        <pc:spChg chg="add mod">
-          <ac:chgData name="Samson Christopher" userId="6a13b5f1e64a53ae" providerId="LiveId" clId="{61360AC3-6AD3-417A-8CCB-3269FFF2D315}" dt="2020-03-08T03:30:43.335" v="1258" actId="1036"/>
-          <ac:spMkLst>
-            <pc:docMk/>
-            <pc:sldMk cId="3691270676" sldId="352"/>
-            <ac:spMk id="3" creationId="{80843E6F-92F5-41C3-9AB0-B2AB782834A3}"/>
-          </ac:spMkLst>
-        </pc:spChg>
-      </pc:sldChg>
-      <pc:sldChg chg="del">
-        <pc:chgData name="Samson Christopher" userId="6a13b5f1e64a53ae" providerId="LiveId" clId="{61360AC3-6AD3-417A-8CCB-3269FFF2D315}" dt="2020-03-08T03:15:07.093" v="1" actId="47"/>
-        <pc:sldMkLst>
-          <pc:docMk/>
-          <pc:sldMk cId="1159023188" sldId="353"/>
-        </pc:sldMkLst>
-      </pc:sldChg>
-      <pc:sldChg chg="addSp modSp add mod">
-        <pc:chgData name="Samson Christopher" userId="6a13b5f1e64a53ae" providerId="LiveId" clId="{61360AC3-6AD3-417A-8CCB-3269FFF2D315}" dt="2020-03-08T03:30:16.282" v="1208" actId="1035"/>
-        <pc:sldMkLst>
-          <pc:docMk/>
-          <pc:sldMk cId="3310956371" sldId="353"/>
-        </pc:sldMkLst>
-        <pc:spChg chg="add mod">
-          <ac:chgData name="Samson Christopher" userId="6a13b5f1e64a53ae" providerId="LiveId" clId="{61360AC3-6AD3-417A-8CCB-3269FFF2D315}" dt="2020-03-08T03:30:16.282" v="1208" actId="1035"/>
-          <ac:spMkLst>
-            <pc:docMk/>
-            <pc:sldMk cId="3310956371" sldId="353"/>
-            <ac:spMk id="2" creationId="{DCB1F461-2390-4D06-963A-C3BD76AF4F67}"/>
-          </ac:spMkLst>
-        </pc:spChg>
-      </pc:sldChg>
-      <pc:sldChg chg="addSp modSp add del mod">
-        <pc:chgData name="Samson Christopher" userId="6a13b5f1e64a53ae" providerId="LiveId" clId="{61360AC3-6AD3-417A-8CCB-3269FFF2D315}" dt="2020-03-08T03:24:48.628" v="783" actId="47"/>
-        <pc:sldMkLst>
-          <pc:docMk/>
-          <pc:sldMk cId="3494045026" sldId="353"/>
-        </pc:sldMkLst>
-        <pc:spChg chg="add mod">
-          <ac:chgData name="Samson Christopher" userId="6a13b5f1e64a53ae" providerId="LiveId" clId="{61360AC3-6AD3-417A-8CCB-3269FFF2D315}" dt="2020-03-08T03:22:29.258" v="782" actId="1035"/>
-          <ac:spMkLst>
-            <pc:docMk/>
-            <pc:sldMk cId="3494045026" sldId="353"/>
-            <ac:spMk id="2" creationId="{3270A842-971A-48FC-A3A4-643972C552AA}"/>
-          </ac:spMkLst>
-        </pc:spChg>
-      </pc:sldChg>
-      <pc:sldChg chg="addSp modSp add del mod">
-        <pc:chgData name="Samson Christopher" userId="6a13b5f1e64a53ae" providerId="LiveId" clId="{61360AC3-6AD3-417A-8CCB-3269FFF2D315}" dt="2020-03-08T03:24:49.132" v="784" actId="47"/>
-        <pc:sldMkLst>
-          <pc:docMk/>
-          <pc:sldMk cId="932658161" sldId="354"/>
-        </pc:sldMkLst>
-        <pc:spChg chg="add mod">
-          <ac:chgData name="Samson Christopher" userId="6a13b5f1e64a53ae" providerId="LiveId" clId="{61360AC3-6AD3-417A-8CCB-3269FFF2D315}" dt="2020-03-08T03:21:09.840" v="596" actId="1036"/>
-          <ac:spMkLst>
-            <pc:docMk/>
-            <pc:sldMk cId="932658161" sldId="354"/>
-            <ac:spMk id="2" creationId="{3B1F845E-F093-42BF-89F2-55D4BF00FC0A}"/>
-          </ac:spMkLst>
-        </pc:spChg>
-      </pc:sldChg>
-      <pc:sldChg chg="addSp modSp add mod">
-        <pc:chgData name="Samson Christopher" userId="6a13b5f1e64a53ae" providerId="LiveId" clId="{61360AC3-6AD3-417A-8CCB-3269FFF2D315}" dt="2020-03-08T03:29:55.546" v="1152" actId="1036"/>
-        <pc:sldMkLst>
-          <pc:docMk/>
-          <pc:sldMk cId="1318785818" sldId="354"/>
-        </pc:sldMkLst>
-        <pc:spChg chg="add mod">
-          <ac:chgData name="Samson Christopher" userId="6a13b5f1e64a53ae" providerId="LiveId" clId="{61360AC3-6AD3-417A-8CCB-3269FFF2D315}" dt="2020-03-08T03:29:55.546" v="1152" actId="1036"/>
-          <ac:spMkLst>
-            <pc:docMk/>
-            <pc:sldMk cId="1318785818" sldId="354"/>
-            <ac:spMk id="2" creationId="{65448034-8EE2-4660-B375-EB695A064EF3}"/>
-          </ac:spMkLst>
-        </pc:spChg>
-      </pc:sldChg>
-      <pc:sldChg chg="del">
-        <pc:chgData name="Samson Christopher" userId="6a13b5f1e64a53ae" providerId="LiveId" clId="{61360AC3-6AD3-417A-8CCB-3269FFF2D315}" dt="2020-03-08T03:15:07.324" v="2" actId="47"/>
-        <pc:sldMkLst>
-          <pc:docMk/>
-          <pc:sldMk cId="4078072832" sldId="354"/>
-        </pc:sldMkLst>
-      </pc:sldChg>
-      <pc:sldChg chg="addSp modSp add del mod">
-        <pc:chgData name="Samson Christopher" userId="6a13b5f1e64a53ae" providerId="LiveId" clId="{61360AC3-6AD3-417A-8CCB-3269FFF2D315}" dt="2020-03-08T03:24:49.175" v="785" actId="47"/>
-        <pc:sldMkLst>
-          <pc:docMk/>
-          <pc:sldMk cId="1265888838" sldId="355"/>
-        </pc:sldMkLst>
-        <pc:spChg chg="add mod">
-          <ac:chgData name="Samson Christopher" userId="6a13b5f1e64a53ae" providerId="LiveId" clId="{61360AC3-6AD3-417A-8CCB-3269FFF2D315}" dt="2020-03-08T03:20:50.417" v="545" actId="1035"/>
-          <ac:spMkLst>
-            <pc:docMk/>
-            <pc:sldMk cId="1265888838" sldId="355"/>
-            <ac:spMk id="2" creationId="{B8046C4B-F0D7-4840-B69D-35039D33A6A0}"/>
-          </ac:spMkLst>
-        </pc:spChg>
-      </pc:sldChg>
-      <pc:sldChg chg="del">
-        <pc:chgData name="Samson Christopher" userId="6a13b5f1e64a53ae" providerId="LiveId" clId="{61360AC3-6AD3-417A-8CCB-3269FFF2D315}" dt="2020-03-08T03:15:07.521" v="3" actId="47"/>
-        <pc:sldMkLst>
-          <pc:docMk/>
-          <pc:sldMk cId="2320480390" sldId="355"/>
-        </pc:sldMkLst>
-      </pc:sldChg>
-      <pc:sldChg chg="addSp modSp add mod">
-        <pc:chgData name="Samson Christopher" userId="6a13b5f1e64a53ae" providerId="LiveId" clId="{61360AC3-6AD3-417A-8CCB-3269FFF2D315}" dt="2020-03-08T03:29:20.308" v="1082" actId="1036"/>
-        <pc:sldMkLst>
-          <pc:docMk/>
-          <pc:sldMk cId="4276967159" sldId="355"/>
-        </pc:sldMkLst>
-        <pc:spChg chg="add mod">
-          <ac:chgData name="Samson Christopher" userId="6a13b5f1e64a53ae" providerId="LiveId" clId="{61360AC3-6AD3-417A-8CCB-3269FFF2D315}" dt="2020-03-08T03:29:20.308" v="1082" actId="1036"/>
-          <ac:spMkLst>
-            <pc:docMk/>
-            <pc:sldMk cId="4276967159" sldId="355"/>
-            <ac:spMk id="2" creationId="{69010008-95AB-42C0-94F9-199F083F81C7}"/>
-          </ac:spMkLst>
-        </pc:spChg>
-      </pc:sldChg>
-      <pc:sldChg chg="addSp modSp add del mod">
-        <pc:chgData name="Samson Christopher" userId="6a13b5f1e64a53ae" providerId="LiveId" clId="{61360AC3-6AD3-417A-8CCB-3269FFF2D315}" dt="2020-03-08T03:24:49.199" v="786" actId="47"/>
-        <pc:sldMkLst>
-          <pc:docMk/>
-          <pc:sldMk cId="950897292" sldId="356"/>
-        </pc:sldMkLst>
-        <pc:spChg chg="add mod">
-          <ac:chgData name="Samson Christopher" userId="6a13b5f1e64a53ae" providerId="LiveId" clId="{61360AC3-6AD3-417A-8CCB-3269FFF2D315}" dt="2020-03-08T03:20:31.844" v="466" actId="1036"/>
-          <ac:spMkLst>
-            <pc:docMk/>
-            <pc:sldMk cId="950897292" sldId="356"/>
-            <ac:spMk id="2" creationId="{41E22FBE-71B0-4EF7-9F6B-9A0B8428232D}"/>
-          </ac:spMkLst>
-        </pc:spChg>
-      </pc:sldChg>
-      <pc:sldChg chg="del">
-        <pc:chgData name="Samson Christopher" userId="6a13b5f1e64a53ae" providerId="LiveId" clId="{61360AC3-6AD3-417A-8CCB-3269FFF2D315}" dt="2020-03-08T03:15:07.756" v="4" actId="47"/>
-        <pc:sldMkLst>
-          <pc:docMk/>
-          <pc:sldMk cId="999495230" sldId="356"/>
-        </pc:sldMkLst>
-      </pc:sldChg>
-      <pc:sldChg chg="addSp modSp add mod">
-        <pc:chgData name="Samson Christopher" userId="6a13b5f1e64a53ae" providerId="LiveId" clId="{61360AC3-6AD3-417A-8CCB-3269FFF2D315}" dt="2020-03-08T03:28:52.868" v="1029" actId="1035"/>
-        <pc:sldMkLst>
-          <pc:docMk/>
-          <pc:sldMk cId="1986422585" sldId="356"/>
-        </pc:sldMkLst>
-        <pc:spChg chg="add mod">
-          <ac:chgData name="Samson Christopher" userId="6a13b5f1e64a53ae" providerId="LiveId" clId="{61360AC3-6AD3-417A-8CCB-3269FFF2D315}" dt="2020-03-08T03:28:52.868" v="1029" actId="1035"/>
-          <ac:spMkLst>
-            <pc:docMk/>
-            <pc:sldMk cId="1986422585" sldId="356"/>
-            <ac:spMk id="2" creationId="{02791ED7-1AA5-4F34-91BE-CEBA52AD18F3}"/>
-          </ac:spMkLst>
-        </pc:spChg>
-      </pc:sldChg>
-      <pc:sldChg chg="addSp modSp add del mod">
-        <pc:chgData name="Samson Christopher" userId="6a13b5f1e64a53ae" providerId="LiveId" clId="{61360AC3-6AD3-417A-8CCB-3269FFF2D315}" dt="2020-03-08T03:24:49.238" v="787" actId="47"/>
-        <pc:sldMkLst>
-          <pc:docMk/>
-          <pc:sldMk cId="294666723" sldId="357"/>
-        </pc:sldMkLst>
-        <pc:spChg chg="add mod">
-          <ac:chgData name="Samson Christopher" userId="6a13b5f1e64a53ae" providerId="LiveId" clId="{61360AC3-6AD3-417A-8CCB-3269FFF2D315}" dt="2020-03-08T03:20:16.705" v="412" actId="1036"/>
-          <ac:spMkLst>
-            <pc:docMk/>
-            <pc:sldMk cId="294666723" sldId="357"/>
-            <ac:spMk id="2" creationId="{F1BF725F-B996-458E-9CAB-3AA9D4B4E2AD}"/>
-          </ac:spMkLst>
-        </pc:spChg>
-      </pc:sldChg>
-      <pc:sldChg chg="del">
-        <pc:chgData name="Samson Christopher" userId="6a13b5f1e64a53ae" providerId="LiveId" clId="{61360AC3-6AD3-417A-8CCB-3269FFF2D315}" dt="2020-03-08T03:15:08.082" v="5" actId="47"/>
-        <pc:sldMkLst>
-          <pc:docMk/>
-          <pc:sldMk cId="686667494" sldId="357"/>
-        </pc:sldMkLst>
-      </pc:sldChg>
-      <pc:sldChg chg="addSp modSp add mod">
-        <pc:chgData name="Samson Christopher" userId="6a13b5f1e64a53ae" providerId="LiveId" clId="{61360AC3-6AD3-417A-8CCB-3269FFF2D315}" dt="2020-03-08T03:28:19.589" v="964" actId="1036"/>
-        <pc:sldMkLst>
-          <pc:docMk/>
-          <pc:sldMk cId="1072175552" sldId="357"/>
-        </pc:sldMkLst>
-        <pc:spChg chg="add mod">
-          <ac:chgData name="Samson Christopher" userId="6a13b5f1e64a53ae" providerId="LiveId" clId="{61360AC3-6AD3-417A-8CCB-3269FFF2D315}" dt="2020-03-08T03:28:19.589" v="964" actId="1036"/>
-          <ac:spMkLst>
-            <pc:docMk/>
-            <pc:sldMk cId="1072175552" sldId="357"/>
-            <ac:spMk id="2" creationId="{B0496426-FF4C-494D-9F93-610499F2C24A}"/>
-          </ac:spMkLst>
-        </pc:spChg>
-      </pc:sldChg>
-      <pc:sldChg chg="addSp modSp add del mod">
-        <pc:chgData name="Samson Christopher" userId="6a13b5f1e64a53ae" providerId="LiveId" clId="{61360AC3-6AD3-417A-8CCB-3269FFF2D315}" dt="2020-03-08T03:24:49.263" v="788" actId="47"/>
-        <pc:sldMkLst>
-          <pc:docMk/>
-          <pc:sldMk cId="317516479" sldId="358"/>
-        </pc:sldMkLst>
-        <pc:spChg chg="add mod">
-          <ac:chgData name="Samson Christopher" userId="6a13b5f1e64a53ae" providerId="LiveId" clId="{61360AC3-6AD3-417A-8CCB-3269FFF2D315}" dt="2020-03-08T03:20:05.295" v="365" actId="1036"/>
-          <ac:spMkLst>
-            <pc:docMk/>
-            <pc:sldMk cId="317516479" sldId="358"/>
-            <ac:spMk id="2" creationId="{F7CBA0A2-D0FC-4A3D-96E4-A6730C973B9D}"/>
-          </ac:spMkLst>
-        </pc:spChg>
-      </pc:sldChg>
-      <pc:sldChg chg="addSp modSp add mod">
-        <pc:chgData name="Samson Christopher" userId="6a13b5f1e64a53ae" providerId="LiveId" clId="{61360AC3-6AD3-417A-8CCB-3269FFF2D315}" dt="2020-03-08T03:26:47.950" v="894" actId="1035"/>
-        <pc:sldMkLst>
-          <pc:docMk/>
-          <pc:sldMk cId="359903147" sldId="358"/>
-        </pc:sldMkLst>
-        <pc:spChg chg="add mod">
-          <ac:chgData name="Samson Christopher" userId="6a13b5f1e64a53ae" providerId="LiveId" clId="{61360AC3-6AD3-417A-8CCB-3269FFF2D315}" dt="2020-03-08T03:26:47.950" v="894" actId="1035"/>
-          <ac:spMkLst>
-            <pc:docMk/>
-            <pc:sldMk cId="359903147" sldId="358"/>
-            <ac:spMk id="2" creationId="{C8C3C3D9-93CE-4A3F-9EA7-BB3E880BD269}"/>
-          </ac:spMkLst>
-        </pc:spChg>
-      </pc:sldChg>
-      <pc:sldChg chg="add del">
-        <pc:chgData name="Samson Christopher" userId="6a13b5f1e64a53ae" providerId="LiveId" clId="{61360AC3-6AD3-417A-8CCB-3269FFF2D315}" dt="2020-03-08T03:25:05.404" v="813"/>
-        <pc:sldMkLst>
-          <pc:docMk/>
-          <pc:sldMk cId="2225439150" sldId="359"/>
-        </pc:sldMkLst>
-      </pc:sldChg>
-      <pc:sldChg chg="addSp modSp add del mod">
-        <pc:chgData name="Samson Christopher" userId="6a13b5f1e64a53ae" providerId="LiveId" clId="{61360AC3-6AD3-417A-8CCB-3269FFF2D315}" dt="2020-03-08T03:24:49.305" v="789" actId="47"/>
-        <pc:sldMkLst>
-          <pc:docMk/>
-          <pc:sldMk cId="4064084081" sldId="359"/>
-        </pc:sldMkLst>
-        <pc:spChg chg="add mod">
-          <ac:chgData name="Samson Christopher" userId="6a13b5f1e64a53ae" providerId="LiveId" clId="{61360AC3-6AD3-417A-8CCB-3269FFF2D315}" dt="2020-03-08T03:19:51.202" v="310" actId="1036"/>
-          <ac:spMkLst>
-            <pc:docMk/>
-            <pc:sldMk cId="4064084081" sldId="359"/>
-            <ac:spMk id="2" creationId="{D570FD93-3826-4701-854B-C358E7AB577F}"/>
-          </ac:spMkLst>
-        </pc:spChg>
-      </pc:sldChg>
-      <pc:sldChg chg="add del">
-        <pc:chgData name="Samson Christopher" userId="6a13b5f1e64a53ae" providerId="LiveId" clId="{61360AC3-6AD3-417A-8CCB-3269FFF2D315}" dt="2020-03-08T03:25:05.158" v="812"/>
-        <pc:sldMkLst>
-          <pc:docMk/>
-          <pc:sldMk cId="1433836134" sldId="360"/>
-        </pc:sldMkLst>
-      </pc:sldChg>
-      <pc:sldChg chg="addSp modSp add del mod">
-        <pc:chgData name="Samson Christopher" userId="6a13b5f1e64a53ae" providerId="LiveId" clId="{61360AC3-6AD3-417A-8CCB-3269FFF2D315}" dt="2020-03-08T03:24:49.329" v="790" actId="47"/>
-        <pc:sldMkLst>
-          <pc:docMk/>
-          <pc:sldMk cId="4081603751" sldId="360"/>
-        </pc:sldMkLst>
-        <pc:spChg chg="add mod">
-          <ac:chgData name="Samson Christopher" userId="6a13b5f1e64a53ae" providerId="LiveId" clId="{61360AC3-6AD3-417A-8CCB-3269FFF2D315}" dt="2020-03-08T03:19:19.856" v="247" actId="1036"/>
-          <ac:spMkLst>
-            <pc:docMk/>
-            <pc:sldMk cId="4081603751" sldId="360"/>
-            <ac:spMk id="2" creationId="{BD69108E-9B39-4A98-B063-00664E87B1FC}"/>
-          </ac:spMkLst>
-        </pc:spChg>
-      </pc:sldChg>
-      <pc:sldChg chg="add del">
-        <pc:chgData name="Samson Christopher" userId="6a13b5f1e64a53ae" providerId="LiveId" clId="{61360AC3-6AD3-417A-8CCB-3269FFF2D315}" dt="2020-03-08T03:25:04.935" v="811"/>
-        <pc:sldMkLst>
-          <pc:docMk/>
-          <pc:sldMk cId="2479000936" sldId="361"/>
-        </pc:sldMkLst>
-      </pc:sldChg>
-      <pc:sldChg chg="addSp modSp add del mod">
-        <pc:chgData name="Samson Christopher" userId="6a13b5f1e64a53ae" providerId="LiveId" clId="{61360AC3-6AD3-417A-8CCB-3269FFF2D315}" dt="2020-03-08T03:24:49.373" v="791" actId="47"/>
-        <pc:sldMkLst>
-          <pc:docMk/>
-          <pc:sldMk cId="3128746350" sldId="361"/>
-        </pc:sldMkLst>
-        <pc:spChg chg="add mod">
-          <ac:chgData name="Samson Christopher" userId="6a13b5f1e64a53ae" providerId="LiveId" clId="{61360AC3-6AD3-417A-8CCB-3269FFF2D315}" dt="2020-03-08T03:18:49.804" v="166" actId="1035"/>
-          <ac:spMkLst>
-            <pc:docMk/>
-            <pc:sldMk cId="3128746350" sldId="361"/>
-            <ac:spMk id="2" creationId="{C2037045-2BAE-4F52-83E4-A680418AD49E}"/>
-          </ac:spMkLst>
-        </pc:spChg>
-      </pc:sldChg>
-      <pc:sldChg chg="addSp modSp add del mod">
-        <pc:chgData name="Samson Christopher" userId="6a13b5f1e64a53ae" providerId="LiveId" clId="{61360AC3-6AD3-417A-8CCB-3269FFF2D315}" dt="2020-03-08T03:24:49.403" v="792" actId="47"/>
-        <pc:sldMkLst>
-          <pc:docMk/>
-          <pc:sldMk cId="79244734" sldId="362"/>
-        </pc:sldMkLst>
-        <pc:spChg chg="add mod">
-          <ac:chgData name="Samson Christopher" userId="6a13b5f1e64a53ae" providerId="LiveId" clId="{61360AC3-6AD3-417A-8CCB-3269FFF2D315}" dt="2020-03-08T03:18:36.436" v="110" actId="1036"/>
-          <ac:spMkLst>
-            <pc:docMk/>
-            <pc:sldMk cId="79244734" sldId="362"/>
-            <ac:spMk id="2" creationId="{C5575AE2-766F-49B2-BB8E-8B7646CC1FB8}"/>
-          </ac:spMkLst>
-        </pc:spChg>
-      </pc:sldChg>
-      <pc:sldChg chg="add del">
-        <pc:chgData name="Samson Christopher" userId="6a13b5f1e64a53ae" providerId="LiveId" clId="{61360AC3-6AD3-417A-8CCB-3269FFF2D315}" dt="2020-03-08T03:25:04.720" v="810"/>
-        <pc:sldMkLst>
-          <pc:docMk/>
-          <pc:sldMk cId="4096340065" sldId="362"/>
-        </pc:sldMkLst>
-      </pc:sldChg>
-      <pc:sldChg chg="add del">
-        <pc:chgData name="Samson Christopher" userId="6a13b5f1e64a53ae" providerId="LiveId" clId="{61360AC3-6AD3-417A-8CCB-3269FFF2D315}" dt="2020-03-08T03:25:04.530" v="809"/>
-        <pc:sldMkLst>
-          <pc:docMk/>
-          <pc:sldMk cId="37419800" sldId="363"/>
-        </pc:sldMkLst>
-      </pc:sldChg>
-      <pc:sldChg chg="add del">
-        <pc:chgData name="Samson Christopher" userId="6a13b5f1e64a53ae" providerId="LiveId" clId="{61360AC3-6AD3-417A-8CCB-3269FFF2D315}" dt="2020-03-08T03:25:04.343" v="808"/>
-        <pc:sldMkLst>
-          <pc:docMk/>
-          <pc:sldMk cId="2239840696" sldId="364"/>
-        </pc:sldMkLst>
-      </pc:sldChg>
-      <pc:sldChg chg="add del">
-        <pc:chgData name="Samson Christopher" userId="6a13b5f1e64a53ae" providerId="LiveId" clId="{61360AC3-6AD3-417A-8CCB-3269FFF2D315}" dt="2020-03-08T03:25:04.164" v="807"/>
-        <pc:sldMkLst>
-          <pc:docMk/>
-          <pc:sldMk cId="2996473863" sldId="365"/>
         </pc:sldMkLst>
       </pc:sldChg>
     </pc:docChg>
@@ -24151,7 +24151,7 @@
           <a:p>
             <a:fld id="{CCB236BB-53DE-4462-8C4F-7698E6995948}" type="datetimeFigureOut">
               <a:rPr lang="en-IN" smtClean="0"/>
-              <a:t>31-01-2021</a:t>
+              <a:t>05-01-2021</a:t>
             </a:fld>
             <a:endParaRPr lang="en-IN" dirty="0"/>
           </a:p>
@@ -24351,7 +24351,7 @@
           <a:p>
             <a:fld id="{CCB236BB-53DE-4462-8C4F-7698E6995948}" type="datetimeFigureOut">
               <a:rPr lang="en-IN" smtClean="0"/>
-              <a:t>31-01-2021</a:t>
+              <a:t>05-01-2021</a:t>
             </a:fld>
             <a:endParaRPr lang="en-IN" dirty="0"/>
           </a:p>
@@ -24561,7 +24561,7 @@
           <a:p>
             <a:fld id="{CCB236BB-53DE-4462-8C4F-7698E6995948}" type="datetimeFigureOut">
               <a:rPr lang="en-IN" smtClean="0"/>
-              <a:t>31-01-2021</a:t>
+              <a:t>05-01-2021</a:t>
             </a:fld>
             <a:endParaRPr lang="en-IN" dirty="0"/>
           </a:p>
@@ -24761,7 +24761,7 @@
           <a:p>
             <a:fld id="{CCB236BB-53DE-4462-8C4F-7698E6995948}" type="datetimeFigureOut">
               <a:rPr lang="en-IN" smtClean="0"/>
-              <a:t>31-01-2021</a:t>
+              <a:t>05-01-2021</a:t>
             </a:fld>
             <a:endParaRPr lang="en-IN" dirty="0"/>
           </a:p>
@@ -25037,7 +25037,7 @@
           <a:p>
             <a:fld id="{CCB236BB-53DE-4462-8C4F-7698E6995948}" type="datetimeFigureOut">
               <a:rPr lang="en-IN" smtClean="0"/>
-              <a:t>31-01-2021</a:t>
+              <a:t>05-01-2021</a:t>
             </a:fld>
             <a:endParaRPr lang="en-IN" dirty="0"/>
           </a:p>
@@ -25305,7 +25305,7 @@
           <a:p>
             <a:fld id="{CCB236BB-53DE-4462-8C4F-7698E6995948}" type="datetimeFigureOut">
               <a:rPr lang="en-IN" smtClean="0"/>
-              <a:t>31-01-2021</a:t>
+              <a:t>05-01-2021</a:t>
             </a:fld>
             <a:endParaRPr lang="en-IN" dirty="0"/>
           </a:p>
@@ -25720,7 +25720,7 @@
           <a:p>
             <a:fld id="{CCB236BB-53DE-4462-8C4F-7698E6995948}" type="datetimeFigureOut">
               <a:rPr lang="en-IN" smtClean="0"/>
-              <a:t>31-01-2021</a:t>
+              <a:t>05-01-2021</a:t>
             </a:fld>
             <a:endParaRPr lang="en-IN" dirty="0"/>
           </a:p>
@@ -25862,7 +25862,7 @@
           <a:p>
             <a:fld id="{CCB236BB-53DE-4462-8C4F-7698E6995948}" type="datetimeFigureOut">
               <a:rPr lang="en-IN" smtClean="0"/>
-              <a:t>31-01-2021</a:t>
+              <a:t>05-01-2021</a:t>
             </a:fld>
             <a:endParaRPr lang="en-IN" dirty="0"/>
           </a:p>
@@ -25975,7 +25975,7 @@
           <a:p>
             <a:fld id="{CCB236BB-53DE-4462-8C4F-7698E6995948}" type="datetimeFigureOut">
               <a:rPr lang="en-IN" smtClean="0"/>
-              <a:t>31-01-2021</a:t>
+              <a:t>05-01-2021</a:t>
             </a:fld>
             <a:endParaRPr lang="en-IN" dirty="0"/>
           </a:p>
@@ -26288,7 +26288,7 @@
           <a:p>
             <a:fld id="{CCB236BB-53DE-4462-8C4F-7698E6995948}" type="datetimeFigureOut">
               <a:rPr lang="en-IN" smtClean="0"/>
-              <a:t>31-01-2021</a:t>
+              <a:t>05-01-2021</a:t>
             </a:fld>
             <a:endParaRPr lang="en-IN" dirty="0"/>
           </a:p>
@@ -26577,7 +26577,7 @@
           <a:p>
             <a:fld id="{CCB236BB-53DE-4462-8C4F-7698E6995948}" type="datetimeFigureOut">
               <a:rPr lang="en-IN" smtClean="0"/>
-              <a:t>31-01-2021</a:t>
+              <a:t>05-01-2021</a:t>
             </a:fld>
             <a:endParaRPr lang="en-IN" dirty="0"/>
           </a:p>
@@ -26823,7 +26823,7 @@
           <a:p>
             <a:fld id="{CCB236BB-53DE-4462-8C4F-7698E6995948}" type="datetimeFigureOut">
               <a:rPr lang="en-IN" smtClean="0"/>
-              <a:t>31-01-2021</a:t>
+              <a:t>05-01-2021</a:t>
             </a:fld>
             <a:endParaRPr lang="en-IN" dirty="0"/>
           </a:p>
@@ -27571,7 +27571,15 @@
             </a:r>
             <a:r>
               <a:rPr lang="en-IN" dirty="0"/>
-              <a:t>]</a:t>
+              <a:t>] – 2 </a:t>
+            </a:r>
+            <a:r>
+              <a:rPr lang="en-IN" dirty="0" err="1"/>
+              <a:t>BWôRû</a:t>
+            </a:r>
+            <a:r>
+              <a:rPr lang="en-IN" dirty="0"/>
+              <a:t>] - 4</a:t>
             </a:r>
           </a:p>
         </p:txBody>
